--- a/Report/Nhom9_SingedShop_FinalUltimateVersion.pptx
+++ b/Report/Nhom9_SingedShop_FinalUltimateVersion.pptx
@@ -5,7 +5,7 @@
     <p:sldMasterId id="2147483775" r:id="rId1"/>
   </p:sldMasterIdLst>
   <p:notesMasterIdLst>
-    <p:notesMasterId r:id="rId27"/>
+    <p:notesMasterId r:id="rId26"/>
   </p:notesMasterIdLst>
   <p:sldIdLst>
     <p:sldId id="260" r:id="rId2"/>
@@ -19,8 +19,8 @@
     <p:sldId id="320" r:id="rId10"/>
     <p:sldId id="263" r:id="rId11"/>
     <p:sldId id="264" r:id="rId12"/>
-    <p:sldId id="295" r:id="rId13"/>
-    <p:sldId id="265" r:id="rId14"/>
+    <p:sldId id="321" r:id="rId13"/>
+    <p:sldId id="322" r:id="rId14"/>
     <p:sldId id="267" r:id="rId15"/>
     <p:sldId id="268" r:id="rId16"/>
     <p:sldId id="296" r:id="rId17"/>
@@ -31,33 +31,39 @@
     <p:sldId id="315" r:id="rId22"/>
     <p:sldId id="301" r:id="rId23"/>
     <p:sldId id="302" r:id="rId24"/>
-    <p:sldId id="303" r:id="rId25"/>
-    <p:sldId id="256" r:id="rId26"/>
+    <p:sldId id="256" r:id="rId25"/>
   </p:sldIdLst>
   <p:sldSz cx="9144000" cy="5143500" type="screen16x9"/>
   <p:notesSz cx="6858000" cy="9144000"/>
   <p:embeddedFontLst>
     <p:embeddedFont>
+      <p:font typeface="Bookman Old Style" panose="02050604050505020204" pitchFamily="18" charset="0"/>
+      <p:regular r:id="rId27"/>
+      <p:bold r:id="rId28"/>
+      <p:italic r:id="rId29"/>
+      <p:boldItalic r:id="rId30"/>
+    </p:embeddedFont>
+    <p:embeddedFont>
       <p:font typeface="Calibri" panose="020F0502020204030204" pitchFamily="34" charset="0"/>
-      <p:regular r:id="rId28"/>
-      <p:bold r:id="rId29"/>
-      <p:italic r:id="rId30"/>
-      <p:boldItalic r:id="rId31"/>
+      <p:regular r:id="rId31"/>
+      <p:bold r:id="rId32"/>
+      <p:italic r:id="rId33"/>
+      <p:boldItalic r:id="rId34"/>
     </p:embeddedFont>
     <p:embeddedFont>
       <p:font typeface="Space Grotesk Light" panose="020B0604020202020204" charset="0"/>
-      <p:bold r:id="rId32"/>
+      <p:bold r:id="rId35"/>
     </p:embeddedFont>
     <p:embeddedFont>
       <p:font typeface="Trebuchet MS" panose="020B0603020202020204" pitchFamily="34" charset="0"/>
-      <p:regular r:id="rId33"/>
-      <p:bold r:id="rId34"/>
-      <p:italic r:id="rId35"/>
-      <p:boldItalic r:id="rId36"/>
+      <p:regular r:id="rId36"/>
+      <p:bold r:id="rId37"/>
+      <p:italic r:id="rId38"/>
+      <p:boldItalic r:id="rId39"/>
     </p:embeddedFont>
     <p:embeddedFont>
       <p:font typeface="Wingdings 3" panose="05040102010807070707" pitchFamily="18" charset="2"/>
-      <p:regular r:id="rId37"/>
+      <p:regular r:id="rId40"/>
     </p:embeddedFont>
   </p:embeddedFontLst>
   <p:defaultTextStyle>
@@ -1545,110 +1551,6 @@
   <p:cSld>
     <p:spTree>
       <p:nvGrpSpPr>
-        <p:cNvPr id="1" name="Shape 971"/>
-        <p:cNvGrpSpPr/>
-        <p:nvPr/>
-      </p:nvGrpSpPr>
-      <p:grpSpPr>
-        <a:xfrm>
-          <a:off x="0" y="0"/>
-          <a:ext cx="0" cy="0"/>
-          <a:chOff x="0" y="0"/>
-          <a:chExt cx="0" cy="0"/>
-        </a:xfrm>
-      </p:grpSpPr>
-      <p:sp>
-        <p:nvSpPr>
-          <p:cNvPr id="972" name="Google Shape;972;g35f391192_073:notes"/>
-          <p:cNvSpPr>
-            <a:spLocks noGrp="1" noRot="1" noChangeAspect="1"/>
-          </p:cNvSpPr>
-          <p:nvPr>
-            <p:ph type="sldImg" idx="2"/>
-          </p:nvPr>
-        </p:nvSpPr>
-        <p:spPr>
-          <a:xfrm>
-            <a:off x="381000" y="685800"/>
-            <a:ext cx="6096000" cy="3429000"/>
-          </a:xfrm>
-          <a:custGeom>
-            <a:avLst/>
-            <a:gdLst/>
-            <a:ahLst/>
-            <a:cxnLst/>
-            <a:rect l="l" t="t" r="r" b="b"/>
-            <a:pathLst>
-              <a:path w="120000" h="120000" extrusionOk="0">
-                <a:moveTo>
-                  <a:pt x="0" y="0"/>
-                </a:moveTo>
-                <a:lnTo>
-                  <a:pt x="120000" y="0"/>
-                </a:lnTo>
-                <a:lnTo>
-                  <a:pt x="120000" y="120000"/>
-                </a:lnTo>
-                <a:lnTo>
-                  <a:pt x="0" y="120000"/>
-                </a:lnTo>
-                <a:close/>
-              </a:path>
-            </a:pathLst>
-          </a:custGeom>
-        </p:spPr>
-      </p:sp>
-      <p:sp>
-        <p:nvSpPr>
-          <p:cNvPr id="973" name="Google Shape;973;g35f391192_073:notes"/>
-          <p:cNvSpPr txBox="1">
-            <a:spLocks noGrp="1"/>
-          </p:cNvSpPr>
-          <p:nvPr>
-            <p:ph type="body" idx="1"/>
-          </p:nvPr>
-        </p:nvSpPr>
-        <p:spPr>
-          <a:xfrm>
-            <a:off x="685800" y="4343400"/>
-            <a:ext cx="5486400" cy="4114800"/>
-          </a:xfrm>
-          <a:prstGeom prst="rect">
-            <a:avLst/>
-          </a:prstGeom>
-        </p:spPr>
-        <p:txBody>
-          <a:bodyPr spcFirstLastPara="1" wrap="square" lIns="91425" tIns="91425" rIns="91425" bIns="91425" anchor="t" anchorCtr="0">
-            <a:noAutofit/>
-          </a:bodyPr>
-          <a:lstStyle/>
-          <a:p>
-            <a:pPr marL="0" lvl="0" indent="0" algn="l" rtl="0">
-              <a:spcBef>
-                <a:spcPts val="0"/>
-              </a:spcBef>
-              <a:spcAft>
-                <a:spcPts val="0"/>
-              </a:spcAft>
-              <a:buNone/>
-            </a:pPr>
-            <a:endParaRPr/>
-          </a:p>
-        </p:txBody>
-      </p:sp>
-    </p:spTree>
-  </p:cSld>
-  <p:clrMapOvr>
-    <a:masterClrMapping/>
-  </p:clrMapOvr>
-</p:notes>
-</file>
-
-<file path=ppt/notesSlides/notesSlide19.xml><?xml version="1.0" encoding="utf-8"?>
-<p:notes xmlns:a="http://schemas.openxmlformats.org/drawingml/2006/main" xmlns:r="http://schemas.openxmlformats.org/officeDocument/2006/relationships" xmlns:p="http://schemas.openxmlformats.org/presentationml/2006/main" showMasterSp="0" showMasterPhAnim="0">
-  <p:cSld>
-    <p:spTree>
-      <p:nvGrpSpPr>
         <p:cNvPr id="1" name="Shape 873"/>
         <p:cNvGrpSpPr/>
         <p:nvPr/>
@@ -2169,7 +2071,7 @@
   <p:cSld>
     <p:spTree>
       <p:nvGrpSpPr>
-        <p:cNvPr id="1" name="Shape 957"/>
+        <p:cNvPr id="1" name="Shape 948"/>
         <p:cNvGrpSpPr/>
         <p:nvPr/>
       </p:nvGrpSpPr>
@@ -2183,7 +2085,7 @@
       </p:grpSpPr>
       <p:sp>
         <p:nvSpPr>
-          <p:cNvPr id="958" name="Google Shape;958;g35f391192_057:notes"/>
+          <p:cNvPr id="949" name="Google Shape;949;g35f391192_045:notes"/>
           <p:cNvSpPr>
             <a:spLocks noGrp="1" noRot="1" noChangeAspect="1"/>
           </p:cNvSpPr>
@@ -2224,7 +2126,7 @@
       </p:sp>
       <p:sp>
         <p:nvSpPr>
-          <p:cNvPr id="959" name="Google Shape;959;g35f391192_057:notes"/>
+          <p:cNvPr id="950" name="Google Shape;950;g35f391192_045:notes"/>
           <p:cNvSpPr txBox="1">
             <a:spLocks noGrp="1"/>
           </p:cNvSpPr>
@@ -2261,6 +2163,11 @@
         </p:txBody>
       </p:sp>
     </p:spTree>
+    <p:extLst>
+      <p:ext uri="{BB962C8B-B14F-4D97-AF65-F5344CB8AC3E}">
+        <p14:creationId xmlns:p14="http://schemas.microsoft.com/office/powerpoint/2010/main" val="2097292448"/>
+      </p:ext>
+    </p:extLst>
   </p:cSld>
   <p:clrMapOvr>
     <a:masterClrMapping/>
@@ -2273,7 +2180,7 @@
   <p:cSld>
     <p:spTree>
       <p:nvGrpSpPr>
-        <p:cNvPr id="1" name="Shape 957"/>
+        <p:cNvPr id="1" name="Shape 948"/>
         <p:cNvGrpSpPr/>
         <p:nvPr/>
       </p:nvGrpSpPr>
@@ -2287,7 +2194,7 @@
       </p:grpSpPr>
       <p:sp>
         <p:nvSpPr>
-          <p:cNvPr id="958" name="Google Shape;958;g35f391192_057:notes"/>
+          <p:cNvPr id="949" name="Google Shape;949;g35f391192_045:notes"/>
           <p:cNvSpPr>
             <a:spLocks noGrp="1" noRot="1" noChangeAspect="1"/>
           </p:cNvSpPr>
@@ -2328,7 +2235,7 @@
       </p:sp>
       <p:sp>
         <p:nvSpPr>
-          <p:cNvPr id="959" name="Google Shape;959;g35f391192_057:notes"/>
+          <p:cNvPr id="950" name="Google Shape;950;g35f391192_045:notes"/>
           <p:cNvSpPr txBox="1">
             <a:spLocks noGrp="1"/>
           </p:cNvSpPr>
@@ -2365,6 +2272,11 @@
         </p:txBody>
       </p:sp>
     </p:spTree>
+    <p:extLst>
+      <p:ext uri="{BB962C8B-B14F-4D97-AF65-F5344CB8AC3E}">
+        <p14:creationId xmlns:p14="http://schemas.microsoft.com/office/powerpoint/2010/main" val="471537367"/>
+      </p:ext>
+    </p:extLst>
   </p:cSld>
   <p:clrMapOvr>
     <a:masterClrMapping/>
@@ -3302,7 +3214,7 @@
           <a:p>
             <a:fld id="{8CF07430-CAA3-4F3D-9BF9-ECF6B8322E9C}" type="datetimeFigureOut">
               <a:rPr lang="en-US" smtClean="0"/>
-              <a:t>12/9/2023</a:t>
+              <a:t>12/11/2023</a:t>
             </a:fld>
             <a:endParaRPr lang="en-US"/>
           </a:p>
@@ -3563,7 +3475,7 @@
           <a:p>
             <a:fld id="{8CF07430-CAA3-4F3D-9BF9-ECF6B8322E9C}" type="datetimeFigureOut">
               <a:rPr lang="en-US" smtClean="0"/>
-              <a:t>12/9/2023</a:t>
+              <a:t>12/11/2023</a:t>
             </a:fld>
             <a:endParaRPr lang="en-US"/>
           </a:p>
@@ -3887,7 +3799,7 @@
           <a:p>
             <a:fld id="{8CF07430-CAA3-4F3D-9BF9-ECF6B8322E9C}" type="datetimeFigureOut">
               <a:rPr lang="en-US" smtClean="0"/>
-              <a:t>12/9/2023</a:t>
+              <a:t>12/11/2023</a:t>
             </a:fld>
             <a:endParaRPr lang="en-US"/>
           </a:p>
@@ -4238,7 +4150,7 @@
           <a:p>
             <a:fld id="{8CF07430-CAA3-4F3D-9BF9-ECF6B8322E9C}" type="datetimeFigureOut">
               <a:rPr lang="en-US" smtClean="0"/>
-              <a:t>12/9/2023</a:t>
+              <a:t>12/11/2023</a:t>
             </a:fld>
             <a:endParaRPr lang="en-US"/>
           </a:p>
@@ -4562,7 +4474,7 @@
           <a:p>
             <a:fld id="{8CF07430-CAA3-4F3D-9BF9-ECF6B8322E9C}" type="datetimeFigureOut">
               <a:rPr lang="en-US" smtClean="0"/>
-              <a:t>12/9/2023</a:t>
+              <a:t>12/11/2023</a:t>
             </a:fld>
             <a:endParaRPr lang="en-US"/>
           </a:p>
@@ -4965,7 +4877,7 @@
           <a:p>
             <a:fld id="{8CF07430-CAA3-4F3D-9BF9-ECF6B8322E9C}" type="datetimeFigureOut">
               <a:rPr lang="en-US" smtClean="0"/>
-              <a:t>12/9/2023</a:t>
+              <a:t>12/11/2023</a:t>
             </a:fld>
             <a:endParaRPr lang="en-US"/>
           </a:p>
@@ -5145,7 +5057,7 @@
           <a:p>
             <a:fld id="{8CF07430-CAA3-4F3D-9BF9-ECF6B8322E9C}" type="datetimeFigureOut">
               <a:rPr lang="en-US" smtClean="0"/>
-              <a:t>12/9/2023</a:t>
+              <a:t>12/11/2023</a:t>
             </a:fld>
             <a:endParaRPr lang="en-US"/>
           </a:p>
@@ -5335,7 +5247,7 @@
           <a:p>
             <a:fld id="{8CF07430-CAA3-4F3D-9BF9-ECF6B8322E9C}" type="datetimeFigureOut">
               <a:rPr lang="en-US" smtClean="0"/>
-              <a:t>12/9/2023</a:t>
+              <a:t>12/11/2023</a:t>
             </a:fld>
             <a:endParaRPr lang="en-US"/>
           </a:p>
@@ -6414,7 +6326,7 @@
           <a:p>
             <a:fld id="{8CF07430-CAA3-4F3D-9BF9-ECF6B8322E9C}" type="datetimeFigureOut">
               <a:rPr lang="en-US" smtClean="0"/>
-              <a:t>12/9/2023</a:t>
+              <a:t>12/11/2023</a:t>
             </a:fld>
             <a:endParaRPr lang="en-US"/>
           </a:p>
@@ -7960,7 +7872,7 @@
           <a:p>
             <a:fld id="{8CF07430-CAA3-4F3D-9BF9-ECF6B8322E9C}" type="datetimeFigureOut">
               <a:rPr lang="en-US" smtClean="0"/>
-              <a:t>12/9/2023</a:t>
+              <a:t>12/11/2023</a:t>
             </a:fld>
             <a:endParaRPr lang="en-US"/>
           </a:p>
@@ -8202,7 +8114,7 @@
           <a:p>
             <a:fld id="{8CF07430-CAA3-4F3D-9BF9-ECF6B8322E9C}" type="datetimeFigureOut">
               <a:rPr lang="en-US" smtClean="0"/>
-              <a:t>12/9/2023</a:t>
+              <a:t>12/11/2023</a:t>
             </a:fld>
             <a:endParaRPr lang="en-US"/>
           </a:p>
@@ -8586,7 +8498,7 @@
           <a:p>
             <a:fld id="{8CF07430-CAA3-4F3D-9BF9-ECF6B8322E9C}" type="datetimeFigureOut">
               <a:rPr lang="en-US" smtClean="0"/>
-              <a:t>12/9/2023</a:t>
+              <a:t>12/11/2023</a:t>
             </a:fld>
             <a:endParaRPr lang="en-US"/>
           </a:p>
@@ -8719,7 +8631,7 @@
           <a:p>
             <a:fld id="{8CF07430-CAA3-4F3D-9BF9-ECF6B8322E9C}" type="datetimeFigureOut">
               <a:rPr lang="en-US" smtClean="0"/>
-              <a:t>12/9/2023</a:t>
+              <a:t>12/11/2023</a:t>
             </a:fld>
             <a:endParaRPr lang="en-US"/>
           </a:p>
@@ -8824,7 +8736,7 @@
           <a:p>
             <a:fld id="{8CF07430-CAA3-4F3D-9BF9-ECF6B8322E9C}" type="datetimeFigureOut">
               <a:rPr lang="en-US" smtClean="0"/>
-              <a:t>12/9/2023</a:t>
+              <a:t>12/11/2023</a:t>
             </a:fld>
             <a:endParaRPr lang="en-US"/>
           </a:p>
@@ -9089,7 +9001,7 @@
           <a:p>
             <a:fld id="{8CF07430-CAA3-4F3D-9BF9-ECF6B8322E9C}" type="datetimeFigureOut">
               <a:rPr lang="en-US" smtClean="0"/>
-              <a:t>12/9/2023</a:t>
+              <a:t>12/11/2023</a:t>
             </a:fld>
             <a:endParaRPr lang="en-US"/>
           </a:p>
@@ -9362,7 +9274,7 @@
           <a:p>
             <a:fld id="{8CF07430-CAA3-4F3D-9BF9-ECF6B8322E9C}" type="datetimeFigureOut">
               <a:rPr lang="en-US" smtClean="0"/>
-              <a:t>12/9/2023</a:t>
+              <a:t>12/11/2023</a:t>
             </a:fld>
             <a:endParaRPr lang="en-US"/>
           </a:p>
@@ -10115,7 +10027,7 @@
           <a:p>
             <a:fld id="{8CF07430-CAA3-4F3D-9BF9-ECF6B8322E9C}" type="datetimeFigureOut">
               <a:rPr lang="en-US" smtClean="0"/>
-              <a:t>12/9/2023</a:t>
+              <a:t>12/11/2023</a:t>
             </a:fld>
             <a:endParaRPr lang="en-US"/>
           </a:p>
@@ -11174,8 +11086,8 @@
         </p:nvSpPr>
         <p:spPr>
           <a:xfrm>
-            <a:off x="866067" y="503930"/>
-            <a:ext cx="6699000" cy="670716"/>
+            <a:off x="704162" y="284039"/>
+            <a:ext cx="5432621" cy="314829"/>
           </a:xfrm>
           <a:prstGeom prst="rect">
             <a:avLst/>
@@ -11188,62 +11100,111 @@
           <a:lstStyle/>
           <a:p>
             <a:r>
-              <a:rPr lang="en-GB" sz="2000" dirty="0"/>
+              <a:rPr lang="en-GB" sz="2000" dirty="0">
+                <a:latin typeface="Bookman Old Style" panose="02050604050505020204" pitchFamily="18" charset="0"/>
+                <a:ea typeface="Calibri" panose="020F0502020204030204" pitchFamily="34" charset="0"/>
+                <a:cs typeface="Calibri" panose="020F0502020204030204" pitchFamily="34" charset="0"/>
+              </a:rPr>
               <a:t> </a:t>
             </a:r>
             <a:r>
-              <a:rPr lang="en-US" sz="2000" dirty="0" err="1"/>
+              <a:rPr lang="en-US" sz="2000" dirty="0" err="1">
+                <a:latin typeface="Bookman Old Style" panose="02050604050505020204" pitchFamily="18" charset="0"/>
+                <a:ea typeface="Calibri" panose="020F0502020204030204" pitchFamily="34" charset="0"/>
+                <a:cs typeface="Calibri" panose="020F0502020204030204" pitchFamily="34" charset="0"/>
+              </a:rPr>
               <a:t>Thứ</a:t>
             </a:r>
             <a:r>
-              <a:rPr lang="en-US" sz="2000" dirty="0"/>
+              <a:rPr lang="en-US" sz="2000" dirty="0">
+                <a:latin typeface="Bookman Old Style" panose="02050604050505020204" pitchFamily="18" charset="0"/>
+                <a:ea typeface="Calibri" panose="020F0502020204030204" pitchFamily="34" charset="0"/>
+                <a:cs typeface="Calibri" panose="020F0502020204030204" pitchFamily="34" charset="0"/>
+              </a:rPr>
               <a:t> </a:t>
             </a:r>
             <a:r>
-              <a:rPr lang="en-US" sz="2000" dirty="0" err="1"/>
+              <a:rPr lang="en-US" sz="2000" dirty="0" err="1">
+                <a:latin typeface="Bookman Old Style" panose="02050604050505020204" pitchFamily="18" charset="0"/>
+                <a:ea typeface="Calibri" panose="020F0502020204030204" pitchFamily="34" charset="0"/>
+                <a:cs typeface="Calibri" panose="020F0502020204030204" pitchFamily="34" charset="0"/>
+              </a:rPr>
               <a:t>tự</a:t>
             </a:r>
             <a:r>
-              <a:rPr lang="en-US" sz="2000" dirty="0"/>
+              <a:rPr lang="en-US" sz="2000" dirty="0">
+                <a:latin typeface="Bookman Old Style" panose="02050604050505020204" pitchFamily="18" charset="0"/>
+                <a:ea typeface="Calibri" panose="020F0502020204030204" pitchFamily="34" charset="0"/>
+                <a:cs typeface="Calibri" panose="020F0502020204030204" pitchFamily="34" charset="0"/>
+              </a:rPr>
               <a:t> </a:t>
             </a:r>
             <a:r>
-              <a:rPr lang="en-US" sz="2000" dirty="0" err="1"/>
+              <a:rPr lang="en-US" sz="2000" dirty="0" err="1">
+                <a:latin typeface="Bookman Old Style" panose="02050604050505020204" pitchFamily="18" charset="0"/>
+                <a:ea typeface="Calibri" panose="020F0502020204030204" pitchFamily="34" charset="0"/>
+                <a:cs typeface="Calibri" panose="020F0502020204030204" pitchFamily="34" charset="0"/>
+              </a:rPr>
               <a:t>ưu</a:t>
             </a:r>
             <a:r>
-              <a:rPr lang="en-US" sz="2000" dirty="0"/>
+              <a:rPr lang="en-US" sz="2000" dirty="0">
+                <a:latin typeface="Bookman Old Style" panose="02050604050505020204" pitchFamily="18" charset="0"/>
+                <a:ea typeface="Calibri" panose="020F0502020204030204" pitchFamily="34" charset="0"/>
+                <a:cs typeface="Calibri" panose="020F0502020204030204" pitchFamily="34" charset="0"/>
+              </a:rPr>
               <a:t> </a:t>
             </a:r>
             <a:r>
-              <a:rPr lang="en-US" sz="2000" dirty="0" err="1"/>
+              <a:rPr lang="en-US" sz="2000" dirty="0" err="1">
+                <a:latin typeface="Bookman Old Style" panose="02050604050505020204" pitchFamily="18" charset="0"/>
+                <a:ea typeface="Calibri" panose="020F0502020204030204" pitchFamily="34" charset="0"/>
+                <a:cs typeface="Calibri" panose="020F0502020204030204" pitchFamily="34" charset="0"/>
+              </a:rPr>
               <a:t>tiên</a:t>
             </a:r>
             <a:r>
-              <a:rPr lang="en-US" sz="2000" dirty="0"/>
+              <a:rPr lang="en-US" sz="2000" dirty="0">
+                <a:latin typeface="Bookman Old Style" panose="02050604050505020204" pitchFamily="18" charset="0"/>
+                <a:ea typeface="Calibri" panose="020F0502020204030204" pitchFamily="34" charset="0"/>
+                <a:cs typeface="Calibri" panose="020F0502020204030204" pitchFamily="34" charset="0"/>
+              </a:rPr>
               <a:t> </a:t>
             </a:r>
             <a:r>
-              <a:rPr lang="en-US" sz="2000" dirty="0" err="1"/>
+              <a:rPr lang="en-US" sz="2000" err="1">
+                <a:latin typeface="Bookman Old Style" panose="02050604050505020204" pitchFamily="18" charset="0"/>
+                <a:ea typeface="Calibri" panose="020F0502020204030204" pitchFamily="34" charset="0"/>
+                <a:cs typeface="Calibri" panose="020F0502020204030204" pitchFamily="34" charset="0"/>
+              </a:rPr>
               <a:t>các</a:t>
             </a:r>
             <a:r>
-              <a:rPr lang="en-US" sz="2000" dirty="0"/>
+              <a:rPr lang="en-US" sz="2000">
+                <a:latin typeface="Bookman Old Style" panose="02050604050505020204" pitchFamily="18" charset="0"/>
+                <a:ea typeface="Calibri" panose="020F0502020204030204" pitchFamily="34" charset="0"/>
+                <a:cs typeface="Calibri" panose="020F0502020204030204" pitchFamily="34" charset="0"/>
+              </a:rPr>
               <a:t> task</a:t>
             </a:r>
-            <a:br>
-              <a:rPr lang="en-US" sz="2000" dirty="0"/>
-            </a:br>
-            <a:endParaRPr sz="2000" dirty="0"/>
+            <a:endParaRPr sz="2000" dirty="0">
+              <a:latin typeface="Bookman Old Style" panose="02050604050505020204" pitchFamily="18" charset="0"/>
+              <a:ea typeface="Calibri" panose="020F0502020204030204" pitchFamily="34" charset="0"/>
+              <a:cs typeface="Calibri" panose="020F0502020204030204" pitchFamily="34" charset="0"/>
+            </a:endParaRPr>
           </a:p>
         </p:txBody>
       </p:sp>
       <p:pic>
         <p:nvPicPr>
-          <p:cNvPr id="13" name="Picture 12"/>
-          <p:cNvPicPr>
-            <a:picLocks noChangeAspect="1"/>
-          </p:cNvPicPr>
+          <p:cNvPr id="4" name="Picture 3">
+            <a:extLst>
+              <a:ext uri="{FF2B5EF4-FFF2-40B4-BE49-F238E27FC236}">
+                <a16:creationId xmlns:a16="http://schemas.microsoft.com/office/drawing/2014/main" id="{C6F1EA85-0543-47A3-8DBC-08DE7EA34A6E}"/>
+              </a:ext>
+            </a:extLst>
+          </p:cNvPr>
+          <p:cNvPicPr/>
           <p:nvPr/>
         </p:nvPicPr>
         <p:blipFill>
@@ -11254,18 +11215,62 @@
               </a:ext>
             </a:extLst>
           </a:blip>
+          <a:srcRect/>
           <a:stretch>
             <a:fillRect/>
           </a:stretch>
         </p:blipFill>
-        <p:spPr>
+        <p:spPr bwMode="auto">
           <a:xfrm>
-            <a:off x="1740838" y="954755"/>
-            <a:ext cx="5662324" cy="3839496"/>
+            <a:off x="1783080" y="714724"/>
+            <a:ext cx="5577840" cy="1257300"/>
           </a:xfrm>
           <a:prstGeom prst="rect">
             <a:avLst/>
           </a:prstGeom>
+          <a:noFill/>
+          <a:ln>
+            <a:noFill/>
+          </a:ln>
+        </p:spPr>
+      </p:pic>
+      <p:pic>
+        <p:nvPicPr>
+          <p:cNvPr id="5" name="Picture 4">
+            <a:extLst>
+              <a:ext uri="{FF2B5EF4-FFF2-40B4-BE49-F238E27FC236}">
+                <a16:creationId xmlns:a16="http://schemas.microsoft.com/office/drawing/2014/main" id="{B487BDF3-CA03-42CE-9EC4-F66FB5EFA6B9}"/>
+              </a:ext>
+            </a:extLst>
+          </p:cNvPr>
+          <p:cNvPicPr/>
+          <p:nvPr/>
+        </p:nvPicPr>
+        <p:blipFill>
+          <a:blip r:embed="rId4">
+            <a:extLst>
+              <a:ext uri="{28A0092B-C50C-407E-A947-70E740481C1C}">
+                <a14:useLocalDpi xmlns:a14="http://schemas.microsoft.com/office/drawing/2010/main" val="0"/>
+              </a:ext>
+            </a:extLst>
+          </a:blip>
+          <a:srcRect/>
+          <a:stretch>
+            <a:fillRect/>
+          </a:stretch>
+        </p:blipFill>
+        <p:spPr bwMode="auto">
+          <a:xfrm>
+            <a:off x="1783080" y="1972024"/>
+            <a:ext cx="5577840" cy="3055620"/>
+          </a:xfrm>
+          <a:prstGeom prst="rect">
+            <a:avLst/>
+          </a:prstGeom>
+          <a:noFill/>
+          <a:ln>
+            <a:noFill/>
+          </a:ln>
         </p:spPr>
       </p:pic>
     </p:spTree>
@@ -11284,7 +11289,7 @@
   <p:cSld>
     <p:spTree>
       <p:nvGrpSpPr>
-        <p:cNvPr id="1" name="Shape 960"/>
+        <p:cNvPr id="1" name="Shape 951"/>
         <p:cNvGrpSpPr/>
         <p:nvPr/>
       </p:nvGrpSpPr>
@@ -11296,12 +11301,137 @@
           <a:chExt cx="0" cy="0"/>
         </a:xfrm>
       </p:grpSpPr>
+      <p:sp>
+        <p:nvSpPr>
+          <p:cNvPr id="952" name="Google Shape;952;p21"/>
+          <p:cNvSpPr txBox="1">
+            <a:spLocks noGrp="1"/>
+          </p:cNvSpPr>
+          <p:nvPr>
+            <p:ph type="title"/>
+          </p:nvPr>
+        </p:nvSpPr>
+        <p:spPr>
+          <a:xfrm>
+            <a:off x="704162" y="284039"/>
+            <a:ext cx="5432621" cy="314829"/>
+          </a:xfrm>
+          <a:prstGeom prst="rect">
+            <a:avLst/>
+          </a:prstGeom>
+        </p:spPr>
+        <p:txBody>
+          <a:bodyPr spcFirstLastPara="1" wrap="square" lIns="0" tIns="0" rIns="0" bIns="0" anchor="b" anchorCtr="0">
+            <a:noAutofit/>
+          </a:bodyPr>
+          <a:lstStyle/>
+          <a:p>
+            <a:r>
+              <a:rPr lang="en-GB" sz="2000" dirty="0">
+                <a:latin typeface="Bookman Old Style" panose="02050604050505020204" pitchFamily="18" charset="0"/>
+                <a:ea typeface="Calibri" panose="020F0502020204030204" pitchFamily="34" charset="0"/>
+                <a:cs typeface="Calibri" panose="020F0502020204030204" pitchFamily="34" charset="0"/>
+              </a:rPr>
+              <a:t> </a:t>
+            </a:r>
+            <a:r>
+              <a:rPr lang="en-US" sz="2000" dirty="0" err="1">
+                <a:latin typeface="Bookman Old Style" panose="02050604050505020204" pitchFamily="18" charset="0"/>
+                <a:ea typeface="Calibri" panose="020F0502020204030204" pitchFamily="34" charset="0"/>
+                <a:cs typeface="Calibri" panose="020F0502020204030204" pitchFamily="34" charset="0"/>
+              </a:rPr>
+              <a:t>Thứ</a:t>
+            </a:r>
+            <a:r>
+              <a:rPr lang="en-US" sz="2000" dirty="0">
+                <a:latin typeface="Bookman Old Style" panose="02050604050505020204" pitchFamily="18" charset="0"/>
+                <a:ea typeface="Calibri" panose="020F0502020204030204" pitchFamily="34" charset="0"/>
+                <a:cs typeface="Calibri" panose="020F0502020204030204" pitchFamily="34" charset="0"/>
+              </a:rPr>
+              <a:t> </a:t>
+            </a:r>
+            <a:r>
+              <a:rPr lang="en-US" sz="2000" dirty="0" err="1">
+                <a:latin typeface="Bookman Old Style" panose="02050604050505020204" pitchFamily="18" charset="0"/>
+                <a:ea typeface="Calibri" panose="020F0502020204030204" pitchFamily="34" charset="0"/>
+                <a:cs typeface="Calibri" panose="020F0502020204030204" pitchFamily="34" charset="0"/>
+              </a:rPr>
+              <a:t>tự</a:t>
+            </a:r>
+            <a:r>
+              <a:rPr lang="en-US" sz="2000" dirty="0">
+                <a:latin typeface="Bookman Old Style" panose="02050604050505020204" pitchFamily="18" charset="0"/>
+                <a:ea typeface="Calibri" panose="020F0502020204030204" pitchFamily="34" charset="0"/>
+                <a:cs typeface="Calibri" panose="020F0502020204030204" pitchFamily="34" charset="0"/>
+              </a:rPr>
+              <a:t> </a:t>
+            </a:r>
+            <a:r>
+              <a:rPr lang="en-US" sz="2000" dirty="0" err="1">
+                <a:latin typeface="Bookman Old Style" panose="02050604050505020204" pitchFamily="18" charset="0"/>
+                <a:ea typeface="Calibri" panose="020F0502020204030204" pitchFamily="34" charset="0"/>
+                <a:cs typeface="Calibri" panose="020F0502020204030204" pitchFamily="34" charset="0"/>
+              </a:rPr>
+              <a:t>ưu</a:t>
+            </a:r>
+            <a:r>
+              <a:rPr lang="en-US" sz="2000" dirty="0">
+                <a:latin typeface="Bookman Old Style" panose="02050604050505020204" pitchFamily="18" charset="0"/>
+                <a:ea typeface="Calibri" panose="020F0502020204030204" pitchFamily="34" charset="0"/>
+                <a:cs typeface="Calibri" panose="020F0502020204030204" pitchFamily="34" charset="0"/>
+              </a:rPr>
+              <a:t> </a:t>
+            </a:r>
+            <a:r>
+              <a:rPr lang="en-US" sz="2000" dirty="0" err="1">
+                <a:latin typeface="Bookman Old Style" panose="02050604050505020204" pitchFamily="18" charset="0"/>
+                <a:ea typeface="Calibri" panose="020F0502020204030204" pitchFamily="34" charset="0"/>
+                <a:cs typeface="Calibri" panose="020F0502020204030204" pitchFamily="34" charset="0"/>
+              </a:rPr>
+              <a:t>tiên</a:t>
+            </a:r>
+            <a:r>
+              <a:rPr lang="en-US" sz="2000" dirty="0">
+                <a:latin typeface="Bookman Old Style" panose="02050604050505020204" pitchFamily="18" charset="0"/>
+                <a:ea typeface="Calibri" panose="020F0502020204030204" pitchFamily="34" charset="0"/>
+                <a:cs typeface="Calibri" panose="020F0502020204030204" pitchFamily="34" charset="0"/>
+              </a:rPr>
+              <a:t> </a:t>
+            </a:r>
+            <a:r>
+              <a:rPr lang="en-US" sz="2000" err="1">
+                <a:latin typeface="Bookman Old Style" panose="02050604050505020204" pitchFamily="18" charset="0"/>
+                <a:ea typeface="Calibri" panose="020F0502020204030204" pitchFamily="34" charset="0"/>
+                <a:cs typeface="Calibri" panose="020F0502020204030204" pitchFamily="34" charset="0"/>
+              </a:rPr>
+              <a:t>các</a:t>
+            </a:r>
+            <a:r>
+              <a:rPr lang="en-US" sz="2000">
+                <a:latin typeface="Bookman Old Style" panose="02050604050505020204" pitchFamily="18" charset="0"/>
+                <a:ea typeface="Calibri" panose="020F0502020204030204" pitchFamily="34" charset="0"/>
+                <a:cs typeface="Calibri" panose="020F0502020204030204" pitchFamily="34" charset="0"/>
+              </a:rPr>
+              <a:t> task</a:t>
+            </a:r>
+            <a:endParaRPr sz="2000" dirty="0">
+              <a:latin typeface="Bookman Old Style" panose="02050604050505020204" pitchFamily="18" charset="0"/>
+              <a:ea typeface="Calibri" panose="020F0502020204030204" pitchFamily="34" charset="0"/>
+              <a:cs typeface="Calibri" panose="020F0502020204030204" pitchFamily="34" charset="0"/>
+            </a:endParaRPr>
+          </a:p>
+        </p:txBody>
+      </p:sp>
       <p:pic>
         <p:nvPicPr>
-          <p:cNvPr id="3" name="Picture 2"/>
-          <p:cNvPicPr>
-            <a:picLocks noChangeAspect="1"/>
-          </p:cNvPicPr>
+          <p:cNvPr id="6" name="Picture 5">
+            <a:extLst>
+              <a:ext uri="{FF2B5EF4-FFF2-40B4-BE49-F238E27FC236}">
+                <a16:creationId xmlns:a16="http://schemas.microsoft.com/office/drawing/2014/main" id="{29D057FF-9338-4A2E-9F98-712119845751}"/>
+              </a:ext>
+            </a:extLst>
+          </p:cNvPr>
+          <p:cNvPicPr/>
           <p:nvPr/>
         </p:nvPicPr>
         <p:blipFill>
@@ -11312,21 +11442,31 @@
               </a:ext>
             </a:extLst>
           </a:blip>
+          <a:srcRect/>
           <a:stretch>
             <a:fillRect/>
           </a:stretch>
         </p:blipFill>
-        <p:spPr>
+        <p:spPr bwMode="auto">
           <a:xfrm>
-            <a:off x="1324584" y="510392"/>
-            <a:ext cx="6494832" cy="4122716"/>
+            <a:off x="1783080" y="1101090"/>
+            <a:ext cx="5577840" cy="2941320"/>
           </a:xfrm>
           <a:prstGeom prst="rect">
             <a:avLst/>
           </a:prstGeom>
+          <a:noFill/>
+          <a:ln>
+            <a:noFill/>
+          </a:ln>
         </p:spPr>
       </p:pic>
     </p:spTree>
+    <p:extLst>
+      <p:ext uri="{BB962C8B-B14F-4D97-AF65-F5344CB8AC3E}">
+        <p14:creationId xmlns:p14="http://schemas.microsoft.com/office/powerpoint/2010/main" val="1014567798"/>
+      </p:ext>
+    </p:extLst>
   </p:cSld>
   <p:clrMapOvr>
     <a:masterClrMapping/>
@@ -11342,7 +11482,7 @@
   <p:cSld>
     <p:spTree>
       <p:nvGrpSpPr>
-        <p:cNvPr id="1" name="Shape 960"/>
+        <p:cNvPr id="1" name="Shape 951"/>
         <p:cNvGrpSpPr/>
         <p:nvPr/>
       </p:nvGrpSpPr>
@@ -11354,12 +11494,137 @@
           <a:chExt cx="0" cy="0"/>
         </a:xfrm>
       </p:grpSpPr>
+      <p:sp>
+        <p:nvSpPr>
+          <p:cNvPr id="952" name="Google Shape;952;p21"/>
+          <p:cNvSpPr txBox="1">
+            <a:spLocks noGrp="1"/>
+          </p:cNvSpPr>
+          <p:nvPr>
+            <p:ph type="title"/>
+          </p:nvPr>
+        </p:nvSpPr>
+        <p:spPr>
+          <a:xfrm>
+            <a:off x="704162" y="284039"/>
+            <a:ext cx="5432621" cy="314829"/>
+          </a:xfrm>
+          <a:prstGeom prst="rect">
+            <a:avLst/>
+          </a:prstGeom>
+        </p:spPr>
+        <p:txBody>
+          <a:bodyPr spcFirstLastPara="1" wrap="square" lIns="0" tIns="0" rIns="0" bIns="0" anchor="b" anchorCtr="0">
+            <a:noAutofit/>
+          </a:bodyPr>
+          <a:lstStyle/>
+          <a:p>
+            <a:r>
+              <a:rPr lang="en-GB" sz="2000" dirty="0">
+                <a:latin typeface="Bookman Old Style" panose="02050604050505020204" pitchFamily="18" charset="0"/>
+                <a:ea typeface="Calibri" panose="020F0502020204030204" pitchFamily="34" charset="0"/>
+                <a:cs typeface="Calibri" panose="020F0502020204030204" pitchFamily="34" charset="0"/>
+              </a:rPr>
+              <a:t> </a:t>
+            </a:r>
+            <a:r>
+              <a:rPr lang="en-US" sz="2000" dirty="0" err="1">
+                <a:latin typeface="Bookman Old Style" panose="02050604050505020204" pitchFamily="18" charset="0"/>
+                <a:ea typeface="Calibri" panose="020F0502020204030204" pitchFamily="34" charset="0"/>
+                <a:cs typeface="Calibri" panose="020F0502020204030204" pitchFamily="34" charset="0"/>
+              </a:rPr>
+              <a:t>Thứ</a:t>
+            </a:r>
+            <a:r>
+              <a:rPr lang="en-US" sz="2000" dirty="0">
+                <a:latin typeface="Bookman Old Style" panose="02050604050505020204" pitchFamily="18" charset="0"/>
+                <a:ea typeface="Calibri" panose="020F0502020204030204" pitchFamily="34" charset="0"/>
+                <a:cs typeface="Calibri" panose="020F0502020204030204" pitchFamily="34" charset="0"/>
+              </a:rPr>
+              <a:t> </a:t>
+            </a:r>
+            <a:r>
+              <a:rPr lang="en-US" sz="2000" dirty="0" err="1">
+                <a:latin typeface="Bookman Old Style" panose="02050604050505020204" pitchFamily="18" charset="0"/>
+                <a:ea typeface="Calibri" panose="020F0502020204030204" pitchFamily="34" charset="0"/>
+                <a:cs typeface="Calibri" panose="020F0502020204030204" pitchFamily="34" charset="0"/>
+              </a:rPr>
+              <a:t>tự</a:t>
+            </a:r>
+            <a:r>
+              <a:rPr lang="en-US" sz="2000" dirty="0">
+                <a:latin typeface="Bookman Old Style" panose="02050604050505020204" pitchFamily="18" charset="0"/>
+                <a:ea typeface="Calibri" panose="020F0502020204030204" pitchFamily="34" charset="0"/>
+                <a:cs typeface="Calibri" panose="020F0502020204030204" pitchFamily="34" charset="0"/>
+              </a:rPr>
+              <a:t> </a:t>
+            </a:r>
+            <a:r>
+              <a:rPr lang="en-US" sz="2000" dirty="0" err="1">
+                <a:latin typeface="Bookman Old Style" panose="02050604050505020204" pitchFamily="18" charset="0"/>
+                <a:ea typeface="Calibri" panose="020F0502020204030204" pitchFamily="34" charset="0"/>
+                <a:cs typeface="Calibri" panose="020F0502020204030204" pitchFamily="34" charset="0"/>
+              </a:rPr>
+              <a:t>ưu</a:t>
+            </a:r>
+            <a:r>
+              <a:rPr lang="en-US" sz="2000" dirty="0">
+                <a:latin typeface="Bookman Old Style" panose="02050604050505020204" pitchFamily="18" charset="0"/>
+                <a:ea typeface="Calibri" panose="020F0502020204030204" pitchFamily="34" charset="0"/>
+                <a:cs typeface="Calibri" panose="020F0502020204030204" pitchFamily="34" charset="0"/>
+              </a:rPr>
+              <a:t> </a:t>
+            </a:r>
+            <a:r>
+              <a:rPr lang="en-US" sz="2000" dirty="0" err="1">
+                <a:latin typeface="Bookman Old Style" panose="02050604050505020204" pitchFamily="18" charset="0"/>
+                <a:ea typeface="Calibri" panose="020F0502020204030204" pitchFamily="34" charset="0"/>
+                <a:cs typeface="Calibri" panose="020F0502020204030204" pitchFamily="34" charset="0"/>
+              </a:rPr>
+              <a:t>tiên</a:t>
+            </a:r>
+            <a:r>
+              <a:rPr lang="en-US" sz="2000" dirty="0">
+                <a:latin typeface="Bookman Old Style" panose="02050604050505020204" pitchFamily="18" charset="0"/>
+                <a:ea typeface="Calibri" panose="020F0502020204030204" pitchFamily="34" charset="0"/>
+                <a:cs typeface="Calibri" panose="020F0502020204030204" pitchFamily="34" charset="0"/>
+              </a:rPr>
+              <a:t> </a:t>
+            </a:r>
+            <a:r>
+              <a:rPr lang="en-US" sz="2000" err="1">
+                <a:latin typeface="Bookman Old Style" panose="02050604050505020204" pitchFamily="18" charset="0"/>
+                <a:ea typeface="Calibri" panose="020F0502020204030204" pitchFamily="34" charset="0"/>
+                <a:cs typeface="Calibri" panose="020F0502020204030204" pitchFamily="34" charset="0"/>
+              </a:rPr>
+              <a:t>các</a:t>
+            </a:r>
+            <a:r>
+              <a:rPr lang="en-US" sz="2000">
+                <a:latin typeface="Bookman Old Style" panose="02050604050505020204" pitchFamily="18" charset="0"/>
+                <a:ea typeface="Calibri" panose="020F0502020204030204" pitchFamily="34" charset="0"/>
+                <a:cs typeface="Calibri" panose="020F0502020204030204" pitchFamily="34" charset="0"/>
+              </a:rPr>
+              <a:t> task</a:t>
+            </a:r>
+            <a:endParaRPr sz="2000" dirty="0">
+              <a:latin typeface="Bookman Old Style" panose="02050604050505020204" pitchFamily="18" charset="0"/>
+              <a:ea typeface="Calibri" panose="020F0502020204030204" pitchFamily="34" charset="0"/>
+              <a:cs typeface="Calibri" panose="020F0502020204030204" pitchFamily="34" charset="0"/>
+            </a:endParaRPr>
+          </a:p>
+        </p:txBody>
+      </p:sp>
       <p:pic>
         <p:nvPicPr>
-          <p:cNvPr id="10" name="Picture 9"/>
-          <p:cNvPicPr>
-            <a:picLocks noChangeAspect="1"/>
-          </p:cNvPicPr>
+          <p:cNvPr id="4" name="Picture 3">
+            <a:extLst>
+              <a:ext uri="{FF2B5EF4-FFF2-40B4-BE49-F238E27FC236}">
+                <a16:creationId xmlns:a16="http://schemas.microsoft.com/office/drawing/2014/main" id="{43AAADD3-BD52-40D3-900E-00F827FC36CF}"/>
+              </a:ext>
+            </a:extLst>
+          </p:cNvPr>
+          <p:cNvPicPr/>
           <p:nvPr/>
         </p:nvPicPr>
         <p:blipFill>
@@ -11370,21 +11635,70 @@
               </a:ext>
             </a:extLst>
           </a:blip>
+          <a:srcRect/>
           <a:stretch>
             <a:fillRect/>
           </a:stretch>
         </p:blipFill>
-        <p:spPr>
+        <p:spPr bwMode="auto">
           <a:xfrm>
-            <a:off x="1478756" y="450387"/>
-            <a:ext cx="6186488" cy="4242727"/>
+            <a:off x="1783080" y="1045764"/>
+            <a:ext cx="5577840" cy="1120140"/>
           </a:xfrm>
           <a:prstGeom prst="rect">
             <a:avLst/>
           </a:prstGeom>
+          <a:noFill/>
+          <a:ln>
+            <a:noFill/>
+          </a:ln>
+        </p:spPr>
+      </p:pic>
+      <p:pic>
+        <p:nvPicPr>
+          <p:cNvPr id="5" name="Picture 4">
+            <a:extLst>
+              <a:ext uri="{FF2B5EF4-FFF2-40B4-BE49-F238E27FC236}">
+                <a16:creationId xmlns:a16="http://schemas.microsoft.com/office/drawing/2014/main" id="{C885BB5E-A740-4993-B2B0-E3CC5F14E0CA}"/>
+              </a:ext>
+            </a:extLst>
+          </p:cNvPr>
+          <p:cNvPicPr/>
+          <p:nvPr/>
+        </p:nvPicPr>
+        <p:blipFill>
+          <a:blip r:embed="rId4">
+            <a:extLst>
+              <a:ext uri="{28A0092B-C50C-407E-A947-70E740481C1C}">
+                <a14:useLocalDpi xmlns:a14="http://schemas.microsoft.com/office/drawing/2010/main" val="0"/>
+              </a:ext>
+            </a:extLst>
+          </a:blip>
+          <a:srcRect/>
+          <a:stretch>
+            <a:fillRect/>
+          </a:stretch>
+        </p:blipFill>
+        <p:spPr bwMode="auto">
+          <a:xfrm>
+            <a:off x="1783080" y="2417527"/>
+            <a:ext cx="5577840" cy="1120140"/>
+          </a:xfrm>
+          <a:prstGeom prst="rect">
+            <a:avLst/>
+          </a:prstGeom>
+          <a:noFill/>
+          <a:ln>
+            <a:noFill/>
+          </a:ln>
         </p:spPr>
       </p:pic>
     </p:spTree>
+    <p:extLst>
+      <p:ext uri="{BB962C8B-B14F-4D97-AF65-F5344CB8AC3E}">
+        <p14:creationId xmlns:p14="http://schemas.microsoft.com/office/powerpoint/2010/main" val="3973387247"/>
+      </p:ext>
+    </p:extLst>
   </p:cSld>
   <p:clrMapOvr>
     <a:masterClrMapping/>
@@ -20426,6 +20740,659 @@
           </a:p>
         </p:txBody>
       </p:sp>
+      <p:graphicFrame>
+        <p:nvGraphicFramePr>
+          <p:cNvPr id="2" name="Table 1">
+            <a:extLst>
+              <a:ext uri="{FF2B5EF4-FFF2-40B4-BE49-F238E27FC236}">
+                <a16:creationId xmlns:a16="http://schemas.microsoft.com/office/drawing/2014/main" id="{80422091-886C-4E8C-896E-9C0C911EDFA9}"/>
+              </a:ext>
+            </a:extLst>
+          </p:cNvPr>
+          <p:cNvGraphicFramePr>
+            <a:graphicFrameLocks noGrp="1"/>
+          </p:cNvGraphicFramePr>
+          <p:nvPr>
+            <p:extLst>
+              <p:ext uri="{D42A27DB-BD31-4B8C-83A1-F6EECF244321}">
+                <p14:modId xmlns:p14="http://schemas.microsoft.com/office/powerpoint/2010/main" val="1605750707"/>
+              </p:ext>
+            </p:extLst>
+          </p:nvPr>
+        </p:nvGraphicFramePr>
+        <p:xfrm>
+          <a:off x="855425" y="1778444"/>
+          <a:ext cx="6479093" cy="1586611"/>
+        </p:xfrm>
+        <a:graphic>
+          <a:graphicData uri="http://schemas.openxmlformats.org/drawingml/2006/table">
+            <a:tbl>
+              <a:tblPr firstRow="1" firstCol="1" bandRow="1">
+                <a:tableStyleId>{5C22544A-7EE6-4342-B048-85BDC9FD1C3A}</a:tableStyleId>
+              </a:tblPr>
+              <a:tblGrid>
+                <a:gridCol w="681788">
+                  <a:extLst>
+                    <a:ext uri="{9D8B030D-6E8A-4147-A177-3AD203B41FA5}">
+                      <a16:colId xmlns:a16="http://schemas.microsoft.com/office/drawing/2014/main" val="2028674790"/>
+                    </a:ext>
+                  </a:extLst>
+                </a:gridCol>
+                <a:gridCol w="3258930">
+                  <a:extLst>
+                    <a:ext uri="{9D8B030D-6E8A-4147-A177-3AD203B41FA5}">
+                      <a16:colId xmlns:a16="http://schemas.microsoft.com/office/drawing/2014/main" val="3515796247"/>
+                    </a:ext>
+                  </a:extLst>
+                </a:gridCol>
+                <a:gridCol w="2538375">
+                  <a:extLst>
+                    <a:ext uri="{9D8B030D-6E8A-4147-A177-3AD203B41FA5}">
+                      <a16:colId xmlns:a16="http://schemas.microsoft.com/office/drawing/2014/main" val="4029512558"/>
+                    </a:ext>
+                  </a:extLst>
+                </a:gridCol>
+              </a:tblGrid>
+              <a:tr h="0">
+                <a:tc>
+                  <a:txBody>
+                    <a:bodyPr/>
+                    <a:lstStyle/>
+                    <a:p>
+                      <a:pPr algn="ctr">
+                        <a:lnSpc>
+                          <a:spcPct val="150000"/>
+                        </a:lnSpc>
+                        <a:spcBef>
+                          <a:spcPts val="400"/>
+                        </a:spcBef>
+                        <a:spcAft>
+                          <a:spcPts val="400"/>
+                        </a:spcAft>
+                      </a:pPr>
+                      <a:r>
+                        <a:rPr lang="en-US" sz="1300">
+                          <a:effectLst/>
+                        </a:rPr>
+                        <a:t>STT</a:t>
+                      </a:r>
+                      <a:endParaRPr lang="en-US" sz="1100">
+                        <a:effectLst/>
+                        <a:latin typeface="Arial" panose="020B0604020202020204" pitchFamily="34" charset="0"/>
+                        <a:ea typeface="Times New Roman" panose="02020603050405020304" pitchFamily="18" charset="0"/>
+                        <a:cs typeface="Times New Roman" panose="02020603050405020304" pitchFamily="18" charset="0"/>
+                      </a:endParaRPr>
+                    </a:p>
+                  </a:txBody>
+                  <a:tcPr marL="68580" marR="68580" marT="0" marB="0"/>
+                </a:tc>
+                <a:tc>
+                  <a:txBody>
+                    <a:bodyPr/>
+                    <a:lstStyle/>
+                    <a:p>
+                      <a:pPr algn="ctr">
+                        <a:lnSpc>
+                          <a:spcPct val="150000"/>
+                        </a:lnSpc>
+                        <a:spcBef>
+                          <a:spcPts val="400"/>
+                        </a:spcBef>
+                        <a:spcAft>
+                          <a:spcPts val="400"/>
+                        </a:spcAft>
+                      </a:pPr>
+                      <a:r>
+                        <a:rPr lang="en-US" sz="1300">
+                          <a:effectLst/>
+                        </a:rPr>
+                        <a:t>Hạng mục chi trả</a:t>
+                      </a:r>
+                      <a:endParaRPr lang="en-US" sz="1100">
+                        <a:effectLst/>
+                        <a:latin typeface="Arial" panose="020B0604020202020204" pitchFamily="34" charset="0"/>
+                        <a:ea typeface="Times New Roman" panose="02020603050405020304" pitchFamily="18" charset="0"/>
+                        <a:cs typeface="Times New Roman" panose="02020603050405020304" pitchFamily="18" charset="0"/>
+                      </a:endParaRPr>
+                    </a:p>
+                  </a:txBody>
+                  <a:tcPr marL="68580" marR="68580" marT="0" marB="0"/>
+                </a:tc>
+                <a:tc>
+                  <a:txBody>
+                    <a:bodyPr/>
+                    <a:lstStyle/>
+                    <a:p>
+                      <a:pPr algn="ctr">
+                        <a:lnSpc>
+                          <a:spcPct val="150000"/>
+                        </a:lnSpc>
+                        <a:spcBef>
+                          <a:spcPts val="400"/>
+                        </a:spcBef>
+                        <a:spcAft>
+                          <a:spcPts val="400"/>
+                        </a:spcAft>
+                      </a:pPr>
+                      <a:r>
+                        <a:rPr lang="en-US" sz="1300">
+                          <a:effectLst/>
+                        </a:rPr>
+                        <a:t>Chi phí ước lượng (USD)</a:t>
+                      </a:r>
+                      <a:endParaRPr lang="en-US" sz="1100">
+                        <a:effectLst/>
+                        <a:latin typeface="Arial" panose="020B0604020202020204" pitchFamily="34" charset="0"/>
+                        <a:ea typeface="Times New Roman" panose="02020603050405020304" pitchFamily="18" charset="0"/>
+                        <a:cs typeface="Times New Roman" panose="02020603050405020304" pitchFamily="18" charset="0"/>
+                      </a:endParaRPr>
+                    </a:p>
+                  </a:txBody>
+                  <a:tcPr marL="68580" marR="68580" marT="0" marB="0"/>
+                </a:tc>
+                <a:extLst>
+                  <a:ext uri="{0D108BD9-81ED-4DB2-BD59-A6C34878D82A}">
+                    <a16:rowId xmlns:a16="http://schemas.microsoft.com/office/drawing/2014/main" val="4151620802"/>
+                  </a:ext>
+                </a:extLst>
+              </a:tr>
+              <a:tr h="0">
+                <a:tc>
+                  <a:txBody>
+                    <a:bodyPr/>
+                    <a:lstStyle/>
+                    <a:p>
+                      <a:pPr algn="ctr">
+                        <a:lnSpc>
+                          <a:spcPct val="150000"/>
+                        </a:lnSpc>
+                        <a:spcBef>
+                          <a:spcPts val="400"/>
+                        </a:spcBef>
+                        <a:spcAft>
+                          <a:spcPts val="400"/>
+                        </a:spcAft>
+                      </a:pPr>
+                      <a:r>
+                        <a:rPr lang="en-US" sz="1300">
+                          <a:effectLst/>
+                        </a:rPr>
+                        <a:t>1</a:t>
+                      </a:r>
+                      <a:endParaRPr lang="en-US" sz="1100">
+                        <a:effectLst/>
+                        <a:latin typeface="Arial" panose="020B0604020202020204" pitchFamily="34" charset="0"/>
+                        <a:ea typeface="Times New Roman" panose="02020603050405020304" pitchFamily="18" charset="0"/>
+                        <a:cs typeface="Times New Roman" panose="02020603050405020304" pitchFamily="18" charset="0"/>
+                      </a:endParaRPr>
+                    </a:p>
+                  </a:txBody>
+                  <a:tcPr marL="68580" marR="68580" marT="0" marB="0"/>
+                </a:tc>
+                <a:tc>
+                  <a:txBody>
+                    <a:bodyPr/>
+                    <a:lstStyle/>
+                    <a:p>
+                      <a:pPr>
+                        <a:lnSpc>
+                          <a:spcPct val="150000"/>
+                        </a:lnSpc>
+                        <a:spcBef>
+                          <a:spcPts val="400"/>
+                        </a:spcBef>
+                        <a:spcAft>
+                          <a:spcPts val="400"/>
+                        </a:spcAft>
+                      </a:pPr>
+                      <a:r>
+                        <a:rPr lang="en-US" sz="1300">
+                          <a:effectLst/>
+                        </a:rPr>
+                        <a:t>Chi phí thuê server</a:t>
+                      </a:r>
+                      <a:endParaRPr lang="en-US" sz="1100">
+                        <a:effectLst/>
+                        <a:latin typeface="Arial" panose="020B0604020202020204" pitchFamily="34" charset="0"/>
+                        <a:ea typeface="Times New Roman" panose="02020603050405020304" pitchFamily="18" charset="0"/>
+                        <a:cs typeface="Times New Roman" panose="02020603050405020304" pitchFamily="18" charset="0"/>
+                      </a:endParaRPr>
+                    </a:p>
+                  </a:txBody>
+                  <a:tcPr marL="68580" marR="68580" marT="0" marB="0"/>
+                </a:tc>
+                <a:tc>
+                  <a:txBody>
+                    <a:bodyPr/>
+                    <a:lstStyle/>
+                    <a:p>
+                      <a:pPr algn="ctr">
+                        <a:lnSpc>
+                          <a:spcPct val="150000"/>
+                        </a:lnSpc>
+                        <a:spcBef>
+                          <a:spcPts val="400"/>
+                        </a:spcBef>
+                        <a:spcAft>
+                          <a:spcPts val="400"/>
+                        </a:spcAft>
+                      </a:pPr>
+                      <a:r>
+                        <a:rPr lang="en-US" sz="1300">
+                          <a:effectLst/>
+                        </a:rPr>
+                        <a:t>100</a:t>
+                      </a:r>
+                      <a:endParaRPr lang="en-US" sz="1100">
+                        <a:effectLst/>
+                        <a:latin typeface="Arial" panose="020B0604020202020204" pitchFamily="34" charset="0"/>
+                        <a:ea typeface="Times New Roman" panose="02020603050405020304" pitchFamily="18" charset="0"/>
+                        <a:cs typeface="Times New Roman" panose="02020603050405020304" pitchFamily="18" charset="0"/>
+                      </a:endParaRPr>
+                    </a:p>
+                  </a:txBody>
+                  <a:tcPr marL="68580" marR="68580" marT="0" marB="0"/>
+                </a:tc>
+                <a:extLst>
+                  <a:ext uri="{0D108BD9-81ED-4DB2-BD59-A6C34878D82A}">
+                    <a16:rowId xmlns:a16="http://schemas.microsoft.com/office/drawing/2014/main" val="2852596652"/>
+                  </a:ext>
+                </a:extLst>
+              </a:tr>
+              <a:tr h="0">
+                <a:tc>
+                  <a:txBody>
+                    <a:bodyPr/>
+                    <a:lstStyle/>
+                    <a:p>
+                      <a:pPr algn="ctr">
+                        <a:lnSpc>
+                          <a:spcPct val="150000"/>
+                        </a:lnSpc>
+                        <a:spcBef>
+                          <a:spcPts val="400"/>
+                        </a:spcBef>
+                        <a:spcAft>
+                          <a:spcPts val="400"/>
+                        </a:spcAft>
+                      </a:pPr>
+                      <a:r>
+                        <a:rPr lang="en-US" sz="1300">
+                          <a:effectLst/>
+                        </a:rPr>
+                        <a:t>2</a:t>
+                      </a:r>
+                      <a:endParaRPr lang="en-US" sz="1100">
+                        <a:effectLst/>
+                        <a:latin typeface="Arial" panose="020B0604020202020204" pitchFamily="34" charset="0"/>
+                        <a:ea typeface="Times New Roman" panose="02020603050405020304" pitchFamily="18" charset="0"/>
+                        <a:cs typeface="Times New Roman" panose="02020603050405020304" pitchFamily="18" charset="0"/>
+                      </a:endParaRPr>
+                    </a:p>
+                  </a:txBody>
+                  <a:tcPr marL="68580" marR="68580" marT="0" marB="0"/>
+                </a:tc>
+                <a:tc>
+                  <a:txBody>
+                    <a:bodyPr/>
+                    <a:lstStyle/>
+                    <a:p>
+                      <a:pPr>
+                        <a:lnSpc>
+                          <a:spcPct val="150000"/>
+                        </a:lnSpc>
+                        <a:spcBef>
+                          <a:spcPts val="400"/>
+                        </a:spcBef>
+                        <a:spcAft>
+                          <a:spcPts val="400"/>
+                        </a:spcAft>
+                      </a:pPr>
+                      <a:r>
+                        <a:rPr lang="en-US" sz="1300">
+                          <a:effectLst/>
+                        </a:rPr>
+                        <a:t>Chi phí thuê tên miền và hosting</a:t>
+                      </a:r>
+                      <a:endParaRPr lang="en-US" sz="1100">
+                        <a:effectLst/>
+                        <a:latin typeface="Arial" panose="020B0604020202020204" pitchFamily="34" charset="0"/>
+                        <a:ea typeface="Times New Roman" panose="02020603050405020304" pitchFamily="18" charset="0"/>
+                        <a:cs typeface="Times New Roman" panose="02020603050405020304" pitchFamily="18" charset="0"/>
+                      </a:endParaRPr>
+                    </a:p>
+                  </a:txBody>
+                  <a:tcPr marL="68580" marR="68580" marT="0" marB="0"/>
+                </a:tc>
+                <a:tc>
+                  <a:txBody>
+                    <a:bodyPr/>
+                    <a:lstStyle/>
+                    <a:p>
+                      <a:pPr algn="ctr">
+                        <a:lnSpc>
+                          <a:spcPct val="150000"/>
+                        </a:lnSpc>
+                        <a:spcBef>
+                          <a:spcPts val="400"/>
+                        </a:spcBef>
+                        <a:spcAft>
+                          <a:spcPts val="400"/>
+                        </a:spcAft>
+                      </a:pPr>
+                      <a:r>
+                        <a:rPr lang="en-US" sz="1300">
+                          <a:effectLst/>
+                        </a:rPr>
+                        <a:t>100</a:t>
+                      </a:r>
+                      <a:endParaRPr lang="en-US" sz="1100">
+                        <a:effectLst/>
+                        <a:latin typeface="Arial" panose="020B0604020202020204" pitchFamily="34" charset="0"/>
+                        <a:ea typeface="Times New Roman" panose="02020603050405020304" pitchFamily="18" charset="0"/>
+                        <a:cs typeface="Times New Roman" panose="02020603050405020304" pitchFamily="18" charset="0"/>
+                      </a:endParaRPr>
+                    </a:p>
+                  </a:txBody>
+                  <a:tcPr marL="68580" marR="68580" marT="0" marB="0"/>
+                </a:tc>
+                <a:extLst>
+                  <a:ext uri="{0D108BD9-81ED-4DB2-BD59-A6C34878D82A}">
+                    <a16:rowId xmlns:a16="http://schemas.microsoft.com/office/drawing/2014/main" val="2743245411"/>
+                  </a:ext>
+                </a:extLst>
+              </a:tr>
+              <a:tr h="0">
+                <a:tc>
+                  <a:txBody>
+                    <a:bodyPr/>
+                    <a:lstStyle/>
+                    <a:p>
+                      <a:pPr algn="ctr">
+                        <a:lnSpc>
+                          <a:spcPct val="150000"/>
+                        </a:lnSpc>
+                        <a:spcBef>
+                          <a:spcPts val="400"/>
+                        </a:spcBef>
+                        <a:spcAft>
+                          <a:spcPts val="400"/>
+                        </a:spcAft>
+                      </a:pPr>
+                      <a:r>
+                        <a:rPr lang="en-US" sz="1300">
+                          <a:effectLst/>
+                        </a:rPr>
+                        <a:t>3</a:t>
+                      </a:r>
+                      <a:endParaRPr lang="en-US" sz="1100">
+                        <a:effectLst/>
+                        <a:latin typeface="Arial" panose="020B0604020202020204" pitchFamily="34" charset="0"/>
+                        <a:ea typeface="Times New Roman" panose="02020603050405020304" pitchFamily="18" charset="0"/>
+                        <a:cs typeface="Times New Roman" panose="02020603050405020304" pitchFamily="18" charset="0"/>
+                      </a:endParaRPr>
+                    </a:p>
+                  </a:txBody>
+                  <a:tcPr marL="68580" marR="68580" marT="0" marB="0"/>
+                </a:tc>
+                <a:tc>
+                  <a:txBody>
+                    <a:bodyPr/>
+                    <a:lstStyle/>
+                    <a:p>
+                      <a:pPr>
+                        <a:lnSpc>
+                          <a:spcPct val="150000"/>
+                        </a:lnSpc>
+                        <a:spcBef>
+                          <a:spcPts val="400"/>
+                        </a:spcBef>
+                        <a:spcAft>
+                          <a:spcPts val="400"/>
+                        </a:spcAft>
+                      </a:pPr>
+                      <a:r>
+                        <a:rPr lang="en-US" sz="1300">
+                          <a:effectLst/>
+                        </a:rPr>
+                        <a:t>Chi phí đi lại và vận chuyển</a:t>
+                      </a:r>
+                      <a:endParaRPr lang="en-US" sz="1100">
+                        <a:effectLst/>
+                        <a:latin typeface="Arial" panose="020B0604020202020204" pitchFamily="34" charset="0"/>
+                        <a:ea typeface="Times New Roman" panose="02020603050405020304" pitchFamily="18" charset="0"/>
+                        <a:cs typeface="Times New Roman" panose="02020603050405020304" pitchFamily="18" charset="0"/>
+                      </a:endParaRPr>
+                    </a:p>
+                  </a:txBody>
+                  <a:tcPr marL="68580" marR="68580" marT="0" marB="0"/>
+                </a:tc>
+                <a:tc>
+                  <a:txBody>
+                    <a:bodyPr/>
+                    <a:lstStyle/>
+                    <a:p>
+                      <a:pPr algn="ctr">
+                        <a:lnSpc>
+                          <a:spcPct val="150000"/>
+                        </a:lnSpc>
+                        <a:spcBef>
+                          <a:spcPts val="400"/>
+                        </a:spcBef>
+                        <a:spcAft>
+                          <a:spcPts val="400"/>
+                        </a:spcAft>
+                      </a:pPr>
+                      <a:r>
+                        <a:rPr lang="en-US" sz="1300">
+                          <a:effectLst/>
+                        </a:rPr>
+                        <a:t>100</a:t>
+                      </a:r>
+                      <a:endParaRPr lang="en-US" sz="1100">
+                        <a:effectLst/>
+                        <a:latin typeface="Arial" panose="020B0604020202020204" pitchFamily="34" charset="0"/>
+                        <a:ea typeface="Times New Roman" panose="02020603050405020304" pitchFamily="18" charset="0"/>
+                        <a:cs typeface="Times New Roman" panose="02020603050405020304" pitchFamily="18" charset="0"/>
+                      </a:endParaRPr>
+                    </a:p>
+                  </a:txBody>
+                  <a:tcPr marL="68580" marR="68580" marT="0" marB="0"/>
+                </a:tc>
+                <a:extLst>
+                  <a:ext uri="{0D108BD9-81ED-4DB2-BD59-A6C34878D82A}">
+                    <a16:rowId xmlns:a16="http://schemas.microsoft.com/office/drawing/2014/main" val="3328163402"/>
+                  </a:ext>
+                </a:extLst>
+              </a:tr>
+              <a:tr h="0">
+                <a:tc>
+                  <a:txBody>
+                    <a:bodyPr/>
+                    <a:lstStyle/>
+                    <a:p>
+                      <a:pPr algn="ctr">
+                        <a:lnSpc>
+                          <a:spcPct val="150000"/>
+                        </a:lnSpc>
+                        <a:spcBef>
+                          <a:spcPts val="400"/>
+                        </a:spcBef>
+                        <a:spcAft>
+                          <a:spcPts val="400"/>
+                        </a:spcAft>
+                      </a:pPr>
+                      <a:r>
+                        <a:rPr lang="en-US" sz="1300">
+                          <a:effectLst/>
+                        </a:rPr>
+                        <a:t>4</a:t>
+                      </a:r>
+                      <a:endParaRPr lang="en-US" sz="1100">
+                        <a:effectLst/>
+                        <a:latin typeface="Arial" panose="020B0604020202020204" pitchFamily="34" charset="0"/>
+                        <a:ea typeface="Times New Roman" panose="02020603050405020304" pitchFamily="18" charset="0"/>
+                        <a:cs typeface="Times New Roman" panose="02020603050405020304" pitchFamily="18" charset="0"/>
+                      </a:endParaRPr>
+                    </a:p>
+                  </a:txBody>
+                  <a:tcPr marL="68580" marR="68580" marT="0" marB="0"/>
+                </a:tc>
+                <a:tc>
+                  <a:txBody>
+                    <a:bodyPr/>
+                    <a:lstStyle/>
+                    <a:p>
+                      <a:pPr>
+                        <a:lnSpc>
+                          <a:spcPct val="150000"/>
+                        </a:lnSpc>
+                        <a:spcBef>
+                          <a:spcPts val="400"/>
+                        </a:spcBef>
+                        <a:spcAft>
+                          <a:spcPts val="400"/>
+                        </a:spcAft>
+                      </a:pPr>
+                      <a:r>
+                        <a:rPr lang="en-US" sz="1300">
+                          <a:effectLst/>
+                        </a:rPr>
+                        <a:t>Chi phí dự phòng (10% tổng vốn)</a:t>
+                      </a:r>
+                      <a:endParaRPr lang="en-US" sz="1100">
+                        <a:effectLst/>
+                        <a:latin typeface="Arial" panose="020B0604020202020204" pitchFamily="34" charset="0"/>
+                        <a:ea typeface="Times New Roman" panose="02020603050405020304" pitchFamily="18" charset="0"/>
+                        <a:cs typeface="Times New Roman" panose="02020603050405020304" pitchFamily="18" charset="0"/>
+                      </a:endParaRPr>
+                    </a:p>
+                  </a:txBody>
+                  <a:tcPr marL="68580" marR="68580" marT="0" marB="0"/>
+                </a:tc>
+                <a:tc>
+                  <a:txBody>
+                    <a:bodyPr/>
+                    <a:lstStyle/>
+                    <a:p>
+                      <a:pPr algn="ctr">
+                        <a:lnSpc>
+                          <a:spcPct val="150000"/>
+                        </a:lnSpc>
+                        <a:spcBef>
+                          <a:spcPts val="400"/>
+                        </a:spcBef>
+                        <a:spcAft>
+                          <a:spcPts val="400"/>
+                        </a:spcAft>
+                      </a:pPr>
+                      <a:r>
+                        <a:rPr lang="en-US" sz="1300">
+                          <a:effectLst/>
+                        </a:rPr>
+                        <a:t>150</a:t>
+                      </a:r>
+                      <a:endParaRPr lang="en-US" sz="1100">
+                        <a:effectLst/>
+                        <a:latin typeface="Arial" panose="020B0604020202020204" pitchFamily="34" charset="0"/>
+                        <a:ea typeface="Times New Roman" panose="02020603050405020304" pitchFamily="18" charset="0"/>
+                        <a:cs typeface="Times New Roman" panose="02020603050405020304" pitchFamily="18" charset="0"/>
+                      </a:endParaRPr>
+                    </a:p>
+                  </a:txBody>
+                  <a:tcPr marL="68580" marR="68580" marT="0" marB="0"/>
+                </a:tc>
+                <a:extLst>
+                  <a:ext uri="{0D108BD9-81ED-4DB2-BD59-A6C34878D82A}">
+                    <a16:rowId xmlns:a16="http://schemas.microsoft.com/office/drawing/2014/main" val="3396949758"/>
+                  </a:ext>
+                </a:extLst>
+              </a:tr>
+              <a:tr h="0">
+                <a:tc gridSpan="2">
+                  <a:txBody>
+                    <a:bodyPr/>
+                    <a:lstStyle/>
+                    <a:p>
+                      <a:pPr algn="r">
+                        <a:lnSpc>
+                          <a:spcPct val="150000"/>
+                        </a:lnSpc>
+                        <a:spcBef>
+                          <a:spcPts val="400"/>
+                        </a:spcBef>
+                        <a:spcAft>
+                          <a:spcPts val="400"/>
+                        </a:spcAft>
+                      </a:pPr>
+                      <a:r>
+                        <a:rPr lang="en-US" sz="1300">
+                          <a:effectLst/>
+                        </a:rPr>
+                        <a:t>Tổng:</a:t>
+                      </a:r>
+                      <a:endParaRPr lang="en-US" sz="1100">
+                        <a:effectLst/>
+                        <a:latin typeface="Arial" panose="020B0604020202020204" pitchFamily="34" charset="0"/>
+                        <a:ea typeface="Times New Roman" panose="02020603050405020304" pitchFamily="18" charset="0"/>
+                        <a:cs typeface="Times New Roman" panose="02020603050405020304" pitchFamily="18" charset="0"/>
+                      </a:endParaRPr>
+                    </a:p>
+                  </a:txBody>
+                  <a:tcPr marL="68580" marR="68580" marT="0" marB="0"/>
+                </a:tc>
+                <a:tc hMerge="1">
+                  <a:txBody>
+                    <a:bodyPr/>
+                    <a:lstStyle/>
+                    <a:p>
+                      <a:endParaRPr lang="en-US"/>
+                    </a:p>
+                  </a:txBody>
+                  <a:tcPr/>
+                </a:tc>
+                <a:tc>
+                  <a:txBody>
+                    <a:bodyPr/>
+                    <a:lstStyle/>
+                    <a:p>
+                      <a:pPr algn="ctr">
+                        <a:lnSpc>
+                          <a:spcPct val="150000"/>
+                        </a:lnSpc>
+                        <a:spcBef>
+                          <a:spcPts val="400"/>
+                        </a:spcBef>
+                        <a:spcAft>
+                          <a:spcPts val="400"/>
+                        </a:spcAft>
+                      </a:pPr>
+                      <a:r>
+                        <a:rPr lang="en-US" sz="1300">
+                          <a:effectLst/>
+                        </a:rPr>
+                        <a:t>450</a:t>
+                      </a:r>
+                      <a:endParaRPr lang="en-US" sz="1100">
+                        <a:effectLst/>
+                        <a:latin typeface="Arial" panose="020B0604020202020204" pitchFamily="34" charset="0"/>
+                        <a:ea typeface="Times New Roman" panose="02020603050405020304" pitchFamily="18" charset="0"/>
+                        <a:cs typeface="Times New Roman" panose="02020603050405020304" pitchFamily="18" charset="0"/>
+                      </a:endParaRPr>
+                    </a:p>
+                  </a:txBody>
+                  <a:tcPr marL="68580" marR="68580" marT="0" marB="0"/>
+                </a:tc>
+                <a:extLst>
+                  <a:ext uri="{0D108BD9-81ED-4DB2-BD59-A6C34878D82A}">
+                    <a16:rowId xmlns:a16="http://schemas.microsoft.com/office/drawing/2014/main" val="3215974420"/>
+                  </a:ext>
+                </a:extLst>
+              </a:tr>
+            </a:tbl>
+          </a:graphicData>
+        </a:graphic>
+      </p:graphicFrame>
     </p:spTree>
   </p:cSld>
   <p:clrMapOvr>
@@ -21133,14 +22100,14 @@
       </p:sp>
       <p:sp>
         <p:nvSpPr>
-          <p:cNvPr id="32" name="Google Shape;953;p21"/>
+          <p:cNvPr id="33" name="Google Shape;953;p21"/>
           <p:cNvSpPr txBox="1"/>
           <p:nvPr/>
         </p:nvSpPr>
         <p:spPr>
           <a:xfrm>
-            <a:off x="1028389" y="1551024"/>
-            <a:ext cx="7087221" cy="1020726"/>
+            <a:off x="855300" y="1112102"/>
+            <a:ext cx="7260309" cy="438922"/>
           </a:xfrm>
           <a:prstGeom prst="rect">
             <a:avLst/>
@@ -21380,449 +22347,123 @@
             </a:lvl9pPr>
           </a:lstStyle>
           <a:p>
-            <a:pPr algn="just">
-              <a:lnSpc>
-                <a:spcPct val="150000"/>
-              </a:lnSpc>
-              <a:spcBef>
-                <a:spcPts val="15"/>
-              </a:spcBef>
-              <a:spcAft>
-                <a:spcPts val="5"/>
+            <a:pPr>
+              <a:spcBef>
+                <a:spcPts val="600"/>
+              </a:spcBef>
+              <a:spcAft>
+                <a:spcPts val="600"/>
               </a:spcAft>
             </a:pPr>
             <a:r>
-              <a:rPr lang="en-US" sz="1600" dirty="0" err="1">
-                <a:solidFill>
-                  <a:srgbClr val="000000"/>
-                </a:solidFill>
+              <a:rPr lang="en-US" sz="1800" b="1">
                 <a:effectLst/>
-                <a:latin typeface="Times New Roman" panose="02020603050405020304" pitchFamily="18" charset="0"/>
-                <a:ea typeface="Times New Roman" panose="02020603050405020304" pitchFamily="18" charset="0"/>
-              </a:rPr>
-              <a:t>Khách</a:t>
-            </a:r>
-            <a:r>
-              <a:rPr lang="en-US" sz="1600" dirty="0">
-                <a:solidFill>
-                  <a:srgbClr val="000000"/>
-                </a:solidFill>
+                <a:latin typeface="Calibri" panose="020F0502020204030204" pitchFamily="34" charset="0"/>
+                <a:ea typeface="Calibri" panose="020F0502020204030204" pitchFamily="34" charset="0"/>
+                <a:cs typeface="Calibri" panose="020F0502020204030204" pitchFamily="34" charset="0"/>
+              </a:rPr>
+              <a:t>Đặt t</a:t>
+            </a:r>
+            <a:r>
+              <a:rPr lang="vi-VN" sz="1800" b="1">
                 <a:effectLst/>
-                <a:latin typeface="Times New Roman" panose="02020603050405020304" pitchFamily="18" charset="0"/>
-                <a:ea typeface="Times New Roman" panose="02020603050405020304" pitchFamily="18" charset="0"/>
-              </a:rPr>
-              <a:t> </a:t>
-            </a:r>
-            <a:r>
-              <a:rPr lang="en-US" sz="1600" dirty="0" err="1">
-                <a:solidFill>
-                  <a:srgbClr val="000000"/>
-                </a:solidFill>
+                <a:latin typeface="Calibri" panose="020F0502020204030204" pitchFamily="34" charset="0"/>
+                <a:ea typeface="Calibri" panose="020F0502020204030204" pitchFamily="34" charset="0"/>
+                <a:cs typeface="Calibri" panose="020F0502020204030204" pitchFamily="34" charset="0"/>
+              </a:rPr>
+              <a:t>ình </a:t>
+            </a:r>
+            <a:r>
+              <a:rPr lang="vi-VN" sz="1800" b="1" dirty="0">
                 <a:effectLst/>
-                <a:latin typeface="Times New Roman" panose="02020603050405020304" pitchFamily="18" charset="0"/>
-                <a:ea typeface="Times New Roman" panose="02020603050405020304" pitchFamily="18" charset="0"/>
-              </a:rPr>
-              <a:t>hàng</a:t>
-            </a:r>
-            <a:r>
-              <a:rPr lang="en-US" sz="1600" dirty="0">
-                <a:solidFill>
-                  <a:srgbClr val="000000"/>
-                </a:solidFill>
+                <a:latin typeface="Calibri" panose="020F0502020204030204" pitchFamily="34" charset="0"/>
+                <a:ea typeface="Calibri" panose="020F0502020204030204" pitchFamily="34" charset="0"/>
+                <a:cs typeface="Calibri" panose="020F0502020204030204" pitchFamily="34" charset="0"/>
+              </a:rPr>
+              <a:t>huống </a:t>
+            </a:r>
+            <a:r>
+              <a:rPr lang="vi-VN" sz="1800" b="1">
                 <a:effectLst/>
-                <a:latin typeface="Times New Roman" panose="02020603050405020304" pitchFamily="18" charset="0"/>
-                <a:ea typeface="Times New Roman" panose="02020603050405020304" pitchFamily="18" charset="0"/>
-              </a:rPr>
-              <a:t> </a:t>
-            </a:r>
-            <a:r>
-              <a:rPr lang="en-US" sz="1600" dirty="0" err="1">
-                <a:solidFill>
-                  <a:srgbClr val="000000"/>
-                </a:solidFill>
+                <a:latin typeface="Calibri" panose="020F0502020204030204" pitchFamily="34" charset="0"/>
+                <a:ea typeface="Calibri" panose="020F0502020204030204" pitchFamily="34" charset="0"/>
+                <a:cs typeface="Calibri" panose="020F0502020204030204" pitchFamily="34" charset="0"/>
+              </a:rPr>
+              <a:t>: </a:t>
+            </a:r>
+            <a:r>
+              <a:rPr lang="en-US" sz="1800" b="1">
                 <a:effectLst/>
-                <a:latin typeface="Times New Roman" panose="02020603050405020304" pitchFamily="18" charset="0"/>
-                <a:ea typeface="Times New Roman" panose="02020603050405020304" pitchFamily="18" charset="0"/>
-              </a:rPr>
-              <a:t>yêu</a:t>
-            </a:r>
-            <a:r>
-              <a:rPr lang="en-US" sz="1600" dirty="0">
-                <a:solidFill>
-                  <a:srgbClr val="000000"/>
-                </a:solidFill>
-                <a:effectLst/>
-                <a:latin typeface="Times New Roman" panose="02020603050405020304" pitchFamily="18" charset="0"/>
-                <a:ea typeface="Times New Roman" panose="02020603050405020304" pitchFamily="18" charset="0"/>
-              </a:rPr>
-              <a:t> </a:t>
-            </a:r>
-            <a:r>
-              <a:rPr lang="en-US" sz="1600" dirty="0" err="1">
-                <a:solidFill>
-                  <a:srgbClr val="000000"/>
-                </a:solidFill>
-                <a:effectLst/>
-                <a:latin typeface="Times New Roman" panose="02020603050405020304" pitchFamily="18" charset="0"/>
-                <a:ea typeface="Times New Roman" panose="02020603050405020304" pitchFamily="18" charset="0"/>
-              </a:rPr>
-              <a:t>cầu</a:t>
-            </a:r>
-            <a:r>
-              <a:rPr lang="en-US" sz="1600" dirty="0">
-                <a:solidFill>
-                  <a:srgbClr val="000000"/>
-                </a:solidFill>
-                <a:effectLst/>
-                <a:latin typeface="Times New Roman" panose="02020603050405020304" pitchFamily="18" charset="0"/>
-                <a:ea typeface="Times New Roman" panose="02020603050405020304" pitchFamily="18" charset="0"/>
-              </a:rPr>
-              <a:t> </a:t>
-            </a:r>
-            <a:r>
-              <a:rPr lang="en-US" sz="1600" dirty="0" err="1">
-                <a:solidFill>
-                  <a:srgbClr val="000000"/>
-                </a:solidFill>
-                <a:effectLst/>
-                <a:latin typeface="Times New Roman" panose="02020603050405020304" pitchFamily="18" charset="0"/>
-                <a:ea typeface="Times New Roman" panose="02020603050405020304" pitchFamily="18" charset="0"/>
-              </a:rPr>
-              <a:t>chức</a:t>
-            </a:r>
-            <a:r>
-              <a:rPr lang="en-US" sz="1600" dirty="0">
-                <a:solidFill>
-                  <a:srgbClr val="000000"/>
-                </a:solidFill>
-                <a:effectLst/>
-                <a:latin typeface="Times New Roman" panose="02020603050405020304" pitchFamily="18" charset="0"/>
-                <a:ea typeface="Times New Roman" panose="02020603050405020304" pitchFamily="18" charset="0"/>
-              </a:rPr>
-              <a:t> </a:t>
-            </a:r>
-            <a:r>
-              <a:rPr lang="en-US" sz="1600" dirty="0" err="1">
-                <a:solidFill>
-                  <a:srgbClr val="000000"/>
-                </a:solidFill>
-                <a:effectLst/>
-                <a:latin typeface="Times New Roman" panose="02020603050405020304" pitchFamily="18" charset="0"/>
-                <a:ea typeface="Times New Roman" panose="02020603050405020304" pitchFamily="18" charset="0"/>
-              </a:rPr>
-              <a:t>năng</a:t>
-            </a:r>
-            <a:r>
-              <a:rPr lang="en-US" sz="1600" dirty="0">
-                <a:solidFill>
-                  <a:srgbClr val="000000"/>
-                </a:solidFill>
-                <a:effectLst/>
-                <a:latin typeface="Times New Roman" panose="02020603050405020304" pitchFamily="18" charset="0"/>
-                <a:ea typeface="Times New Roman" panose="02020603050405020304" pitchFamily="18" charset="0"/>
-              </a:rPr>
-              <a:t> </a:t>
-            </a:r>
-            <a:r>
-              <a:rPr lang="en-US" sz="1600" dirty="0" err="1">
-                <a:solidFill>
-                  <a:srgbClr val="000000"/>
-                </a:solidFill>
-                <a:effectLst/>
-                <a:latin typeface="Times New Roman" panose="02020603050405020304" pitchFamily="18" charset="0"/>
-                <a:ea typeface="Times New Roman" panose="02020603050405020304" pitchFamily="18" charset="0"/>
-              </a:rPr>
-              <a:t>mới</a:t>
-            </a:r>
-            <a:r>
-              <a:rPr lang="en-US" sz="1600" dirty="0">
-                <a:solidFill>
-                  <a:srgbClr val="000000"/>
-                </a:solidFill>
-                <a:effectLst/>
-                <a:latin typeface="Times New Roman" panose="02020603050405020304" pitchFamily="18" charset="0"/>
-                <a:ea typeface="Times New Roman" panose="02020603050405020304" pitchFamily="18" charset="0"/>
-              </a:rPr>
-              <a:t>: </a:t>
-            </a:r>
-            <a:r>
-              <a:rPr lang="en-US" sz="1600" dirty="0" err="1">
-                <a:solidFill>
-                  <a:srgbClr val="000000"/>
-                </a:solidFill>
-                <a:effectLst/>
-                <a:latin typeface="Times New Roman" panose="02020603050405020304" pitchFamily="18" charset="0"/>
-                <a:ea typeface="Times New Roman" panose="02020603050405020304" pitchFamily="18" charset="0"/>
-              </a:rPr>
-              <a:t>thêm</a:t>
-            </a:r>
-            <a:r>
-              <a:rPr lang="en-US" sz="1600" dirty="0">
-                <a:solidFill>
-                  <a:srgbClr val="000000"/>
-                </a:solidFill>
-                <a:effectLst/>
-                <a:latin typeface="Times New Roman" panose="02020603050405020304" pitchFamily="18" charset="0"/>
-                <a:ea typeface="Times New Roman" panose="02020603050405020304" pitchFamily="18" charset="0"/>
-              </a:rPr>
-              <a:t> </a:t>
-            </a:r>
-            <a:r>
-              <a:rPr lang="en-US" sz="1600" dirty="0" err="1">
-                <a:solidFill>
-                  <a:srgbClr val="000000"/>
-                </a:solidFill>
-                <a:effectLst/>
-                <a:latin typeface="Times New Roman" panose="02020603050405020304" pitchFamily="18" charset="0"/>
-                <a:ea typeface="Times New Roman" panose="02020603050405020304" pitchFamily="18" charset="0"/>
-              </a:rPr>
-              <a:t>chức</a:t>
-            </a:r>
-            <a:r>
-              <a:rPr lang="en-US" sz="1600" dirty="0">
-                <a:solidFill>
-                  <a:srgbClr val="000000"/>
-                </a:solidFill>
-                <a:effectLst/>
-                <a:latin typeface="Times New Roman" panose="02020603050405020304" pitchFamily="18" charset="0"/>
-                <a:ea typeface="Times New Roman" panose="02020603050405020304" pitchFamily="18" charset="0"/>
-              </a:rPr>
-              <a:t> </a:t>
-            </a:r>
-            <a:r>
-              <a:rPr lang="en-US" sz="1600" dirty="0" err="1">
-                <a:solidFill>
-                  <a:srgbClr val="000000"/>
-                </a:solidFill>
-                <a:effectLst/>
-                <a:latin typeface="Times New Roman" panose="02020603050405020304" pitchFamily="18" charset="0"/>
-                <a:ea typeface="Times New Roman" panose="02020603050405020304" pitchFamily="18" charset="0"/>
-              </a:rPr>
-              <a:t>năng</a:t>
-            </a:r>
-            <a:r>
-              <a:rPr lang="en-US" sz="1600" dirty="0">
-                <a:solidFill>
-                  <a:srgbClr val="000000"/>
-                </a:solidFill>
-                <a:effectLst/>
-                <a:latin typeface="Times New Roman" panose="02020603050405020304" pitchFamily="18" charset="0"/>
-                <a:ea typeface="Times New Roman" panose="02020603050405020304" pitchFamily="18" charset="0"/>
-              </a:rPr>
-              <a:t> </a:t>
-            </a:r>
-            <a:r>
-              <a:rPr lang="en-US" sz="1600" dirty="0" err="1">
-                <a:solidFill>
-                  <a:srgbClr val="000000"/>
-                </a:solidFill>
-                <a:effectLst/>
-                <a:latin typeface="Times New Roman" panose="02020603050405020304" pitchFamily="18" charset="0"/>
-                <a:ea typeface="Times New Roman" panose="02020603050405020304" pitchFamily="18" charset="0"/>
-              </a:rPr>
-              <a:t>thống</a:t>
-            </a:r>
-            <a:r>
-              <a:rPr lang="en-US" sz="1600" dirty="0">
-                <a:solidFill>
-                  <a:srgbClr val="000000"/>
-                </a:solidFill>
-                <a:effectLst/>
-                <a:latin typeface="Times New Roman" panose="02020603050405020304" pitchFamily="18" charset="0"/>
-                <a:ea typeface="Times New Roman" panose="02020603050405020304" pitchFamily="18" charset="0"/>
-              </a:rPr>
-              <a:t> </a:t>
-            </a:r>
-            <a:r>
-              <a:rPr lang="en-US" sz="1600" dirty="0" err="1">
-                <a:solidFill>
-                  <a:srgbClr val="000000"/>
-                </a:solidFill>
-                <a:effectLst/>
-                <a:latin typeface="Times New Roman" panose="02020603050405020304" pitchFamily="18" charset="0"/>
-                <a:ea typeface="Times New Roman" panose="02020603050405020304" pitchFamily="18" charset="0"/>
-              </a:rPr>
-              <a:t>kê</a:t>
-            </a:r>
-            <a:endParaRPr lang="en-US" sz="1600" dirty="0">
+                <a:latin typeface="Calibri" panose="020F0502020204030204" pitchFamily="34" charset="0"/>
+                <a:ea typeface="Calibri" panose="020F0502020204030204" pitchFamily="34" charset="0"/>
+                <a:cs typeface="Calibri" panose="020F0502020204030204" pitchFamily="34" charset="0"/>
+              </a:rPr>
+              <a:t>Rủi ro từ phía nhân sự</a:t>
+            </a:r>
+            <a:endParaRPr lang="en-US" sz="1800" b="1" dirty="0">
               <a:effectLst/>
-              <a:latin typeface="Times New Roman" panose="02020603050405020304" pitchFamily="18" charset="0"/>
-              <a:ea typeface="Times New Roman" panose="02020603050405020304" pitchFamily="18" charset="0"/>
-            </a:endParaRPr>
-          </a:p>
-          <a:p>
-            <a:pPr algn="just">
-              <a:lnSpc>
-                <a:spcPct val="150000"/>
-              </a:lnSpc>
-              <a:spcBef>
-                <a:spcPts val="15"/>
-              </a:spcBef>
-              <a:spcAft>
-                <a:spcPts val="5"/>
-              </a:spcAft>
-            </a:pPr>
-            <a:r>
-              <a:rPr lang="en-US" sz="1600" dirty="0" err="1">
-                <a:solidFill>
-                  <a:srgbClr val="000000"/>
-                </a:solidFill>
-                <a:effectLst/>
-                <a:latin typeface="Times New Roman" panose="02020603050405020304" pitchFamily="18" charset="0"/>
-                <a:ea typeface="Times New Roman" panose="02020603050405020304" pitchFamily="18" charset="0"/>
-              </a:rPr>
-              <a:t>Đánh</a:t>
-            </a:r>
-            <a:r>
-              <a:rPr lang="en-US" sz="1600" dirty="0">
-                <a:solidFill>
-                  <a:srgbClr val="000000"/>
-                </a:solidFill>
-                <a:effectLst/>
-                <a:latin typeface="Times New Roman" panose="02020603050405020304" pitchFamily="18" charset="0"/>
-                <a:ea typeface="Times New Roman" panose="02020603050405020304" pitchFamily="18" charset="0"/>
-              </a:rPr>
-              <a:t> </a:t>
-            </a:r>
-            <a:r>
-              <a:rPr lang="en-US" sz="1600" dirty="0" err="1">
-                <a:solidFill>
-                  <a:srgbClr val="000000"/>
-                </a:solidFill>
-                <a:effectLst/>
-                <a:latin typeface="Times New Roman" panose="02020603050405020304" pitchFamily="18" charset="0"/>
-                <a:ea typeface="Times New Roman" panose="02020603050405020304" pitchFamily="18" charset="0"/>
-              </a:rPr>
-              <a:t>giá</a:t>
-            </a:r>
-            <a:r>
-              <a:rPr lang="en-US" sz="1600" dirty="0">
-                <a:solidFill>
-                  <a:srgbClr val="000000"/>
-                </a:solidFill>
-                <a:effectLst/>
-                <a:latin typeface="Times New Roman" panose="02020603050405020304" pitchFamily="18" charset="0"/>
-                <a:ea typeface="Times New Roman" panose="02020603050405020304" pitchFamily="18" charset="0"/>
-              </a:rPr>
-              <a:t> </a:t>
-            </a:r>
-            <a:r>
-              <a:rPr lang="en-US" sz="1600" dirty="0" err="1">
-                <a:solidFill>
-                  <a:srgbClr val="000000"/>
-                </a:solidFill>
-                <a:effectLst/>
-                <a:latin typeface="Times New Roman" panose="02020603050405020304" pitchFamily="18" charset="0"/>
-                <a:ea typeface="Times New Roman" panose="02020603050405020304" pitchFamily="18" charset="0"/>
-              </a:rPr>
-              <a:t>độ</a:t>
-            </a:r>
-            <a:r>
-              <a:rPr lang="en-US" sz="1600" dirty="0">
-                <a:solidFill>
-                  <a:srgbClr val="000000"/>
-                </a:solidFill>
-                <a:effectLst/>
-                <a:latin typeface="Times New Roman" panose="02020603050405020304" pitchFamily="18" charset="0"/>
-                <a:ea typeface="Times New Roman" panose="02020603050405020304" pitchFamily="18" charset="0"/>
-              </a:rPr>
-              <a:t> </a:t>
-            </a:r>
-            <a:r>
-              <a:rPr lang="en-US" sz="1600" dirty="0" err="1">
-                <a:solidFill>
-                  <a:srgbClr val="000000"/>
-                </a:solidFill>
-                <a:effectLst/>
-                <a:latin typeface="Times New Roman" panose="02020603050405020304" pitchFamily="18" charset="0"/>
-                <a:ea typeface="Times New Roman" panose="02020603050405020304" pitchFamily="18" charset="0"/>
-              </a:rPr>
-              <a:t>khó</a:t>
-            </a:r>
-            <a:r>
-              <a:rPr lang="en-US" sz="1600" dirty="0">
-                <a:solidFill>
-                  <a:srgbClr val="000000"/>
-                </a:solidFill>
-                <a:effectLst/>
-                <a:latin typeface="Times New Roman" panose="02020603050405020304" pitchFamily="18" charset="0"/>
-                <a:ea typeface="Times New Roman" panose="02020603050405020304" pitchFamily="18" charset="0"/>
-              </a:rPr>
-              <a:t> </a:t>
-            </a:r>
-            <a:r>
-              <a:rPr lang="en-US" sz="1600" dirty="0" err="1">
-                <a:solidFill>
-                  <a:srgbClr val="000000"/>
-                </a:solidFill>
-                <a:effectLst/>
-                <a:latin typeface="Times New Roman" panose="02020603050405020304" pitchFamily="18" charset="0"/>
-                <a:ea typeface="Times New Roman" panose="02020603050405020304" pitchFamily="18" charset="0"/>
-              </a:rPr>
-              <a:t>chức</a:t>
-            </a:r>
-            <a:r>
-              <a:rPr lang="en-US" sz="1600" dirty="0">
-                <a:solidFill>
-                  <a:srgbClr val="000000"/>
-                </a:solidFill>
-                <a:effectLst/>
-                <a:latin typeface="Times New Roman" panose="02020603050405020304" pitchFamily="18" charset="0"/>
-                <a:ea typeface="Times New Roman" panose="02020603050405020304" pitchFamily="18" charset="0"/>
-              </a:rPr>
-              <a:t> </a:t>
-            </a:r>
-            <a:r>
-              <a:rPr lang="en-US" sz="1600" dirty="0" err="1">
-                <a:solidFill>
-                  <a:srgbClr val="000000"/>
-                </a:solidFill>
-                <a:effectLst/>
-                <a:latin typeface="Times New Roman" panose="02020603050405020304" pitchFamily="18" charset="0"/>
-                <a:ea typeface="Times New Roman" panose="02020603050405020304" pitchFamily="18" charset="0"/>
-              </a:rPr>
-              <a:t>năng</a:t>
-            </a:r>
-            <a:r>
-              <a:rPr lang="en-US" sz="1600" dirty="0">
-                <a:solidFill>
-                  <a:srgbClr val="000000"/>
-                </a:solidFill>
-                <a:effectLst/>
-                <a:latin typeface="Times New Roman" panose="02020603050405020304" pitchFamily="18" charset="0"/>
-                <a:ea typeface="Times New Roman" panose="02020603050405020304" pitchFamily="18" charset="0"/>
-              </a:rPr>
-              <a:t> </a:t>
-            </a:r>
-            <a:r>
-              <a:rPr lang="en-US" sz="1600" dirty="0" err="1">
-                <a:solidFill>
-                  <a:srgbClr val="000000"/>
-                </a:solidFill>
-                <a:effectLst/>
-                <a:latin typeface="Times New Roman" panose="02020603050405020304" pitchFamily="18" charset="0"/>
-                <a:ea typeface="Times New Roman" panose="02020603050405020304" pitchFamily="18" charset="0"/>
-              </a:rPr>
-              <a:t>mới</a:t>
-            </a:r>
-            <a:endParaRPr lang="en-US" sz="1600" dirty="0">
-              <a:effectLst/>
-              <a:latin typeface="Times New Roman" panose="02020603050405020304" pitchFamily="18" charset="0"/>
-              <a:ea typeface="Times New Roman" panose="02020603050405020304" pitchFamily="18" charset="0"/>
+              <a:latin typeface="Calibri" panose="020F0502020204030204" pitchFamily="34" charset="0"/>
+              <a:ea typeface="Calibri" panose="020F0502020204030204" pitchFamily="34" charset="0"/>
+              <a:cs typeface="Calibri" panose="020F0502020204030204" pitchFamily="34" charset="0"/>
             </a:endParaRPr>
           </a:p>
         </p:txBody>
       </p:sp>
+      <p:pic>
+        <p:nvPicPr>
+          <p:cNvPr id="10" name="Picture 9">
+            <a:extLst>
+              <a:ext uri="{FF2B5EF4-FFF2-40B4-BE49-F238E27FC236}">
+                <a16:creationId xmlns:a16="http://schemas.microsoft.com/office/drawing/2014/main" id="{FCB82A87-3F1F-4E67-A593-F046C87D0F9E}"/>
+              </a:ext>
+            </a:extLst>
+          </p:cNvPr>
+          <p:cNvPicPr/>
+          <p:nvPr/>
+        </p:nvPicPr>
+        <p:blipFill>
+          <a:blip r:embed="rId3" cstate="print">
+            <a:extLst>
+              <a:ext uri="{28A0092B-C50C-407E-A947-70E740481C1C}">
+                <a14:useLocalDpi xmlns:a14="http://schemas.microsoft.com/office/drawing/2010/main" val="0"/>
+              </a:ext>
+            </a:extLst>
+          </a:blip>
+          <a:srcRect/>
+          <a:stretch>
+            <a:fillRect/>
+          </a:stretch>
+        </p:blipFill>
+        <p:spPr bwMode="auto">
+          <a:xfrm>
+            <a:off x="298450" y="2571750"/>
+            <a:ext cx="7353300" cy="1073150"/>
+          </a:xfrm>
+          <a:prstGeom prst="rect">
+            <a:avLst/>
+          </a:prstGeom>
+          <a:noFill/>
+          <a:ln>
+            <a:noFill/>
+          </a:ln>
+        </p:spPr>
+      </p:pic>
       <p:sp>
         <p:nvSpPr>
-          <p:cNvPr id="33" name="Google Shape;953;p21"/>
+          <p:cNvPr id="13" name="Google Shape;953;p21">
+            <a:extLst>
+              <a:ext uri="{FF2B5EF4-FFF2-40B4-BE49-F238E27FC236}">
+                <a16:creationId xmlns:a16="http://schemas.microsoft.com/office/drawing/2014/main" id="{4601B60A-7468-4984-9311-048C7A85A623}"/>
+              </a:ext>
+            </a:extLst>
+          </p:cNvPr>
           <p:cNvSpPr txBox="1"/>
           <p:nvPr/>
         </p:nvSpPr>
         <p:spPr>
           <a:xfrm>
-            <a:off x="1028388" y="1112102"/>
-            <a:ext cx="7087221" cy="327395"/>
+            <a:off x="855300" y="1551024"/>
+            <a:ext cx="6240900" cy="698765"/>
           </a:xfrm>
           <a:prstGeom prst="rect">
             <a:avLst/>
@@ -22062,931 +22703,38 @@
             </a:lvl9pPr>
           </a:lstStyle>
           <a:p>
-            <a:pPr>
-              <a:spcBef>
-                <a:spcPts val="600"/>
-              </a:spcBef>
-              <a:spcAft>
-                <a:spcPts val="600"/>
+            <a:pPr algn="just">
+              <a:lnSpc>
+                <a:spcPct val="150000"/>
+              </a:lnSpc>
+              <a:spcBef>
+                <a:spcPts val="15"/>
+              </a:spcBef>
+              <a:spcAft>
+                <a:spcPts val="5"/>
               </a:spcAft>
             </a:pPr>
             <a:r>
-              <a:rPr lang="en-US" sz="1800" dirty="0">
-                <a:solidFill>
-                  <a:srgbClr val="222222"/>
-                </a:solidFill>
+              <a:rPr lang="en-US" sz="1600">
                 <a:effectLst/>
-                <a:latin typeface="Space Grotesk Light" charset="0"/>
-                <a:cs typeface="Space Grotesk Light" charset="0"/>
-              </a:rPr>
-              <a:t>1. </a:t>
-            </a:r>
-            <a:r>
-              <a:rPr lang="vi-VN" sz="1800" b="1" dirty="0">
+                <a:latin typeface="Calibri" panose="020F0502020204030204" pitchFamily="34" charset="0"/>
+                <a:ea typeface="Calibri" panose="020F0502020204030204" pitchFamily="34" charset="0"/>
+                <a:cs typeface="Calibri" panose="020F0502020204030204" pitchFamily="34" charset="0"/>
+              </a:rPr>
+              <a:t>	</a:t>
+            </a:r>
+            <a:r>
+              <a:rPr lang="vi-VN" sz="1600">
                 <a:effectLst/>
-                <a:latin typeface="Times New Roman" panose="02020603050405020304" pitchFamily="18" charset="0"/>
-                <a:ea typeface="Times New Roman" panose="02020603050405020304" pitchFamily="18" charset="0"/>
-                <a:cs typeface="Times New Roman" panose="02020603050405020304" pitchFamily="18" charset="0"/>
-              </a:rPr>
-              <a:t>Tình huống : Khách hàng yêu cầu thêm chức năng</a:t>
-            </a:r>
-            <a:endParaRPr lang="en-US" sz="1800" b="1" dirty="0">
-              <a:effectLst/>
-              <a:latin typeface="Times New Roman" panose="02020603050405020304" pitchFamily="18" charset="0"/>
-              <a:ea typeface="Times New Roman" panose="02020603050405020304" pitchFamily="18" charset="0"/>
-              <a:cs typeface="Times New Roman" panose="02020603050405020304" pitchFamily="18" charset="0"/>
-            </a:endParaRPr>
-          </a:p>
-          <a:p>
-            <a:endParaRPr lang="vi-VN" sz="1800" dirty="0">
-              <a:latin typeface="Space Grotesk Light" charset="0"/>
-              <a:cs typeface="Space Grotesk Light" charset="0"/>
-            </a:endParaRPr>
+                <a:latin typeface="Calibri" panose="020F0502020204030204" pitchFamily="34" charset="0"/>
+                <a:ea typeface="Calibri" panose="020F0502020204030204" pitchFamily="34" charset="0"/>
+                <a:cs typeface="Calibri" panose="020F0502020204030204" pitchFamily="34" charset="0"/>
+              </a:rPr>
+              <a:t>Trong ngày 05/10/2023, nhân sự Trần Nguyên Lộc (TNL) bị tai nạn giao thông nên xin nghỉ phép từ 06/10/2023 đến 09/10/2023 (task 29 – task 31) </a:t>
+            </a:r>
           </a:p>
         </p:txBody>
       </p:sp>
-      <p:graphicFrame>
-        <p:nvGraphicFramePr>
-          <p:cNvPr id="2" name="Table 1"/>
-          <p:cNvGraphicFramePr>
-            <a:graphicFrameLocks noGrp="1"/>
-          </p:cNvGraphicFramePr>
-          <p:nvPr/>
-        </p:nvGraphicFramePr>
-        <p:xfrm>
-          <a:off x="1105785" y="2477134"/>
-          <a:ext cx="6655981" cy="1946784"/>
-        </p:xfrm>
-        <a:graphic>
-          <a:graphicData uri="http://schemas.openxmlformats.org/drawingml/2006/table">
-            <a:tbl>
-              <a:tblPr firstRow="1" firstCol="1" bandRow="1">
-                <a:tableStyleId>{B71E8972-68E6-47C6-8168-9DFCAA21A1EE}</a:tableStyleId>
-              </a:tblPr>
-              <a:tblGrid>
-                <a:gridCol w="2344038">
-                  <a:extLst>
-                    <a:ext uri="{9D8B030D-6E8A-4147-A177-3AD203B41FA5}">
-                      <a16:colId xmlns:a16="http://schemas.microsoft.com/office/drawing/2014/main" val="20000"/>
-                    </a:ext>
-                  </a:extLst>
-                </a:gridCol>
-                <a:gridCol w="824465">
-                  <a:extLst>
-                    <a:ext uri="{9D8B030D-6E8A-4147-A177-3AD203B41FA5}">
-                      <a16:colId xmlns:a16="http://schemas.microsoft.com/office/drawing/2014/main" val="20001"/>
-                    </a:ext>
-                  </a:extLst>
-                </a:gridCol>
-                <a:gridCol w="732447">
-                  <a:extLst>
-                    <a:ext uri="{9D8B030D-6E8A-4147-A177-3AD203B41FA5}">
-                      <a16:colId xmlns:a16="http://schemas.microsoft.com/office/drawing/2014/main" val="20002"/>
-                    </a:ext>
-                  </a:extLst>
-                </a:gridCol>
-                <a:gridCol w="1377597">
-                  <a:extLst>
-                    <a:ext uri="{9D8B030D-6E8A-4147-A177-3AD203B41FA5}">
-                      <a16:colId xmlns:a16="http://schemas.microsoft.com/office/drawing/2014/main" val="20003"/>
-                    </a:ext>
-                  </a:extLst>
-                </a:gridCol>
-                <a:gridCol w="1377434">
-                  <a:extLst>
-                    <a:ext uri="{9D8B030D-6E8A-4147-A177-3AD203B41FA5}">
-                      <a16:colId xmlns:a16="http://schemas.microsoft.com/office/drawing/2014/main" val="20004"/>
-                    </a:ext>
-                  </a:extLst>
-                </a:gridCol>
-              </a:tblGrid>
-              <a:tr h="271146">
-                <a:tc>
-                  <a:txBody>
-                    <a:bodyPr/>
-                    <a:lstStyle/>
-                    <a:p>
-                      <a:pPr algn="just">
-                        <a:lnSpc>
-                          <a:spcPct val="150000"/>
-                        </a:lnSpc>
-                        <a:spcBef>
-                          <a:spcPts val="1200"/>
-                        </a:spcBef>
-                        <a:spcAft>
-                          <a:spcPts val="1200"/>
-                        </a:spcAft>
-                      </a:pPr>
-                      <a:r>
-                        <a:rPr lang="en-US" sz="1300" b="1" dirty="0" err="1">
-                          <a:effectLst/>
-                        </a:rPr>
-                        <a:t>Công</a:t>
-                      </a:r>
-                      <a:r>
-                        <a:rPr lang="en-US" sz="1300" b="1" dirty="0">
-                          <a:effectLst/>
-                        </a:rPr>
-                        <a:t> </a:t>
-                      </a:r>
-                      <a:r>
-                        <a:rPr lang="en-US" sz="1300" b="1" dirty="0" err="1">
-                          <a:effectLst/>
-                        </a:rPr>
-                        <a:t>việc</a:t>
-                      </a:r>
-                      <a:r>
-                        <a:rPr lang="en-US" sz="1300" b="1" dirty="0">
-                          <a:effectLst/>
-                        </a:rPr>
-                        <a:t> </a:t>
-                      </a:r>
-                    </a:p>
-                  </a:txBody>
-                  <a:tcPr marL="25400" marR="25400" marT="0" marB="0" anchor="b"/>
-                </a:tc>
-                <a:tc>
-                  <a:txBody>
-                    <a:bodyPr/>
-                    <a:lstStyle/>
-                    <a:p>
-                      <a:pPr algn="just">
-                        <a:lnSpc>
-                          <a:spcPct val="150000"/>
-                        </a:lnSpc>
-                        <a:spcBef>
-                          <a:spcPts val="1200"/>
-                        </a:spcBef>
-                        <a:spcAft>
-                          <a:spcPts val="1200"/>
-                        </a:spcAft>
-                      </a:pPr>
-                      <a:r>
-                        <a:rPr lang="vi-VN" sz="1300" b="1">
-                          <a:effectLst/>
-                        </a:rPr>
-                        <a:t>Front FP</a:t>
-                      </a:r>
-                      <a:endParaRPr lang="en-US" sz="1100" b="1">
-                        <a:effectLst/>
-                        <a:latin typeface="Times New Roman" panose="02020603050405020304" pitchFamily="18" charset="0"/>
-                        <a:ea typeface="Times New Roman" panose="02020603050405020304" pitchFamily="18" charset="0"/>
-                      </a:endParaRPr>
-                    </a:p>
-                  </a:txBody>
-                  <a:tcPr marL="25400" marR="25400" marT="0" marB="0"/>
-                </a:tc>
-                <a:tc>
-                  <a:txBody>
-                    <a:bodyPr/>
-                    <a:lstStyle/>
-                    <a:p>
-                      <a:pPr algn="just">
-                        <a:lnSpc>
-                          <a:spcPct val="150000"/>
-                        </a:lnSpc>
-                        <a:spcBef>
-                          <a:spcPts val="1200"/>
-                        </a:spcBef>
-                        <a:spcAft>
-                          <a:spcPts val="1200"/>
-                        </a:spcAft>
-                      </a:pPr>
-                      <a:r>
-                        <a:rPr lang="vi-VN" sz="1300" b="1">
-                          <a:effectLst/>
-                        </a:rPr>
-                        <a:t>Back FP</a:t>
-                      </a:r>
-                      <a:endParaRPr lang="en-US" sz="1100" b="1">
-                        <a:effectLst/>
-                        <a:latin typeface="Times New Roman" panose="02020603050405020304" pitchFamily="18" charset="0"/>
-                        <a:ea typeface="Times New Roman" panose="02020603050405020304" pitchFamily="18" charset="0"/>
-                      </a:endParaRPr>
-                    </a:p>
-                  </a:txBody>
-                  <a:tcPr marL="25400" marR="25400" marT="0" marB="0"/>
-                </a:tc>
-                <a:tc>
-                  <a:txBody>
-                    <a:bodyPr/>
-                    <a:lstStyle/>
-                    <a:p>
-                      <a:pPr algn="just">
-                        <a:lnSpc>
-                          <a:spcPct val="150000"/>
-                        </a:lnSpc>
-                        <a:spcBef>
-                          <a:spcPts val="1200"/>
-                        </a:spcBef>
-                        <a:spcAft>
-                          <a:spcPts val="1200"/>
-                        </a:spcAft>
-                      </a:pPr>
-                      <a:r>
-                        <a:rPr lang="vi-VN" sz="1300" b="1" dirty="0">
-                          <a:effectLst/>
-                        </a:rPr>
-                        <a:t>Db/Network FP</a:t>
-                      </a:r>
-                      <a:endParaRPr lang="en-US" sz="1100" b="1" dirty="0">
-                        <a:effectLst/>
-                        <a:latin typeface="Times New Roman" panose="02020603050405020304" pitchFamily="18" charset="0"/>
-                        <a:ea typeface="Times New Roman" panose="02020603050405020304" pitchFamily="18" charset="0"/>
-                      </a:endParaRPr>
-                    </a:p>
-                  </a:txBody>
-                  <a:tcPr marL="25400" marR="25400" marT="0" marB="0"/>
-                </a:tc>
-                <a:tc>
-                  <a:txBody>
-                    <a:bodyPr/>
-                    <a:lstStyle/>
-                    <a:p>
-                      <a:pPr algn="just">
-                        <a:lnSpc>
-                          <a:spcPct val="150000"/>
-                        </a:lnSpc>
-                        <a:spcBef>
-                          <a:spcPts val="1200"/>
-                        </a:spcBef>
-                        <a:spcAft>
-                          <a:spcPts val="1200"/>
-                        </a:spcAft>
-                      </a:pPr>
-                      <a:r>
-                        <a:rPr lang="vi-VN" sz="1300" b="1" dirty="0">
-                          <a:effectLst/>
-                        </a:rPr>
-                        <a:t>Total FP</a:t>
-                      </a:r>
-                      <a:endParaRPr lang="en-US" sz="1100" b="1" dirty="0">
-                        <a:effectLst/>
-                        <a:latin typeface="Times New Roman" panose="02020603050405020304" pitchFamily="18" charset="0"/>
-                        <a:ea typeface="Times New Roman" panose="02020603050405020304" pitchFamily="18" charset="0"/>
-                      </a:endParaRPr>
-                    </a:p>
-                  </a:txBody>
-                  <a:tcPr marL="25400" marR="25400" marT="0" marB="0"/>
-                </a:tc>
-                <a:extLst>
-                  <a:ext uri="{0D108BD9-81ED-4DB2-BD59-A6C34878D82A}">
-                    <a16:rowId xmlns:a16="http://schemas.microsoft.com/office/drawing/2014/main" val="10000"/>
-                  </a:ext>
-                </a:extLst>
-              </a:tr>
-              <a:tr h="594360">
-                <a:tc>
-                  <a:txBody>
-                    <a:bodyPr/>
-                    <a:lstStyle/>
-                    <a:p>
-                      <a:pPr algn="just">
-                        <a:lnSpc>
-                          <a:spcPct val="150000"/>
-                        </a:lnSpc>
-                        <a:spcBef>
-                          <a:spcPts val="1200"/>
-                        </a:spcBef>
-                        <a:spcAft>
-                          <a:spcPts val="1200"/>
-                        </a:spcAft>
-                      </a:pPr>
-                      <a:r>
-                        <a:rPr lang="vi-VN" sz="1300" dirty="0">
-                          <a:effectLst/>
-                        </a:rPr>
-                        <a:t>Thiết kế giao diện trang thống kê</a:t>
-                      </a:r>
-                      <a:endParaRPr lang="en-US" sz="1100" dirty="0">
-                        <a:effectLst/>
-                        <a:latin typeface="Times New Roman" panose="02020603050405020304" pitchFamily="18" charset="0"/>
-                        <a:ea typeface="Times New Roman" panose="02020603050405020304" pitchFamily="18" charset="0"/>
-                      </a:endParaRPr>
-                    </a:p>
-                  </a:txBody>
-                  <a:tcPr marL="25400" marR="25400" marT="0" marB="0" anchor="b"/>
-                </a:tc>
-                <a:tc>
-                  <a:txBody>
-                    <a:bodyPr/>
-                    <a:lstStyle/>
-                    <a:p>
-                      <a:pPr algn="just">
-                        <a:lnSpc>
-                          <a:spcPct val="150000"/>
-                        </a:lnSpc>
-                        <a:spcBef>
-                          <a:spcPts val="1200"/>
-                        </a:spcBef>
-                        <a:spcAft>
-                          <a:spcPts val="1200"/>
-                        </a:spcAft>
-                      </a:pPr>
-                      <a:r>
-                        <a:rPr lang="vi-VN" sz="1300">
-                          <a:effectLst/>
-                        </a:rPr>
-                        <a:t>40</a:t>
-                      </a:r>
-                      <a:endParaRPr lang="en-US" sz="1100">
-                        <a:effectLst/>
-                        <a:latin typeface="Times New Roman" panose="02020603050405020304" pitchFamily="18" charset="0"/>
-                        <a:ea typeface="Times New Roman" panose="02020603050405020304" pitchFamily="18" charset="0"/>
-                      </a:endParaRPr>
-                    </a:p>
-                  </a:txBody>
-                  <a:tcPr marL="25400" marR="25400" marT="0" marB="0" anchor="b"/>
-                </a:tc>
-                <a:tc>
-                  <a:txBody>
-                    <a:bodyPr/>
-                    <a:lstStyle/>
-                    <a:p>
-                      <a:pPr algn="just">
-                        <a:lnSpc>
-                          <a:spcPct val="150000"/>
-                        </a:lnSpc>
-                        <a:spcBef>
-                          <a:spcPts val="1200"/>
-                        </a:spcBef>
-                        <a:spcAft>
-                          <a:spcPts val="1200"/>
-                        </a:spcAft>
-                      </a:pPr>
-                      <a:r>
-                        <a:rPr lang="vi-VN" sz="1300">
-                          <a:effectLst/>
-                        </a:rPr>
-                        <a:t>0</a:t>
-                      </a:r>
-                      <a:endParaRPr lang="en-US" sz="1100">
-                        <a:effectLst/>
-                        <a:latin typeface="Times New Roman" panose="02020603050405020304" pitchFamily="18" charset="0"/>
-                        <a:ea typeface="Times New Roman" panose="02020603050405020304" pitchFamily="18" charset="0"/>
-                      </a:endParaRPr>
-                    </a:p>
-                  </a:txBody>
-                  <a:tcPr marL="25400" marR="25400" marT="0" marB="0" anchor="b"/>
-                </a:tc>
-                <a:tc>
-                  <a:txBody>
-                    <a:bodyPr/>
-                    <a:lstStyle/>
-                    <a:p>
-                      <a:pPr algn="just">
-                        <a:lnSpc>
-                          <a:spcPct val="150000"/>
-                        </a:lnSpc>
-                        <a:spcBef>
-                          <a:spcPts val="1200"/>
-                        </a:spcBef>
-                        <a:spcAft>
-                          <a:spcPts val="1200"/>
-                        </a:spcAft>
-                      </a:pPr>
-                      <a:r>
-                        <a:rPr lang="vi-VN" sz="1300">
-                          <a:effectLst/>
-                        </a:rPr>
-                        <a:t>0</a:t>
-                      </a:r>
-                      <a:endParaRPr lang="en-US" sz="1100">
-                        <a:effectLst/>
-                        <a:latin typeface="Times New Roman" panose="02020603050405020304" pitchFamily="18" charset="0"/>
-                        <a:ea typeface="Times New Roman" panose="02020603050405020304" pitchFamily="18" charset="0"/>
-                      </a:endParaRPr>
-                    </a:p>
-                  </a:txBody>
-                  <a:tcPr marL="25400" marR="25400" marT="0" marB="0" anchor="b"/>
-                </a:tc>
-                <a:tc>
-                  <a:txBody>
-                    <a:bodyPr/>
-                    <a:lstStyle/>
-                    <a:p>
-                      <a:pPr algn="just">
-                        <a:lnSpc>
-                          <a:spcPct val="150000"/>
-                        </a:lnSpc>
-                        <a:spcBef>
-                          <a:spcPts val="1200"/>
-                        </a:spcBef>
-                        <a:spcAft>
-                          <a:spcPts val="1200"/>
-                        </a:spcAft>
-                      </a:pPr>
-                      <a:r>
-                        <a:rPr lang="vi-VN" sz="1300">
-                          <a:effectLst/>
-                        </a:rPr>
-                        <a:t>40</a:t>
-                      </a:r>
-                      <a:endParaRPr lang="en-US" sz="1100">
-                        <a:effectLst/>
-                        <a:latin typeface="Times New Roman" panose="02020603050405020304" pitchFamily="18" charset="0"/>
-                        <a:ea typeface="Times New Roman" panose="02020603050405020304" pitchFamily="18" charset="0"/>
-                      </a:endParaRPr>
-                    </a:p>
-                  </a:txBody>
-                  <a:tcPr marL="25400" marR="25400" marT="0" marB="0" anchor="b"/>
-                </a:tc>
-                <a:extLst>
-                  <a:ext uri="{0D108BD9-81ED-4DB2-BD59-A6C34878D82A}">
-                    <a16:rowId xmlns:a16="http://schemas.microsoft.com/office/drawing/2014/main" val="10001"/>
-                  </a:ext>
-                </a:extLst>
-              </a:tr>
-              <a:tr h="499831">
-                <a:tc>
-                  <a:txBody>
-                    <a:bodyPr/>
-                    <a:lstStyle/>
-                    <a:p>
-                      <a:pPr algn="just">
-                        <a:lnSpc>
-                          <a:spcPct val="150000"/>
-                        </a:lnSpc>
-                        <a:spcBef>
-                          <a:spcPts val="1200"/>
-                        </a:spcBef>
-                        <a:spcAft>
-                          <a:spcPts val="1200"/>
-                        </a:spcAft>
-                      </a:pPr>
-                      <a:r>
-                        <a:rPr lang="vi-VN" sz="1300">
-                          <a:effectLst/>
-                        </a:rPr>
-                        <a:t>Code HTML/CSS trang thống kê</a:t>
-                      </a:r>
-                      <a:endParaRPr lang="en-US" sz="1100">
-                        <a:effectLst/>
-                        <a:latin typeface="Times New Roman" panose="02020603050405020304" pitchFamily="18" charset="0"/>
-                        <a:ea typeface="Times New Roman" panose="02020603050405020304" pitchFamily="18" charset="0"/>
-                      </a:endParaRPr>
-                    </a:p>
-                  </a:txBody>
-                  <a:tcPr marL="25400" marR="25400" marT="0" marB="0" anchor="b"/>
-                </a:tc>
-                <a:tc>
-                  <a:txBody>
-                    <a:bodyPr/>
-                    <a:lstStyle/>
-                    <a:p>
-                      <a:pPr algn="just">
-                        <a:lnSpc>
-                          <a:spcPct val="150000"/>
-                        </a:lnSpc>
-                        <a:spcBef>
-                          <a:spcPts val="1200"/>
-                        </a:spcBef>
-                        <a:spcAft>
-                          <a:spcPts val="1200"/>
-                        </a:spcAft>
-                      </a:pPr>
-                      <a:r>
-                        <a:rPr lang="vi-VN" sz="1300">
-                          <a:effectLst/>
-                        </a:rPr>
-                        <a:t>70</a:t>
-                      </a:r>
-                      <a:endParaRPr lang="en-US" sz="1100">
-                        <a:effectLst/>
-                        <a:latin typeface="Times New Roman" panose="02020603050405020304" pitchFamily="18" charset="0"/>
-                        <a:ea typeface="Times New Roman" panose="02020603050405020304" pitchFamily="18" charset="0"/>
-                      </a:endParaRPr>
-                    </a:p>
-                  </a:txBody>
-                  <a:tcPr marL="25400" marR="25400" marT="0" marB="0" anchor="b"/>
-                </a:tc>
-                <a:tc>
-                  <a:txBody>
-                    <a:bodyPr/>
-                    <a:lstStyle/>
-                    <a:p>
-                      <a:pPr algn="just">
-                        <a:lnSpc>
-                          <a:spcPct val="150000"/>
-                        </a:lnSpc>
-                        <a:spcBef>
-                          <a:spcPts val="1200"/>
-                        </a:spcBef>
-                        <a:spcAft>
-                          <a:spcPts val="1200"/>
-                        </a:spcAft>
-                      </a:pPr>
-                      <a:r>
-                        <a:rPr lang="vi-VN" sz="1300">
-                          <a:effectLst/>
-                        </a:rPr>
-                        <a:t>0</a:t>
-                      </a:r>
-                      <a:endParaRPr lang="en-US" sz="1100">
-                        <a:effectLst/>
-                        <a:latin typeface="Times New Roman" panose="02020603050405020304" pitchFamily="18" charset="0"/>
-                        <a:ea typeface="Times New Roman" panose="02020603050405020304" pitchFamily="18" charset="0"/>
-                      </a:endParaRPr>
-                    </a:p>
-                  </a:txBody>
-                  <a:tcPr marL="25400" marR="25400" marT="0" marB="0" anchor="b"/>
-                </a:tc>
-                <a:tc>
-                  <a:txBody>
-                    <a:bodyPr/>
-                    <a:lstStyle/>
-                    <a:p>
-                      <a:pPr algn="just">
-                        <a:lnSpc>
-                          <a:spcPct val="150000"/>
-                        </a:lnSpc>
-                        <a:spcBef>
-                          <a:spcPts val="1200"/>
-                        </a:spcBef>
-                        <a:spcAft>
-                          <a:spcPts val="1200"/>
-                        </a:spcAft>
-                      </a:pPr>
-                      <a:r>
-                        <a:rPr lang="vi-VN" sz="1300">
-                          <a:effectLst/>
-                        </a:rPr>
-                        <a:t>0</a:t>
-                      </a:r>
-                      <a:endParaRPr lang="en-US" sz="1100">
-                        <a:effectLst/>
-                        <a:latin typeface="Times New Roman" panose="02020603050405020304" pitchFamily="18" charset="0"/>
-                        <a:ea typeface="Times New Roman" panose="02020603050405020304" pitchFamily="18" charset="0"/>
-                      </a:endParaRPr>
-                    </a:p>
-                  </a:txBody>
-                  <a:tcPr marL="25400" marR="25400" marT="0" marB="0" anchor="b"/>
-                </a:tc>
-                <a:tc>
-                  <a:txBody>
-                    <a:bodyPr/>
-                    <a:lstStyle/>
-                    <a:p>
-                      <a:pPr algn="just">
-                        <a:lnSpc>
-                          <a:spcPct val="150000"/>
-                        </a:lnSpc>
-                        <a:spcBef>
-                          <a:spcPts val="1200"/>
-                        </a:spcBef>
-                        <a:spcAft>
-                          <a:spcPts val="1200"/>
-                        </a:spcAft>
-                      </a:pPr>
-                      <a:r>
-                        <a:rPr lang="vi-VN" sz="1300">
-                          <a:effectLst/>
-                        </a:rPr>
-                        <a:t>70</a:t>
-                      </a:r>
-                      <a:endParaRPr lang="en-US" sz="1100">
-                        <a:effectLst/>
-                        <a:latin typeface="Times New Roman" panose="02020603050405020304" pitchFamily="18" charset="0"/>
-                        <a:ea typeface="Times New Roman" panose="02020603050405020304" pitchFamily="18" charset="0"/>
-                      </a:endParaRPr>
-                    </a:p>
-                  </a:txBody>
-                  <a:tcPr marL="25400" marR="25400" marT="0" marB="0" anchor="b"/>
-                </a:tc>
-                <a:extLst>
-                  <a:ext uri="{0D108BD9-81ED-4DB2-BD59-A6C34878D82A}">
-                    <a16:rowId xmlns:a16="http://schemas.microsoft.com/office/drawing/2014/main" val="10002"/>
-                  </a:ext>
-                </a:extLst>
-              </a:tr>
-              <a:tr h="233891">
-                <a:tc>
-                  <a:txBody>
-                    <a:bodyPr/>
-                    <a:lstStyle/>
-                    <a:p>
-                      <a:pPr algn="just">
-                        <a:lnSpc>
-                          <a:spcPct val="150000"/>
-                        </a:lnSpc>
-                        <a:spcBef>
-                          <a:spcPts val="1200"/>
-                        </a:spcBef>
-                        <a:spcAft>
-                          <a:spcPts val="1200"/>
-                        </a:spcAft>
-                      </a:pPr>
-                      <a:r>
-                        <a:rPr lang="vi-VN" sz="1300">
-                          <a:effectLst/>
-                        </a:rPr>
-                        <a:t>Bắt event trang thống kê</a:t>
-                      </a:r>
-                      <a:endParaRPr lang="en-US" sz="1100">
-                        <a:effectLst/>
-                        <a:latin typeface="Times New Roman" panose="02020603050405020304" pitchFamily="18" charset="0"/>
-                        <a:ea typeface="Times New Roman" panose="02020603050405020304" pitchFamily="18" charset="0"/>
-                      </a:endParaRPr>
-                    </a:p>
-                  </a:txBody>
-                  <a:tcPr marL="25400" marR="25400" marT="0" marB="0" anchor="b"/>
-                </a:tc>
-                <a:tc>
-                  <a:txBody>
-                    <a:bodyPr/>
-                    <a:lstStyle/>
-                    <a:p>
-                      <a:pPr algn="just">
-                        <a:lnSpc>
-                          <a:spcPct val="150000"/>
-                        </a:lnSpc>
-                        <a:spcBef>
-                          <a:spcPts val="1200"/>
-                        </a:spcBef>
-                        <a:spcAft>
-                          <a:spcPts val="1200"/>
-                        </a:spcAft>
-                      </a:pPr>
-                      <a:r>
-                        <a:rPr lang="vi-VN" sz="1300">
-                          <a:effectLst/>
-                        </a:rPr>
-                        <a:t>70</a:t>
-                      </a:r>
-                      <a:endParaRPr lang="en-US" sz="1100">
-                        <a:effectLst/>
-                        <a:latin typeface="Times New Roman" panose="02020603050405020304" pitchFamily="18" charset="0"/>
-                        <a:ea typeface="Times New Roman" panose="02020603050405020304" pitchFamily="18" charset="0"/>
-                      </a:endParaRPr>
-                    </a:p>
-                  </a:txBody>
-                  <a:tcPr marL="25400" marR="25400" marT="0" marB="0" anchor="b"/>
-                </a:tc>
-                <a:tc>
-                  <a:txBody>
-                    <a:bodyPr/>
-                    <a:lstStyle/>
-                    <a:p>
-                      <a:pPr algn="just">
-                        <a:lnSpc>
-                          <a:spcPct val="150000"/>
-                        </a:lnSpc>
-                        <a:spcBef>
-                          <a:spcPts val="1200"/>
-                        </a:spcBef>
-                        <a:spcAft>
-                          <a:spcPts val="1200"/>
-                        </a:spcAft>
-                      </a:pPr>
-                      <a:r>
-                        <a:rPr lang="vi-VN" sz="1300">
-                          <a:effectLst/>
-                        </a:rPr>
-                        <a:t>0</a:t>
-                      </a:r>
-                      <a:endParaRPr lang="en-US" sz="1100">
-                        <a:effectLst/>
-                        <a:latin typeface="Times New Roman" panose="02020603050405020304" pitchFamily="18" charset="0"/>
-                        <a:ea typeface="Times New Roman" panose="02020603050405020304" pitchFamily="18" charset="0"/>
-                      </a:endParaRPr>
-                    </a:p>
-                  </a:txBody>
-                  <a:tcPr marL="25400" marR="25400" marT="0" marB="0" anchor="b"/>
-                </a:tc>
-                <a:tc>
-                  <a:txBody>
-                    <a:bodyPr/>
-                    <a:lstStyle/>
-                    <a:p>
-                      <a:pPr algn="just">
-                        <a:lnSpc>
-                          <a:spcPct val="150000"/>
-                        </a:lnSpc>
-                        <a:spcBef>
-                          <a:spcPts val="1200"/>
-                        </a:spcBef>
-                        <a:spcAft>
-                          <a:spcPts val="1200"/>
-                        </a:spcAft>
-                      </a:pPr>
-                      <a:r>
-                        <a:rPr lang="vi-VN" sz="1300">
-                          <a:effectLst/>
-                        </a:rPr>
-                        <a:t>0</a:t>
-                      </a:r>
-                      <a:endParaRPr lang="en-US" sz="1100">
-                        <a:effectLst/>
-                        <a:latin typeface="Times New Roman" panose="02020603050405020304" pitchFamily="18" charset="0"/>
-                        <a:ea typeface="Times New Roman" panose="02020603050405020304" pitchFamily="18" charset="0"/>
-                      </a:endParaRPr>
-                    </a:p>
-                  </a:txBody>
-                  <a:tcPr marL="25400" marR="25400" marT="0" marB="0" anchor="b"/>
-                </a:tc>
-                <a:tc>
-                  <a:txBody>
-                    <a:bodyPr/>
-                    <a:lstStyle/>
-                    <a:p>
-                      <a:pPr algn="just">
-                        <a:lnSpc>
-                          <a:spcPct val="150000"/>
-                        </a:lnSpc>
-                        <a:spcBef>
-                          <a:spcPts val="1200"/>
-                        </a:spcBef>
-                        <a:spcAft>
-                          <a:spcPts val="1200"/>
-                        </a:spcAft>
-                      </a:pPr>
-                      <a:r>
-                        <a:rPr lang="vi-VN" sz="1300">
-                          <a:effectLst/>
-                        </a:rPr>
-                        <a:t>70</a:t>
-                      </a:r>
-                      <a:endParaRPr lang="en-US" sz="1100">
-                        <a:effectLst/>
-                        <a:latin typeface="Times New Roman" panose="02020603050405020304" pitchFamily="18" charset="0"/>
-                        <a:ea typeface="Times New Roman" panose="02020603050405020304" pitchFamily="18" charset="0"/>
-                      </a:endParaRPr>
-                    </a:p>
-                  </a:txBody>
-                  <a:tcPr marL="25400" marR="25400" marT="0" marB="0" anchor="b"/>
-                </a:tc>
-                <a:extLst>
-                  <a:ext uri="{0D108BD9-81ED-4DB2-BD59-A6C34878D82A}">
-                    <a16:rowId xmlns:a16="http://schemas.microsoft.com/office/drawing/2014/main" val="10003"/>
-                  </a:ext>
-                </a:extLst>
-              </a:tr>
-              <a:tr h="233891">
-                <a:tc>
-                  <a:txBody>
-                    <a:bodyPr/>
-                    <a:lstStyle/>
-                    <a:p>
-                      <a:pPr algn="just">
-                        <a:lnSpc>
-                          <a:spcPct val="150000"/>
-                        </a:lnSpc>
-                        <a:spcBef>
-                          <a:spcPts val="1200"/>
-                        </a:spcBef>
-                        <a:spcAft>
-                          <a:spcPts val="1200"/>
-                        </a:spcAft>
-                      </a:pPr>
-                      <a:r>
-                        <a:rPr lang="vi-VN" sz="1300">
-                          <a:effectLst/>
-                        </a:rPr>
-                        <a:t>Code chức năng thống kê</a:t>
-                      </a:r>
-                      <a:endParaRPr lang="en-US" sz="1100">
-                        <a:effectLst/>
-                        <a:latin typeface="Times New Roman" panose="02020603050405020304" pitchFamily="18" charset="0"/>
-                        <a:ea typeface="Times New Roman" panose="02020603050405020304" pitchFamily="18" charset="0"/>
-                      </a:endParaRPr>
-                    </a:p>
-                  </a:txBody>
-                  <a:tcPr marL="25400" marR="25400" marT="0" marB="0" anchor="b"/>
-                </a:tc>
-                <a:tc>
-                  <a:txBody>
-                    <a:bodyPr/>
-                    <a:lstStyle/>
-                    <a:p>
-                      <a:pPr algn="just">
-                        <a:lnSpc>
-                          <a:spcPct val="150000"/>
-                        </a:lnSpc>
-                        <a:spcBef>
-                          <a:spcPts val="1200"/>
-                        </a:spcBef>
-                        <a:spcAft>
-                          <a:spcPts val="1200"/>
-                        </a:spcAft>
-                      </a:pPr>
-                      <a:r>
-                        <a:rPr lang="vi-VN" sz="1300">
-                          <a:effectLst/>
-                        </a:rPr>
-                        <a:t>0</a:t>
-                      </a:r>
-                      <a:endParaRPr lang="en-US" sz="1100">
-                        <a:effectLst/>
-                        <a:latin typeface="Times New Roman" panose="02020603050405020304" pitchFamily="18" charset="0"/>
-                        <a:ea typeface="Times New Roman" panose="02020603050405020304" pitchFamily="18" charset="0"/>
-                      </a:endParaRPr>
-                    </a:p>
-                  </a:txBody>
-                  <a:tcPr marL="25400" marR="25400" marT="0" marB="0" anchor="b"/>
-                </a:tc>
-                <a:tc>
-                  <a:txBody>
-                    <a:bodyPr/>
-                    <a:lstStyle/>
-                    <a:p>
-                      <a:pPr algn="just">
-                        <a:lnSpc>
-                          <a:spcPct val="150000"/>
-                        </a:lnSpc>
-                        <a:spcBef>
-                          <a:spcPts val="1200"/>
-                        </a:spcBef>
-                        <a:spcAft>
-                          <a:spcPts val="1200"/>
-                        </a:spcAft>
-                      </a:pPr>
-                      <a:r>
-                        <a:rPr lang="vi-VN" sz="1300">
-                          <a:effectLst/>
-                        </a:rPr>
-                        <a:t>50</a:t>
-                      </a:r>
-                      <a:endParaRPr lang="en-US" sz="1100">
-                        <a:effectLst/>
-                        <a:latin typeface="Times New Roman" panose="02020603050405020304" pitchFamily="18" charset="0"/>
-                        <a:ea typeface="Times New Roman" panose="02020603050405020304" pitchFamily="18" charset="0"/>
-                      </a:endParaRPr>
-                    </a:p>
-                  </a:txBody>
-                  <a:tcPr marL="25400" marR="25400" marT="0" marB="0" anchor="b"/>
-                </a:tc>
-                <a:tc>
-                  <a:txBody>
-                    <a:bodyPr/>
-                    <a:lstStyle/>
-                    <a:p>
-                      <a:pPr algn="just">
-                        <a:lnSpc>
-                          <a:spcPct val="150000"/>
-                        </a:lnSpc>
-                        <a:spcBef>
-                          <a:spcPts val="1200"/>
-                        </a:spcBef>
-                        <a:spcAft>
-                          <a:spcPts val="1200"/>
-                        </a:spcAft>
-                      </a:pPr>
-                      <a:r>
-                        <a:rPr lang="vi-VN" sz="1300">
-                          <a:effectLst/>
-                        </a:rPr>
-                        <a:t>30</a:t>
-                      </a:r>
-                      <a:endParaRPr lang="en-US" sz="1100">
-                        <a:effectLst/>
-                        <a:latin typeface="Times New Roman" panose="02020603050405020304" pitchFamily="18" charset="0"/>
-                        <a:ea typeface="Times New Roman" panose="02020603050405020304" pitchFamily="18" charset="0"/>
-                      </a:endParaRPr>
-                    </a:p>
-                  </a:txBody>
-                  <a:tcPr marL="25400" marR="25400" marT="0" marB="0" anchor="b"/>
-                </a:tc>
-                <a:tc>
-                  <a:txBody>
-                    <a:bodyPr/>
-                    <a:lstStyle/>
-                    <a:p>
-                      <a:pPr algn="just">
-                        <a:lnSpc>
-                          <a:spcPct val="150000"/>
-                        </a:lnSpc>
-                        <a:spcBef>
-                          <a:spcPts val="1200"/>
-                        </a:spcBef>
-                        <a:spcAft>
-                          <a:spcPts val="1200"/>
-                        </a:spcAft>
-                      </a:pPr>
-                      <a:r>
-                        <a:rPr lang="vi-VN" sz="1300" dirty="0">
-                          <a:effectLst/>
-                        </a:rPr>
-                        <a:t>80</a:t>
-                      </a:r>
-                      <a:endParaRPr lang="en-US" sz="1100" dirty="0">
-                        <a:effectLst/>
-                        <a:latin typeface="Times New Roman" panose="02020603050405020304" pitchFamily="18" charset="0"/>
-                        <a:ea typeface="Times New Roman" panose="02020603050405020304" pitchFamily="18" charset="0"/>
-                      </a:endParaRPr>
-                    </a:p>
-                  </a:txBody>
-                  <a:tcPr marL="25400" marR="25400" marT="0" marB="0" anchor="b"/>
-                </a:tc>
-                <a:extLst>
-                  <a:ext uri="{0D108BD9-81ED-4DB2-BD59-A6C34878D82A}">
-                    <a16:rowId xmlns:a16="http://schemas.microsoft.com/office/drawing/2014/main" val="10004"/>
-                  </a:ext>
-                </a:extLst>
-              </a:tr>
-            </a:tbl>
-          </a:graphicData>
-        </a:graphic>
-      </p:graphicFrame>
     </p:spTree>
   </p:cSld>
   <p:clrMapOvr>
@@ -23017,14 +22765,20 @@
       </p:grpSpPr>
       <p:sp>
         <p:nvSpPr>
-          <p:cNvPr id="32" name="Google Shape;953;p21"/>
+          <p:cNvPr id="5" name="Google Shape;953;p21">
+            <a:extLst>
+              <a:ext uri="{FF2B5EF4-FFF2-40B4-BE49-F238E27FC236}">
+                <a16:creationId xmlns:a16="http://schemas.microsoft.com/office/drawing/2014/main" id="{71187F94-1FF9-4E12-B307-A97F1F3CFE54}"/>
+              </a:ext>
+            </a:extLst>
+          </p:cNvPr>
           <p:cNvSpPr txBox="1"/>
           <p:nvPr/>
         </p:nvSpPr>
         <p:spPr>
           <a:xfrm>
-            <a:off x="1028387" y="1272188"/>
-            <a:ext cx="7087221" cy="1020726"/>
+            <a:off x="906815" y="790275"/>
+            <a:ext cx="6240900" cy="1108463"/>
           </a:xfrm>
           <a:prstGeom prst="rect">
             <a:avLst/>
@@ -23276,199 +23030,142 @@
               </a:spcAft>
             </a:pPr>
             <a:r>
-              <a:rPr lang="vi-VN" sz="1600" dirty="0">
+              <a:rPr lang="en-US" sz="1600">
                 <a:effectLst/>
-                <a:latin typeface="Times New Roman" panose="02020603050405020304" pitchFamily="18" charset="0"/>
-                <a:ea typeface="Times New Roman" panose="02020603050405020304" pitchFamily="18" charset="0"/>
-              </a:rPr>
-              <a:t>Giả sử nhân viên </a:t>
-            </a:r>
-            <a:r>
-              <a:rPr lang="en-US" sz="1600" dirty="0" err="1">
+                <a:latin typeface="Calibri" panose="020F0502020204030204" pitchFamily="34" charset="0"/>
+                <a:ea typeface="Calibri" panose="020F0502020204030204" pitchFamily="34" charset="0"/>
+                <a:cs typeface="Calibri" panose="020F0502020204030204" pitchFamily="34" charset="0"/>
+              </a:rPr>
+              <a:t>	</a:t>
+            </a:r>
+            <a:r>
+              <a:rPr lang="vi-VN" sz="1600">
                 <a:effectLst/>
-                <a:latin typeface="Times New Roman" panose="02020603050405020304" pitchFamily="18" charset="0"/>
-                <a:ea typeface="Times New Roman" panose="02020603050405020304" pitchFamily="18" charset="0"/>
-              </a:rPr>
-              <a:t>Phạm</a:t>
-            </a:r>
-            <a:r>
-              <a:rPr lang="en-US" sz="1600" dirty="0">
+                <a:latin typeface="Calibri" panose="020F0502020204030204" pitchFamily="34" charset="0"/>
+                <a:ea typeface="Calibri" panose="020F0502020204030204" pitchFamily="34" charset="0"/>
+                <a:cs typeface="Calibri" panose="020F0502020204030204" pitchFamily="34" charset="0"/>
+              </a:rPr>
+              <a:t>Nhân sự Triệu Khánh Quang (TKQ) sẽ làm cả phần của nhân sự </a:t>
+            </a:r>
+            <a:r>
+              <a:rPr lang="en-US" sz="1600">
                 <a:effectLst/>
-                <a:latin typeface="Times New Roman" panose="02020603050405020304" pitchFamily="18" charset="0"/>
-                <a:ea typeface="Times New Roman" panose="02020603050405020304" pitchFamily="18" charset="0"/>
-              </a:rPr>
-              <a:t> </a:t>
-            </a:r>
-            <a:r>
-              <a:rPr lang="en-US" sz="1600" dirty="0" err="1">
+                <a:latin typeface="Calibri" panose="020F0502020204030204" pitchFamily="34" charset="0"/>
+                <a:ea typeface="Calibri" panose="020F0502020204030204" pitchFamily="34" charset="0"/>
+                <a:cs typeface="Calibri" panose="020F0502020204030204" pitchFamily="34" charset="0"/>
+              </a:rPr>
+              <a:t>Trần Nguyên Lộc (</a:t>
+            </a:r>
+            <a:r>
+              <a:rPr lang="vi-VN" sz="1600">
                 <a:effectLst/>
-                <a:latin typeface="Times New Roman" panose="02020603050405020304" pitchFamily="18" charset="0"/>
-                <a:ea typeface="Times New Roman" panose="02020603050405020304" pitchFamily="18" charset="0"/>
-              </a:rPr>
-              <a:t>Nhật</a:t>
-            </a:r>
-            <a:r>
-              <a:rPr lang="en-US" sz="1600" dirty="0">
+                <a:latin typeface="Calibri" panose="020F0502020204030204" pitchFamily="34" charset="0"/>
+                <a:ea typeface="Calibri" panose="020F0502020204030204" pitchFamily="34" charset="0"/>
+                <a:cs typeface="Calibri" panose="020F0502020204030204" pitchFamily="34" charset="0"/>
+              </a:rPr>
+              <a:t>TNL</a:t>
+            </a:r>
+            <a:r>
+              <a:rPr lang="en-US" sz="1600">
                 <a:effectLst/>
-                <a:latin typeface="Times New Roman" panose="02020603050405020304" pitchFamily="18" charset="0"/>
-                <a:ea typeface="Times New Roman" panose="02020603050405020304" pitchFamily="18" charset="0"/>
-              </a:rPr>
-              <a:t> </a:t>
-            </a:r>
-            <a:r>
-              <a:rPr lang="en-US" sz="1600" dirty="0" err="1">
+                <a:latin typeface="Calibri" panose="020F0502020204030204" pitchFamily="34" charset="0"/>
+                <a:ea typeface="Calibri" panose="020F0502020204030204" pitchFamily="34" charset="0"/>
+                <a:cs typeface="Calibri" panose="020F0502020204030204" pitchFamily="34" charset="0"/>
+              </a:rPr>
+              <a:t>)</a:t>
+            </a:r>
+            <a:r>
+              <a:rPr lang="vi-VN" sz="1600">
                 <a:effectLst/>
-                <a:latin typeface="Times New Roman" panose="02020603050405020304" pitchFamily="18" charset="0"/>
-                <a:ea typeface="Times New Roman" panose="02020603050405020304" pitchFamily="18" charset="0"/>
-              </a:rPr>
-              <a:t>Tân</a:t>
-            </a:r>
-            <a:r>
-              <a:rPr lang="vi-VN" sz="1600" dirty="0">
+                <a:latin typeface="Calibri" panose="020F0502020204030204" pitchFamily="34" charset="0"/>
+                <a:ea typeface="Calibri" panose="020F0502020204030204" pitchFamily="34" charset="0"/>
+                <a:cs typeface="Calibri" panose="020F0502020204030204" pitchFamily="34" charset="0"/>
+              </a:rPr>
+              <a:t> ở task 29 và ở task 31 thì nhân sự Phạm Minh Quân (PMQ) sẽ làm thay. </a:t>
+            </a:r>
+            <a:endParaRPr lang="en-US" sz="1600">
+              <a:effectLst/>
+              <a:latin typeface="Calibri" panose="020F0502020204030204" pitchFamily="34" charset="0"/>
+              <a:ea typeface="Calibri" panose="020F0502020204030204" pitchFamily="34" charset="0"/>
+              <a:cs typeface="Calibri" panose="020F0502020204030204" pitchFamily="34" charset="0"/>
+            </a:endParaRPr>
+          </a:p>
+          <a:p>
+            <a:pPr algn="just">
+              <a:lnSpc>
+                <a:spcPct val="150000"/>
+              </a:lnSpc>
+              <a:spcBef>
+                <a:spcPts val="15"/>
+              </a:spcBef>
+              <a:spcAft>
+                <a:spcPts val="5"/>
+              </a:spcAft>
+            </a:pPr>
+            <a:r>
+              <a:rPr lang="en-US" sz="1600">
+                <a:latin typeface="Calibri" panose="020F0502020204030204" pitchFamily="34" charset="0"/>
+                <a:ea typeface="Calibri" panose="020F0502020204030204" pitchFamily="34" charset="0"/>
+                <a:cs typeface="Calibri" panose="020F0502020204030204" pitchFamily="34" charset="0"/>
+              </a:rPr>
+              <a:t>	</a:t>
+            </a:r>
+            <a:r>
+              <a:rPr lang="vi-VN" sz="1600">
                 <a:effectLst/>
-                <a:latin typeface="Times New Roman" panose="02020603050405020304" pitchFamily="18" charset="0"/>
-                <a:ea typeface="Times New Roman" panose="02020603050405020304" pitchFamily="18" charset="0"/>
-              </a:rPr>
-              <a:t> (</a:t>
-            </a:r>
-            <a:r>
-              <a:rPr lang="en-US" sz="1600" b="1" dirty="0">
-                <a:effectLst/>
-                <a:latin typeface="Times New Roman" panose="02020603050405020304" pitchFamily="18" charset="0"/>
-                <a:ea typeface="Times New Roman" panose="02020603050405020304" pitchFamily="18" charset="0"/>
-              </a:rPr>
-              <a:t>NT</a:t>
-            </a:r>
-            <a:r>
-              <a:rPr lang="vi-VN" sz="1600" dirty="0">
-                <a:effectLst/>
-                <a:latin typeface="Times New Roman" panose="02020603050405020304" pitchFamily="18" charset="0"/>
-                <a:ea typeface="Times New Roman" panose="02020603050405020304" pitchFamily="18" charset="0"/>
-              </a:rPr>
-              <a:t>) xin nghỉ phép từ ngày </a:t>
-            </a:r>
-            <a:r>
-              <a:rPr lang="en-US" sz="1600" dirty="0">
-                <a:effectLst/>
-                <a:latin typeface="Times New Roman" panose="02020603050405020304" pitchFamily="18" charset="0"/>
-                <a:ea typeface="Times New Roman" panose="02020603050405020304" pitchFamily="18" charset="0"/>
-              </a:rPr>
-              <a:t>06/11</a:t>
-            </a:r>
-            <a:r>
-              <a:rPr lang="vi-VN" sz="1600" dirty="0">
-                <a:effectLst/>
-                <a:latin typeface="Times New Roman" panose="02020603050405020304" pitchFamily="18" charset="0"/>
-                <a:ea typeface="Times New Roman" panose="02020603050405020304" pitchFamily="18" charset="0"/>
-              </a:rPr>
-              <a:t>/2023 đến ngày </a:t>
-            </a:r>
-            <a:r>
-              <a:rPr lang="en-US" sz="1600" dirty="0">
-                <a:effectLst/>
-                <a:latin typeface="Times New Roman" panose="02020603050405020304" pitchFamily="18" charset="0"/>
-                <a:ea typeface="Times New Roman" panose="02020603050405020304" pitchFamily="18" charset="0"/>
-              </a:rPr>
-              <a:t>08/11/</a:t>
-            </a:r>
-            <a:r>
-              <a:rPr lang="vi-VN" sz="1600" dirty="0">
-                <a:effectLst/>
-                <a:latin typeface="Times New Roman" panose="02020603050405020304" pitchFamily="18" charset="0"/>
-                <a:ea typeface="Times New Roman" panose="02020603050405020304" pitchFamily="18" charset="0"/>
-              </a:rPr>
-              <a:t>202</a:t>
-            </a:r>
-            <a:r>
-              <a:rPr lang="en-US" sz="1600" dirty="0">
-                <a:effectLst/>
-                <a:latin typeface="Times New Roman" panose="02020603050405020304" pitchFamily="18" charset="0"/>
-                <a:ea typeface="Times New Roman" panose="02020603050405020304" pitchFamily="18" charset="0"/>
-              </a:rPr>
-              <a:t>3</a:t>
-            </a:r>
-            <a:r>
-              <a:rPr lang="vi-VN" sz="1600" dirty="0">
-                <a:effectLst/>
-                <a:latin typeface="Times New Roman" panose="02020603050405020304" pitchFamily="18" charset="0"/>
-                <a:ea typeface="Times New Roman" panose="02020603050405020304" pitchFamily="18" charset="0"/>
-              </a:rPr>
-              <a:t> (task 35). Nhân </a:t>
-            </a:r>
-            <a:r>
-              <a:rPr lang="en-US" sz="1600" dirty="0" err="1">
-                <a:effectLst/>
-                <a:latin typeface="Times New Roman" panose="02020603050405020304" pitchFamily="18" charset="0"/>
-                <a:ea typeface="Times New Roman" panose="02020603050405020304" pitchFamily="18" charset="0"/>
-              </a:rPr>
-              <a:t>viên</a:t>
-            </a:r>
-            <a:r>
-              <a:rPr lang="en-US" sz="1600" dirty="0">
-                <a:effectLst/>
-                <a:latin typeface="Times New Roman" panose="02020603050405020304" pitchFamily="18" charset="0"/>
-                <a:ea typeface="Times New Roman" panose="02020603050405020304" pitchFamily="18" charset="0"/>
-              </a:rPr>
-              <a:t> </a:t>
-            </a:r>
-            <a:r>
-              <a:rPr lang="en-US" sz="1600" dirty="0" err="1">
-                <a:effectLst/>
-                <a:latin typeface="Times New Roman" panose="02020603050405020304" pitchFamily="18" charset="0"/>
-                <a:ea typeface="Times New Roman" panose="02020603050405020304" pitchFamily="18" charset="0"/>
-              </a:rPr>
-              <a:t>Thiều</a:t>
-            </a:r>
-            <a:r>
-              <a:rPr lang="en-US" sz="1600" dirty="0">
-                <a:effectLst/>
-                <a:latin typeface="Times New Roman" panose="02020603050405020304" pitchFamily="18" charset="0"/>
-                <a:ea typeface="Times New Roman" panose="02020603050405020304" pitchFamily="18" charset="0"/>
-              </a:rPr>
-              <a:t> Anh Sang </a:t>
-            </a:r>
-            <a:r>
-              <a:rPr lang="vi-VN" sz="1600" dirty="0">
-                <a:effectLst/>
-                <a:latin typeface="Times New Roman" panose="02020603050405020304" pitchFamily="18" charset="0"/>
-                <a:ea typeface="Times New Roman" panose="02020603050405020304" pitchFamily="18" charset="0"/>
-              </a:rPr>
-              <a:t> (</a:t>
-            </a:r>
-            <a:r>
-              <a:rPr lang="en-US" sz="1600" b="1" dirty="0">
-                <a:effectLst/>
-                <a:latin typeface="Times New Roman" panose="02020603050405020304" pitchFamily="18" charset="0"/>
-                <a:ea typeface="Times New Roman" panose="02020603050405020304" pitchFamily="18" charset="0"/>
-              </a:rPr>
-              <a:t>AS</a:t>
-            </a:r>
-            <a:r>
-              <a:rPr lang="vi-VN" sz="1600" dirty="0">
-                <a:effectLst/>
-                <a:latin typeface="Times New Roman" panose="02020603050405020304" pitchFamily="18" charset="0"/>
-                <a:ea typeface="Times New Roman" panose="02020603050405020304" pitchFamily="18" charset="0"/>
-              </a:rPr>
-              <a:t>) làm thay</a:t>
-            </a:r>
-            <a:endParaRPr lang="en-US" sz="1600" dirty="0">
-              <a:effectLst/>
-              <a:latin typeface="Times New Roman" panose="02020603050405020304" pitchFamily="18" charset="0"/>
-              <a:ea typeface="Times New Roman" panose="02020603050405020304" pitchFamily="18" charset="0"/>
-            </a:endParaRPr>
+                <a:latin typeface="Calibri" panose="020F0502020204030204" pitchFamily="34" charset="0"/>
+                <a:ea typeface="Calibri" panose="020F0502020204030204" pitchFamily="34" charset="0"/>
+                <a:cs typeface="Calibri" panose="020F0502020204030204" pitchFamily="34" charset="0"/>
+              </a:rPr>
+              <a:t>Kế hoạch sẽ thay đổi như sau:</a:t>
+            </a:r>
           </a:p>
         </p:txBody>
       </p:sp>
+      <p:pic>
+        <p:nvPicPr>
+          <p:cNvPr id="7" name="Picture 6">
+            <a:extLst>
+              <a:ext uri="{FF2B5EF4-FFF2-40B4-BE49-F238E27FC236}">
+                <a16:creationId xmlns:a16="http://schemas.microsoft.com/office/drawing/2014/main" id="{A9AECCF4-CBDF-4452-9866-6EE0B40FCD3A}"/>
+              </a:ext>
+            </a:extLst>
+          </p:cNvPr>
+          <p:cNvPicPr/>
+          <p:nvPr/>
+        </p:nvPicPr>
+        <p:blipFill>
+          <a:blip r:embed="rId3"/>
+          <a:stretch>
+            <a:fillRect/>
+          </a:stretch>
+        </p:blipFill>
+        <p:spPr>
+          <a:xfrm>
+            <a:off x="306078" y="2403519"/>
+            <a:ext cx="8531843" cy="628562"/>
+          </a:xfrm>
+          <a:prstGeom prst="rect">
+            <a:avLst/>
+          </a:prstGeom>
+        </p:spPr>
+      </p:pic>
       <p:sp>
         <p:nvSpPr>
-          <p:cNvPr id="33" name="Google Shape;953;p21"/>
+          <p:cNvPr id="9" name="Google Shape;953;p21">
+            <a:extLst>
+              <a:ext uri="{FF2B5EF4-FFF2-40B4-BE49-F238E27FC236}">
+                <a16:creationId xmlns:a16="http://schemas.microsoft.com/office/drawing/2014/main" id="{27B8DEF6-9762-4BC6-86C5-42DBC6261AE6}"/>
+              </a:ext>
+            </a:extLst>
+          </p:cNvPr>
           <p:cNvSpPr txBox="1"/>
           <p:nvPr/>
         </p:nvSpPr>
         <p:spPr>
           <a:xfrm>
-            <a:off x="1028388" y="760574"/>
-            <a:ext cx="7087221" cy="327395"/>
+            <a:off x="906815" y="3244762"/>
+            <a:ext cx="6240900" cy="1108463"/>
           </a:xfrm>
           <a:prstGeom prst="rect">
             <a:avLst/>
@@ -23708,76 +23405,56 @@
             </a:lvl9pPr>
           </a:lstStyle>
           <a:p>
-            <a:pPr>
-              <a:spcBef>
-                <a:spcPts val="600"/>
-              </a:spcBef>
-              <a:spcAft>
-                <a:spcPts val="600"/>
+            <a:pPr algn="just">
+              <a:lnSpc>
+                <a:spcPct val="150000"/>
+              </a:lnSpc>
+              <a:spcBef>
+                <a:spcPts val="15"/>
+              </a:spcBef>
+              <a:spcAft>
+                <a:spcPts val="5"/>
               </a:spcAft>
             </a:pPr>
             <a:r>
-              <a:rPr lang="en-US" sz="1800" dirty="0">
-                <a:solidFill>
-                  <a:srgbClr val="222222"/>
-                </a:solidFill>
+              <a:rPr lang="en-US" sz="1600">
                 <a:effectLst/>
-                <a:latin typeface="Space Grotesk Light" charset="0"/>
-                <a:cs typeface="Space Grotesk Light" charset="0"/>
-              </a:rPr>
-              <a:t>2. </a:t>
-            </a:r>
-            <a:r>
-              <a:rPr lang="vi-VN" sz="1800" kern="0" dirty="0">
+                <a:latin typeface="Calibri" panose="020F0502020204030204" pitchFamily="34" charset="0"/>
+                <a:ea typeface="Calibri" panose="020F0502020204030204" pitchFamily="34" charset="0"/>
+                <a:cs typeface="Calibri" panose="020F0502020204030204" pitchFamily="34" charset="0"/>
+              </a:rPr>
+              <a:t>	</a:t>
+            </a:r>
+            <a:r>
+              <a:rPr lang="vi-VN" sz="1600">
                 <a:effectLst/>
-                <a:latin typeface="Times New Roman" panose="02020603050405020304" pitchFamily="18" charset="0"/>
-                <a:ea typeface="Times New Roman" panose="02020603050405020304" pitchFamily="18" charset="0"/>
-              </a:rPr>
-              <a:t>Nhân viên xin nghỉ phép</a:t>
-            </a:r>
-            <a:endParaRPr lang="en-US" sz="1800" b="1" dirty="0">
-              <a:effectLst/>
-              <a:latin typeface="Times New Roman" panose="02020603050405020304" pitchFamily="18" charset="0"/>
-              <a:ea typeface="Times New Roman" panose="02020603050405020304" pitchFamily="18" charset="0"/>
-              <a:cs typeface="Times New Roman" panose="02020603050405020304" pitchFamily="18" charset="0"/>
-            </a:endParaRPr>
-          </a:p>
-          <a:p>
-            <a:endParaRPr lang="vi-VN" sz="1800" dirty="0">
-              <a:latin typeface="Space Grotesk Light" charset="0"/>
-              <a:cs typeface="Space Grotesk Light" charset="0"/>
-            </a:endParaRPr>
+                <a:latin typeface="Calibri" panose="020F0502020204030204" pitchFamily="34" charset="0"/>
+                <a:ea typeface="Calibri" panose="020F0502020204030204" pitchFamily="34" charset="0"/>
+                <a:cs typeface="Calibri" panose="020F0502020204030204" pitchFamily="34" charset="0"/>
+              </a:rPr>
+              <a:t>Quyết định để 2 nhân sự TKQ và PMQ đã hoàn tất nốt công việc của nhân sự TNL làm cho công việc được tiến hành đúng tiện độ</a:t>
+            </a:r>
+            <a:r>
+              <a:rPr lang="en-US" sz="1600">
+                <a:effectLst/>
+                <a:latin typeface="Calibri" panose="020F0502020204030204" pitchFamily="34" charset="0"/>
+                <a:ea typeface="Calibri" panose="020F0502020204030204" pitchFamily="34" charset="0"/>
+                <a:cs typeface="Calibri" panose="020F0502020204030204" pitchFamily="34" charset="0"/>
+              </a:rPr>
+              <a:t>. Do đó, </a:t>
+            </a:r>
+            <a:r>
+              <a:rPr lang="vi-VN" sz="1600">
+                <a:effectLst/>
+                <a:latin typeface="Calibri" panose="020F0502020204030204" pitchFamily="34" charset="0"/>
+                <a:ea typeface="Calibri" panose="020F0502020204030204" pitchFamily="34" charset="0"/>
+                <a:cs typeface="Calibri" panose="020F0502020204030204" pitchFamily="34" charset="0"/>
+              </a:rPr>
+              <a:t>không ảnh hưởng đến toàn thể dự án.</a:t>
+            </a:r>
           </a:p>
         </p:txBody>
       </p:sp>
-      <p:pic>
-        <p:nvPicPr>
-          <p:cNvPr id="6" name="Picture 5"/>
-          <p:cNvPicPr/>
-          <p:nvPr/>
-        </p:nvPicPr>
-        <p:blipFill>
-          <a:blip r:embed="rId3" cstate="print">
-            <a:extLst>
-              <a:ext uri="{28A0092B-C50C-407E-A947-70E740481C1C}">
-                <a14:useLocalDpi xmlns:a14="http://schemas.microsoft.com/office/drawing/2010/main" val="0"/>
-              </a:ext>
-            </a:extLst>
-          </a:blip>
-          <a:stretch>
-            <a:fillRect/>
-          </a:stretch>
-        </p:blipFill>
-        <p:spPr>
-          <a:xfrm>
-            <a:off x="1028387" y="2167890"/>
-            <a:ext cx="7087221" cy="1489710"/>
-          </a:xfrm>
-          <a:prstGeom prst="rect">
-            <a:avLst/>
-          </a:prstGeom>
-        </p:spPr>
-      </p:pic>
     </p:spTree>
   </p:cSld>
   <p:clrMapOvr>
@@ -23790,1980 +23467,6 @@
 </file>
 
 <file path=ppt/slides/slide24.xml><?xml version="1.0" encoding="utf-8"?>
-<p:sld xmlns:a="http://schemas.openxmlformats.org/drawingml/2006/main" xmlns:r="http://schemas.openxmlformats.org/officeDocument/2006/relationships" xmlns:p="http://schemas.openxmlformats.org/presentationml/2006/main">
-  <p:cSld>
-    <p:spTree>
-      <p:nvGrpSpPr>
-        <p:cNvPr id="1" name="Shape 974"/>
-        <p:cNvGrpSpPr/>
-        <p:nvPr/>
-      </p:nvGrpSpPr>
-      <p:grpSpPr>
-        <a:xfrm>
-          <a:off x="0" y="0"/>
-          <a:ext cx="0" cy="0"/>
-          <a:chOff x="0" y="0"/>
-          <a:chExt cx="0" cy="0"/>
-        </a:xfrm>
-      </p:grpSpPr>
-      <p:sp>
-        <p:nvSpPr>
-          <p:cNvPr id="32" name="Google Shape;953;p21"/>
-          <p:cNvSpPr txBox="1"/>
-          <p:nvPr/>
-        </p:nvSpPr>
-        <p:spPr>
-          <a:xfrm>
-            <a:off x="1028387" y="719295"/>
-            <a:ext cx="7087221" cy="1020726"/>
-          </a:xfrm>
-          <a:prstGeom prst="rect">
-            <a:avLst/>
-          </a:prstGeom>
-        </p:spPr>
-        <p:txBody>
-          <a:bodyPr spcFirstLastPara="1" wrap="square" lIns="0" tIns="0" rIns="0" bIns="0" anchor="t" anchorCtr="0">
-            <a:noAutofit/>
-          </a:bodyPr>
-          <a:lstStyle>
-            <a:defPPr marR="0" lvl="0" algn="l" rtl="0">
-              <a:lnSpc>
-                <a:spcPct val="100000"/>
-              </a:lnSpc>
-              <a:spcBef>
-                <a:spcPts val="0"/>
-              </a:spcBef>
-              <a:spcAft>
-                <a:spcPts val="0"/>
-              </a:spcAft>
-            </a:defPPr>
-            <a:lvl1pPr marR="0" lvl="0" algn="l" rtl="0">
-              <a:lnSpc>
-                <a:spcPct val="100000"/>
-              </a:lnSpc>
-              <a:spcBef>
-                <a:spcPts val="0"/>
-              </a:spcBef>
-              <a:spcAft>
-                <a:spcPts val="0"/>
-              </a:spcAft>
-              <a:buClr>
-                <a:srgbClr val="000000"/>
-              </a:buClr>
-              <a:buFont typeface="Arial" panose="020B0604020202020204"/>
-              <a:defRPr sz="1400" b="0" i="0" u="none" strike="noStrike" cap="none">
-                <a:solidFill>
-                  <a:srgbClr val="000000"/>
-                </a:solidFill>
-                <a:latin typeface="Arial" panose="020B0604020202020204"/>
-                <a:ea typeface="Arial" panose="020B0604020202020204"/>
-                <a:cs typeface="Arial" panose="020B0604020202020204"/>
-                <a:sym typeface="Arial" panose="020B0604020202020204"/>
-              </a:defRPr>
-            </a:lvl1pPr>
-            <a:lvl2pPr marR="0" lvl="1" algn="l" rtl="0">
-              <a:lnSpc>
-                <a:spcPct val="100000"/>
-              </a:lnSpc>
-              <a:spcBef>
-                <a:spcPts val="0"/>
-              </a:spcBef>
-              <a:spcAft>
-                <a:spcPts val="0"/>
-              </a:spcAft>
-              <a:buClr>
-                <a:srgbClr val="000000"/>
-              </a:buClr>
-              <a:buFont typeface="Arial" panose="020B0604020202020204"/>
-              <a:defRPr sz="1400" b="0" i="0" u="none" strike="noStrike" cap="none">
-                <a:solidFill>
-                  <a:srgbClr val="000000"/>
-                </a:solidFill>
-                <a:latin typeface="Arial" panose="020B0604020202020204"/>
-                <a:ea typeface="Arial" panose="020B0604020202020204"/>
-                <a:cs typeface="Arial" panose="020B0604020202020204"/>
-                <a:sym typeface="Arial" panose="020B0604020202020204"/>
-              </a:defRPr>
-            </a:lvl2pPr>
-            <a:lvl3pPr marR="0" lvl="2" algn="l" rtl="0">
-              <a:lnSpc>
-                <a:spcPct val="100000"/>
-              </a:lnSpc>
-              <a:spcBef>
-                <a:spcPts val="0"/>
-              </a:spcBef>
-              <a:spcAft>
-                <a:spcPts val="0"/>
-              </a:spcAft>
-              <a:buClr>
-                <a:srgbClr val="000000"/>
-              </a:buClr>
-              <a:buFont typeface="Arial" panose="020B0604020202020204"/>
-              <a:defRPr sz="1400" b="0" i="0" u="none" strike="noStrike" cap="none">
-                <a:solidFill>
-                  <a:srgbClr val="000000"/>
-                </a:solidFill>
-                <a:latin typeface="Arial" panose="020B0604020202020204"/>
-                <a:ea typeface="Arial" panose="020B0604020202020204"/>
-                <a:cs typeface="Arial" panose="020B0604020202020204"/>
-                <a:sym typeface="Arial" panose="020B0604020202020204"/>
-              </a:defRPr>
-            </a:lvl3pPr>
-            <a:lvl4pPr marR="0" lvl="3" algn="l" rtl="0">
-              <a:lnSpc>
-                <a:spcPct val="100000"/>
-              </a:lnSpc>
-              <a:spcBef>
-                <a:spcPts val="0"/>
-              </a:spcBef>
-              <a:spcAft>
-                <a:spcPts val="0"/>
-              </a:spcAft>
-              <a:buClr>
-                <a:srgbClr val="000000"/>
-              </a:buClr>
-              <a:buFont typeface="Arial" panose="020B0604020202020204"/>
-              <a:defRPr sz="1400" b="0" i="0" u="none" strike="noStrike" cap="none">
-                <a:solidFill>
-                  <a:srgbClr val="000000"/>
-                </a:solidFill>
-                <a:latin typeface="Arial" panose="020B0604020202020204"/>
-                <a:ea typeface="Arial" panose="020B0604020202020204"/>
-                <a:cs typeface="Arial" panose="020B0604020202020204"/>
-                <a:sym typeface="Arial" panose="020B0604020202020204"/>
-              </a:defRPr>
-            </a:lvl4pPr>
-            <a:lvl5pPr marR="0" lvl="4" algn="l" rtl="0">
-              <a:lnSpc>
-                <a:spcPct val="100000"/>
-              </a:lnSpc>
-              <a:spcBef>
-                <a:spcPts val="0"/>
-              </a:spcBef>
-              <a:spcAft>
-                <a:spcPts val="0"/>
-              </a:spcAft>
-              <a:buClr>
-                <a:srgbClr val="000000"/>
-              </a:buClr>
-              <a:buFont typeface="Arial" panose="020B0604020202020204"/>
-              <a:defRPr sz="1400" b="0" i="0" u="none" strike="noStrike" cap="none">
-                <a:solidFill>
-                  <a:srgbClr val="000000"/>
-                </a:solidFill>
-                <a:latin typeface="Arial" panose="020B0604020202020204"/>
-                <a:ea typeface="Arial" panose="020B0604020202020204"/>
-                <a:cs typeface="Arial" panose="020B0604020202020204"/>
-                <a:sym typeface="Arial" panose="020B0604020202020204"/>
-              </a:defRPr>
-            </a:lvl5pPr>
-            <a:lvl6pPr marR="0" lvl="5" algn="l" rtl="0">
-              <a:lnSpc>
-                <a:spcPct val="100000"/>
-              </a:lnSpc>
-              <a:spcBef>
-                <a:spcPts val="0"/>
-              </a:spcBef>
-              <a:spcAft>
-                <a:spcPts val="0"/>
-              </a:spcAft>
-              <a:buClr>
-                <a:srgbClr val="000000"/>
-              </a:buClr>
-              <a:buFont typeface="Arial" panose="020B0604020202020204"/>
-              <a:defRPr sz="1400" b="0" i="0" u="none" strike="noStrike" cap="none">
-                <a:solidFill>
-                  <a:srgbClr val="000000"/>
-                </a:solidFill>
-                <a:latin typeface="Arial" panose="020B0604020202020204"/>
-                <a:ea typeface="Arial" panose="020B0604020202020204"/>
-                <a:cs typeface="Arial" panose="020B0604020202020204"/>
-                <a:sym typeface="Arial" panose="020B0604020202020204"/>
-              </a:defRPr>
-            </a:lvl6pPr>
-            <a:lvl7pPr marR="0" lvl="6" algn="l" rtl="0">
-              <a:lnSpc>
-                <a:spcPct val="100000"/>
-              </a:lnSpc>
-              <a:spcBef>
-                <a:spcPts val="0"/>
-              </a:spcBef>
-              <a:spcAft>
-                <a:spcPts val="0"/>
-              </a:spcAft>
-              <a:buClr>
-                <a:srgbClr val="000000"/>
-              </a:buClr>
-              <a:buFont typeface="Arial" panose="020B0604020202020204"/>
-              <a:defRPr sz="1400" b="0" i="0" u="none" strike="noStrike" cap="none">
-                <a:solidFill>
-                  <a:srgbClr val="000000"/>
-                </a:solidFill>
-                <a:latin typeface="Arial" panose="020B0604020202020204"/>
-                <a:ea typeface="Arial" panose="020B0604020202020204"/>
-                <a:cs typeface="Arial" panose="020B0604020202020204"/>
-                <a:sym typeface="Arial" panose="020B0604020202020204"/>
-              </a:defRPr>
-            </a:lvl7pPr>
-            <a:lvl8pPr marR="0" lvl="7" algn="l" rtl="0">
-              <a:lnSpc>
-                <a:spcPct val="100000"/>
-              </a:lnSpc>
-              <a:spcBef>
-                <a:spcPts val="0"/>
-              </a:spcBef>
-              <a:spcAft>
-                <a:spcPts val="0"/>
-              </a:spcAft>
-              <a:buClr>
-                <a:srgbClr val="000000"/>
-              </a:buClr>
-              <a:buFont typeface="Arial" panose="020B0604020202020204"/>
-              <a:defRPr sz="1400" b="0" i="0" u="none" strike="noStrike" cap="none">
-                <a:solidFill>
-                  <a:srgbClr val="000000"/>
-                </a:solidFill>
-                <a:latin typeface="Arial" panose="020B0604020202020204"/>
-                <a:ea typeface="Arial" panose="020B0604020202020204"/>
-                <a:cs typeface="Arial" panose="020B0604020202020204"/>
-                <a:sym typeface="Arial" panose="020B0604020202020204"/>
-              </a:defRPr>
-            </a:lvl8pPr>
-            <a:lvl9pPr marR="0" lvl="8" algn="l" rtl="0">
-              <a:lnSpc>
-                <a:spcPct val="100000"/>
-              </a:lnSpc>
-              <a:spcBef>
-                <a:spcPts val="0"/>
-              </a:spcBef>
-              <a:spcAft>
-                <a:spcPts val="0"/>
-              </a:spcAft>
-              <a:buClr>
-                <a:srgbClr val="000000"/>
-              </a:buClr>
-              <a:buFont typeface="Arial" panose="020B0604020202020204"/>
-              <a:defRPr sz="1400" b="0" i="0" u="none" strike="noStrike" cap="none">
-                <a:solidFill>
-                  <a:srgbClr val="000000"/>
-                </a:solidFill>
-                <a:latin typeface="Arial" panose="020B0604020202020204"/>
-                <a:ea typeface="Arial" panose="020B0604020202020204"/>
-                <a:cs typeface="Arial" panose="020B0604020202020204"/>
-                <a:sym typeface="Arial" panose="020B0604020202020204"/>
-              </a:defRPr>
-            </a:lvl9pPr>
-          </a:lstStyle>
-          <a:p>
-            <a:pPr algn="just">
-              <a:lnSpc>
-                <a:spcPct val="150000"/>
-              </a:lnSpc>
-              <a:spcBef>
-                <a:spcPts val="15"/>
-              </a:spcBef>
-              <a:spcAft>
-                <a:spcPts val="5"/>
-              </a:spcAft>
-            </a:pPr>
-            <a:r>
-              <a:rPr lang="en-US" sz="1600" dirty="0" err="1">
-                <a:solidFill>
-                  <a:srgbClr val="000000"/>
-                </a:solidFill>
-                <a:effectLst/>
-                <a:latin typeface="Times New Roman" panose="02020603050405020304" pitchFamily="18" charset="0"/>
-                <a:ea typeface="Times New Roman" panose="02020603050405020304" pitchFamily="18" charset="0"/>
-              </a:rPr>
-              <a:t>Như</a:t>
-            </a:r>
-            <a:r>
-              <a:rPr lang="en-US" sz="1600" dirty="0">
-                <a:solidFill>
-                  <a:srgbClr val="000000"/>
-                </a:solidFill>
-                <a:effectLst/>
-                <a:latin typeface="Times New Roman" panose="02020603050405020304" pitchFamily="18" charset="0"/>
-                <a:ea typeface="Times New Roman" panose="02020603050405020304" pitchFamily="18" charset="0"/>
-              </a:rPr>
-              <a:t> </a:t>
-            </a:r>
-            <a:r>
-              <a:rPr lang="en-US" sz="1600" dirty="0" err="1">
-                <a:solidFill>
-                  <a:srgbClr val="000000"/>
-                </a:solidFill>
-                <a:effectLst/>
-                <a:latin typeface="Times New Roman" panose="02020603050405020304" pitchFamily="18" charset="0"/>
-                <a:ea typeface="Times New Roman" panose="02020603050405020304" pitchFamily="18" charset="0"/>
-              </a:rPr>
-              <a:t>kế</a:t>
-            </a:r>
-            <a:r>
-              <a:rPr lang="en-US" sz="1600" dirty="0">
-                <a:solidFill>
-                  <a:srgbClr val="000000"/>
-                </a:solidFill>
-                <a:effectLst/>
-                <a:latin typeface="Times New Roman" panose="02020603050405020304" pitchFamily="18" charset="0"/>
-                <a:ea typeface="Times New Roman" panose="02020603050405020304" pitchFamily="18" charset="0"/>
-              </a:rPr>
-              <a:t> </a:t>
-            </a:r>
-            <a:r>
-              <a:rPr lang="en-US" sz="1600" dirty="0" err="1">
-                <a:solidFill>
-                  <a:srgbClr val="000000"/>
-                </a:solidFill>
-                <a:effectLst/>
-                <a:latin typeface="Times New Roman" panose="02020603050405020304" pitchFamily="18" charset="0"/>
-                <a:ea typeface="Times New Roman" panose="02020603050405020304" pitchFamily="18" charset="0"/>
-              </a:rPr>
-              <a:t>hoạch</a:t>
-            </a:r>
-            <a:r>
-              <a:rPr lang="en-US" sz="1600" dirty="0">
-                <a:solidFill>
-                  <a:srgbClr val="000000"/>
-                </a:solidFill>
-                <a:effectLst/>
-                <a:latin typeface="Times New Roman" panose="02020603050405020304" pitchFamily="18" charset="0"/>
-                <a:ea typeface="Times New Roman" panose="02020603050405020304" pitchFamily="18" charset="0"/>
-              </a:rPr>
-              <a:t> ban </a:t>
-            </a:r>
-            <a:r>
-              <a:rPr lang="en-US" sz="1600" dirty="0" err="1">
-                <a:solidFill>
-                  <a:srgbClr val="000000"/>
-                </a:solidFill>
-                <a:effectLst/>
-                <a:latin typeface="Times New Roman" panose="02020603050405020304" pitchFamily="18" charset="0"/>
-                <a:ea typeface="Times New Roman" panose="02020603050405020304" pitchFamily="18" charset="0"/>
-              </a:rPr>
-              <a:t>đầu</a:t>
-            </a:r>
-            <a:r>
-              <a:rPr lang="en-US" sz="1600" dirty="0">
-                <a:solidFill>
-                  <a:srgbClr val="000000"/>
-                </a:solidFill>
-                <a:effectLst/>
-                <a:latin typeface="Times New Roman" panose="02020603050405020304" pitchFamily="18" charset="0"/>
-                <a:ea typeface="Times New Roman" panose="02020603050405020304" pitchFamily="18" charset="0"/>
-              </a:rPr>
-              <a:t>, </a:t>
-            </a:r>
-            <a:r>
-              <a:rPr lang="en-US" sz="1600" dirty="0" err="1">
-                <a:solidFill>
-                  <a:srgbClr val="000000"/>
-                </a:solidFill>
-                <a:effectLst/>
-                <a:latin typeface="Times New Roman" panose="02020603050405020304" pitchFamily="18" charset="0"/>
-                <a:ea typeface="Times New Roman" panose="02020603050405020304" pitchFamily="18" charset="0"/>
-              </a:rPr>
-              <a:t>Phạm</a:t>
-            </a:r>
-            <a:r>
-              <a:rPr lang="en-US" sz="1600" dirty="0">
-                <a:solidFill>
-                  <a:srgbClr val="000000"/>
-                </a:solidFill>
-                <a:effectLst/>
-                <a:latin typeface="Times New Roman" panose="02020603050405020304" pitchFamily="18" charset="0"/>
-                <a:ea typeface="Times New Roman" panose="02020603050405020304" pitchFamily="18" charset="0"/>
-              </a:rPr>
-              <a:t> </a:t>
-            </a:r>
-            <a:r>
-              <a:rPr lang="en-US" sz="1600" dirty="0" err="1">
-                <a:solidFill>
-                  <a:srgbClr val="000000"/>
-                </a:solidFill>
-                <a:effectLst/>
-                <a:latin typeface="Times New Roman" panose="02020603050405020304" pitchFamily="18" charset="0"/>
-                <a:ea typeface="Times New Roman" panose="02020603050405020304" pitchFamily="18" charset="0"/>
-              </a:rPr>
-              <a:t>Nhật</a:t>
-            </a:r>
-            <a:r>
-              <a:rPr lang="en-US" sz="1600" dirty="0">
-                <a:solidFill>
-                  <a:srgbClr val="000000"/>
-                </a:solidFill>
-                <a:effectLst/>
-                <a:latin typeface="Times New Roman" panose="02020603050405020304" pitchFamily="18" charset="0"/>
-                <a:ea typeface="Times New Roman" panose="02020603050405020304" pitchFamily="18" charset="0"/>
-              </a:rPr>
-              <a:t> </a:t>
-            </a:r>
-            <a:r>
-              <a:rPr lang="en-US" sz="1600" dirty="0" err="1">
-                <a:solidFill>
-                  <a:srgbClr val="000000"/>
-                </a:solidFill>
-                <a:effectLst/>
-                <a:latin typeface="Times New Roman" panose="02020603050405020304" pitchFamily="18" charset="0"/>
-                <a:ea typeface="Times New Roman" panose="02020603050405020304" pitchFamily="18" charset="0"/>
-              </a:rPr>
-              <a:t>Tân</a:t>
-            </a:r>
-            <a:r>
-              <a:rPr lang="en-US" sz="1600" dirty="0">
-                <a:solidFill>
-                  <a:srgbClr val="000000"/>
-                </a:solidFill>
-                <a:effectLst/>
-                <a:latin typeface="Times New Roman" panose="02020603050405020304" pitchFamily="18" charset="0"/>
-                <a:ea typeface="Times New Roman" panose="02020603050405020304" pitchFamily="18" charset="0"/>
-              </a:rPr>
-              <a:t> (NT) </a:t>
-            </a:r>
-            <a:r>
-              <a:rPr lang="en-US" sz="1600" dirty="0" err="1">
-                <a:solidFill>
-                  <a:srgbClr val="000000"/>
-                </a:solidFill>
-                <a:effectLst/>
-                <a:latin typeface="Times New Roman" panose="02020603050405020304" pitchFamily="18" charset="0"/>
-                <a:ea typeface="Times New Roman" panose="02020603050405020304" pitchFamily="18" charset="0"/>
-              </a:rPr>
-              <a:t>sẽ</a:t>
-            </a:r>
-            <a:r>
-              <a:rPr lang="en-US" sz="1600" dirty="0">
-                <a:solidFill>
-                  <a:srgbClr val="000000"/>
-                </a:solidFill>
-                <a:effectLst/>
-                <a:latin typeface="Times New Roman" panose="02020603050405020304" pitchFamily="18" charset="0"/>
-                <a:ea typeface="Times New Roman" panose="02020603050405020304" pitchFamily="18" charset="0"/>
-              </a:rPr>
-              <a:t> </a:t>
-            </a:r>
-            <a:r>
-              <a:rPr lang="en-US" sz="1600" dirty="0" err="1">
-                <a:solidFill>
-                  <a:srgbClr val="000000"/>
-                </a:solidFill>
-                <a:effectLst/>
-                <a:latin typeface="Times New Roman" panose="02020603050405020304" pitchFamily="18" charset="0"/>
-                <a:ea typeface="Times New Roman" panose="02020603050405020304" pitchFamily="18" charset="0"/>
-              </a:rPr>
-              <a:t>thực</a:t>
-            </a:r>
-            <a:r>
-              <a:rPr lang="en-US" sz="1600" dirty="0">
-                <a:solidFill>
-                  <a:srgbClr val="000000"/>
-                </a:solidFill>
-                <a:effectLst/>
-                <a:latin typeface="Times New Roman" panose="02020603050405020304" pitchFamily="18" charset="0"/>
-                <a:ea typeface="Times New Roman" panose="02020603050405020304" pitchFamily="18" charset="0"/>
-              </a:rPr>
-              <a:t> </a:t>
-            </a:r>
-            <a:r>
-              <a:rPr lang="en-US" sz="1600" dirty="0" err="1">
-                <a:solidFill>
-                  <a:srgbClr val="000000"/>
-                </a:solidFill>
-                <a:effectLst/>
-                <a:latin typeface="Times New Roman" panose="02020603050405020304" pitchFamily="18" charset="0"/>
-                <a:ea typeface="Times New Roman" panose="02020603050405020304" pitchFamily="18" charset="0"/>
-              </a:rPr>
-              <a:t>hiện</a:t>
-            </a:r>
-            <a:r>
-              <a:rPr lang="en-US" sz="1600" dirty="0">
-                <a:solidFill>
-                  <a:srgbClr val="000000"/>
-                </a:solidFill>
-                <a:effectLst/>
-                <a:latin typeface="Times New Roman" panose="02020603050405020304" pitchFamily="18" charset="0"/>
-                <a:ea typeface="Times New Roman" panose="02020603050405020304" pitchFamily="18" charset="0"/>
-              </a:rPr>
-              <a:t> task </a:t>
-            </a:r>
-            <a:r>
-              <a:rPr lang="en-US" sz="1600" i="1" dirty="0">
-                <a:solidFill>
-                  <a:srgbClr val="000000"/>
-                </a:solidFill>
-                <a:effectLst/>
-                <a:latin typeface="Times New Roman" panose="02020603050405020304" pitchFamily="18" charset="0"/>
-                <a:ea typeface="Times New Roman" panose="02020603050405020304" pitchFamily="18" charset="0"/>
-              </a:rPr>
-              <a:t>“</a:t>
-            </a:r>
-            <a:r>
-              <a:rPr lang="en-US" sz="1600" i="1" dirty="0" err="1">
-                <a:solidFill>
-                  <a:srgbClr val="000000"/>
-                </a:solidFill>
-                <a:effectLst/>
-                <a:latin typeface="Times New Roman" panose="02020603050405020304" pitchFamily="18" charset="0"/>
-                <a:ea typeface="Times New Roman" panose="02020603050405020304" pitchFamily="18" charset="0"/>
-              </a:rPr>
-              <a:t>thiết</a:t>
-            </a:r>
-            <a:r>
-              <a:rPr lang="en-US" sz="1600" i="1" dirty="0">
-                <a:solidFill>
-                  <a:srgbClr val="000000"/>
-                </a:solidFill>
-                <a:effectLst/>
-                <a:latin typeface="Times New Roman" panose="02020603050405020304" pitchFamily="18" charset="0"/>
-                <a:ea typeface="Times New Roman" panose="02020603050405020304" pitchFamily="18" charset="0"/>
-              </a:rPr>
-              <a:t> </a:t>
-            </a:r>
-            <a:r>
-              <a:rPr lang="en-US" sz="1600" i="1" dirty="0" err="1">
-                <a:solidFill>
-                  <a:srgbClr val="000000"/>
-                </a:solidFill>
-                <a:effectLst/>
-                <a:latin typeface="Times New Roman" panose="02020603050405020304" pitchFamily="18" charset="0"/>
-                <a:ea typeface="Times New Roman" panose="02020603050405020304" pitchFamily="18" charset="0"/>
-              </a:rPr>
-              <a:t>kế</a:t>
-            </a:r>
-            <a:r>
-              <a:rPr lang="en-US" sz="1600" i="1" dirty="0">
-                <a:solidFill>
-                  <a:srgbClr val="000000"/>
-                </a:solidFill>
-                <a:effectLst/>
-                <a:latin typeface="Times New Roman" panose="02020603050405020304" pitchFamily="18" charset="0"/>
-                <a:ea typeface="Times New Roman" panose="02020603050405020304" pitchFamily="18" charset="0"/>
-              </a:rPr>
-              <a:t> </a:t>
-            </a:r>
-            <a:r>
-              <a:rPr lang="en-US" sz="1600" i="1" dirty="0" err="1">
-                <a:solidFill>
-                  <a:srgbClr val="000000"/>
-                </a:solidFill>
-                <a:effectLst/>
-                <a:latin typeface="Times New Roman" panose="02020603050405020304" pitchFamily="18" charset="0"/>
-                <a:ea typeface="Times New Roman" panose="02020603050405020304" pitchFamily="18" charset="0"/>
-              </a:rPr>
-              <a:t>và</a:t>
-            </a:r>
-            <a:r>
-              <a:rPr lang="en-US" sz="1600" i="1" dirty="0">
-                <a:solidFill>
-                  <a:srgbClr val="000000"/>
-                </a:solidFill>
-                <a:effectLst/>
-                <a:latin typeface="Times New Roman" panose="02020603050405020304" pitchFamily="18" charset="0"/>
-                <a:ea typeface="Times New Roman" panose="02020603050405020304" pitchFamily="18" charset="0"/>
-              </a:rPr>
-              <a:t> </a:t>
-            </a:r>
-            <a:r>
-              <a:rPr lang="en-US" sz="1600" i="1" dirty="0" err="1">
-                <a:solidFill>
-                  <a:srgbClr val="000000"/>
-                </a:solidFill>
-                <a:effectLst/>
-                <a:latin typeface="Times New Roman" panose="02020603050405020304" pitchFamily="18" charset="0"/>
-                <a:ea typeface="Times New Roman" panose="02020603050405020304" pitchFamily="18" charset="0"/>
-              </a:rPr>
-              <a:t>xây</a:t>
-            </a:r>
-            <a:r>
-              <a:rPr lang="en-US" sz="1600" i="1" dirty="0">
-                <a:solidFill>
-                  <a:srgbClr val="000000"/>
-                </a:solidFill>
-                <a:effectLst/>
-                <a:latin typeface="Times New Roman" panose="02020603050405020304" pitchFamily="18" charset="0"/>
-                <a:ea typeface="Times New Roman" panose="02020603050405020304" pitchFamily="18" charset="0"/>
-              </a:rPr>
-              <a:t> </a:t>
-            </a:r>
-            <a:r>
-              <a:rPr lang="en-US" sz="1600" i="1" dirty="0" err="1">
-                <a:solidFill>
-                  <a:srgbClr val="000000"/>
-                </a:solidFill>
-                <a:effectLst/>
-                <a:latin typeface="Times New Roman" panose="02020603050405020304" pitchFamily="18" charset="0"/>
-                <a:ea typeface="Times New Roman" panose="02020603050405020304" pitchFamily="18" charset="0"/>
-              </a:rPr>
-              <a:t>dựng</a:t>
-            </a:r>
-            <a:r>
-              <a:rPr lang="en-US" sz="1600" i="1" dirty="0">
-                <a:solidFill>
-                  <a:srgbClr val="000000"/>
-                </a:solidFill>
-                <a:effectLst/>
-                <a:latin typeface="Times New Roman" panose="02020603050405020304" pitchFamily="18" charset="0"/>
-                <a:ea typeface="Times New Roman" panose="02020603050405020304" pitchFamily="18" charset="0"/>
-              </a:rPr>
-              <a:t> testcase”</a:t>
-            </a:r>
-            <a:r>
-              <a:rPr lang="en-US" sz="1600" dirty="0">
-                <a:solidFill>
-                  <a:srgbClr val="000000"/>
-                </a:solidFill>
-                <a:effectLst/>
-                <a:latin typeface="Times New Roman" panose="02020603050405020304" pitchFamily="18" charset="0"/>
-                <a:ea typeface="Times New Roman" panose="02020603050405020304" pitchFamily="18" charset="0"/>
-              </a:rPr>
-              <a:t> </a:t>
-            </a:r>
-            <a:r>
-              <a:rPr lang="en-US" sz="1600" dirty="0" err="1">
-                <a:solidFill>
-                  <a:srgbClr val="000000"/>
-                </a:solidFill>
-                <a:effectLst/>
-                <a:latin typeface="Times New Roman" panose="02020603050405020304" pitchFamily="18" charset="0"/>
-                <a:ea typeface="Times New Roman" panose="02020603050405020304" pitchFamily="18" charset="0"/>
-              </a:rPr>
-              <a:t>trong</a:t>
-            </a:r>
-            <a:r>
-              <a:rPr lang="en-US" sz="1600" dirty="0">
-                <a:solidFill>
-                  <a:srgbClr val="000000"/>
-                </a:solidFill>
-                <a:effectLst/>
-                <a:latin typeface="Times New Roman" panose="02020603050405020304" pitchFamily="18" charset="0"/>
-                <a:ea typeface="Times New Roman" panose="02020603050405020304" pitchFamily="18" charset="0"/>
-              </a:rPr>
-              <a:t> </a:t>
-            </a:r>
-            <a:r>
-              <a:rPr lang="en-US" sz="1600" dirty="0" err="1">
-                <a:solidFill>
-                  <a:srgbClr val="000000"/>
-                </a:solidFill>
-                <a:effectLst/>
-                <a:latin typeface="Times New Roman" panose="02020603050405020304" pitchFamily="18" charset="0"/>
-                <a:ea typeface="Times New Roman" panose="02020603050405020304" pitchFamily="18" charset="0"/>
-              </a:rPr>
-              <a:t>khoảng</a:t>
-            </a:r>
-            <a:r>
-              <a:rPr lang="en-US" sz="1600" dirty="0">
-                <a:solidFill>
-                  <a:srgbClr val="000000"/>
-                </a:solidFill>
-                <a:effectLst/>
-                <a:latin typeface="Times New Roman" panose="02020603050405020304" pitchFamily="18" charset="0"/>
-                <a:ea typeface="Times New Roman" panose="02020603050405020304" pitchFamily="18" charset="0"/>
-              </a:rPr>
-              <a:t> </a:t>
-            </a:r>
-            <a:r>
-              <a:rPr lang="en-US" sz="1600" dirty="0" err="1">
-                <a:solidFill>
-                  <a:srgbClr val="000000"/>
-                </a:solidFill>
-                <a:effectLst/>
-                <a:latin typeface="Times New Roman" panose="02020603050405020304" pitchFamily="18" charset="0"/>
-                <a:ea typeface="Times New Roman" panose="02020603050405020304" pitchFamily="18" charset="0"/>
-              </a:rPr>
-              <a:t>thời</a:t>
-            </a:r>
-            <a:r>
-              <a:rPr lang="en-US" sz="1600" dirty="0">
-                <a:solidFill>
-                  <a:srgbClr val="000000"/>
-                </a:solidFill>
-                <a:effectLst/>
-                <a:latin typeface="Times New Roman" panose="02020603050405020304" pitchFamily="18" charset="0"/>
-                <a:ea typeface="Times New Roman" panose="02020603050405020304" pitchFamily="18" charset="0"/>
-              </a:rPr>
-              <a:t> </a:t>
-            </a:r>
-            <a:r>
-              <a:rPr lang="en-US" sz="1600" dirty="0" err="1">
-                <a:solidFill>
-                  <a:srgbClr val="000000"/>
-                </a:solidFill>
-                <a:effectLst/>
-                <a:latin typeface="Times New Roman" panose="02020603050405020304" pitchFamily="18" charset="0"/>
-                <a:ea typeface="Times New Roman" panose="02020603050405020304" pitchFamily="18" charset="0"/>
-              </a:rPr>
-              <a:t>gian</a:t>
-            </a:r>
-            <a:r>
-              <a:rPr lang="en-US" sz="1600" dirty="0">
-                <a:solidFill>
-                  <a:srgbClr val="000000"/>
-                </a:solidFill>
-                <a:effectLst/>
-                <a:latin typeface="Times New Roman" panose="02020603050405020304" pitchFamily="18" charset="0"/>
-                <a:ea typeface="Times New Roman" panose="02020603050405020304" pitchFamily="18" charset="0"/>
-              </a:rPr>
-              <a:t> </a:t>
-            </a:r>
-            <a:r>
-              <a:rPr lang="en-US" sz="1600" dirty="0" err="1">
-                <a:solidFill>
-                  <a:srgbClr val="000000"/>
-                </a:solidFill>
-                <a:effectLst/>
-                <a:latin typeface="Times New Roman" panose="02020603050405020304" pitchFamily="18" charset="0"/>
-                <a:ea typeface="Times New Roman" panose="02020603050405020304" pitchFamily="18" charset="0"/>
-              </a:rPr>
-              <a:t>từ</a:t>
-            </a:r>
-            <a:r>
-              <a:rPr lang="en-US" sz="1600" dirty="0">
-                <a:solidFill>
-                  <a:srgbClr val="000000"/>
-                </a:solidFill>
-                <a:effectLst/>
-                <a:latin typeface="Times New Roman" panose="02020603050405020304" pitchFamily="18" charset="0"/>
-                <a:ea typeface="Times New Roman" panose="02020603050405020304" pitchFamily="18" charset="0"/>
-              </a:rPr>
-              <a:t> 06/11/2023 </a:t>
-            </a:r>
-            <a:r>
-              <a:rPr lang="en-US" sz="1600" dirty="0" err="1">
-                <a:solidFill>
-                  <a:srgbClr val="000000"/>
-                </a:solidFill>
-                <a:effectLst/>
-                <a:latin typeface="Times New Roman" panose="02020603050405020304" pitchFamily="18" charset="0"/>
-                <a:ea typeface="Times New Roman" panose="02020603050405020304" pitchFamily="18" charset="0"/>
-              </a:rPr>
-              <a:t>đếm</a:t>
-            </a:r>
-            <a:r>
-              <a:rPr lang="en-US" sz="1600" dirty="0">
-                <a:solidFill>
-                  <a:srgbClr val="000000"/>
-                </a:solidFill>
-                <a:effectLst/>
-                <a:latin typeface="Times New Roman" panose="02020603050405020304" pitchFamily="18" charset="0"/>
-                <a:ea typeface="Times New Roman" panose="02020603050405020304" pitchFamily="18" charset="0"/>
-              </a:rPr>
-              <a:t> 10/11/2023, </a:t>
-            </a:r>
-            <a:r>
-              <a:rPr lang="en-US" sz="1600" dirty="0" err="1">
-                <a:solidFill>
-                  <a:srgbClr val="000000"/>
-                </a:solidFill>
-                <a:effectLst/>
-                <a:latin typeface="Times New Roman" panose="02020603050405020304" pitchFamily="18" charset="0"/>
-                <a:ea typeface="Times New Roman" panose="02020603050405020304" pitchFamily="18" charset="0"/>
-              </a:rPr>
-              <a:t>dự</a:t>
-            </a:r>
-            <a:r>
-              <a:rPr lang="en-US" sz="1600" dirty="0">
-                <a:solidFill>
-                  <a:srgbClr val="000000"/>
-                </a:solidFill>
-                <a:effectLst/>
-                <a:latin typeface="Times New Roman" panose="02020603050405020304" pitchFamily="18" charset="0"/>
-                <a:ea typeface="Times New Roman" panose="02020603050405020304" pitchFamily="18" charset="0"/>
-              </a:rPr>
-              <a:t> </a:t>
-            </a:r>
-            <a:r>
-              <a:rPr lang="en-US" sz="1600" dirty="0" err="1">
-                <a:solidFill>
-                  <a:srgbClr val="000000"/>
-                </a:solidFill>
-                <a:effectLst/>
-                <a:latin typeface="Times New Roman" panose="02020603050405020304" pitchFamily="18" charset="0"/>
-                <a:ea typeface="Times New Roman" panose="02020603050405020304" pitchFamily="18" charset="0"/>
-              </a:rPr>
-              <a:t>kiến</a:t>
-            </a:r>
-            <a:r>
-              <a:rPr lang="en-US" sz="1600" dirty="0">
-                <a:solidFill>
-                  <a:srgbClr val="000000"/>
-                </a:solidFill>
-                <a:effectLst/>
-                <a:latin typeface="Times New Roman" panose="02020603050405020304" pitchFamily="18" charset="0"/>
-                <a:ea typeface="Times New Roman" panose="02020603050405020304" pitchFamily="18" charset="0"/>
-              </a:rPr>
-              <a:t> NT </a:t>
-            </a:r>
-            <a:r>
-              <a:rPr lang="en-US" sz="1600" dirty="0" err="1">
-                <a:solidFill>
-                  <a:srgbClr val="000000"/>
-                </a:solidFill>
-                <a:effectLst/>
-                <a:latin typeface="Times New Roman" panose="02020603050405020304" pitchFamily="18" charset="0"/>
-                <a:ea typeface="Times New Roman" panose="02020603050405020304" pitchFamily="18" charset="0"/>
-              </a:rPr>
-              <a:t>sẽ</a:t>
-            </a:r>
-            <a:r>
-              <a:rPr lang="en-US" sz="1600" dirty="0">
-                <a:solidFill>
-                  <a:srgbClr val="000000"/>
-                </a:solidFill>
-                <a:effectLst/>
-                <a:latin typeface="Times New Roman" panose="02020603050405020304" pitchFamily="18" charset="0"/>
-                <a:ea typeface="Times New Roman" panose="02020603050405020304" pitchFamily="18" charset="0"/>
-              </a:rPr>
-              <a:t> </a:t>
-            </a:r>
-            <a:r>
-              <a:rPr lang="en-US" sz="1600" dirty="0" err="1">
-                <a:solidFill>
-                  <a:srgbClr val="000000"/>
-                </a:solidFill>
-                <a:effectLst/>
-                <a:latin typeface="Times New Roman" panose="02020603050405020304" pitchFamily="18" charset="0"/>
-                <a:ea typeface="Times New Roman" panose="02020603050405020304" pitchFamily="18" charset="0"/>
-              </a:rPr>
-              <a:t>nghỉ</a:t>
-            </a:r>
-            <a:r>
-              <a:rPr lang="en-US" sz="1600" dirty="0">
-                <a:solidFill>
-                  <a:srgbClr val="000000"/>
-                </a:solidFill>
-                <a:effectLst/>
-                <a:latin typeface="Times New Roman" panose="02020603050405020304" pitchFamily="18" charset="0"/>
-                <a:ea typeface="Times New Roman" panose="02020603050405020304" pitchFamily="18" charset="0"/>
-              </a:rPr>
-              <a:t> </a:t>
-            </a:r>
-            <a:r>
-              <a:rPr lang="en-US" sz="1600" dirty="0" err="1">
-                <a:solidFill>
-                  <a:srgbClr val="000000"/>
-                </a:solidFill>
-                <a:effectLst/>
-                <a:latin typeface="Times New Roman" panose="02020603050405020304" pitchFamily="18" charset="0"/>
-                <a:ea typeface="Times New Roman" panose="02020603050405020304" pitchFamily="18" charset="0"/>
-              </a:rPr>
-              <a:t>từ</a:t>
-            </a:r>
-            <a:r>
-              <a:rPr lang="en-US" sz="1600" dirty="0">
-                <a:solidFill>
-                  <a:srgbClr val="000000"/>
-                </a:solidFill>
-                <a:effectLst/>
-                <a:latin typeface="Times New Roman" panose="02020603050405020304" pitchFamily="18" charset="0"/>
-                <a:ea typeface="Times New Roman" panose="02020603050405020304" pitchFamily="18" charset="0"/>
-              </a:rPr>
-              <a:t> </a:t>
-            </a:r>
-            <a:r>
-              <a:rPr lang="en-US" sz="1600" dirty="0" err="1">
-                <a:solidFill>
-                  <a:srgbClr val="000000"/>
-                </a:solidFill>
-                <a:effectLst/>
-                <a:latin typeface="Times New Roman" panose="02020603050405020304" pitchFamily="18" charset="0"/>
-                <a:ea typeface="Times New Roman" panose="02020603050405020304" pitchFamily="18" charset="0"/>
-              </a:rPr>
-              <a:t>ngày</a:t>
-            </a:r>
-            <a:r>
-              <a:rPr lang="en-US" sz="1600" dirty="0">
-                <a:solidFill>
-                  <a:srgbClr val="000000"/>
-                </a:solidFill>
-                <a:effectLst/>
-                <a:latin typeface="Times New Roman" panose="02020603050405020304" pitchFamily="18" charset="0"/>
-                <a:ea typeface="Times New Roman" panose="02020603050405020304" pitchFamily="18" charset="0"/>
-              </a:rPr>
-              <a:t> 06/11/2023 </a:t>
-            </a:r>
-            <a:r>
-              <a:rPr lang="en-US" sz="1600" dirty="0" err="1">
-                <a:solidFill>
-                  <a:srgbClr val="000000"/>
-                </a:solidFill>
-                <a:effectLst/>
-                <a:latin typeface="Times New Roman" panose="02020603050405020304" pitchFamily="18" charset="0"/>
-                <a:ea typeface="Times New Roman" panose="02020603050405020304" pitchFamily="18" charset="0"/>
-              </a:rPr>
-              <a:t>đến</a:t>
-            </a:r>
-            <a:r>
-              <a:rPr lang="en-US" sz="1600" dirty="0">
-                <a:solidFill>
-                  <a:srgbClr val="000000"/>
-                </a:solidFill>
-                <a:effectLst/>
-                <a:latin typeface="Times New Roman" panose="02020603050405020304" pitchFamily="18" charset="0"/>
-                <a:ea typeface="Times New Roman" panose="02020603050405020304" pitchFamily="18" charset="0"/>
-              </a:rPr>
-              <a:t> 08/11/2023 ,  </a:t>
-            </a:r>
-            <a:r>
-              <a:rPr lang="en-US" sz="1600" dirty="0" err="1">
-                <a:solidFill>
-                  <a:srgbClr val="000000"/>
-                </a:solidFill>
-                <a:effectLst/>
-                <a:latin typeface="Times New Roman" panose="02020603050405020304" pitchFamily="18" charset="0"/>
-                <a:ea typeface="Times New Roman" panose="02020603050405020304" pitchFamily="18" charset="0"/>
-              </a:rPr>
-              <a:t>tổng</a:t>
-            </a:r>
-            <a:r>
-              <a:rPr lang="en-US" sz="1600" dirty="0">
-                <a:solidFill>
-                  <a:srgbClr val="000000"/>
-                </a:solidFill>
-                <a:effectLst/>
-                <a:latin typeface="Times New Roman" panose="02020603050405020304" pitchFamily="18" charset="0"/>
-                <a:ea typeface="Times New Roman" panose="02020603050405020304" pitchFamily="18" charset="0"/>
-              </a:rPr>
-              <a:t> </a:t>
-            </a:r>
-            <a:r>
-              <a:rPr lang="en-US" sz="1600" dirty="0" err="1">
-                <a:solidFill>
-                  <a:srgbClr val="000000"/>
-                </a:solidFill>
-                <a:effectLst/>
-                <a:latin typeface="Times New Roman" panose="02020603050405020304" pitchFamily="18" charset="0"/>
-                <a:ea typeface="Times New Roman" panose="02020603050405020304" pitchFamily="18" charset="0"/>
-              </a:rPr>
-              <a:t>thời</a:t>
-            </a:r>
-            <a:r>
-              <a:rPr lang="en-US" sz="1600" dirty="0">
-                <a:solidFill>
-                  <a:srgbClr val="000000"/>
-                </a:solidFill>
-                <a:effectLst/>
-                <a:latin typeface="Times New Roman" panose="02020603050405020304" pitchFamily="18" charset="0"/>
-                <a:ea typeface="Times New Roman" panose="02020603050405020304" pitchFamily="18" charset="0"/>
-              </a:rPr>
-              <a:t> </a:t>
-            </a:r>
-            <a:r>
-              <a:rPr lang="en-US" sz="1600" dirty="0" err="1">
-                <a:solidFill>
-                  <a:srgbClr val="000000"/>
-                </a:solidFill>
-                <a:effectLst/>
-                <a:latin typeface="Times New Roman" panose="02020603050405020304" pitchFamily="18" charset="0"/>
-                <a:ea typeface="Times New Roman" panose="02020603050405020304" pitchFamily="18" charset="0"/>
-              </a:rPr>
-              <a:t>gian</a:t>
-            </a:r>
-            <a:r>
-              <a:rPr lang="en-US" sz="1600" dirty="0">
-                <a:solidFill>
-                  <a:srgbClr val="000000"/>
-                </a:solidFill>
-                <a:effectLst/>
-                <a:latin typeface="Times New Roman" panose="02020603050405020304" pitchFamily="18" charset="0"/>
-                <a:ea typeface="Times New Roman" panose="02020603050405020304" pitchFamily="18" charset="0"/>
-              </a:rPr>
-              <a:t> </a:t>
-            </a:r>
-            <a:r>
-              <a:rPr lang="en-US" sz="1600" dirty="0" err="1">
-                <a:solidFill>
-                  <a:srgbClr val="000000"/>
-                </a:solidFill>
-                <a:effectLst/>
-                <a:latin typeface="Times New Roman" panose="02020603050405020304" pitchFamily="18" charset="0"/>
-                <a:ea typeface="Times New Roman" panose="02020603050405020304" pitchFamily="18" charset="0"/>
-              </a:rPr>
-              <a:t>làm</a:t>
-            </a:r>
-            <a:r>
-              <a:rPr lang="en-US" sz="1600" dirty="0">
-                <a:solidFill>
-                  <a:srgbClr val="000000"/>
-                </a:solidFill>
-                <a:effectLst/>
-                <a:latin typeface="Times New Roman" panose="02020603050405020304" pitchFamily="18" charset="0"/>
-                <a:ea typeface="Times New Roman" panose="02020603050405020304" pitchFamily="18" charset="0"/>
-              </a:rPr>
-              <a:t> </a:t>
-            </a:r>
-            <a:r>
-              <a:rPr lang="en-US" sz="1600" dirty="0" err="1">
-                <a:solidFill>
-                  <a:srgbClr val="000000"/>
-                </a:solidFill>
-                <a:effectLst/>
-                <a:latin typeface="Times New Roman" panose="02020603050405020304" pitchFamily="18" charset="0"/>
-                <a:ea typeface="Times New Roman" panose="02020603050405020304" pitchFamily="18" charset="0"/>
-              </a:rPr>
-              <a:t>việc</a:t>
-            </a:r>
-            <a:r>
-              <a:rPr lang="en-US" sz="1600" dirty="0">
-                <a:solidFill>
-                  <a:srgbClr val="000000"/>
-                </a:solidFill>
-                <a:effectLst/>
-                <a:latin typeface="Times New Roman" panose="02020603050405020304" pitchFamily="18" charset="0"/>
-                <a:ea typeface="Times New Roman" panose="02020603050405020304" pitchFamily="18" charset="0"/>
-              </a:rPr>
-              <a:t> </a:t>
-            </a:r>
-            <a:r>
-              <a:rPr lang="en-US" sz="1600" dirty="0" err="1">
-                <a:solidFill>
-                  <a:srgbClr val="000000"/>
-                </a:solidFill>
-                <a:effectLst/>
-                <a:latin typeface="Times New Roman" panose="02020603050405020304" pitchFamily="18" charset="0"/>
-                <a:ea typeface="Times New Roman" panose="02020603050405020304" pitchFamily="18" charset="0"/>
-              </a:rPr>
-              <a:t>của</a:t>
-            </a:r>
-            <a:r>
-              <a:rPr lang="en-US" sz="1600" dirty="0">
-                <a:solidFill>
-                  <a:srgbClr val="000000"/>
-                </a:solidFill>
-                <a:effectLst/>
-                <a:latin typeface="Times New Roman" panose="02020603050405020304" pitchFamily="18" charset="0"/>
-                <a:ea typeface="Times New Roman" panose="02020603050405020304" pitchFamily="18" charset="0"/>
-              </a:rPr>
-              <a:t> NT </a:t>
-            </a:r>
-            <a:r>
-              <a:rPr lang="en-US" sz="1600" dirty="0" err="1">
-                <a:solidFill>
-                  <a:srgbClr val="000000"/>
-                </a:solidFill>
-                <a:effectLst/>
-                <a:latin typeface="Times New Roman" panose="02020603050405020304" pitchFamily="18" charset="0"/>
-                <a:ea typeface="Times New Roman" panose="02020603050405020304" pitchFamily="18" charset="0"/>
-              </a:rPr>
-              <a:t>trong</a:t>
-            </a:r>
-            <a:r>
-              <a:rPr lang="en-US" sz="1600" dirty="0">
-                <a:solidFill>
-                  <a:srgbClr val="000000"/>
-                </a:solidFill>
-                <a:effectLst/>
-                <a:latin typeface="Times New Roman" panose="02020603050405020304" pitchFamily="18" charset="0"/>
-                <a:ea typeface="Times New Roman" panose="02020603050405020304" pitchFamily="18" charset="0"/>
-              </a:rPr>
-              <a:t> </a:t>
-            </a:r>
-            <a:r>
-              <a:rPr lang="en-US" sz="1600" dirty="0" err="1">
-                <a:solidFill>
-                  <a:srgbClr val="000000"/>
-                </a:solidFill>
-                <a:effectLst/>
-                <a:latin typeface="Times New Roman" panose="02020603050405020304" pitchFamily="18" charset="0"/>
-                <a:ea typeface="Times New Roman" panose="02020603050405020304" pitchFamily="18" charset="0"/>
-              </a:rPr>
-              <a:t>khoảng</a:t>
-            </a:r>
-            <a:r>
-              <a:rPr lang="en-US" sz="1600" dirty="0">
-                <a:solidFill>
-                  <a:srgbClr val="000000"/>
-                </a:solidFill>
-                <a:effectLst/>
-                <a:latin typeface="Times New Roman" panose="02020603050405020304" pitchFamily="18" charset="0"/>
-                <a:ea typeface="Times New Roman" panose="02020603050405020304" pitchFamily="18" charset="0"/>
-              </a:rPr>
-              <a:t> </a:t>
-            </a:r>
-            <a:r>
-              <a:rPr lang="en-US" sz="1600" dirty="0" err="1">
-                <a:solidFill>
-                  <a:srgbClr val="000000"/>
-                </a:solidFill>
-                <a:effectLst/>
-                <a:latin typeface="Times New Roman" panose="02020603050405020304" pitchFamily="18" charset="0"/>
-                <a:ea typeface="Times New Roman" panose="02020603050405020304" pitchFamily="18" charset="0"/>
-              </a:rPr>
-              <a:t>thời</a:t>
-            </a:r>
-            <a:r>
-              <a:rPr lang="en-US" sz="1600" dirty="0">
-                <a:solidFill>
-                  <a:srgbClr val="000000"/>
-                </a:solidFill>
-                <a:effectLst/>
-                <a:latin typeface="Times New Roman" panose="02020603050405020304" pitchFamily="18" charset="0"/>
-                <a:ea typeface="Times New Roman" panose="02020603050405020304" pitchFamily="18" charset="0"/>
-              </a:rPr>
-              <a:t> </a:t>
-            </a:r>
-            <a:r>
-              <a:rPr lang="en-US" sz="1600" dirty="0" err="1">
-                <a:solidFill>
-                  <a:srgbClr val="000000"/>
-                </a:solidFill>
-                <a:effectLst/>
-                <a:latin typeface="Times New Roman" panose="02020603050405020304" pitchFamily="18" charset="0"/>
-                <a:ea typeface="Times New Roman" panose="02020603050405020304" pitchFamily="18" charset="0"/>
-              </a:rPr>
-              <a:t>gian</a:t>
-            </a:r>
-            <a:r>
-              <a:rPr lang="en-US" sz="1600" dirty="0">
-                <a:solidFill>
-                  <a:srgbClr val="000000"/>
-                </a:solidFill>
-                <a:effectLst/>
-                <a:latin typeface="Times New Roman" panose="02020603050405020304" pitchFamily="18" charset="0"/>
-                <a:ea typeface="Times New Roman" panose="02020603050405020304" pitchFamily="18" charset="0"/>
-              </a:rPr>
-              <a:t> </a:t>
-            </a:r>
-            <a:r>
-              <a:rPr lang="en-US" sz="1600" dirty="0" err="1">
-                <a:solidFill>
-                  <a:srgbClr val="000000"/>
-                </a:solidFill>
-                <a:effectLst/>
-                <a:latin typeface="Times New Roman" panose="02020603050405020304" pitchFamily="18" charset="0"/>
-                <a:ea typeface="Times New Roman" panose="02020603050405020304" pitchFamily="18" charset="0"/>
-              </a:rPr>
-              <a:t>đó</a:t>
-            </a:r>
-            <a:r>
-              <a:rPr lang="en-US" sz="1600" dirty="0">
-                <a:solidFill>
-                  <a:srgbClr val="000000"/>
-                </a:solidFill>
-                <a:effectLst/>
-                <a:latin typeface="Times New Roman" panose="02020603050405020304" pitchFamily="18" charset="0"/>
-                <a:ea typeface="Times New Roman" panose="02020603050405020304" pitchFamily="18" charset="0"/>
-              </a:rPr>
-              <a:t> </a:t>
-            </a:r>
-            <a:r>
-              <a:rPr lang="en-US" sz="1600" dirty="0" err="1">
-                <a:solidFill>
-                  <a:srgbClr val="000000"/>
-                </a:solidFill>
-                <a:effectLst/>
-                <a:latin typeface="Times New Roman" panose="02020603050405020304" pitchFamily="18" charset="0"/>
-                <a:ea typeface="Times New Roman" panose="02020603050405020304" pitchFamily="18" charset="0"/>
-              </a:rPr>
-              <a:t>là</a:t>
-            </a:r>
-            <a:r>
-              <a:rPr lang="en-US" sz="1600" dirty="0">
-                <a:solidFill>
-                  <a:srgbClr val="000000"/>
-                </a:solidFill>
-                <a:effectLst/>
-                <a:latin typeface="Times New Roman" panose="02020603050405020304" pitchFamily="18" charset="0"/>
-                <a:ea typeface="Times New Roman" panose="02020603050405020304" pitchFamily="18" charset="0"/>
-              </a:rPr>
-              <a:t> 3.8 </a:t>
-            </a:r>
-            <a:r>
-              <a:rPr lang="en-US" sz="1600" dirty="0" err="1">
-                <a:solidFill>
-                  <a:srgbClr val="000000"/>
-                </a:solidFill>
-                <a:effectLst/>
-                <a:latin typeface="Times New Roman" panose="02020603050405020304" pitchFamily="18" charset="0"/>
-                <a:ea typeface="Times New Roman" panose="02020603050405020304" pitchFamily="18" charset="0"/>
-              </a:rPr>
-              <a:t>ngày</a:t>
-            </a:r>
-            <a:r>
-              <a:rPr lang="en-US" sz="1600" dirty="0">
-                <a:solidFill>
-                  <a:srgbClr val="000000"/>
-                </a:solidFill>
-                <a:effectLst/>
-                <a:latin typeface="Times New Roman" panose="02020603050405020304" pitchFamily="18" charset="0"/>
-                <a:ea typeface="Times New Roman" panose="02020603050405020304" pitchFamily="18" charset="0"/>
-              </a:rPr>
-              <a:t>. </a:t>
-            </a:r>
-            <a:r>
-              <a:rPr lang="en-US" sz="1600" dirty="0" err="1">
-                <a:solidFill>
-                  <a:srgbClr val="000000"/>
-                </a:solidFill>
-                <a:effectLst/>
-                <a:latin typeface="Times New Roman" panose="02020603050405020304" pitchFamily="18" charset="0"/>
-                <a:ea typeface="Times New Roman" panose="02020603050405020304" pitchFamily="18" charset="0"/>
-              </a:rPr>
-              <a:t>Trong</a:t>
-            </a:r>
-            <a:r>
-              <a:rPr lang="en-US" sz="1600" dirty="0">
-                <a:solidFill>
-                  <a:srgbClr val="000000"/>
-                </a:solidFill>
-                <a:effectLst/>
-                <a:latin typeface="Times New Roman" panose="02020603050405020304" pitchFamily="18" charset="0"/>
-                <a:ea typeface="Times New Roman" panose="02020603050405020304" pitchFamily="18" charset="0"/>
-              </a:rPr>
-              <a:t> </a:t>
-            </a:r>
-            <a:r>
-              <a:rPr lang="en-US" sz="1600" dirty="0" err="1">
-                <a:solidFill>
-                  <a:srgbClr val="000000"/>
-                </a:solidFill>
-                <a:effectLst/>
-                <a:latin typeface="Times New Roman" panose="02020603050405020304" pitchFamily="18" charset="0"/>
-                <a:ea typeface="Times New Roman" panose="02020603050405020304" pitchFamily="18" charset="0"/>
-              </a:rPr>
-              <a:t>khoảng</a:t>
-            </a:r>
-            <a:r>
-              <a:rPr lang="en-US" sz="1600" dirty="0">
-                <a:solidFill>
-                  <a:srgbClr val="000000"/>
-                </a:solidFill>
-                <a:effectLst/>
-                <a:latin typeface="Times New Roman" panose="02020603050405020304" pitchFamily="18" charset="0"/>
-                <a:ea typeface="Times New Roman" panose="02020603050405020304" pitchFamily="18" charset="0"/>
-              </a:rPr>
-              <a:t> </a:t>
-            </a:r>
-            <a:r>
-              <a:rPr lang="en-US" sz="1600" dirty="0" err="1">
-                <a:solidFill>
-                  <a:srgbClr val="000000"/>
-                </a:solidFill>
-                <a:effectLst/>
-                <a:latin typeface="Times New Roman" panose="02020603050405020304" pitchFamily="18" charset="0"/>
-                <a:ea typeface="Times New Roman" panose="02020603050405020304" pitchFamily="18" charset="0"/>
-              </a:rPr>
-              <a:t>thời</a:t>
-            </a:r>
-            <a:r>
-              <a:rPr lang="en-US" sz="1600" dirty="0">
-                <a:solidFill>
-                  <a:srgbClr val="000000"/>
-                </a:solidFill>
-                <a:effectLst/>
-                <a:latin typeface="Times New Roman" panose="02020603050405020304" pitchFamily="18" charset="0"/>
-                <a:ea typeface="Times New Roman" panose="02020603050405020304" pitchFamily="18" charset="0"/>
-              </a:rPr>
-              <a:t> </a:t>
-            </a:r>
-            <a:r>
-              <a:rPr lang="en-US" sz="1600" dirty="0" err="1">
-                <a:solidFill>
-                  <a:srgbClr val="000000"/>
-                </a:solidFill>
-                <a:effectLst/>
-                <a:latin typeface="Times New Roman" panose="02020603050405020304" pitchFamily="18" charset="0"/>
-                <a:ea typeface="Times New Roman" panose="02020603050405020304" pitchFamily="18" charset="0"/>
-              </a:rPr>
-              <a:t>gian</a:t>
-            </a:r>
-            <a:r>
-              <a:rPr lang="en-US" sz="1600" dirty="0">
-                <a:solidFill>
-                  <a:srgbClr val="000000"/>
-                </a:solidFill>
-                <a:effectLst/>
-                <a:latin typeface="Times New Roman" panose="02020603050405020304" pitchFamily="18" charset="0"/>
-                <a:ea typeface="Times New Roman" panose="02020603050405020304" pitchFamily="18" charset="0"/>
-              </a:rPr>
-              <a:t> NT </a:t>
-            </a:r>
-            <a:r>
-              <a:rPr lang="en-US" sz="1600" dirty="0" err="1">
-                <a:solidFill>
-                  <a:srgbClr val="000000"/>
-                </a:solidFill>
-                <a:effectLst/>
-                <a:latin typeface="Times New Roman" panose="02020603050405020304" pitchFamily="18" charset="0"/>
-                <a:ea typeface="Times New Roman" panose="02020603050405020304" pitchFamily="18" charset="0"/>
-              </a:rPr>
-              <a:t>nghỉ</a:t>
-            </a:r>
-            <a:r>
-              <a:rPr lang="en-US" sz="1600" dirty="0">
-                <a:solidFill>
-                  <a:srgbClr val="000000"/>
-                </a:solidFill>
-                <a:effectLst/>
-                <a:latin typeface="Times New Roman" panose="02020603050405020304" pitchFamily="18" charset="0"/>
-                <a:ea typeface="Times New Roman" panose="02020603050405020304" pitchFamily="18" charset="0"/>
-              </a:rPr>
-              <a:t> </a:t>
-            </a:r>
-            <a:r>
-              <a:rPr lang="en-US" sz="1600" dirty="0" err="1">
-                <a:solidFill>
-                  <a:srgbClr val="000000"/>
-                </a:solidFill>
-                <a:effectLst/>
-                <a:latin typeface="Times New Roman" panose="02020603050405020304" pitchFamily="18" charset="0"/>
-                <a:ea typeface="Times New Roman" panose="02020603050405020304" pitchFamily="18" charset="0"/>
-              </a:rPr>
-              <a:t>phép</a:t>
-            </a:r>
-            <a:r>
-              <a:rPr lang="en-US" sz="1600" dirty="0">
-                <a:solidFill>
-                  <a:srgbClr val="000000"/>
-                </a:solidFill>
-                <a:effectLst/>
-                <a:latin typeface="Times New Roman" panose="02020603050405020304" pitchFamily="18" charset="0"/>
-                <a:ea typeface="Times New Roman" panose="02020603050405020304" pitchFamily="18" charset="0"/>
-              </a:rPr>
-              <a:t>, </a:t>
-            </a:r>
-            <a:r>
-              <a:rPr lang="en-US" sz="1600" dirty="0" err="1">
-                <a:solidFill>
-                  <a:srgbClr val="000000"/>
-                </a:solidFill>
-                <a:effectLst/>
-                <a:latin typeface="Times New Roman" panose="02020603050405020304" pitchFamily="18" charset="0"/>
-                <a:ea typeface="Times New Roman" panose="02020603050405020304" pitchFamily="18" charset="0"/>
-              </a:rPr>
-              <a:t>Thiều</a:t>
-            </a:r>
-            <a:r>
-              <a:rPr lang="en-US" sz="1600" dirty="0">
-                <a:solidFill>
-                  <a:srgbClr val="000000"/>
-                </a:solidFill>
-                <a:effectLst/>
-                <a:latin typeface="Times New Roman" panose="02020603050405020304" pitchFamily="18" charset="0"/>
-                <a:ea typeface="Times New Roman" panose="02020603050405020304" pitchFamily="18" charset="0"/>
-              </a:rPr>
-              <a:t> Anh Sang(AS) </a:t>
-            </a:r>
-            <a:r>
-              <a:rPr lang="en-US" sz="1600" dirty="0" err="1">
-                <a:solidFill>
-                  <a:srgbClr val="000000"/>
-                </a:solidFill>
-                <a:effectLst/>
-                <a:latin typeface="Times New Roman" panose="02020603050405020304" pitchFamily="18" charset="0"/>
-                <a:ea typeface="Times New Roman" panose="02020603050405020304" pitchFamily="18" charset="0"/>
-              </a:rPr>
-              <a:t>sẽ</a:t>
-            </a:r>
-            <a:r>
-              <a:rPr lang="en-US" sz="1600" dirty="0">
-                <a:solidFill>
-                  <a:srgbClr val="000000"/>
-                </a:solidFill>
-                <a:effectLst/>
-                <a:latin typeface="Times New Roman" panose="02020603050405020304" pitchFamily="18" charset="0"/>
-                <a:ea typeface="Times New Roman" panose="02020603050405020304" pitchFamily="18" charset="0"/>
-              </a:rPr>
-              <a:t> </a:t>
-            </a:r>
-            <a:r>
-              <a:rPr lang="en-US" sz="1600" dirty="0" err="1">
-                <a:solidFill>
-                  <a:srgbClr val="000000"/>
-                </a:solidFill>
-                <a:effectLst/>
-                <a:latin typeface="Times New Roman" panose="02020603050405020304" pitchFamily="18" charset="0"/>
-                <a:ea typeface="Times New Roman" panose="02020603050405020304" pitchFamily="18" charset="0"/>
-              </a:rPr>
-              <a:t>làm</a:t>
-            </a:r>
-            <a:r>
-              <a:rPr lang="en-US" sz="1600" dirty="0">
-                <a:solidFill>
-                  <a:srgbClr val="000000"/>
-                </a:solidFill>
-                <a:effectLst/>
-                <a:latin typeface="Times New Roman" panose="02020603050405020304" pitchFamily="18" charset="0"/>
-                <a:ea typeface="Times New Roman" panose="02020603050405020304" pitchFamily="18" charset="0"/>
-              </a:rPr>
-              <a:t> </a:t>
-            </a:r>
-            <a:r>
-              <a:rPr lang="en-US" sz="1600" dirty="0" err="1">
-                <a:solidFill>
-                  <a:srgbClr val="000000"/>
-                </a:solidFill>
-                <a:effectLst/>
-                <a:latin typeface="Times New Roman" panose="02020603050405020304" pitchFamily="18" charset="0"/>
-                <a:ea typeface="Times New Roman" panose="02020603050405020304" pitchFamily="18" charset="0"/>
-              </a:rPr>
-              <a:t>thay</a:t>
-            </a:r>
-            <a:r>
-              <a:rPr lang="en-US" sz="1600" dirty="0">
-                <a:solidFill>
-                  <a:srgbClr val="000000"/>
-                </a:solidFill>
-                <a:effectLst/>
-                <a:latin typeface="Times New Roman" panose="02020603050405020304" pitchFamily="18" charset="0"/>
-                <a:ea typeface="Times New Roman" panose="02020603050405020304" pitchFamily="18" charset="0"/>
-              </a:rPr>
-              <a:t> </a:t>
-            </a:r>
-            <a:r>
-              <a:rPr lang="en-US" sz="1600" dirty="0" err="1">
-                <a:solidFill>
-                  <a:srgbClr val="000000"/>
-                </a:solidFill>
-                <a:effectLst/>
-                <a:latin typeface="Times New Roman" panose="02020603050405020304" pitchFamily="18" charset="0"/>
-                <a:ea typeface="Times New Roman" panose="02020603050405020304" pitchFamily="18" charset="0"/>
-              </a:rPr>
-              <a:t>phần</a:t>
-            </a:r>
-            <a:r>
-              <a:rPr lang="en-US" sz="1600" dirty="0">
-                <a:solidFill>
-                  <a:srgbClr val="000000"/>
-                </a:solidFill>
-                <a:effectLst/>
-                <a:latin typeface="Times New Roman" panose="02020603050405020304" pitchFamily="18" charset="0"/>
-                <a:ea typeface="Times New Roman" panose="02020603050405020304" pitchFamily="18" charset="0"/>
-              </a:rPr>
-              <a:t> task </a:t>
-            </a:r>
-            <a:r>
-              <a:rPr lang="en-US" sz="1600" dirty="0" err="1">
-                <a:solidFill>
-                  <a:srgbClr val="000000"/>
-                </a:solidFill>
-                <a:effectLst/>
-                <a:latin typeface="Times New Roman" panose="02020603050405020304" pitchFamily="18" charset="0"/>
-                <a:ea typeface="Times New Roman" panose="02020603050405020304" pitchFamily="18" charset="0"/>
-              </a:rPr>
-              <a:t>của</a:t>
-            </a:r>
-            <a:r>
-              <a:rPr lang="en-US" sz="1600" dirty="0">
-                <a:solidFill>
-                  <a:srgbClr val="000000"/>
-                </a:solidFill>
-                <a:effectLst/>
-                <a:latin typeface="Times New Roman" panose="02020603050405020304" pitchFamily="18" charset="0"/>
-                <a:ea typeface="Times New Roman" panose="02020603050405020304" pitchFamily="18" charset="0"/>
-              </a:rPr>
-              <a:t> NT, </a:t>
-            </a:r>
-            <a:r>
-              <a:rPr lang="en-US" sz="1600" dirty="0" err="1">
-                <a:solidFill>
-                  <a:srgbClr val="000000"/>
-                </a:solidFill>
-                <a:effectLst/>
-                <a:latin typeface="Times New Roman" panose="02020603050405020304" pitchFamily="18" charset="0"/>
-                <a:ea typeface="Times New Roman" panose="02020603050405020304" pitchFamily="18" charset="0"/>
-              </a:rPr>
-              <a:t>tổng</a:t>
-            </a:r>
-            <a:r>
-              <a:rPr lang="en-US" sz="1600" dirty="0">
-                <a:solidFill>
-                  <a:srgbClr val="000000"/>
-                </a:solidFill>
-                <a:effectLst/>
-                <a:latin typeface="Times New Roman" panose="02020603050405020304" pitchFamily="18" charset="0"/>
-                <a:ea typeface="Times New Roman" panose="02020603050405020304" pitchFamily="18" charset="0"/>
-              </a:rPr>
-              <a:t> </a:t>
-            </a:r>
-            <a:r>
-              <a:rPr lang="en-US" sz="1600" dirty="0" err="1">
-                <a:solidFill>
-                  <a:srgbClr val="000000"/>
-                </a:solidFill>
-                <a:effectLst/>
-                <a:latin typeface="Times New Roman" panose="02020603050405020304" pitchFamily="18" charset="0"/>
-                <a:ea typeface="Times New Roman" panose="02020603050405020304" pitchFamily="18" charset="0"/>
-              </a:rPr>
-              <a:t>thời</a:t>
-            </a:r>
-            <a:r>
-              <a:rPr lang="en-US" sz="1600" dirty="0">
-                <a:solidFill>
-                  <a:srgbClr val="000000"/>
-                </a:solidFill>
-                <a:effectLst/>
-                <a:latin typeface="Times New Roman" panose="02020603050405020304" pitchFamily="18" charset="0"/>
-                <a:ea typeface="Times New Roman" panose="02020603050405020304" pitchFamily="18" charset="0"/>
-              </a:rPr>
-              <a:t> </a:t>
-            </a:r>
-            <a:r>
-              <a:rPr lang="en-US" sz="1600" dirty="0" err="1">
-                <a:solidFill>
-                  <a:srgbClr val="000000"/>
-                </a:solidFill>
-                <a:effectLst/>
-                <a:latin typeface="Times New Roman" panose="02020603050405020304" pitchFamily="18" charset="0"/>
-                <a:ea typeface="Times New Roman" panose="02020603050405020304" pitchFamily="18" charset="0"/>
-              </a:rPr>
-              <a:t>gian</a:t>
-            </a:r>
-            <a:r>
-              <a:rPr lang="en-US" sz="1600" dirty="0">
-                <a:solidFill>
-                  <a:srgbClr val="000000"/>
-                </a:solidFill>
-                <a:effectLst/>
-                <a:latin typeface="Times New Roman" panose="02020603050405020304" pitchFamily="18" charset="0"/>
-                <a:ea typeface="Times New Roman" panose="02020603050405020304" pitchFamily="18" charset="0"/>
-              </a:rPr>
-              <a:t> AS </a:t>
-            </a:r>
-            <a:r>
-              <a:rPr lang="en-US" sz="1600" dirty="0" err="1">
-                <a:solidFill>
-                  <a:srgbClr val="000000"/>
-                </a:solidFill>
-                <a:effectLst/>
-                <a:latin typeface="Times New Roman" panose="02020603050405020304" pitchFamily="18" charset="0"/>
-                <a:ea typeface="Times New Roman" panose="02020603050405020304" pitchFamily="18" charset="0"/>
-              </a:rPr>
-              <a:t>sẽ</a:t>
-            </a:r>
-            <a:r>
-              <a:rPr lang="en-US" sz="1600" dirty="0">
-                <a:solidFill>
-                  <a:srgbClr val="000000"/>
-                </a:solidFill>
-                <a:effectLst/>
-                <a:latin typeface="Times New Roman" panose="02020603050405020304" pitchFamily="18" charset="0"/>
-                <a:ea typeface="Times New Roman" panose="02020603050405020304" pitchFamily="18" charset="0"/>
-              </a:rPr>
-              <a:t> </a:t>
-            </a:r>
-            <a:r>
-              <a:rPr lang="en-US" sz="1600" dirty="0" err="1">
-                <a:solidFill>
-                  <a:srgbClr val="000000"/>
-                </a:solidFill>
-                <a:effectLst/>
-                <a:latin typeface="Times New Roman" panose="02020603050405020304" pitchFamily="18" charset="0"/>
-                <a:ea typeface="Times New Roman" panose="02020603050405020304" pitchFamily="18" charset="0"/>
-              </a:rPr>
-              <a:t>làm</a:t>
-            </a:r>
-            <a:r>
-              <a:rPr lang="en-US" sz="1600" dirty="0">
-                <a:solidFill>
-                  <a:srgbClr val="000000"/>
-                </a:solidFill>
-                <a:effectLst/>
-                <a:latin typeface="Times New Roman" panose="02020603050405020304" pitchFamily="18" charset="0"/>
-                <a:ea typeface="Times New Roman" panose="02020603050405020304" pitchFamily="18" charset="0"/>
-              </a:rPr>
-              <a:t> </a:t>
-            </a:r>
-            <a:r>
-              <a:rPr lang="en-US" sz="1600" dirty="0" err="1">
-                <a:solidFill>
-                  <a:srgbClr val="000000"/>
-                </a:solidFill>
-                <a:effectLst/>
-                <a:latin typeface="Times New Roman" panose="02020603050405020304" pitchFamily="18" charset="0"/>
-                <a:ea typeface="Times New Roman" panose="02020603050405020304" pitchFamily="18" charset="0"/>
-              </a:rPr>
-              <a:t>thay</a:t>
-            </a:r>
-            <a:r>
-              <a:rPr lang="en-US" sz="1600" dirty="0">
-                <a:solidFill>
-                  <a:srgbClr val="000000"/>
-                </a:solidFill>
-                <a:effectLst/>
-                <a:latin typeface="Times New Roman" panose="02020603050405020304" pitchFamily="18" charset="0"/>
-                <a:ea typeface="Times New Roman" panose="02020603050405020304" pitchFamily="18" charset="0"/>
-              </a:rPr>
-              <a:t> </a:t>
-            </a:r>
-            <a:r>
-              <a:rPr lang="en-US" sz="1600" dirty="0" err="1">
-                <a:solidFill>
-                  <a:srgbClr val="000000"/>
-                </a:solidFill>
-                <a:effectLst/>
-                <a:latin typeface="Times New Roman" panose="02020603050405020304" pitchFamily="18" charset="0"/>
-                <a:ea typeface="Times New Roman" panose="02020603050405020304" pitchFamily="18" charset="0"/>
-              </a:rPr>
-              <a:t>được</a:t>
-            </a:r>
-            <a:r>
-              <a:rPr lang="en-US" sz="1600" dirty="0">
-                <a:solidFill>
-                  <a:srgbClr val="000000"/>
-                </a:solidFill>
-                <a:effectLst/>
-                <a:latin typeface="Times New Roman" panose="02020603050405020304" pitchFamily="18" charset="0"/>
-                <a:ea typeface="Times New Roman" panose="02020603050405020304" pitchFamily="18" charset="0"/>
-              </a:rPr>
-              <a:t> </a:t>
-            </a:r>
-            <a:r>
-              <a:rPr lang="en-US" sz="1600" dirty="0" err="1">
-                <a:solidFill>
-                  <a:srgbClr val="000000"/>
-                </a:solidFill>
-                <a:effectLst/>
-                <a:latin typeface="Times New Roman" panose="02020603050405020304" pitchFamily="18" charset="0"/>
-                <a:ea typeface="Times New Roman" panose="02020603050405020304" pitchFamily="18" charset="0"/>
-              </a:rPr>
-              <a:t>trong</a:t>
-            </a:r>
-            <a:r>
-              <a:rPr lang="en-US" sz="1600" dirty="0">
-                <a:solidFill>
-                  <a:srgbClr val="000000"/>
-                </a:solidFill>
-                <a:effectLst/>
-                <a:latin typeface="Times New Roman" panose="02020603050405020304" pitchFamily="18" charset="0"/>
-                <a:ea typeface="Times New Roman" panose="02020603050405020304" pitchFamily="18" charset="0"/>
-              </a:rPr>
-              <a:t> </a:t>
-            </a:r>
-            <a:r>
-              <a:rPr lang="en-US" sz="1600" dirty="0" err="1">
-                <a:solidFill>
-                  <a:srgbClr val="000000"/>
-                </a:solidFill>
-                <a:effectLst/>
-                <a:latin typeface="Times New Roman" panose="02020603050405020304" pitchFamily="18" charset="0"/>
-                <a:ea typeface="Times New Roman" panose="02020603050405020304" pitchFamily="18" charset="0"/>
-              </a:rPr>
-              <a:t>khoảng</a:t>
-            </a:r>
-            <a:r>
-              <a:rPr lang="en-US" sz="1600" dirty="0">
-                <a:solidFill>
-                  <a:srgbClr val="000000"/>
-                </a:solidFill>
-                <a:effectLst/>
-                <a:latin typeface="Times New Roman" panose="02020603050405020304" pitchFamily="18" charset="0"/>
-                <a:ea typeface="Times New Roman" panose="02020603050405020304" pitchFamily="18" charset="0"/>
-              </a:rPr>
-              <a:t> </a:t>
-            </a:r>
-            <a:r>
-              <a:rPr lang="en-US" sz="1600" dirty="0" err="1">
-                <a:solidFill>
-                  <a:srgbClr val="000000"/>
-                </a:solidFill>
-                <a:effectLst/>
-                <a:latin typeface="Times New Roman" panose="02020603050405020304" pitchFamily="18" charset="0"/>
-                <a:ea typeface="Times New Roman" panose="02020603050405020304" pitchFamily="18" charset="0"/>
-              </a:rPr>
-              <a:t>thời</a:t>
-            </a:r>
-            <a:r>
-              <a:rPr lang="en-US" sz="1600" dirty="0">
-                <a:solidFill>
-                  <a:srgbClr val="000000"/>
-                </a:solidFill>
-                <a:effectLst/>
-                <a:latin typeface="Times New Roman" panose="02020603050405020304" pitchFamily="18" charset="0"/>
-                <a:ea typeface="Times New Roman" panose="02020603050405020304" pitchFamily="18" charset="0"/>
-              </a:rPr>
-              <a:t> </a:t>
-            </a:r>
-            <a:r>
-              <a:rPr lang="en-US" sz="1600" dirty="0" err="1">
-                <a:solidFill>
-                  <a:srgbClr val="000000"/>
-                </a:solidFill>
-                <a:effectLst/>
-                <a:latin typeface="Times New Roman" panose="02020603050405020304" pitchFamily="18" charset="0"/>
-                <a:ea typeface="Times New Roman" panose="02020603050405020304" pitchFamily="18" charset="0"/>
-              </a:rPr>
-              <a:t>gian</a:t>
-            </a:r>
-            <a:r>
-              <a:rPr lang="en-US" sz="1600" dirty="0">
-                <a:solidFill>
-                  <a:srgbClr val="000000"/>
-                </a:solidFill>
-                <a:effectLst/>
-                <a:latin typeface="Times New Roman" panose="02020603050405020304" pitchFamily="18" charset="0"/>
-                <a:ea typeface="Times New Roman" panose="02020603050405020304" pitchFamily="18" charset="0"/>
-              </a:rPr>
-              <a:t> </a:t>
-            </a:r>
-            <a:r>
-              <a:rPr lang="en-US" sz="1600" dirty="0" err="1">
-                <a:solidFill>
-                  <a:srgbClr val="000000"/>
-                </a:solidFill>
-                <a:effectLst/>
-                <a:latin typeface="Times New Roman" panose="02020603050405020304" pitchFamily="18" charset="0"/>
-                <a:ea typeface="Times New Roman" panose="02020603050405020304" pitchFamily="18" charset="0"/>
-              </a:rPr>
-              <a:t>đó</a:t>
-            </a:r>
-            <a:r>
-              <a:rPr lang="en-US" sz="1600" dirty="0">
-                <a:solidFill>
-                  <a:srgbClr val="000000"/>
-                </a:solidFill>
-                <a:effectLst/>
-                <a:latin typeface="Times New Roman" panose="02020603050405020304" pitchFamily="18" charset="0"/>
-                <a:ea typeface="Times New Roman" panose="02020603050405020304" pitchFamily="18" charset="0"/>
-              </a:rPr>
-              <a:t> </a:t>
-            </a:r>
-            <a:r>
-              <a:rPr lang="en-US" sz="1600" dirty="0" err="1">
-                <a:solidFill>
-                  <a:srgbClr val="000000"/>
-                </a:solidFill>
-                <a:effectLst/>
-                <a:latin typeface="Times New Roman" panose="02020603050405020304" pitchFamily="18" charset="0"/>
-                <a:ea typeface="Times New Roman" panose="02020603050405020304" pitchFamily="18" charset="0"/>
-              </a:rPr>
-              <a:t>là</a:t>
-            </a:r>
-            <a:r>
-              <a:rPr lang="en-US" sz="1600" dirty="0">
-                <a:solidFill>
-                  <a:srgbClr val="000000"/>
-                </a:solidFill>
-                <a:effectLst/>
-                <a:latin typeface="Times New Roman" panose="02020603050405020304" pitchFamily="18" charset="0"/>
-                <a:ea typeface="Times New Roman" panose="02020603050405020304" pitchFamily="18" charset="0"/>
-              </a:rPr>
-              <a:t> 3.8 </a:t>
-            </a:r>
-            <a:r>
-              <a:rPr lang="en-US" sz="1600" dirty="0" err="1">
-                <a:solidFill>
-                  <a:srgbClr val="000000"/>
-                </a:solidFill>
-                <a:effectLst/>
-                <a:latin typeface="Times New Roman" panose="02020603050405020304" pitchFamily="18" charset="0"/>
-                <a:ea typeface="Times New Roman" panose="02020603050405020304" pitchFamily="18" charset="0"/>
-              </a:rPr>
-              <a:t>ngày</a:t>
-            </a:r>
-            <a:r>
-              <a:rPr lang="en-US" sz="1600" dirty="0">
-                <a:solidFill>
-                  <a:srgbClr val="000000"/>
-                </a:solidFill>
-                <a:effectLst/>
-                <a:latin typeface="Times New Roman" panose="02020603050405020304" pitchFamily="18" charset="0"/>
-                <a:ea typeface="Times New Roman" panose="02020603050405020304" pitchFamily="18" charset="0"/>
-              </a:rPr>
-              <a:t>, </a:t>
-            </a:r>
-            <a:r>
-              <a:rPr lang="en-US" sz="1600" dirty="0" err="1">
-                <a:solidFill>
-                  <a:srgbClr val="000000"/>
-                </a:solidFill>
-                <a:effectLst/>
-                <a:latin typeface="Times New Roman" panose="02020603050405020304" pitchFamily="18" charset="0"/>
-                <a:ea typeface="Times New Roman" panose="02020603050405020304" pitchFamily="18" charset="0"/>
-              </a:rPr>
-              <a:t>kế</a:t>
-            </a:r>
-            <a:r>
-              <a:rPr lang="en-US" sz="1600" dirty="0">
-                <a:solidFill>
-                  <a:srgbClr val="000000"/>
-                </a:solidFill>
-                <a:effectLst/>
-                <a:latin typeface="Times New Roman" panose="02020603050405020304" pitchFamily="18" charset="0"/>
-                <a:ea typeface="Times New Roman" panose="02020603050405020304" pitchFamily="18" charset="0"/>
-              </a:rPr>
-              <a:t> </a:t>
-            </a:r>
-            <a:r>
-              <a:rPr lang="en-US" sz="1600" dirty="0" err="1">
-                <a:solidFill>
-                  <a:srgbClr val="000000"/>
-                </a:solidFill>
-                <a:effectLst/>
-                <a:latin typeface="Times New Roman" panose="02020603050405020304" pitchFamily="18" charset="0"/>
-                <a:ea typeface="Times New Roman" panose="02020603050405020304" pitchFamily="18" charset="0"/>
-              </a:rPr>
-              <a:t>hoạch</a:t>
-            </a:r>
-            <a:r>
-              <a:rPr lang="en-US" sz="1600" dirty="0">
-                <a:solidFill>
-                  <a:srgbClr val="000000"/>
-                </a:solidFill>
-                <a:effectLst/>
-                <a:latin typeface="Times New Roman" panose="02020603050405020304" pitchFamily="18" charset="0"/>
-                <a:ea typeface="Times New Roman" panose="02020603050405020304" pitchFamily="18" charset="0"/>
-              </a:rPr>
-              <a:t> </a:t>
-            </a:r>
-            <a:r>
-              <a:rPr lang="en-US" sz="1600" dirty="0" err="1">
-                <a:solidFill>
-                  <a:srgbClr val="000000"/>
-                </a:solidFill>
-                <a:effectLst/>
-                <a:latin typeface="Times New Roman" panose="02020603050405020304" pitchFamily="18" charset="0"/>
-                <a:ea typeface="Times New Roman" panose="02020603050405020304" pitchFamily="18" charset="0"/>
-              </a:rPr>
-              <a:t>sẽ</a:t>
-            </a:r>
-            <a:r>
-              <a:rPr lang="en-US" sz="1600" dirty="0">
-                <a:solidFill>
-                  <a:srgbClr val="000000"/>
-                </a:solidFill>
-                <a:effectLst/>
-                <a:latin typeface="Times New Roman" panose="02020603050405020304" pitchFamily="18" charset="0"/>
-                <a:ea typeface="Times New Roman" panose="02020603050405020304" pitchFamily="18" charset="0"/>
-              </a:rPr>
-              <a:t> </a:t>
-            </a:r>
-            <a:r>
-              <a:rPr lang="en-US" sz="1600" dirty="0" err="1">
-                <a:solidFill>
-                  <a:srgbClr val="000000"/>
-                </a:solidFill>
-                <a:effectLst/>
-                <a:latin typeface="Times New Roman" panose="02020603050405020304" pitchFamily="18" charset="0"/>
-                <a:ea typeface="Times New Roman" panose="02020603050405020304" pitchFamily="18" charset="0"/>
-              </a:rPr>
-              <a:t>thay</a:t>
-            </a:r>
-            <a:r>
-              <a:rPr lang="en-US" sz="1600" dirty="0">
-                <a:solidFill>
-                  <a:srgbClr val="000000"/>
-                </a:solidFill>
-                <a:effectLst/>
-                <a:latin typeface="Times New Roman" panose="02020603050405020304" pitchFamily="18" charset="0"/>
-                <a:ea typeface="Times New Roman" panose="02020603050405020304" pitchFamily="18" charset="0"/>
-              </a:rPr>
-              <a:t> </a:t>
-            </a:r>
-            <a:r>
-              <a:rPr lang="en-US" sz="1600" dirty="0" err="1">
-                <a:solidFill>
-                  <a:srgbClr val="000000"/>
-                </a:solidFill>
-                <a:effectLst/>
-                <a:latin typeface="Times New Roman" panose="02020603050405020304" pitchFamily="18" charset="0"/>
-                <a:ea typeface="Times New Roman" panose="02020603050405020304" pitchFamily="18" charset="0"/>
-              </a:rPr>
-              <a:t>đổi</a:t>
-            </a:r>
-            <a:r>
-              <a:rPr lang="en-US" sz="1600" dirty="0">
-                <a:solidFill>
-                  <a:srgbClr val="000000"/>
-                </a:solidFill>
-                <a:effectLst/>
-                <a:latin typeface="Times New Roman" panose="02020603050405020304" pitchFamily="18" charset="0"/>
-                <a:ea typeface="Times New Roman" panose="02020603050405020304" pitchFamily="18" charset="0"/>
-              </a:rPr>
-              <a:t> </a:t>
-            </a:r>
-            <a:r>
-              <a:rPr lang="en-US" sz="1600" dirty="0" err="1">
-                <a:solidFill>
-                  <a:srgbClr val="000000"/>
-                </a:solidFill>
-                <a:effectLst/>
-                <a:latin typeface="Times New Roman" panose="02020603050405020304" pitchFamily="18" charset="0"/>
-                <a:ea typeface="Times New Roman" panose="02020603050405020304" pitchFamily="18" charset="0"/>
-              </a:rPr>
-              <a:t>như</a:t>
-            </a:r>
-            <a:r>
-              <a:rPr lang="en-US" sz="1600" dirty="0">
-                <a:solidFill>
-                  <a:srgbClr val="000000"/>
-                </a:solidFill>
-                <a:effectLst/>
-                <a:latin typeface="Times New Roman" panose="02020603050405020304" pitchFamily="18" charset="0"/>
-                <a:ea typeface="Times New Roman" panose="02020603050405020304" pitchFamily="18" charset="0"/>
-              </a:rPr>
-              <a:t> </a:t>
-            </a:r>
-            <a:r>
-              <a:rPr lang="en-US" sz="1600" dirty="0" err="1">
-                <a:solidFill>
-                  <a:srgbClr val="000000"/>
-                </a:solidFill>
-                <a:effectLst/>
-                <a:latin typeface="Times New Roman" panose="02020603050405020304" pitchFamily="18" charset="0"/>
-                <a:ea typeface="Times New Roman" panose="02020603050405020304" pitchFamily="18" charset="0"/>
-              </a:rPr>
-              <a:t>sau</a:t>
-            </a:r>
-            <a:r>
-              <a:rPr lang="en-US" sz="1600" dirty="0">
-                <a:solidFill>
-                  <a:srgbClr val="000000"/>
-                </a:solidFill>
-                <a:effectLst/>
-                <a:latin typeface="Times New Roman" panose="02020603050405020304" pitchFamily="18" charset="0"/>
-                <a:ea typeface="Times New Roman" panose="02020603050405020304" pitchFamily="18" charset="0"/>
-              </a:rPr>
-              <a:t>:</a:t>
-            </a:r>
-            <a:endParaRPr lang="en-US" sz="1600" dirty="0">
-              <a:effectLst/>
-              <a:latin typeface="Times New Roman" panose="02020603050405020304" pitchFamily="18" charset="0"/>
-              <a:ea typeface="Times New Roman" panose="02020603050405020304" pitchFamily="18" charset="0"/>
-            </a:endParaRPr>
-          </a:p>
-        </p:txBody>
-      </p:sp>
-      <p:pic>
-        <p:nvPicPr>
-          <p:cNvPr id="5" name="Picture 4"/>
-          <p:cNvPicPr/>
-          <p:nvPr/>
-        </p:nvPicPr>
-        <p:blipFill>
-          <a:blip r:embed="rId3" cstate="print">
-            <a:extLst>
-              <a:ext uri="{28A0092B-C50C-407E-A947-70E740481C1C}">
-                <a14:useLocalDpi xmlns:a14="http://schemas.microsoft.com/office/drawing/2010/main" val="0"/>
-              </a:ext>
-            </a:extLst>
-          </a:blip>
-          <a:stretch>
-            <a:fillRect/>
-          </a:stretch>
-        </p:blipFill>
-        <p:spPr>
-          <a:xfrm>
-            <a:off x="1028387" y="2999620"/>
-            <a:ext cx="7087221" cy="1529850"/>
-          </a:xfrm>
-          <a:prstGeom prst="rect">
-            <a:avLst/>
-          </a:prstGeom>
-        </p:spPr>
-      </p:pic>
-    </p:spTree>
-  </p:cSld>
-  <p:clrMapOvr>
-    <a:masterClrMapping/>
-  </p:clrMapOvr>
-  <p:transition>
-    <p:fade thruBlk="1"/>
-  </p:transition>
-</p:sld>
-</file>
-
-<file path=ppt/slides/slide25.xml><?xml version="1.0" encoding="utf-8"?>
 <p:sld xmlns:a="http://schemas.openxmlformats.org/drawingml/2006/main" xmlns:r="http://schemas.openxmlformats.org/officeDocument/2006/relationships" xmlns:p="http://schemas.openxmlformats.org/presentationml/2006/main">
   <p:cSld>
     <p:spTree>
@@ -26216,14 +23919,14 @@
           <p:nvPr>
             <p:extLst>
               <p:ext uri="{D42A27DB-BD31-4B8C-83A1-F6EECF244321}">
-                <p14:modId xmlns:p14="http://schemas.microsoft.com/office/powerpoint/2010/main" val="1352211250"/>
+                <p14:modId xmlns:p14="http://schemas.microsoft.com/office/powerpoint/2010/main" val="3744991866"/>
               </p:ext>
             </p:extLst>
           </p:nvPr>
         </p:nvGraphicFramePr>
         <p:xfrm>
-          <a:off x="683850" y="1576757"/>
-          <a:ext cx="6240900" cy="2382520"/>
+          <a:off x="683850" y="1227220"/>
+          <a:ext cx="7977191" cy="3535414"/>
         </p:xfrm>
         <a:graphic>
           <a:graphicData uri="http://schemas.openxmlformats.org/drawingml/2006/table">
@@ -26232,21 +23935,21 @@
                 <a:tableStyleId>{3C2FFA5D-87B4-456A-9821-1D502468CF0F}</a:tableStyleId>
               </a:tblPr>
               <a:tblGrid>
-                <a:gridCol w="503505">
+                <a:gridCol w="643585">
                   <a:extLst>
                     <a:ext uri="{9D8B030D-6E8A-4147-A177-3AD203B41FA5}">
                       <a16:colId xmlns:a16="http://schemas.microsoft.com/office/drawing/2014/main" val="20000"/>
                     </a:ext>
                   </a:extLst>
                 </a:gridCol>
-                <a:gridCol w="2126895">
+                <a:gridCol w="2718622">
                   <a:extLst>
                     <a:ext uri="{9D8B030D-6E8A-4147-A177-3AD203B41FA5}">
                       <a16:colId xmlns:a16="http://schemas.microsoft.com/office/drawing/2014/main" val="20002"/>
                     </a:ext>
                   </a:extLst>
                 </a:gridCol>
-                <a:gridCol w="3610500">
+                <a:gridCol w="4614984">
                   <a:extLst>
                     <a:ext uri="{9D8B030D-6E8A-4147-A177-3AD203B41FA5}">
                       <a16:colId xmlns:a16="http://schemas.microsoft.com/office/drawing/2014/main" val="20003"/>
@@ -26254,7 +23957,7 @@
                   </a:extLst>
                 </a:gridCol>
               </a:tblGrid>
-              <a:tr h="301935">
+              <a:tr h="283891">
                 <a:tc>
                   <a:txBody>
                     <a:bodyPr/>
@@ -26345,7 +24048,7 @@
                   </a:ext>
                 </a:extLst>
               </a:tr>
-              <a:tr h="204108">
+              <a:tr h="461852">
                 <a:tc>
                   <a:txBody>
                     <a:bodyPr/>
@@ -26411,7 +24114,7 @@
                         <a:buNone/>
                       </a:pPr>
                       <a:r>
-                        <a:rPr lang="en-US" sz="1400" b="0">
+                        <a:rPr lang="vi-VN" sz="1400" b="0">
                           <a:solidFill>
                             <a:schemeClr val="tx1"/>
                           </a:solidFill>
@@ -26419,8 +24122,16 @@
                           <a:ea typeface="Calibri" panose="020F0502020204030204" pitchFamily="34" charset="0"/>
                           <a:cs typeface="Calibri" panose="020F0502020204030204" pitchFamily="34" charset="0"/>
                         </a:rPr>
-                        <a:t>Không làm gì cả</a:t>
+                        <a:t>Xác định dự án; Ước lượng thời gian chi phí; Đầu ra tổng thời gian chi phí và thời gian cho công việc</a:t>
                       </a:r>
+                      <a:endParaRPr lang="en-US" sz="1400" b="0">
+                        <a:solidFill>
+                          <a:schemeClr val="tx1"/>
+                        </a:solidFill>
+                        <a:latin typeface="Calibri" panose="020F0502020204030204" pitchFamily="34" charset="0"/>
+                        <a:ea typeface="Calibri" panose="020F0502020204030204" pitchFamily="34" charset="0"/>
+                        <a:cs typeface="Calibri" panose="020F0502020204030204" pitchFamily="34" charset="0"/>
+                      </a:endParaRPr>
                     </a:p>
                   </a:txBody>
                   <a:tcPr marL="63500" marR="63500" marT="63500" marB="63500"/>
@@ -26431,7 +24142,7 @@
                   </a:ext>
                 </a:extLst>
               </a:tr>
-              <a:tr h="333896">
+              <a:tr h="461852">
                 <a:tc>
                   <a:txBody>
                     <a:bodyPr/>
@@ -26497,7 +24208,7 @@
                         <a:buNone/>
                       </a:pPr>
                       <a:r>
-                        <a:rPr lang="en-US" sz="1400" b="0">
+                        <a:rPr lang="vi-VN" sz="1400" b="0">
                           <a:solidFill>
                             <a:schemeClr val="tx1"/>
                           </a:solidFill>
@@ -26505,8 +24216,16 @@
                           <a:ea typeface="Calibri" panose="020F0502020204030204" pitchFamily="34" charset="0"/>
                           <a:cs typeface="Calibri" panose="020F0502020204030204" pitchFamily="34" charset="0"/>
                         </a:rPr>
-                        <a:t>Viết báo cáo, master cờ bạc</a:t>
+                        <a:t>Xác định dự án; Ước lượng thời gian chi phí; WBS; Rủi ro và quản lí rủi ro; Viết báo cáo</a:t>
                       </a:r>
+                      <a:endParaRPr lang="en-US" sz="1400" b="0">
+                        <a:solidFill>
+                          <a:schemeClr val="tx1"/>
+                        </a:solidFill>
+                        <a:latin typeface="Calibri" panose="020F0502020204030204" pitchFamily="34" charset="0"/>
+                        <a:ea typeface="Calibri" panose="020F0502020204030204" pitchFamily="34" charset="0"/>
+                        <a:cs typeface="Calibri" panose="020F0502020204030204" pitchFamily="34" charset="0"/>
+                      </a:endParaRPr>
                     </a:p>
                   </a:txBody>
                   <a:tcPr marL="63500" marR="63500" marT="63500" marB="63500"/>
@@ -26517,7 +24236,7 @@
                   </a:ext>
                 </a:extLst>
               </a:tr>
-              <a:tr h="268057">
+              <a:tr h="283891">
                 <a:tc>
                   <a:txBody>
                     <a:bodyPr/>
@@ -26591,7 +24310,7 @@
                           <a:ea typeface="Calibri" panose="020F0502020204030204" pitchFamily="34" charset="0"/>
                           <a:cs typeface="Calibri" panose="020F0502020204030204" pitchFamily="34" charset="0"/>
                         </a:rPr>
-                        <a:t>Làm pptx, giả lập bị tai nạn</a:t>
+                        <a:t>Xác định dự án; Rủi ro và quản lý rủi ro; PowerPoint</a:t>
                       </a:r>
                     </a:p>
                   </a:txBody>
@@ -26603,7 +24322,7 @@
                   </a:ext>
                 </a:extLst>
               </a:tr>
-              <a:tr h="309632">
+              <a:tr h="461852">
                 <a:tc>
                   <a:txBody>
                     <a:bodyPr/>
@@ -26669,7 +24388,7 @@
                         <a:buNone/>
                       </a:pPr>
                       <a:r>
-                        <a:rPr lang="en-US" sz="1400" b="0">
+                        <a:rPr lang="vi-VN" sz="1400" b="0">
                           <a:solidFill>
                             <a:schemeClr val="tx1"/>
                           </a:solidFill>
@@ -26677,8 +24396,16 @@
                           <a:ea typeface="Calibri" panose="020F0502020204030204" pitchFamily="34" charset="0"/>
                           <a:cs typeface="Calibri" panose="020F0502020204030204" pitchFamily="34" charset="0"/>
                         </a:rPr>
-                        <a:t>Auto spam KDA</a:t>
+                        <a:t>Xác định dự án; Ước lượng thời gian chi phí; WBS; Đầu ra tổng thời gian chi phí và thời gian cho công việc</a:t>
                       </a:r>
+                      <a:endParaRPr lang="en-US" sz="1400" b="0">
+                        <a:solidFill>
+                          <a:schemeClr val="tx1"/>
+                        </a:solidFill>
+                        <a:latin typeface="Calibri" panose="020F0502020204030204" pitchFamily="34" charset="0"/>
+                        <a:ea typeface="Calibri" panose="020F0502020204030204" pitchFamily="34" charset="0"/>
+                        <a:cs typeface="Calibri" panose="020F0502020204030204" pitchFamily="34" charset="0"/>
+                      </a:endParaRPr>
                     </a:p>
                   </a:txBody>
                   <a:tcPr marL="63500" marR="63500" marT="63500" marB="63500"/>
@@ -26689,7 +24416,7 @@
                   </a:ext>
                 </a:extLst>
               </a:tr>
-              <a:tr h="311150">
+              <a:tr h="461852">
                 <a:tc>
                   <a:txBody>
                     <a:bodyPr/>
@@ -26763,7 +24490,7 @@
                           <a:ea typeface="Calibri" panose="020F0502020204030204" pitchFamily="34" charset="0"/>
                           <a:cs typeface="Calibri" panose="020F0502020204030204" pitchFamily="34" charset="0"/>
                         </a:rPr>
-                        <a:t>Ăn gà</a:t>
+                        <a:t>Xác định dự án; Đầu ra tổng thời gian chi phí và thời gian cho công việc; WBS</a:t>
                       </a:r>
                     </a:p>
                   </a:txBody>
@@ -26775,7 +24502,7 @@
                   </a:ext>
                 </a:extLst>
               </a:tr>
-              <a:tr h="311150">
+              <a:tr h="639814">
                 <a:tc>
                   <a:txBody>
                     <a:bodyPr/>
@@ -26841,7 +24568,7 @@
                         <a:buNone/>
                       </a:pPr>
                       <a:r>
-                        <a:rPr lang="en-US" sz="1400" b="0">
+                        <a:rPr lang="vi-VN" sz="1400" b="0">
                           <a:solidFill>
                             <a:schemeClr val="tx1"/>
                           </a:solidFill>
@@ -26849,8 +24576,16 @@
                           <a:ea typeface="Calibri" panose="020F0502020204030204" pitchFamily="34" charset="0"/>
                           <a:cs typeface="Calibri" panose="020F0502020204030204" pitchFamily="34" charset="0"/>
                         </a:rPr>
-                        <a:t>Lắc chảo</a:t>
+                        <a:t>Xác định dự án; Ước lượng thời gian chi phí; WBS; Đầu ra tổng thời gian chi phí và thời gian cho công việc; Viết báo cáo</a:t>
                       </a:r>
+                      <a:endParaRPr lang="en-US" sz="1400" b="0">
+                        <a:solidFill>
+                          <a:schemeClr val="tx1"/>
+                        </a:solidFill>
+                        <a:latin typeface="Calibri" panose="020F0502020204030204" pitchFamily="34" charset="0"/>
+                        <a:ea typeface="Calibri" panose="020F0502020204030204" pitchFamily="34" charset="0"/>
+                        <a:cs typeface="Calibri" panose="020F0502020204030204" pitchFamily="34" charset="0"/>
+                      </a:endParaRPr>
                     </a:p>
                   </a:txBody>
                   <a:tcPr marL="63500" marR="63500" marT="63500" marB="63500"/>

--- a/Report/Nhom9_SingedShop_FinalUltimateVersion.pptx
+++ b/Report/Nhom9_SingedShop_FinalUltimateVersion.pptx
@@ -10898,18 +10898,85 @@
               <a:buNone/>
             </a:pPr>
             <a:r>
-              <a:rPr lang="en-US">
-                <a:latin typeface="Calibri" panose="020F0502020204030204" pitchFamily="34" charset="0"/>
-                <a:ea typeface="Calibri" panose="020F0502020204030204" pitchFamily="34" charset="0"/>
-                <a:cs typeface="Calibri" panose="020F0502020204030204" pitchFamily="34" charset="0"/>
-              </a:rPr>
-              <a:t>Đề tài: Website quần áo nam Singed Shop</a:t>
-            </a:r>
-            <a:endParaRPr lang="en-US" dirty="0">
-              <a:latin typeface="Calibri" panose="020F0502020204030204" pitchFamily="34" charset="0"/>
-              <a:ea typeface="Calibri" panose="020F0502020204030204" pitchFamily="34" charset="0"/>
-              <a:cs typeface="Calibri" panose="020F0502020204030204" pitchFamily="34" charset="0"/>
-            </a:endParaRPr>
+              <a:rPr lang="en-US" dirty="0" err="1">
+                <a:latin typeface="Calibri" panose="020F0502020204030204" pitchFamily="34" charset="0"/>
+                <a:ea typeface="Calibri" panose="020F0502020204030204" pitchFamily="34" charset="0"/>
+                <a:cs typeface="Calibri" panose="020F0502020204030204" pitchFamily="34" charset="0"/>
+              </a:rPr>
+              <a:t>Đề</a:t>
+            </a:r>
+            <a:r>
+              <a:rPr lang="en-US" dirty="0">
+                <a:latin typeface="Calibri" panose="020F0502020204030204" pitchFamily="34" charset="0"/>
+                <a:ea typeface="Calibri" panose="020F0502020204030204" pitchFamily="34" charset="0"/>
+                <a:cs typeface="Calibri" panose="020F0502020204030204" pitchFamily="34" charset="0"/>
+              </a:rPr>
+              <a:t> </a:t>
+            </a:r>
+            <a:r>
+              <a:rPr lang="en-US" dirty="0" err="1">
+                <a:latin typeface="Calibri" panose="020F0502020204030204" pitchFamily="34" charset="0"/>
+                <a:ea typeface="Calibri" panose="020F0502020204030204" pitchFamily="34" charset="0"/>
+                <a:cs typeface="Calibri" panose="020F0502020204030204" pitchFamily="34" charset="0"/>
+              </a:rPr>
+              <a:t>tài</a:t>
+            </a:r>
+            <a:r>
+              <a:rPr lang="en-US" dirty="0">
+                <a:latin typeface="Calibri" panose="020F0502020204030204" pitchFamily="34" charset="0"/>
+                <a:ea typeface="Calibri" panose="020F0502020204030204" pitchFamily="34" charset="0"/>
+                <a:cs typeface="Calibri" panose="020F0502020204030204" pitchFamily="34" charset="0"/>
+              </a:rPr>
+              <a:t>: Website </a:t>
+            </a:r>
+            <a:r>
+              <a:rPr lang="en-US" dirty="0" err="1">
+                <a:latin typeface="Calibri" panose="020F0502020204030204" pitchFamily="34" charset="0"/>
+                <a:ea typeface="Calibri" panose="020F0502020204030204" pitchFamily="34" charset="0"/>
+                <a:cs typeface="Calibri" panose="020F0502020204030204" pitchFamily="34" charset="0"/>
+              </a:rPr>
+              <a:t>quần</a:t>
+            </a:r>
+            <a:r>
+              <a:rPr lang="en-US" dirty="0">
+                <a:latin typeface="Calibri" panose="020F0502020204030204" pitchFamily="34" charset="0"/>
+                <a:ea typeface="Calibri" panose="020F0502020204030204" pitchFamily="34" charset="0"/>
+                <a:cs typeface="Calibri" panose="020F0502020204030204" pitchFamily="34" charset="0"/>
+              </a:rPr>
+              <a:t> </a:t>
+            </a:r>
+            <a:r>
+              <a:rPr lang="en-US" dirty="0" err="1">
+                <a:latin typeface="Calibri" panose="020F0502020204030204" pitchFamily="34" charset="0"/>
+                <a:ea typeface="Calibri" panose="020F0502020204030204" pitchFamily="34" charset="0"/>
+                <a:cs typeface="Calibri" panose="020F0502020204030204" pitchFamily="34" charset="0"/>
+              </a:rPr>
+              <a:t>áo</a:t>
+            </a:r>
+            <a:r>
+              <a:rPr lang="en-US" dirty="0">
+                <a:latin typeface="Calibri" panose="020F0502020204030204" pitchFamily="34" charset="0"/>
+                <a:ea typeface="Calibri" panose="020F0502020204030204" pitchFamily="34" charset="0"/>
+                <a:cs typeface="Calibri" panose="020F0502020204030204" pitchFamily="34" charset="0"/>
+              </a:rPr>
+              <a:t> </a:t>
+            </a:r>
+            <a:r>
+              <a:rPr lang="en-US" dirty="0" err="1">
+                <a:latin typeface="Calibri" panose="020F0502020204030204" pitchFamily="34" charset="0"/>
+                <a:ea typeface="Calibri" panose="020F0502020204030204" pitchFamily="34" charset="0"/>
+                <a:cs typeface="Calibri" panose="020F0502020204030204" pitchFamily="34" charset="0"/>
+              </a:rPr>
+              <a:t>nam</a:t>
+            </a:r>
+            <a:r>
+              <a:rPr lang="en-US" dirty="0">
+                <a:latin typeface="Calibri" panose="020F0502020204030204" pitchFamily="34" charset="0"/>
+                <a:ea typeface="Calibri" panose="020F0502020204030204" pitchFamily="34" charset="0"/>
+                <a:cs typeface="Calibri" panose="020F0502020204030204" pitchFamily="34" charset="0"/>
+              </a:rPr>
+              <a:t> Singed Shop</a:t>
+            </a:r>
           </a:p>
         </p:txBody>
       </p:sp>
@@ -12147,23 +12214,9 @@
                 <a:ea typeface="Calibri" panose="020F0502020204030204" pitchFamily="34" charset="0"/>
                 <a:cs typeface="Calibri" panose="020F0502020204030204" pitchFamily="34" charset="0"/>
               </a:rPr>
-              <a:t>ổng quan, nhóm thực hiện ước tính năng suất làm </a:t>
-            </a:r>
-            <a:r>
-              <a:rPr lang="vi-VN" sz="1600">
-                <a:solidFill>
-                  <a:schemeClr val="tx2">
-                    <a:lumMod val="10000"/>
-                  </a:schemeClr>
-                </a:solidFill>
-                <a:effectLst/>
-                <a:latin typeface="Calibri" panose="020F0502020204030204" pitchFamily="34" charset="0"/>
-                <a:ea typeface="Calibri" panose="020F0502020204030204" pitchFamily="34" charset="0"/>
-                <a:cs typeface="Calibri" panose="020F0502020204030204" pitchFamily="34" charset="0"/>
-              </a:rPr>
-              <a:t>việc </a:t>
-            </a:r>
-            <a:endParaRPr lang="en-US" sz="1600">
+              <a:t>ổng quan, nhóm thực hiện ước tính năng suất làm việc </a:t>
+            </a:r>
+            <a:endParaRPr lang="en-US" sz="1600" dirty="0">
               <a:solidFill>
                 <a:schemeClr val="tx2">
                   <a:lumMod val="10000"/>
@@ -12177,7 +12230,7 @@
           </a:p>
           <a:p>
             <a:r>
-              <a:rPr lang="vi-VN" sz="1600">
+              <a:rPr lang="vi-VN" sz="1600" dirty="0">
                 <a:solidFill>
                   <a:schemeClr val="tx2">
                     <a:lumMod val="10000"/>
@@ -12188,49 +12241,7 @@
                 <a:ea typeface="Calibri" panose="020F0502020204030204" pitchFamily="34" charset="0"/>
                 <a:cs typeface="Calibri" panose="020F0502020204030204" pitchFamily="34" charset="0"/>
               </a:rPr>
-              <a:t>của </a:t>
-            </a:r>
-            <a:r>
-              <a:rPr lang="vi-VN" sz="1600" dirty="0">
-                <a:solidFill>
-                  <a:schemeClr val="tx2">
-                    <a:lumMod val="10000"/>
-                  </a:schemeClr>
-                </a:solidFill>
-                <a:effectLst/>
-                <a:latin typeface="Calibri" panose="020F0502020204030204" pitchFamily="34" charset="0"/>
-                <a:ea typeface="Calibri" panose="020F0502020204030204" pitchFamily="34" charset="0"/>
-                <a:cs typeface="Calibri" panose="020F0502020204030204" pitchFamily="34" charset="0"/>
-              </a:rPr>
-              <a:t>từng người theo </a:t>
-            </a:r>
-            <a:r>
-              <a:rPr lang="vi-VN" sz="1600">
-                <a:solidFill>
-                  <a:schemeClr val="tx2">
-                    <a:lumMod val="10000"/>
-                  </a:schemeClr>
-                </a:solidFill>
-                <a:effectLst/>
-                <a:latin typeface="Calibri" panose="020F0502020204030204" pitchFamily="34" charset="0"/>
-                <a:ea typeface="Calibri" panose="020F0502020204030204" pitchFamily="34" charset="0"/>
-                <a:cs typeface="Calibri" panose="020F0502020204030204" pitchFamily="34" charset="0"/>
-              </a:rPr>
-              <a:t>3 tiêu </a:t>
-            </a:r>
-            <a:r>
-              <a:rPr lang="vi-VN" sz="1600" dirty="0">
-                <a:solidFill>
-                  <a:schemeClr val="tx2">
-                    <a:lumMod val="10000"/>
-                  </a:schemeClr>
-                </a:solidFill>
-                <a:effectLst/>
-                <a:latin typeface="Calibri" panose="020F0502020204030204" pitchFamily="34" charset="0"/>
-                <a:ea typeface="Calibri" panose="020F0502020204030204" pitchFamily="34" charset="0"/>
-                <a:cs typeface="Calibri" panose="020F0502020204030204" pitchFamily="34" charset="0"/>
-              </a:rPr>
-              <a:t>chí: </a:t>
+              <a:t>của từng người theo 3 tiêu chí: </a:t>
             </a:r>
             <a:endParaRPr lang="vi-VN" sz="1600" dirty="0">
               <a:solidFill>
@@ -12245,21 +12256,20 @@
           </a:p>
           <a:p>
             <a:r>
-              <a:rPr lang="vi-VN" sz="1600" dirty="0">
+              <a:rPr lang="en-US" sz="1600" dirty="0">
                 <a:solidFill>
                   <a:schemeClr val="tx2">
                     <a:lumMod val="10000"/>
                   </a:schemeClr>
                 </a:solidFill>
-                <a:effectLst/>
-                <a:latin typeface="Calibri" panose="020F0502020204030204" pitchFamily="34" charset="0"/>
-                <a:ea typeface="Calibri" panose="020F0502020204030204" pitchFamily="34" charset="0"/>
-                <a:cs typeface="Calibri" panose="020F0502020204030204" pitchFamily="34" charset="0"/>
-              </a:rPr>
-              <a:t>- </a:t>
-            </a:r>
-            <a:r>
-              <a:rPr lang="vi-VN" sz="1600">
+                <a:latin typeface="Calibri" panose="020F0502020204030204" pitchFamily="34" charset="0"/>
+                <a:ea typeface="Calibri" panose="020F0502020204030204" pitchFamily="34" charset="0"/>
+                <a:cs typeface="Calibri" panose="020F0502020204030204" pitchFamily="34" charset="0"/>
+              </a:rPr>
+              <a:t>-</a:t>
+            </a:r>
+            <a:r>
+              <a:rPr lang="vi-VN" sz="1600" dirty="0">
                 <a:solidFill>
                   <a:schemeClr val="tx2">
                     <a:lumMod val="10000"/>
@@ -12270,7 +12280,7 @@
                 <a:ea typeface="Calibri" panose="020F0502020204030204" pitchFamily="34" charset="0"/>
                 <a:cs typeface="Calibri" panose="020F0502020204030204" pitchFamily="34" charset="0"/>
               </a:rPr>
-              <a:t>Frontend,</a:t>
+              <a:t> Frontend</a:t>
             </a:r>
             <a:endParaRPr lang="vi-VN" sz="1600" dirty="0">
               <a:solidFill>
@@ -12322,7 +12332,7 @@
                 <a:ea typeface="Calibri" panose="020F0502020204030204" pitchFamily="34" charset="0"/>
                 <a:cs typeface="Calibri" panose="020F0502020204030204" pitchFamily="34" charset="0"/>
               </a:rPr>
-              <a:t>- Database/Network</a:t>
+              <a:t>- Database</a:t>
             </a:r>
             <a:endParaRPr lang="en-US" sz="1600" dirty="0">
               <a:solidFill>
@@ -16185,14 +16195,14 @@
           <p:nvPr>
             <p:extLst>
               <p:ext uri="{D42A27DB-BD31-4B8C-83A1-F6EECF244321}">
-                <p14:modId xmlns:p14="http://schemas.microsoft.com/office/powerpoint/2010/main" val="3589795852"/>
+                <p14:modId xmlns:p14="http://schemas.microsoft.com/office/powerpoint/2010/main" val="84115967"/>
               </p:ext>
             </p:extLst>
           </p:nvPr>
         </p:nvGraphicFramePr>
         <p:xfrm>
           <a:off x="855301" y="1227264"/>
-          <a:ext cx="7610521" cy="3237167"/>
+          <a:ext cx="7610521" cy="3457893"/>
         </p:xfrm>
         <a:graphic>
           <a:graphicData uri="http://schemas.openxmlformats.org/drawingml/2006/table">
@@ -16208,42 +16218,42 @@
                     </a:ext>
                   </a:extLst>
                 </a:gridCol>
-                <a:gridCol w="254591">
+                <a:gridCol w="716897">
                   <a:extLst>
                     <a:ext uri="{9D8B030D-6E8A-4147-A177-3AD203B41FA5}">
                       <a16:colId xmlns:a16="http://schemas.microsoft.com/office/drawing/2014/main" val="3425549970"/>
                     </a:ext>
                   </a:extLst>
                 </a:gridCol>
-                <a:gridCol w="1278352">
+                <a:gridCol w="914400">
                   <a:extLst>
                     <a:ext uri="{9D8B030D-6E8A-4147-A177-3AD203B41FA5}">
                       <a16:colId xmlns:a16="http://schemas.microsoft.com/office/drawing/2014/main" val="543847899"/>
                     </a:ext>
                   </a:extLst>
                 </a:gridCol>
-                <a:gridCol w="783826">
+                <a:gridCol w="779930">
                   <a:extLst>
                     <a:ext uri="{9D8B030D-6E8A-4147-A177-3AD203B41FA5}">
                       <a16:colId xmlns:a16="http://schemas.microsoft.com/office/drawing/2014/main" val="3306650185"/>
                     </a:ext>
                   </a:extLst>
                 </a:gridCol>
-                <a:gridCol w="609060">
+                <a:gridCol w="719417">
                   <a:extLst>
                     <a:ext uri="{9D8B030D-6E8A-4147-A177-3AD203B41FA5}">
                       <a16:colId xmlns:a16="http://schemas.microsoft.com/office/drawing/2014/main" val="1599050264"/>
                     </a:ext>
                   </a:extLst>
                 </a:gridCol>
-                <a:gridCol w="1158699">
+                <a:gridCol w="1136277">
                   <a:extLst>
                     <a:ext uri="{9D8B030D-6E8A-4147-A177-3AD203B41FA5}">
                       <a16:colId xmlns:a16="http://schemas.microsoft.com/office/drawing/2014/main" val="3688568162"/>
                     </a:ext>
                   </a:extLst>
                 </a:gridCol>
-                <a:gridCol w="1144103">
+                <a:gridCol w="961710">
                   <a:extLst>
                     <a:ext uri="{9D8B030D-6E8A-4147-A177-3AD203B41FA5}">
                       <a16:colId xmlns:a16="http://schemas.microsoft.com/office/drawing/2014/main" val="183331684"/>
@@ -16280,7 +16290,7 @@
                         </a:spcAft>
                       </a:pPr>
                       <a:r>
-                        <a:rPr lang="en-US" sz="1300">
+                        <a:rPr lang="en-US" sz="1300" dirty="0">
                           <a:effectLst/>
                           <a:latin typeface="Calibri" panose="020F0502020204030204" pitchFamily="34" charset="0"/>
                           <a:ea typeface="Calibri" panose="020F0502020204030204" pitchFamily="34" charset="0"/>
@@ -16538,26 +16548,35 @@
                     <a:bodyPr/>
                     <a:lstStyle/>
                     <a:p>
-                      <a:pPr>
+                      <a:pPr algn="just">
                         <a:lnSpc>
-                          <a:spcPct val="107000"/>
+                          <a:spcPct val="150000"/>
                         </a:lnSpc>
+                        <a:spcBef>
+                          <a:spcPts val="400"/>
+                        </a:spcBef>
                         <a:spcAft>
-                          <a:spcPts val="800"/>
+                          <a:spcPts val="400"/>
                         </a:spcAft>
                       </a:pPr>
                       <a:r>
                         <a:rPr lang="en-US" sz="1300">
                           <a:effectLst/>
-                          <a:latin typeface="Calibri" panose="020F0502020204030204" pitchFamily="34" charset="0"/>
-                          <a:ea typeface="Calibri" panose="020F0502020204030204" pitchFamily="34" charset="0"/>
-                          <a:cs typeface="Calibri" panose="020F0502020204030204" pitchFamily="34" charset="0"/>
+                          <a:latin typeface="Times New Roman" panose="02020603050405020304" pitchFamily="18" charset="0"/>
+                          <a:ea typeface="Times New Roman" panose="02020603050405020304" pitchFamily="18" charset="0"/>
+                          <a:cs typeface="Times New Roman" panose="02020603050405020304" pitchFamily="18" charset="0"/>
                         </a:rPr>
-                        <a:t>1</a:t>
+                        <a:t>1.5.1.1</a:t>
                       </a:r>
+                      <a:endParaRPr lang="vi-VN" sz="1100">
+                        <a:effectLst/>
+                        <a:latin typeface="Arial" panose="020B0604020202020204" pitchFamily="34" charset="0"/>
+                        <a:ea typeface="Times New Roman" panose="02020603050405020304" pitchFamily="18" charset="0"/>
+                        <a:cs typeface="Times New Roman" panose="02020603050405020304" pitchFamily="18" charset="0"/>
+                      </a:endParaRPr>
                     </a:p>
                   </a:txBody>
-                  <a:tcPr marL="36931" marR="36931" marT="0" marB="0"/>
+                  <a:tcPr marL="68580" marR="68580" marT="0" marB="0"/>
                 </a:tc>
                 <a:tc>
                   <a:txBody>
@@ -16767,7 +16786,7 @@
                         </a:spcAft>
                       </a:pPr>
                       <a:r>
-                        <a:rPr lang="en-US" sz="1300">
+                        <a:rPr lang="en-US" sz="1300" dirty="0">
                           <a:effectLst/>
                           <a:latin typeface="Calibri" panose="020F0502020204030204" pitchFamily="34" charset="0"/>
                           <a:ea typeface="Calibri" panose="020F0502020204030204" pitchFamily="34" charset="0"/>
@@ -16817,26 +16836,35 @@
                     <a:bodyPr/>
                     <a:lstStyle/>
                     <a:p>
-                      <a:pPr>
+                      <a:pPr algn="just">
                         <a:lnSpc>
-                          <a:spcPct val="107000"/>
+                          <a:spcPct val="150000"/>
                         </a:lnSpc>
+                        <a:spcBef>
+                          <a:spcPts val="400"/>
+                        </a:spcBef>
                         <a:spcAft>
-                          <a:spcPts val="800"/>
+                          <a:spcPts val="400"/>
                         </a:spcAft>
                       </a:pPr>
                       <a:r>
                         <a:rPr lang="en-US" sz="1300">
                           <a:effectLst/>
-                          <a:latin typeface="Calibri" panose="020F0502020204030204" pitchFamily="34" charset="0"/>
-                          <a:ea typeface="Calibri" panose="020F0502020204030204" pitchFamily="34" charset="0"/>
-                          <a:cs typeface="Calibri" panose="020F0502020204030204" pitchFamily="34" charset="0"/>
+                          <a:latin typeface="Times New Roman" panose="02020603050405020304" pitchFamily="18" charset="0"/>
+                          <a:ea typeface="Times New Roman" panose="02020603050405020304" pitchFamily="18" charset="0"/>
+                          <a:cs typeface="Times New Roman" panose="02020603050405020304" pitchFamily="18" charset="0"/>
                         </a:rPr>
-                        <a:t>2</a:t>
+                        <a:t>1.5.1.2</a:t>
                       </a:r>
+                      <a:endParaRPr lang="vi-VN" sz="1100">
+                        <a:effectLst/>
+                        <a:latin typeface="Arial" panose="020B0604020202020204" pitchFamily="34" charset="0"/>
+                        <a:ea typeface="Times New Roman" panose="02020603050405020304" pitchFamily="18" charset="0"/>
+                        <a:cs typeface="Times New Roman" panose="02020603050405020304" pitchFamily="18" charset="0"/>
+                      </a:endParaRPr>
                     </a:p>
                   </a:txBody>
-                  <a:tcPr marL="36931" marR="36931" marT="0" marB="0"/>
+                  <a:tcPr marL="68580" marR="68580" marT="0" marB="0"/>
                 </a:tc>
                 <a:tc>
                   <a:txBody>
@@ -16982,7 +17010,7 @@
                         </a:spcAft>
                       </a:pPr>
                       <a:r>
-                        <a:rPr lang="en-US" sz="1300">
+                        <a:rPr lang="en-US" sz="1300" dirty="0">
                           <a:effectLst/>
                           <a:latin typeface="Calibri" panose="020F0502020204030204" pitchFamily="34" charset="0"/>
                           <a:ea typeface="Calibri" panose="020F0502020204030204" pitchFamily="34" charset="0"/>
@@ -17001,7 +17029,7 @@
                         </a:spcAft>
                       </a:pPr>
                       <a:r>
-                        <a:rPr lang="en-US" sz="1300">
+                        <a:rPr lang="en-US" sz="1300" dirty="0">
                           <a:effectLst/>
                           <a:latin typeface="Calibri" panose="020F0502020204030204" pitchFamily="34" charset="0"/>
                           <a:ea typeface="Calibri" panose="020F0502020204030204" pitchFamily="34" charset="0"/>
@@ -17020,7 +17048,7 @@
                         </a:spcAft>
                       </a:pPr>
                       <a:r>
-                        <a:rPr lang="en-US" sz="1300">
+                        <a:rPr lang="en-US" sz="1300" dirty="0">
                           <a:effectLst/>
                           <a:latin typeface="Calibri" panose="020F0502020204030204" pitchFamily="34" charset="0"/>
                           <a:ea typeface="Calibri" panose="020F0502020204030204" pitchFamily="34" charset="0"/>
@@ -17046,7 +17074,7 @@
                         </a:spcAft>
                       </a:pPr>
                       <a:r>
-                        <a:rPr lang="en-US" sz="1300">
+                        <a:rPr lang="en-US" sz="1300" dirty="0">
                           <a:effectLst/>
                           <a:latin typeface="Calibri" panose="020F0502020204030204" pitchFamily="34" charset="0"/>
                           <a:ea typeface="Calibri" panose="020F0502020204030204" pitchFamily="34" charset="0"/>
@@ -17096,26 +17124,35 @@
                     <a:bodyPr/>
                     <a:lstStyle/>
                     <a:p>
-                      <a:pPr>
+                      <a:pPr algn="just">
                         <a:lnSpc>
-                          <a:spcPct val="107000"/>
+                          <a:spcPct val="150000"/>
                         </a:lnSpc>
+                        <a:spcBef>
+                          <a:spcPts val="400"/>
+                        </a:spcBef>
                         <a:spcAft>
-                          <a:spcPts val="800"/>
+                          <a:spcPts val="400"/>
                         </a:spcAft>
                       </a:pPr>
                       <a:r>
-                        <a:rPr lang="en-US" sz="1300">
+                        <a:rPr lang="en-US" sz="1300" dirty="0">
                           <a:effectLst/>
-                          <a:latin typeface="Calibri" panose="020F0502020204030204" pitchFamily="34" charset="0"/>
-                          <a:ea typeface="Calibri" panose="020F0502020204030204" pitchFamily="34" charset="0"/>
-                          <a:cs typeface="Calibri" panose="020F0502020204030204" pitchFamily="34" charset="0"/>
+                          <a:latin typeface="Times New Roman" panose="02020603050405020304" pitchFamily="18" charset="0"/>
+                          <a:ea typeface="Times New Roman" panose="02020603050405020304" pitchFamily="18" charset="0"/>
+                          <a:cs typeface="Times New Roman" panose="02020603050405020304" pitchFamily="18" charset="0"/>
                         </a:rPr>
-                        <a:t>3</a:t>
+                        <a:t>1.5.1.3</a:t>
                       </a:r>
+                      <a:endParaRPr lang="vi-VN" sz="1100" dirty="0">
+                        <a:effectLst/>
+                        <a:latin typeface="Arial" panose="020B0604020202020204" pitchFamily="34" charset="0"/>
+                        <a:ea typeface="Times New Roman" panose="02020603050405020304" pitchFamily="18" charset="0"/>
+                        <a:cs typeface="Times New Roman" panose="02020603050405020304" pitchFamily="18" charset="0"/>
+                      </a:endParaRPr>
                     </a:p>
                   </a:txBody>
-                  <a:tcPr marL="36931" marR="36931" marT="0" marB="0"/>
+                  <a:tcPr marL="68580" marR="68580" marT="0" marB="0"/>
                 </a:tc>
                 <a:tc>
                   <a:txBody>
@@ -17325,13 +17362,13 @@
                         </a:spcAft>
                       </a:pPr>
                       <a:r>
-                        <a:rPr lang="en-US" sz="1300">
+                        <a:rPr lang="en-US" sz="1300" dirty="0">
                           <a:effectLst/>
                           <a:latin typeface="Calibri" panose="020F0502020204030204" pitchFamily="34" charset="0"/>
                           <a:ea typeface="Calibri" panose="020F0502020204030204" pitchFamily="34" charset="0"/>
                           <a:cs typeface="Calibri" panose="020F0502020204030204" pitchFamily="34" charset="0"/>
                         </a:rPr>
-                        <a:t>14</a:t>
+                        <a:t>25</a:t>
                       </a:r>
                     </a:p>
                   </a:txBody>
@@ -18320,7 +18357,7 @@
           <p:nvPr>
             <p:extLst>
               <p:ext uri="{D42A27DB-BD31-4B8C-83A1-F6EECF244321}">
-                <p14:modId xmlns:p14="http://schemas.microsoft.com/office/powerpoint/2010/main" val="2641860431"/>
+                <p14:modId xmlns:p14="http://schemas.microsoft.com/office/powerpoint/2010/main" val="3613005245"/>
               </p:ext>
             </p:extLst>
           </p:nvPr>
@@ -18489,7 +18526,7 @@
                         </a:spcAft>
                       </a:pPr>
                       <a:r>
-                        <a:rPr lang="en-US" sz="1300">
+                        <a:rPr lang="en-US" sz="1300" dirty="0">
                           <a:effectLst/>
                           <a:latin typeface="Calibri" panose="020F0502020204030204" pitchFamily="34" charset="0"/>
                           <a:ea typeface="Calibri" panose="020F0502020204030204" pitchFamily="34" charset="0"/>
@@ -20137,7 +20174,7 @@
           <p:nvPr>
             <p:extLst>
               <p:ext uri="{D42A27DB-BD31-4B8C-83A1-F6EECF244321}">
-                <p14:modId xmlns:p14="http://schemas.microsoft.com/office/powerpoint/2010/main" val="2557262515"/>
+                <p14:modId xmlns:p14="http://schemas.microsoft.com/office/powerpoint/2010/main" val="1851901772"/>
               </p:ext>
             </p:extLst>
           </p:nvPr>
@@ -20209,7 +20246,7 @@
                         </a:spcAft>
                       </a:pPr>
                       <a:r>
-                        <a:rPr lang="en-US" sz="1300">
+                        <a:rPr lang="en-US" sz="1300" dirty="0">
                           <a:effectLst/>
                           <a:latin typeface="Calibri" panose="020F0502020204030204" pitchFamily="34" charset="0"/>
                           <a:ea typeface="Calibri" panose="020F0502020204030204" pitchFamily="34" charset="0"/>
@@ -20228,7 +20265,7 @@
                         </a:spcAft>
                       </a:pPr>
                       <a:r>
-                        <a:rPr lang="en-US" sz="1300">
+                        <a:rPr lang="en-US" sz="1300" dirty="0">
                           <a:effectLst/>
                           <a:latin typeface="Calibri" panose="020F0502020204030204" pitchFamily="34" charset="0"/>
                           <a:ea typeface="Calibri" panose="020F0502020204030204" pitchFamily="34" charset="0"/>
@@ -20247,7 +20284,7 @@
                         </a:spcAft>
                       </a:pPr>
                       <a:r>
-                        <a:rPr lang="en-US" sz="1300">
+                        <a:rPr lang="en-US" sz="1300" dirty="0">
                           <a:effectLst/>
                           <a:latin typeface="Calibri" panose="020F0502020204030204" pitchFamily="34" charset="0"/>
                           <a:ea typeface="Calibri" panose="020F0502020204030204" pitchFamily="34" charset="0"/>
@@ -20256,7 +20293,7 @@
                         <a:t>Data: 2*</a:t>
                       </a:r>
                       <a:r>
-                        <a:rPr lang="en-US" sz="1300">
+                        <a:rPr lang="en-US" sz="1300" dirty="0">
                           <a:solidFill>
                             <a:schemeClr val="accent5">
                               <a:lumMod val="60000"/>
@@ -20271,7 +20308,7 @@
                         <a:t>3</a:t>
                       </a:r>
                       <a:r>
-                        <a:rPr lang="en-US" sz="1300">
+                        <a:rPr lang="en-US" sz="1300" dirty="0">
                           <a:effectLst/>
                           <a:latin typeface="Calibri" panose="020F0502020204030204" pitchFamily="34" charset="0"/>
                           <a:ea typeface="Calibri" panose="020F0502020204030204" pitchFamily="34" charset="0"/>
@@ -20393,7 +20430,7 @@
         </p:blipFill>
         <p:spPr>
           <a:xfrm>
-            <a:off x="948151" y="737646"/>
+            <a:off x="948151" y="744370"/>
             <a:ext cx="6322176" cy="4405854"/>
           </a:xfrm>
           <a:prstGeom prst="rect">
@@ -20512,12 +20549,36 @@
               <a:buChar char="v"/>
             </a:pPr>
             <a:r>
+              <a:rPr lang="en-US" sz="1700" dirty="0" err="1">
+                <a:latin typeface="Calibri" panose="020F0502020204030204" pitchFamily="34" charset="0"/>
+                <a:ea typeface="Calibri" panose="020F0502020204030204" pitchFamily="34" charset="0"/>
+                <a:cs typeface="Calibri" panose="020F0502020204030204" pitchFamily="34" charset="0"/>
+              </a:rPr>
+              <a:t>Huỳnh</a:t>
+            </a:r>
+            <a:r>
+              <a:rPr lang="en-US" sz="1700" dirty="0">
+                <a:latin typeface="Calibri" panose="020F0502020204030204" pitchFamily="34" charset="0"/>
+                <a:ea typeface="Calibri" panose="020F0502020204030204" pitchFamily="34" charset="0"/>
+                <a:cs typeface="Calibri" panose="020F0502020204030204" pitchFamily="34" charset="0"/>
+              </a:rPr>
+              <a:t> Minh Quân </a:t>
+            </a:r>
+            <a:r>
               <a:rPr lang="en-US" sz="1700">
                 <a:latin typeface="Calibri" panose="020F0502020204030204" pitchFamily="34" charset="0"/>
                 <a:ea typeface="Calibri" panose="020F0502020204030204" pitchFamily="34" charset="0"/>
                 <a:cs typeface="Calibri" panose="020F0502020204030204" pitchFamily="34" charset="0"/>
               </a:rPr>
-              <a:t>Huỳnh Minh Quân (Nhóm Trưởng) – 3120410433</a:t>
+              <a:t>(Leader)  </a:t>
+            </a:r>
+            <a:r>
+              <a:rPr lang="en-US" sz="1700" dirty="0">
+                <a:latin typeface="Calibri" panose="020F0502020204030204" pitchFamily="34" charset="0"/>
+                <a:ea typeface="Calibri" panose="020F0502020204030204" pitchFamily="34" charset="0"/>
+                <a:cs typeface="Calibri" panose="020F0502020204030204" pitchFamily="34" charset="0"/>
+              </a:rPr>
+              <a:t>– 3120410433</a:t>
             </a:r>
           </a:p>
           <a:p>
@@ -20526,15 +20587,39 @@
               <a:buChar char="v"/>
             </a:pPr>
             <a:r>
-              <a:rPr lang="en-US" sz="1700">
-                <a:latin typeface="Calibri" panose="020F0502020204030204" pitchFamily="34" charset="0"/>
-                <a:ea typeface="Calibri" panose="020F0502020204030204" pitchFamily="34" charset="0"/>
-                <a:cs typeface="Calibri" panose="020F0502020204030204" pitchFamily="34" charset="0"/>
-              </a:rPr>
-              <a:t>Võ Đăng Quang - </a:t>
-            </a:r>
-            <a:r>
-              <a:rPr lang="vi-VN" sz="1700">
+              <a:rPr lang="en-US" sz="1700" dirty="0" err="1">
+                <a:latin typeface="Calibri" panose="020F0502020204030204" pitchFamily="34" charset="0"/>
+                <a:ea typeface="Calibri" panose="020F0502020204030204" pitchFamily="34" charset="0"/>
+                <a:cs typeface="Calibri" panose="020F0502020204030204" pitchFamily="34" charset="0"/>
+              </a:rPr>
+              <a:t>Võ</a:t>
+            </a:r>
+            <a:r>
+              <a:rPr lang="en-US" sz="1700" dirty="0">
+                <a:latin typeface="Calibri" panose="020F0502020204030204" pitchFamily="34" charset="0"/>
+                <a:ea typeface="Calibri" panose="020F0502020204030204" pitchFamily="34" charset="0"/>
+                <a:cs typeface="Calibri" panose="020F0502020204030204" pitchFamily="34" charset="0"/>
+              </a:rPr>
+              <a:t> </a:t>
+            </a:r>
+            <a:r>
+              <a:rPr lang="en-US" sz="1700" dirty="0" err="1">
+                <a:latin typeface="Calibri" panose="020F0502020204030204" pitchFamily="34" charset="0"/>
+                <a:ea typeface="Calibri" panose="020F0502020204030204" pitchFamily="34" charset="0"/>
+                <a:cs typeface="Calibri" panose="020F0502020204030204" pitchFamily="34" charset="0"/>
+              </a:rPr>
+              <a:t>Đăng</a:t>
+            </a:r>
+            <a:r>
+              <a:rPr lang="en-US" sz="1700" dirty="0">
+                <a:latin typeface="Calibri" panose="020F0502020204030204" pitchFamily="34" charset="0"/>
+                <a:ea typeface="Calibri" panose="020F0502020204030204" pitchFamily="34" charset="0"/>
+                <a:cs typeface="Calibri" panose="020F0502020204030204" pitchFamily="34" charset="0"/>
+              </a:rPr>
+              <a:t> Quang - </a:t>
+            </a:r>
+            <a:r>
+              <a:rPr lang="vi-VN" sz="1700" dirty="0">
                 <a:effectLst/>
                 <a:latin typeface="Calibri" panose="020F0502020204030204" pitchFamily="34" charset="0"/>
                 <a:ea typeface="Calibri" panose="020F0502020204030204" pitchFamily="34" charset="0"/>
@@ -20542,7 +20627,7 @@
               </a:rPr>
               <a:t>3120410429</a:t>
             </a:r>
-            <a:endParaRPr lang="en-US" sz="1700">
+            <a:endParaRPr lang="en-US" sz="1700" dirty="0">
               <a:latin typeface="Calibri" panose="020F0502020204030204" pitchFamily="34" charset="0"/>
               <a:ea typeface="Calibri" panose="020F0502020204030204" pitchFamily="34" charset="0"/>
               <a:cs typeface="Calibri" panose="020F0502020204030204" pitchFamily="34" charset="0"/>
@@ -20554,15 +20639,55 @@
               <a:buChar char="v"/>
             </a:pPr>
             <a:r>
-              <a:rPr lang="en-US" sz="1700">
-                <a:latin typeface="Calibri" panose="020F0502020204030204" pitchFamily="34" charset="0"/>
-                <a:ea typeface="Calibri" panose="020F0502020204030204" pitchFamily="34" charset="0"/>
-                <a:cs typeface="Calibri" panose="020F0502020204030204" pitchFamily="34" charset="0"/>
-              </a:rPr>
-              <a:t>Trần Nguyên Lộc - </a:t>
-            </a:r>
-            <a:r>
-              <a:rPr lang="vi-VN" sz="1700">
+              <a:rPr lang="en-US" sz="1700" dirty="0" err="1">
+                <a:latin typeface="Calibri" panose="020F0502020204030204" pitchFamily="34" charset="0"/>
+                <a:ea typeface="Calibri" panose="020F0502020204030204" pitchFamily="34" charset="0"/>
+                <a:cs typeface="Calibri" panose="020F0502020204030204" pitchFamily="34" charset="0"/>
+              </a:rPr>
+              <a:t>Trần</a:t>
+            </a:r>
+            <a:r>
+              <a:rPr lang="en-US" sz="1700" dirty="0">
+                <a:latin typeface="Calibri" panose="020F0502020204030204" pitchFamily="34" charset="0"/>
+                <a:ea typeface="Calibri" panose="020F0502020204030204" pitchFamily="34" charset="0"/>
+                <a:cs typeface="Calibri" panose="020F0502020204030204" pitchFamily="34" charset="0"/>
+              </a:rPr>
+              <a:t> </a:t>
+            </a:r>
+            <a:r>
+              <a:rPr lang="en-US" sz="1700" dirty="0" err="1">
+                <a:latin typeface="Calibri" panose="020F0502020204030204" pitchFamily="34" charset="0"/>
+                <a:ea typeface="Calibri" panose="020F0502020204030204" pitchFamily="34" charset="0"/>
+                <a:cs typeface="Calibri" panose="020F0502020204030204" pitchFamily="34" charset="0"/>
+              </a:rPr>
+              <a:t>Nguyên</a:t>
+            </a:r>
+            <a:r>
+              <a:rPr lang="en-US" sz="1700" dirty="0">
+                <a:latin typeface="Calibri" panose="020F0502020204030204" pitchFamily="34" charset="0"/>
+                <a:ea typeface="Calibri" panose="020F0502020204030204" pitchFamily="34" charset="0"/>
+                <a:cs typeface="Calibri" panose="020F0502020204030204" pitchFamily="34" charset="0"/>
+              </a:rPr>
+              <a:t> </a:t>
+            </a:r>
+            <a:r>
+              <a:rPr lang="en-US" sz="1700" dirty="0" err="1">
+                <a:latin typeface="Calibri" panose="020F0502020204030204" pitchFamily="34" charset="0"/>
+                <a:ea typeface="Calibri" panose="020F0502020204030204" pitchFamily="34" charset="0"/>
+                <a:cs typeface="Calibri" panose="020F0502020204030204" pitchFamily="34" charset="0"/>
+              </a:rPr>
+              <a:t>Lộc</a:t>
+            </a:r>
+            <a:r>
+              <a:rPr lang="en-US" sz="1700" dirty="0">
+                <a:latin typeface="Calibri" panose="020F0502020204030204" pitchFamily="34" charset="0"/>
+                <a:ea typeface="Calibri" panose="020F0502020204030204" pitchFamily="34" charset="0"/>
+                <a:cs typeface="Calibri" panose="020F0502020204030204" pitchFamily="34" charset="0"/>
+              </a:rPr>
+              <a:t> - </a:t>
+            </a:r>
+            <a:r>
+              <a:rPr lang="vi-VN" sz="1700" dirty="0">
                 <a:effectLst/>
                 <a:latin typeface="Calibri" panose="020F0502020204030204" pitchFamily="34" charset="0"/>
                 <a:ea typeface="Calibri" panose="020F0502020204030204" pitchFamily="34" charset="0"/>
@@ -20570,7 +20695,7 @@
               </a:rPr>
               <a:t>3120410297</a:t>
             </a:r>
-            <a:endParaRPr lang="en-US" sz="1700">
+            <a:endParaRPr lang="en-US" sz="1700" dirty="0">
               <a:latin typeface="Calibri" panose="020F0502020204030204" pitchFamily="34" charset="0"/>
               <a:ea typeface="Calibri" panose="020F0502020204030204" pitchFamily="34" charset="0"/>
               <a:cs typeface="Calibri" panose="020F0502020204030204" pitchFamily="34" charset="0"/>
@@ -20582,15 +20707,55 @@
               <a:buChar char="v"/>
             </a:pPr>
             <a:r>
-              <a:rPr lang="en-US" sz="1700">
-                <a:latin typeface="Calibri" panose="020F0502020204030204" pitchFamily="34" charset="0"/>
-                <a:ea typeface="Calibri" panose="020F0502020204030204" pitchFamily="34" charset="0"/>
-                <a:cs typeface="Calibri" panose="020F0502020204030204" pitchFamily="34" charset="0"/>
-              </a:rPr>
-              <a:t>Nguyễn Văn Tấn Quân - </a:t>
-            </a:r>
-            <a:r>
-              <a:rPr lang="vi-VN" sz="1700">
+              <a:rPr lang="en-US" sz="1700" dirty="0" err="1">
+                <a:latin typeface="Calibri" panose="020F0502020204030204" pitchFamily="34" charset="0"/>
+                <a:ea typeface="Calibri" panose="020F0502020204030204" pitchFamily="34" charset="0"/>
+                <a:cs typeface="Calibri" panose="020F0502020204030204" pitchFamily="34" charset="0"/>
+              </a:rPr>
+              <a:t>Nguyễn</a:t>
+            </a:r>
+            <a:r>
+              <a:rPr lang="en-US" sz="1700" dirty="0">
+                <a:latin typeface="Calibri" panose="020F0502020204030204" pitchFamily="34" charset="0"/>
+                <a:ea typeface="Calibri" panose="020F0502020204030204" pitchFamily="34" charset="0"/>
+                <a:cs typeface="Calibri" panose="020F0502020204030204" pitchFamily="34" charset="0"/>
+              </a:rPr>
+              <a:t> </a:t>
+            </a:r>
+            <a:r>
+              <a:rPr lang="en-US" sz="1700" dirty="0" err="1">
+                <a:latin typeface="Calibri" panose="020F0502020204030204" pitchFamily="34" charset="0"/>
+                <a:ea typeface="Calibri" panose="020F0502020204030204" pitchFamily="34" charset="0"/>
+                <a:cs typeface="Calibri" panose="020F0502020204030204" pitchFamily="34" charset="0"/>
+              </a:rPr>
+              <a:t>Văn</a:t>
+            </a:r>
+            <a:r>
+              <a:rPr lang="en-US" sz="1700" dirty="0">
+                <a:latin typeface="Calibri" panose="020F0502020204030204" pitchFamily="34" charset="0"/>
+                <a:ea typeface="Calibri" panose="020F0502020204030204" pitchFamily="34" charset="0"/>
+                <a:cs typeface="Calibri" panose="020F0502020204030204" pitchFamily="34" charset="0"/>
+              </a:rPr>
+              <a:t> </a:t>
+            </a:r>
+            <a:r>
+              <a:rPr lang="en-US" sz="1700" dirty="0" err="1">
+                <a:latin typeface="Calibri" panose="020F0502020204030204" pitchFamily="34" charset="0"/>
+                <a:ea typeface="Calibri" panose="020F0502020204030204" pitchFamily="34" charset="0"/>
+                <a:cs typeface="Calibri" panose="020F0502020204030204" pitchFamily="34" charset="0"/>
+              </a:rPr>
+              <a:t>Tấn</a:t>
+            </a:r>
+            <a:r>
+              <a:rPr lang="en-US" sz="1700" dirty="0">
+                <a:latin typeface="Calibri" panose="020F0502020204030204" pitchFamily="34" charset="0"/>
+                <a:ea typeface="Calibri" panose="020F0502020204030204" pitchFamily="34" charset="0"/>
+                <a:cs typeface="Calibri" panose="020F0502020204030204" pitchFamily="34" charset="0"/>
+              </a:rPr>
+              <a:t> Quân - </a:t>
+            </a:r>
+            <a:r>
+              <a:rPr lang="vi-VN" sz="1700" dirty="0">
                 <a:effectLst/>
                 <a:latin typeface="Calibri" panose="020F0502020204030204" pitchFamily="34" charset="0"/>
                 <a:ea typeface="Calibri" panose="020F0502020204030204" pitchFamily="34" charset="0"/>
@@ -20598,7 +20763,7 @@
               </a:rPr>
               <a:t>3120410437</a:t>
             </a:r>
-            <a:endParaRPr lang="en-US" sz="1700">
+            <a:endParaRPr lang="en-US" sz="1700" dirty="0">
               <a:latin typeface="Calibri" panose="020F0502020204030204" pitchFamily="34" charset="0"/>
               <a:ea typeface="Calibri" panose="020F0502020204030204" pitchFamily="34" charset="0"/>
               <a:cs typeface="Calibri" panose="020F0502020204030204" pitchFamily="34" charset="0"/>
@@ -20610,15 +20775,39 @@
               <a:buChar char="v"/>
             </a:pPr>
             <a:r>
-              <a:rPr lang="en-US" sz="1700">
-                <a:latin typeface="Calibri" panose="020F0502020204030204" pitchFamily="34" charset="0"/>
-                <a:ea typeface="Calibri" panose="020F0502020204030204" pitchFamily="34" charset="0"/>
-                <a:cs typeface="Calibri" panose="020F0502020204030204" pitchFamily="34" charset="0"/>
-              </a:rPr>
-              <a:t>Triệu khánh Quang - </a:t>
-            </a:r>
-            <a:r>
-              <a:rPr lang="vi-VN" sz="1700">
+              <a:rPr lang="en-US" sz="1700" dirty="0" err="1">
+                <a:latin typeface="Calibri" panose="020F0502020204030204" pitchFamily="34" charset="0"/>
+                <a:ea typeface="Calibri" panose="020F0502020204030204" pitchFamily="34" charset="0"/>
+                <a:cs typeface="Calibri" panose="020F0502020204030204" pitchFamily="34" charset="0"/>
+              </a:rPr>
+              <a:t>Triệu</a:t>
+            </a:r>
+            <a:r>
+              <a:rPr lang="en-US" sz="1700" dirty="0">
+                <a:latin typeface="Calibri" panose="020F0502020204030204" pitchFamily="34" charset="0"/>
+                <a:ea typeface="Calibri" panose="020F0502020204030204" pitchFamily="34" charset="0"/>
+                <a:cs typeface="Calibri" panose="020F0502020204030204" pitchFamily="34" charset="0"/>
+              </a:rPr>
+              <a:t> </a:t>
+            </a:r>
+            <a:r>
+              <a:rPr lang="en-US" sz="1700" dirty="0" err="1">
+                <a:latin typeface="Calibri" panose="020F0502020204030204" pitchFamily="34" charset="0"/>
+                <a:ea typeface="Calibri" panose="020F0502020204030204" pitchFamily="34" charset="0"/>
+                <a:cs typeface="Calibri" panose="020F0502020204030204" pitchFamily="34" charset="0"/>
+              </a:rPr>
+              <a:t>khánh</a:t>
+            </a:r>
+            <a:r>
+              <a:rPr lang="en-US" sz="1700" dirty="0">
+                <a:latin typeface="Calibri" panose="020F0502020204030204" pitchFamily="34" charset="0"/>
+                <a:ea typeface="Calibri" panose="020F0502020204030204" pitchFamily="34" charset="0"/>
+                <a:cs typeface="Calibri" panose="020F0502020204030204" pitchFamily="34" charset="0"/>
+              </a:rPr>
+              <a:t> Quang - </a:t>
+            </a:r>
+            <a:r>
+              <a:rPr lang="vi-VN" sz="1700" dirty="0">
                 <a:effectLst/>
                 <a:latin typeface="Calibri" panose="020F0502020204030204" pitchFamily="34" charset="0"/>
                 <a:ea typeface="Calibri" panose="020F0502020204030204" pitchFamily="34" charset="0"/>
@@ -20626,7 +20815,7 @@
               </a:rPr>
               <a:t>3120410428</a:t>
             </a:r>
-            <a:endParaRPr lang="en-US" sz="1700">
+            <a:endParaRPr lang="en-US" sz="1700" dirty="0">
               <a:latin typeface="Calibri" panose="020F0502020204030204" pitchFamily="34" charset="0"/>
               <a:ea typeface="Calibri" panose="020F0502020204030204" pitchFamily="34" charset="0"/>
               <a:cs typeface="Calibri" panose="020F0502020204030204" pitchFamily="34" charset="0"/>
@@ -20638,7 +20827,7 @@
               <a:buChar char="v"/>
             </a:pPr>
             <a:r>
-              <a:rPr lang="en-US" sz="1700">
+              <a:rPr lang="en-US" sz="1700" dirty="0">
                 <a:latin typeface="Calibri" panose="020F0502020204030204" pitchFamily="34" charset="0"/>
                 <a:ea typeface="Calibri" panose="020F0502020204030204" pitchFamily="34" charset="0"/>
                 <a:cs typeface="Calibri" panose="020F0502020204030204" pitchFamily="34" charset="0"/>
@@ -20646,7 +20835,7 @@
               <a:t>Phạm Minh Quân - </a:t>
             </a:r>
             <a:r>
-              <a:rPr lang="vi-VN" sz="1700">
+              <a:rPr lang="vi-VN" sz="1700" dirty="0">
                 <a:effectLst/>
                 <a:latin typeface="Calibri" panose="020F0502020204030204" pitchFamily="34" charset="0"/>
                 <a:ea typeface="Calibri" panose="020F0502020204030204" pitchFamily="34" charset="0"/>
@@ -20654,7 +20843,7 @@
               </a:rPr>
               <a:t>3120410438</a:t>
             </a:r>
-            <a:endParaRPr lang="en-US" sz="1700">
+            <a:endParaRPr lang="en-US" sz="1700" dirty="0">
               <a:latin typeface="Calibri" panose="020F0502020204030204" pitchFamily="34" charset="0"/>
               <a:ea typeface="Calibri" panose="020F0502020204030204" pitchFamily="34" charset="0"/>
               <a:cs typeface="Calibri" panose="020F0502020204030204" pitchFamily="34" charset="0"/>
@@ -24302,7 +24491,7 @@
                         <a:buNone/>
                       </a:pPr>
                       <a:r>
-                        <a:rPr lang="en-US" sz="1400" b="0">
+                        <a:rPr lang="en-US" sz="1400" b="0" dirty="0" err="1">
                           <a:solidFill>
                             <a:schemeClr val="tx1"/>
                           </a:solidFill>
@@ -24310,7 +24499,238 @@
                           <a:ea typeface="Calibri" panose="020F0502020204030204" pitchFamily="34" charset="0"/>
                           <a:cs typeface="Calibri" panose="020F0502020204030204" pitchFamily="34" charset="0"/>
                         </a:rPr>
-                        <a:t>Xác định dự án; Rủi ro và quản lý rủi ro; PowerPoint</a:t>
+                        <a:t>Xác</a:t>
+                      </a:r>
+                      <a:r>
+                        <a:rPr lang="en-US" sz="1400" b="0" dirty="0">
+                          <a:solidFill>
+                            <a:schemeClr val="tx1"/>
+                          </a:solidFill>
+                          <a:latin typeface="Calibri" panose="020F0502020204030204" pitchFamily="34" charset="0"/>
+                          <a:ea typeface="Calibri" panose="020F0502020204030204" pitchFamily="34" charset="0"/>
+                          <a:cs typeface="Calibri" panose="020F0502020204030204" pitchFamily="34" charset="0"/>
+                        </a:rPr>
+                        <a:t> </a:t>
+                      </a:r>
+                      <a:r>
+                        <a:rPr lang="en-US" sz="1400" b="0" dirty="0" err="1">
+                          <a:solidFill>
+                            <a:schemeClr val="tx1"/>
+                          </a:solidFill>
+                          <a:latin typeface="Calibri" panose="020F0502020204030204" pitchFamily="34" charset="0"/>
+                          <a:ea typeface="Calibri" panose="020F0502020204030204" pitchFamily="34" charset="0"/>
+                          <a:cs typeface="Calibri" panose="020F0502020204030204" pitchFamily="34" charset="0"/>
+                        </a:rPr>
+                        <a:t>định</a:t>
+                      </a:r>
+                      <a:r>
+                        <a:rPr lang="en-US" sz="1400" b="0" dirty="0">
+                          <a:solidFill>
+                            <a:schemeClr val="tx1"/>
+                          </a:solidFill>
+                          <a:latin typeface="Calibri" panose="020F0502020204030204" pitchFamily="34" charset="0"/>
+                          <a:ea typeface="Calibri" panose="020F0502020204030204" pitchFamily="34" charset="0"/>
+                          <a:cs typeface="Calibri" panose="020F0502020204030204" pitchFamily="34" charset="0"/>
+                        </a:rPr>
+                        <a:t> </a:t>
+                      </a:r>
+                      <a:r>
+                        <a:rPr lang="en-US" sz="1400" b="0" dirty="0" err="1">
+                          <a:solidFill>
+                            <a:schemeClr val="tx1"/>
+                          </a:solidFill>
+                          <a:latin typeface="Calibri" panose="020F0502020204030204" pitchFamily="34" charset="0"/>
+                          <a:ea typeface="Calibri" panose="020F0502020204030204" pitchFamily="34" charset="0"/>
+                          <a:cs typeface="Calibri" panose="020F0502020204030204" pitchFamily="34" charset="0"/>
+                        </a:rPr>
+                        <a:t>dự</a:t>
+                      </a:r>
+                      <a:r>
+                        <a:rPr lang="en-US" sz="1400" b="0" dirty="0">
+                          <a:solidFill>
+                            <a:schemeClr val="tx1"/>
+                          </a:solidFill>
+                          <a:latin typeface="Calibri" panose="020F0502020204030204" pitchFamily="34" charset="0"/>
+                          <a:ea typeface="Calibri" panose="020F0502020204030204" pitchFamily="34" charset="0"/>
+                          <a:cs typeface="Calibri" panose="020F0502020204030204" pitchFamily="34" charset="0"/>
+                        </a:rPr>
+                        <a:t> </a:t>
+                      </a:r>
+                      <a:r>
+                        <a:rPr lang="en-US" sz="1400" b="0" dirty="0" err="1">
+                          <a:solidFill>
+                            <a:schemeClr val="tx1"/>
+                          </a:solidFill>
+                          <a:latin typeface="Calibri" panose="020F0502020204030204" pitchFamily="34" charset="0"/>
+                          <a:ea typeface="Calibri" panose="020F0502020204030204" pitchFamily="34" charset="0"/>
+                          <a:cs typeface="Calibri" panose="020F0502020204030204" pitchFamily="34" charset="0"/>
+                        </a:rPr>
+                        <a:t>án</a:t>
+                      </a:r>
+                      <a:r>
+                        <a:rPr lang="en-US" sz="1400" b="0" dirty="0">
+                          <a:solidFill>
+                            <a:schemeClr val="tx1"/>
+                          </a:solidFill>
+                          <a:latin typeface="Calibri" panose="020F0502020204030204" pitchFamily="34" charset="0"/>
+                          <a:ea typeface="Calibri" panose="020F0502020204030204" pitchFamily="34" charset="0"/>
+                          <a:cs typeface="Calibri" panose="020F0502020204030204" pitchFamily="34" charset="0"/>
+                        </a:rPr>
+                        <a:t>; </a:t>
+                      </a:r>
+                      <a:r>
+                        <a:rPr lang="en-US" sz="1400" b="0" dirty="0" err="1">
+                          <a:solidFill>
+                            <a:schemeClr val="tx1"/>
+                          </a:solidFill>
+                          <a:latin typeface="Calibri" panose="020F0502020204030204" pitchFamily="34" charset="0"/>
+                          <a:ea typeface="Calibri" panose="020F0502020204030204" pitchFamily="34" charset="0"/>
+                          <a:cs typeface="Calibri" panose="020F0502020204030204" pitchFamily="34" charset="0"/>
+                        </a:rPr>
+                        <a:t>Rủi</a:t>
+                      </a:r>
+                      <a:r>
+                        <a:rPr lang="en-US" sz="1400" b="0" dirty="0">
+                          <a:solidFill>
+                            <a:schemeClr val="tx1"/>
+                          </a:solidFill>
+                          <a:latin typeface="Calibri" panose="020F0502020204030204" pitchFamily="34" charset="0"/>
+                          <a:ea typeface="Calibri" panose="020F0502020204030204" pitchFamily="34" charset="0"/>
+                          <a:cs typeface="Calibri" panose="020F0502020204030204" pitchFamily="34" charset="0"/>
+                        </a:rPr>
+                        <a:t> </a:t>
+                      </a:r>
+                      <a:r>
+                        <a:rPr lang="en-US" sz="1400" b="0" dirty="0" err="1">
+                          <a:solidFill>
+                            <a:schemeClr val="tx1"/>
+                          </a:solidFill>
+                          <a:latin typeface="Calibri" panose="020F0502020204030204" pitchFamily="34" charset="0"/>
+                          <a:ea typeface="Calibri" panose="020F0502020204030204" pitchFamily="34" charset="0"/>
+                          <a:cs typeface="Calibri" panose="020F0502020204030204" pitchFamily="34" charset="0"/>
+                        </a:rPr>
+                        <a:t>ro</a:t>
+                      </a:r>
+                      <a:r>
+                        <a:rPr lang="en-US" sz="1400" b="0" dirty="0">
+                          <a:solidFill>
+                            <a:schemeClr val="tx1"/>
+                          </a:solidFill>
+                          <a:latin typeface="Calibri" panose="020F0502020204030204" pitchFamily="34" charset="0"/>
+                          <a:ea typeface="Calibri" panose="020F0502020204030204" pitchFamily="34" charset="0"/>
+                          <a:cs typeface="Calibri" panose="020F0502020204030204" pitchFamily="34" charset="0"/>
+                        </a:rPr>
+                        <a:t> </a:t>
+                      </a:r>
+                      <a:r>
+                        <a:rPr lang="en-US" sz="1400" b="0" dirty="0" err="1">
+                          <a:solidFill>
+                            <a:schemeClr val="tx1"/>
+                          </a:solidFill>
+                          <a:latin typeface="Calibri" panose="020F0502020204030204" pitchFamily="34" charset="0"/>
+                          <a:ea typeface="Calibri" panose="020F0502020204030204" pitchFamily="34" charset="0"/>
+                          <a:cs typeface="Calibri" panose="020F0502020204030204" pitchFamily="34" charset="0"/>
+                        </a:rPr>
+                        <a:t>và</a:t>
+                      </a:r>
+                      <a:r>
+                        <a:rPr lang="en-US" sz="1400" b="0" dirty="0">
+                          <a:solidFill>
+                            <a:schemeClr val="tx1"/>
+                          </a:solidFill>
+                          <a:latin typeface="Calibri" panose="020F0502020204030204" pitchFamily="34" charset="0"/>
+                          <a:ea typeface="Calibri" panose="020F0502020204030204" pitchFamily="34" charset="0"/>
+                          <a:cs typeface="Calibri" panose="020F0502020204030204" pitchFamily="34" charset="0"/>
+                        </a:rPr>
+                        <a:t> </a:t>
+                      </a:r>
+                      <a:r>
+                        <a:rPr lang="en-US" sz="1400" b="0" dirty="0" err="1">
+                          <a:solidFill>
+                            <a:schemeClr val="tx1"/>
+                          </a:solidFill>
+                          <a:latin typeface="Calibri" panose="020F0502020204030204" pitchFamily="34" charset="0"/>
+                          <a:ea typeface="Calibri" panose="020F0502020204030204" pitchFamily="34" charset="0"/>
+                          <a:cs typeface="Calibri" panose="020F0502020204030204" pitchFamily="34" charset="0"/>
+                        </a:rPr>
+                        <a:t>quản</a:t>
+                      </a:r>
+                      <a:r>
+                        <a:rPr lang="en-US" sz="1400" b="0" dirty="0">
+                          <a:solidFill>
+                            <a:schemeClr val="tx1"/>
+                          </a:solidFill>
+                          <a:latin typeface="Calibri" panose="020F0502020204030204" pitchFamily="34" charset="0"/>
+                          <a:ea typeface="Calibri" panose="020F0502020204030204" pitchFamily="34" charset="0"/>
+                          <a:cs typeface="Calibri" panose="020F0502020204030204" pitchFamily="34" charset="0"/>
+                        </a:rPr>
+                        <a:t> </a:t>
+                      </a:r>
+                      <a:r>
+                        <a:rPr lang="en-US" sz="1400" b="0" dirty="0" err="1">
+                          <a:solidFill>
+                            <a:schemeClr val="tx1"/>
+                          </a:solidFill>
+                          <a:latin typeface="Calibri" panose="020F0502020204030204" pitchFamily="34" charset="0"/>
+                          <a:ea typeface="Calibri" panose="020F0502020204030204" pitchFamily="34" charset="0"/>
+                          <a:cs typeface="Calibri" panose="020F0502020204030204" pitchFamily="34" charset="0"/>
+                        </a:rPr>
+                        <a:t>lý</a:t>
+                      </a:r>
+                      <a:r>
+                        <a:rPr lang="en-US" sz="1400" b="0" dirty="0">
+                          <a:solidFill>
+                            <a:schemeClr val="tx1"/>
+                          </a:solidFill>
+                          <a:latin typeface="Calibri" panose="020F0502020204030204" pitchFamily="34" charset="0"/>
+                          <a:ea typeface="Calibri" panose="020F0502020204030204" pitchFamily="34" charset="0"/>
+                          <a:cs typeface="Calibri" panose="020F0502020204030204" pitchFamily="34" charset="0"/>
+                        </a:rPr>
+                        <a:t> </a:t>
+                      </a:r>
+                      <a:r>
+                        <a:rPr lang="en-US" sz="1400" b="0" dirty="0" err="1">
+                          <a:solidFill>
+                            <a:schemeClr val="tx1"/>
+                          </a:solidFill>
+                          <a:latin typeface="Calibri" panose="020F0502020204030204" pitchFamily="34" charset="0"/>
+                          <a:ea typeface="Calibri" panose="020F0502020204030204" pitchFamily="34" charset="0"/>
+                          <a:cs typeface="Calibri" panose="020F0502020204030204" pitchFamily="34" charset="0"/>
+                        </a:rPr>
+                        <a:t>rủi</a:t>
+                      </a:r>
+                      <a:r>
+                        <a:rPr lang="en-US" sz="1400" b="0" dirty="0">
+                          <a:solidFill>
+                            <a:schemeClr val="tx1"/>
+                          </a:solidFill>
+                          <a:latin typeface="Calibri" panose="020F0502020204030204" pitchFamily="34" charset="0"/>
+                          <a:ea typeface="Calibri" panose="020F0502020204030204" pitchFamily="34" charset="0"/>
+                          <a:cs typeface="Calibri" panose="020F0502020204030204" pitchFamily="34" charset="0"/>
+                        </a:rPr>
+                        <a:t> </a:t>
+                      </a:r>
+                      <a:r>
+                        <a:rPr lang="en-US" sz="1400" b="0" dirty="0" err="1">
+                          <a:solidFill>
+                            <a:schemeClr val="tx1"/>
+                          </a:solidFill>
+                          <a:latin typeface="Calibri" panose="020F0502020204030204" pitchFamily="34" charset="0"/>
+                          <a:ea typeface="Calibri" panose="020F0502020204030204" pitchFamily="34" charset="0"/>
+                          <a:cs typeface="Calibri" panose="020F0502020204030204" pitchFamily="34" charset="0"/>
+                        </a:rPr>
+                        <a:t>ro</a:t>
+                      </a:r>
+                      <a:r>
+                        <a:rPr lang="en-US" sz="1400" b="0" dirty="0">
+                          <a:solidFill>
+                            <a:schemeClr val="tx1"/>
+                          </a:solidFill>
+                          <a:latin typeface="Calibri" panose="020F0502020204030204" pitchFamily="34" charset="0"/>
+                          <a:ea typeface="Calibri" panose="020F0502020204030204" pitchFamily="34" charset="0"/>
+                          <a:cs typeface="Calibri" panose="020F0502020204030204" pitchFamily="34" charset="0"/>
+                        </a:rPr>
+                        <a:t>; PowerPoint</a:t>
                       </a:r>
                     </a:p>
                   </a:txBody>
@@ -24568,7 +24988,7 @@
                         <a:buNone/>
                       </a:pPr>
                       <a:r>
-                        <a:rPr lang="vi-VN" sz="1400" b="0">
+                        <a:rPr lang="vi-VN" sz="1400" b="0" dirty="0">
                           <a:solidFill>
                             <a:schemeClr val="tx1"/>
                           </a:solidFill>
@@ -24578,7 +24998,7 @@
                         </a:rPr>
                         <a:t>Xác định dự án; Ước lượng thời gian chi phí; WBS; Đầu ra tổng thời gian chi phí và thời gian cho công việc; Viết báo cáo</a:t>
                       </a:r>
-                      <a:endParaRPr lang="en-US" sz="1400" b="0">
+                      <a:endParaRPr lang="en-US" sz="1400" b="0" dirty="0">
                         <a:solidFill>
                           <a:schemeClr val="tx1"/>
                         </a:solidFill>
@@ -28639,7 +29059,7 @@
               <a:t>Tuyên bố </a:t>
             </a:r>
             <a:r>
-              <a:rPr sz="2400" b="1">
+              <a:rPr sz="2400" b="1" dirty="0" err="1">
                 <a:solidFill>
                   <a:schemeClr val="bg1">
                     <a:lumMod val="95000"/>
@@ -28650,7 +29070,35 @@
                 <a:ea typeface="Calibri" panose="020F0502020204030204" pitchFamily="34" charset="0"/>
                 <a:cs typeface="Calibri" panose="020F0502020204030204" pitchFamily="34" charset="0"/>
               </a:rPr>
-              <a:t>dự án</a:t>
+              <a:t>dự</a:t>
+            </a:r>
+            <a:r>
+              <a:rPr sz="2400" b="1" dirty="0">
+                <a:solidFill>
+                  <a:schemeClr val="bg1">
+                    <a:lumMod val="95000"/>
+                  </a:schemeClr>
+                </a:solidFill>
+                <a:effectLst/>
+                <a:latin typeface="Calibri" panose="020F0502020204030204" pitchFamily="34" charset="0"/>
+                <a:ea typeface="Calibri" panose="020F0502020204030204" pitchFamily="34" charset="0"/>
+                <a:cs typeface="Calibri" panose="020F0502020204030204" pitchFamily="34" charset="0"/>
+              </a:rPr>
+              <a:t> </a:t>
+            </a:r>
+            <a:r>
+              <a:rPr sz="2400" b="1" dirty="0" err="1">
+                <a:solidFill>
+                  <a:schemeClr val="bg1">
+                    <a:lumMod val="95000"/>
+                  </a:schemeClr>
+                </a:solidFill>
+                <a:effectLst/>
+                <a:latin typeface="Calibri" panose="020F0502020204030204" pitchFamily="34" charset="0"/>
+                <a:ea typeface="Calibri" panose="020F0502020204030204" pitchFamily="34" charset="0"/>
+                <a:cs typeface="Calibri" panose="020F0502020204030204" pitchFamily="34" charset="0"/>
+              </a:rPr>
+              <a:t>án</a:t>
             </a:r>
             <a:endParaRPr sz="2400" dirty="0">
               <a:solidFill>
@@ -28666,7 +29114,7 @@
           </a:p>
           <a:p>
             <a:r>
-              <a:rPr lang="en-US" sz="1800" b="1">
+              <a:rPr lang="en-US" sz="1800" b="1" dirty="0" err="1">
                 <a:solidFill>
                   <a:schemeClr val="bg1">
                     <a:lumMod val="95000"/>
@@ -28677,10 +29125,10 @@
                 <a:ea typeface="Calibri" panose="020F0502020204030204" pitchFamily="34" charset="0"/>
                 <a:cs typeface="Calibri" panose="020F0502020204030204" pitchFamily="34" charset="0"/>
               </a:rPr>
-              <a:t>Tên dự án:</a:t>
-            </a:r>
-            <a:r>
-              <a:rPr lang="en-US" sz="1800">
+              <a:t>Tên</a:t>
+            </a:r>
+            <a:r>
+              <a:rPr lang="en-US" sz="1800" b="1" dirty="0">
                 <a:solidFill>
                   <a:schemeClr val="bg1">
                     <a:lumMod val="95000"/>
@@ -28691,12 +29139,10 @@
                 <a:ea typeface="Calibri" panose="020F0502020204030204" pitchFamily="34" charset="0"/>
                 <a:cs typeface="Calibri" panose="020F0502020204030204" pitchFamily="34" charset="0"/>
               </a:rPr>
-              <a:t> Xây dựng website bán quần áo nam – Singed Shop</a:t>
-            </a:r>
-          </a:p>
-          <a:p>
-            <a:r>
-              <a:rPr lang="en-US" sz="1800" b="1">
+              <a:t> </a:t>
+            </a:r>
+            <a:r>
+              <a:rPr lang="en-US" sz="1800" b="1" dirty="0" err="1">
                 <a:solidFill>
                   <a:schemeClr val="bg1">
                     <a:lumMod val="95000"/>
@@ -28707,10 +29153,10 @@
                 <a:ea typeface="Calibri" panose="020F0502020204030204" pitchFamily="34" charset="0"/>
                 <a:cs typeface="Calibri" panose="020F0502020204030204" pitchFamily="34" charset="0"/>
               </a:rPr>
-              <a:t>Ngày bắt đầu:</a:t>
-            </a:r>
-            <a:r>
-              <a:rPr lang="en-US" sz="1800">
+              <a:t>dự</a:t>
+            </a:r>
+            <a:r>
+              <a:rPr lang="en-US" sz="1800" b="1" dirty="0">
                 <a:solidFill>
                   <a:schemeClr val="bg1">
                     <a:lumMod val="95000"/>
@@ -28721,12 +29167,10 @@
                 <a:ea typeface="Calibri" panose="020F0502020204030204" pitchFamily="34" charset="0"/>
                 <a:cs typeface="Calibri" panose="020F0502020204030204" pitchFamily="34" charset="0"/>
               </a:rPr>
-              <a:t> 11/09/2023 </a:t>
-            </a:r>
-          </a:p>
-          <a:p>
-            <a:r>
-              <a:rPr lang="en-US" sz="1800" b="1">
+              <a:t> </a:t>
+            </a:r>
+            <a:r>
+              <a:rPr lang="en-US" sz="1800" b="1" dirty="0" err="1">
                 <a:solidFill>
                   <a:schemeClr val="bg1">
                     <a:lumMod val="95000"/>
@@ -28737,10 +29181,10 @@
                 <a:ea typeface="Calibri" panose="020F0502020204030204" pitchFamily="34" charset="0"/>
                 <a:cs typeface="Calibri" panose="020F0502020204030204" pitchFamily="34" charset="0"/>
               </a:rPr>
-              <a:t>Ngày kết thúc:</a:t>
-            </a:r>
-            <a:r>
-              <a:rPr lang="en-US" sz="1800">
+              <a:t>án</a:t>
+            </a:r>
+            <a:r>
+              <a:rPr lang="en-US" sz="1800" b="1" dirty="0">
                 <a:solidFill>
                   <a:schemeClr val="bg1">
                     <a:lumMod val="95000"/>
@@ -28751,12 +29195,10 @@
                 <a:ea typeface="Calibri" panose="020F0502020204030204" pitchFamily="34" charset="0"/>
                 <a:cs typeface="Calibri" panose="020F0502020204030204" pitchFamily="34" charset="0"/>
               </a:rPr>
-              <a:t> 04/12/2023</a:t>
-            </a:r>
-          </a:p>
-          <a:p>
-            <a:r>
-              <a:rPr lang="en-US" sz="1800" b="1">
+              <a:t>:</a:t>
+            </a:r>
+            <a:r>
+              <a:rPr lang="en-US" sz="1800" dirty="0">
                 <a:solidFill>
                   <a:schemeClr val="bg1">
                     <a:lumMod val="95000"/>
@@ -28767,10 +29209,10 @@
                 <a:ea typeface="Calibri" panose="020F0502020204030204" pitchFamily="34" charset="0"/>
                 <a:cs typeface="Calibri" panose="020F0502020204030204" pitchFamily="34" charset="0"/>
               </a:rPr>
-              <a:t>Ngân sách:</a:t>
-            </a:r>
-            <a:r>
-              <a:rPr lang="en-US" sz="1800">
+              <a:t> </a:t>
+            </a:r>
+            <a:r>
+              <a:rPr lang="en-US" sz="1800" dirty="0" err="1">
                 <a:solidFill>
                   <a:schemeClr val="bg1">
                     <a:lumMod val="95000"/>
@@ -28781,11 +29223,437 @@
                 <a:ea typeface="Calibri" panose="020F0502020204030204" pitchFamily="34" charset="0"/>
                 <a:cs typeface="Calibri" panose="020F0502020204030204" pitchFamily="34" charset="0"/>
               </a:rPr>
-              <a:t> 1000 USD</a:t>
+              <a:t>Xây</a:t>
+            </a:r>
+            <a:r>
+              <a:rPr lang="en-US" sz="1800" dirty="0">
+                <a:solidFill>
+                  <a:schemeClr val="bg1">
+                    <a:lumMod val="95000"/>
+                  </a:schemeClr>
+                </a:solidFill>
+                <a:effectLst/>
+                <a:latin typeface="Calibri" panose="020F0502020204030204" pitchFamily="34" charset="0"/>
+                <a:ea typeface="Calibri" panose="020F0502020204030204" pitchFamily="34" charset="0"/>
+                <a:cs typeface="Calibri" panose="020F0502020204030204" pitchFamily="34" charset="0"/>
+              </a:rPr>
+              <a:t> </a:t>
+            </a:r>
+            <a:r>
+              <a:rPr lang="en-US" sz="1800" dirty="0" err="1">
+                <a:solidFill>
+                  <a:schemeClr val="bg1">
+                    <a:lumMod val="95000"/>
+                  </a:schemeClr>
+                </a:solidFill>
+                <a:effectLst/>
+                <a:latin typeface="Calibri" panose="020F0502020204030204" pitchFamily="34" charset="0"/>
+                <a:ea typeface="Calibri" panose="020F0502020204030204" pitchFamily="34" charset="0"/>
+                <a:cs typeface="Calibri" panose="020F0502020204030204" pitchFamily="34" charset="0"/>
+              </a:rPr>
+              <a:t>dựng</a:t>
+            </a:r>
+            <a:r>
+              <a:rPr lang="en-US" sz="1800" dirty="0">
+                <a:solidFill>
+                  <a:schemeClr val="bg1">
+                    <a:lumMod val="95000"/>
+                  </a:schemeClr>
+                </a:solidFill>
+                <a:effectLst/>
+                <a:latin typeface="Calibri" panose="020F0502020204030204" pitchFamily="34" charset="0"/>
+                <a:ea typeface="Calibri" panose="020F0502020204030204" pitchFamily="34" charset="0"/>
+                <a:cs typeface="Calibri" panose="020F0502020204030204" pitchFamily="34" charset="0"/>
+              </a:rPr>
+              <a:t> website </a:t>
+            </a:r>
+            <a:r>
+              <a:rPr lang="en-US" sz="1800" dirty="0" err="1">
+                <a:solidFill>
+                  <a:schemeClr val="bg1">
+                    <a:lumMod val="95000"/>
+                  </a:schemeClr>
+                </a:solidFill>
+                <a:effectLst/>
+                <a:latin typeface="Calibri" panose="020F0502020204030204" pitchFamily="34" charset="0"/>
+                <a:ea typeface="Calibri" panose="020F0502020204030204" pitchFamily="34" charset="0"/>
+                <a:cs typeface="Calibri" panose="020F0502020204030204" pitchFamily="34" charset="0"/>
+              </a:rPr>
+              <a:t>bán</a:t>
+            </a:r>
+            <a:r>
+              <a:rPr lang="en-US" sz="1800" dirty="0">
+                <a:solidFill>
+                  <a:schemeClr val="bg1">
+                    <a:lumMod val="95000"/>
+                  </a:schemeClr>
+                </a:solidFill>
+                <a:effectLst/>
+                <a:latin typeface="Calibri" panose="020F0502020204030204" pitchFamily="34" charset="0"/>
+                <a:ea typeface="Calibri" panose="020F0502020204030204" pitchFamily="34" charset="0"/>
+                <a:cs typeface="Calibri" panose="020F0502020204030204" pitchFamily="34" charset="0"/>
+              </a:rPr>
+              <a:t> </a:t>
+            </a:r>
+            <a:r>
+              <a:rPr lang="en-US" sz="1800" dirty="0" err="1">
+                <a:solidFill>
+                  <a:schemeClr val="bg1">
+                    <a:lumMod val="95000"/>
+                  </a:schemeClr>
+                </a:solidFill>
+                <a:effectLst/>
+                <a:latin typeface="Calibri" panose="020F0502020204030204" pitchFamily="34" charset="0"/>
+                <a:ea typeface="Calibri" panose="020F0502020204030204" pitchFamily="34" charset="0"/>
+                <a:cs typeface="Calibri" panose="020F0502020204030204" pitchFamily="34" charset="0"/>
+              </a:rPr>
+              <a:t>quần</a:t>
+            </a:r>
+            <a:r>
+              <a:rPr lang="en-US" sz="1800" dirty="0">
+                <a:solidFill>
+                  <a:schemeClr val="bg1">
+                    <a:lumMod val="95000"/>
+                  </a:schemeClr>
+                </a:solidFill>
+                <a:effectLst/>
+                <a:latin typeface="Calibri" panose="020F0502020204030204" pitchFamily="34" charset="0"/>
+                <a:ea typeface="Calibri" panose="020F0502020204030204" pitchFamily="34" charset="0"/>
+                <a:cs typeface="Calibri" panose="020F0502020204030204" pitchFamily="34" charset="0"/>
+              </a:rPr>
+              <a:t> </a:t>
+            </a:r>
+            <a:r>
+              <a:rPr lang="en-US" sz="1800" dirty="0" err="1">
+                <a:solidFill>
+                  <a:schemeClr val="bg1">
+                    <a:lumMod val="95000"/>
+                  </a:schemeClr>
+                </a:solidFill>
+                <a:effectLst/>
+                <a:latin typeface="Calibri" panose="020F0502020204030204" pitchFamily="34" charset="0"/>
+                <a:ea typeface="Calibri" panose="020F0502020204030204" pitchFamily="34" charset="0"/>
+                <a:cs typeface="Calibri" panose="020F0502020204030204" pitchFamily="34" charset="0"/>
+              </a:rPr>
+              <a:t>áo</a:t>
+            </a:r>
+            <a:r>
+              <a:rPr lang="en-US" sz="1800" dirty="0">
+                <a:solidFill>
+                  <a:schemeClr val="bg1">
+                    <a:lumMod val="95000"/>
+                  </a:schemeClr>
+                </a:solidFill>
+                <a:effectLst/>
+                <a:latin typeface="Calibri" panose="020F0502020204030204" pitchFamily="34" charset="0"/>
+                <a:ea typeface="Calibri" panose="020F0502020204030204" pitchFamily="34" charset="0"/>
+                <a:cs typeface="Calibri" panose="020F0502020204030204" pitchFamily="34" charset="0"/>
+              </a:rPr>
+              <a:t> </a:t>
+            </a:r>
+            <a:r>
+              <a:rPr lang="en-US" sz="1800" dirty="0" err="1">
+                <a:solidFill>
+                  <a:schemeClr val="bg1">
+                    <a:lumMod val="95000"/>
+                  </a:schemeClr>
+                </a:solidFill>
+                <a:effectLst/>
+                <a:latin typeface="Calibri" panose="020F0502020204030204" pitchFamily="34" charset="0"/>
+                <a:ea typeface="Calibri" panose="020F0502020204030204" pitchFamily="34" charset="0"/>
+                <a:cs typeface="Calibri" panose="020F0502020204030204" pitchFamily="34" charset="0"/>
+              </a:rPr>
+              <a:t>nam</a:t>
+            </a:r>
+            <a:r>
+              <a:rPr lang="en-US" sz="1800" dirty="0">
+                <a:solidFill>
+                  <a:schemeClr val="bg1">
+                    <a:lumMod val="95000"/>
+                  </a:schemeClr>
+                </a:solidFill>
+                <a:effectLst/>
+                <a:latin typeface="Calibri" panose="020F0502020204030204" pitchFamily="34" charset="0"/>
+                <a:ea typeface="Calibri" panose="020F0502020204030204" pitchFamily="34" charset="0"/>
+                <a:cs typeface="Calibri" panose="020F0502020204030204" pitchFamily="34" charset="0"/>
+              </a:rPr>
+              <a:t> – Singed Shop</a:t>
             </a:r>
           </a:p>
           <a:p>
-            <a:endParaRPr lang="en-US" sz="1800">
+            <a:r>
+              <a:rPr lang="en-US" sz="1800" b="1" dirty="0" err="1">
+                <a:solidFill>
+                  <a:schemeClr val="bg1">
+                    <a:lumMod val="95000"/>
+                  </a:schemeClr>
+                </a:solidFill>
+                <a:effectLst/>
+                <a:latin typeface="Calibri" panose="020F0502020204030204" pitchFamily="34" charset="0"/>
+                <a:ea typeface="Calibri" panose="020F0502020204030204" pitchFamily="34" charset="0"/>
+                <a:cs typeface="Calibri" panose="020F0502020204030204" pitchFamily="34" charset="0"/>
+              </a:rPr>
+              <a:t>Ngày</a:t>
+            </a:r>
+            <a:r>
+              <a:rPr lang="en-US" sz="1800" b="1" dirty="0">
+                <a:solidFill>
+                  <a:schemeClr val="bg1">
+                    <a:lumMod val="95000"/>
+                  </a:schemeClr>
+                </a:solidFill>
+                <a:effectLst/>
+                <a:latin typeface="Calibri" panose="020F0502020204030204" pitchFamily="34" charset="0"/>
+                <a:ea typeface="Calibri" panose="020F0502020204030204" pitchFamily="34" charset="0"/>
+                <a:cs typeface="Calibri" panose="020F0502020204030204" pitchFamily="34" charset="0"/>
+              </a:rPr>
+              <a:t> </a:t>
+            </a:r>
+            <a:r>
+              <a:rPr lang="en-US" sz="1800" b="1" dirty="0" err="1">
+                <a:solidFill>
+                  <a:schemeClr val="bg1">
+                    <a:lumMod val="95000"/>
+                  </a:schemeClr>
+                </a:solidFill>
+                <a:effectLst/>
+                <a:latin typeface="Calibri" panose="020F0502020204030204" pitchFamily="34" charset="0"/>
+                <a:ea typeface="Calibri" panose="020F0502020204030204" pitchFamily="34" charset="0"/>
+                <a:cs typeface="Calibri" panose="020F0502020204030204" pitchFamily="34" charset="0"/>
+              </a:rPr>
+              <a:t>bắt</a:t>
+            </a:r>
+            <a:r>
+              <a:rPr lang="en-US" sz="1800" b="1" dirty="0">
+                <a:solidFill>
+                  <a:schemeClr val="bg1">
+                    <a:lumMod val="95000"/>
+                  </a:schemeClr>
+                </a:solidFill>
+                <a:effectLst/>
+                <a:latin typeface="Calibri" panose="020F0502020204030204" pitchFamily="34" charset="0"/>
+                <a:ea typeface="Calibri" panose="020F0502020204030204" pitchFamily="34" charset="0"/>
+                <a:cs typeface="Calibri" panose="020F0502020204030204" pitchFamily="34" charset="0"/>
+              </a:rPr>
+              <a:t> </a:t>
+            </a:r>
+            <a:r>
+              <a:rPr lang="en-US" sz="1800" b="1" dirty="0" err="1">
+                <a:solidFill>
+                  <a:schemeClr val="bg1">
+                    <a:lumMod val="95000"/>
+                  </a:schemeClr>
+                </a:solidFill>
+                <a:effectLst/>
+                <a:latin typeface="Calibri" panose="020F0502020204030204" pitchFamily="34" charset="0"/>
+                <a:ea typeface="Calibri" panose="020F0502020204030204" pitchFamily="34" charset="0"/>
+                <a:cs typeface="Calibri" panose="020F0502020204030204" pitchFamily="34" charset="0"/>
+              </a:rPr>
+              <a:t>đầu</a:t>
+            </a:r>
+            <a:r>
+              <a:rPr lang="en-US" sz="1800" b="1" dirty="0">
+                <a:solidFill>
+                  <a:schemeClr val="bg1">
+                    <a:lumMod val="95000"/>
+                  </a:schemeClr>
+                </a:solidFill>
+                <a:effectLst/>
+                <a:latin typeface="Calibri" panose="020F0502020204030204" pitchFamily="34" charset="0"/>
+                <a:ea typeface="Calibri" panose="020F0502020204030204" pitchFamily="34" charset="0"/>
+                <a:cs typeface="Calibri" panose="020F0502020204030204" pitchFamily="34" charset="0"/>
+              </a:rPr>
+              <a:t>:</a:t>
+            </a:r>
+            <a:r>
+              <a:rPr lang="en-US" sz="1800" dirty="0">
+                <a:solidFill>
+                  <a:schemeClr val="bg1">
+                    <a:lumMod val="95000"/>
+                  </a:schemeClr>
+                </a:solidFill>
+                <a:effectLst/>
+                <a:latin typeface="Calibri" panose="020F0502020204030204" pitchFamily="34" charset="0"/>
+                <a:ea typeface="Calibri" panose="020F0502020204030204" pitchFamily="34" charset="0"/>
+                <a:cs typeface="Calibri" panose="020F0502020204030204" pitchFamily="34" charset="0"/>
+              </a:rPr>
+              <a:t> 11/09/2023 </a:t>
+            </a:r>
+          </a:p>
+          <a:p>
+            <a:r>
+              <a:rPr lang="en-US" sz="1800" b="1" dirty="0" err="1">
+                <a:solidFill>
+                  <a:schemeClr val="bg1">
+                    <a:lumMod val="95000"/>
+                  </a:schemeClr>
+                </a:solidFill>
+                <a:effectLst/>
+                <a:latin typeface="Calibri" panose="020F0502020204030204" pitchFamily="34" charset="0"/>
+                <a:ea typeface="Calibri" panose="020F0502020204030204" pitchFamily="34" charset="0"/>
+                <a:cs typeface="Calibri" panose="020F0502020204030204" pitchFamily="34" charset="0"/>
+              </a:rPr>
+              <a:t>Ngày</a:t>
+            </a:r>
+            <a:r>
+              <a:rPr lang="en-US" sz="1800" b="1" dirty="0">
+                <a:solidFill>
+                  <a:schemeClr val="bg1">
+                    <a:lumMod val="95000"/>
+                  </a:schemeClr>
+                </a:solidFill>
+                <a:effectLst/>
+                <a:latin typeface="Calibri" panose="020F0502020204030204" pitchFamily="34" charset="0"/>
+                <a:ea typeface="Calibri" panose="020F0502020204030204" pitchFamily="34" charset="0"/>
+                <a:cs typeface="Calibri" panose="020F0502020204030204" pitchFamily="34" charset="0"/>
+              </a:rPr>
+              <a:t> </a:t>
+            </a:r>
+            <a:r>
+              <a:rPr lang="en-US" sz="1800" b="1" dirty="0" err="1">
+                <a:solidFill>
+                  <a:schemeClr val="bg1">
+                    <a:lumMod val="95000"/>
+                  </a:schemeClr>
+                </a:solidFill>
+                <a:effectLst/>
+                <a:latin typeface="Calibri" panose="020F0502020204030204" pitchFamily="34" charset="0"/>
+                <a:ea typeface="Calibri" panose="020F0502020204030204" pitchFamily="34" charset="0"/>
+                <a:cs typeface="Calibri" panose="020F0502020204030204" pitchFamily="34" charset="0"/>
+              </a:rPr>
+              <a:t>kết</a:t>
+            </a:r>
+            <a:r>
+              <a:rPr lang="en-US" sz="1800" b="1" dirty="0">
+                <a:solidFill>
+                  <a:schemeClr val="bg1">
+                    <a:lumMod val="95000"/>
+                  </a:schemeClr>
+                </a:solidFill>
+                <a:effectLst/>
+                <a:latin typeface="Calibri" panose="020F0502020204030204" pitchFamily="34" charset="0"/>
+                <a:ea typeface="Calibri" panose="020F0502020204030204" pitchFamily="34" charset="0"/>
+                <a:cs typeface="Calibri" panose="020F0502020204030204" pitchFamily="34" charset="0"/>
+              </a:rPr>
+              <a:t> </a:t>
+            </a:r>
+            <a:r>
+              <a:rPr lang="en-US" sz="1800" b="1" dirty="0" err="1">
+                <a:solidFill>
+                  <a:schemeClr val="bg1">
+                    <a:lumMod val="95000"/>
+                  </a:schemeClr>
+                </a:solidFill>
+                <a:effectLst/>
+                <a:latin typeface="Calibri" panose="020F0502020204030204" pitchFamily="34" charset="0"/>
+                <a:ea typeface="Calibri" panose="020F0502020204030204" pitchFamily="34" charset="0"/>
+                <a:cs typeface="Calibri" panose="020F0502020204030204" pitchFamily="34" charset="0"/>
+              </a:rPr>
+              <a:t>thúc</a:t>
+            </a:r>
+            <a:r>
+              <a:rPr lang="en-US" sz="1800" b="1" dirty="0">
+                <a:solidFill>
+                  <a:schemeClr val="bg1">
+                    <a:lumMod val="95000"/>
+                  </a:schemeClr>
+                </a:solidFill>
+                <a:effectLst/>
+                <a:latin typeface="Calibri" panose="020F0502020204030204" pitchFamily="34" charset="0"/>
+                <a:ea typeface="Calibri" panose="020F0502020204030204" pitchFamily="34" charset="0"/>
+                <a:cs typeface="Calibri" panose="020F0502020204030204" pitchFamily="34" charset="0"/>
+              </a:rPr>
+              <a:t>:</a:t>
+            </a:r>
+            <a:r>
+              <a:rPr lang="en-US" sz="1800" dirty="0">
+                <a:solidFill>
+                  <a:schemeClr val="bg1">
+                    <a:lumMod val="95000"/>
+                  </a:schemeClr>
+                </a:solidFill>
+                <a:effectLst/>
+                <a:latin typeface="Calibri" panose="020F0502020204030204" pitchFamily="34" charset="0"/>
+                <a:ea typeface="Calibri" panose="020F0502020204030204" pitchFamily="34" charset="0"/>
+                <a:cs typeface="Calibri" panose="020F0502020204030204" pitchFamily="34" charset="0"/>
+              </a:rPr>
+              <a:t> 09/11/2023</a:t>
+            </a:r>
+          </a:p>
+          <a:p>
+            <a:r>
+              <a:rPr lang="en-US" sz="1800" b="1" dirty="0" err="1">
+                <a:solidFill>
+                  <a:schemeClr val="bg1">
+                    <a:lumMod val="95000"/>
+                  </a:schemeClr>
+                </a:solidFill>
+                <a:effectLst/>
+                <a:latin typeface="Calibri" panose="020F0502020204030204" pitchFamily="34" charset="0"/>
+                <a:ea typeface="Calibri" panose="020F0502020204030204" pitchFamily="34" charset="0"/>
+                <a:cs typeface="Calibri" panose="020F0502020204030204" pitchFamily="34" charset="0"/>
+              </a:rPr>
+              <a:t>Ngân</a:t>
+            </a:r>
+            <a:r>
+              <a:rPr lang="en-US" sz="1800" b="1" dirty="0">
+                <a:solidFill>
+                  <a:schemeClr val="bg1">
+                    <a:lumMod val="95000"/>
+                  </a:schemeClr>
+                </a:solidFill>
+                <a:effectLst/>
+                <a:latin typeface="Calibri" panose="020F0502020204030204" pitchFamily="34" charset="0"/>
+                <a:ea typeface="Calibri" panose="020F0502020204030204" pitchFamily="34" charset="0"/>
+                <a:cs typeface="Calibri" panose="020F0502020204030204" pitchFamily="34" charset="0"/>
+              </a:rPr>
+              <a:t> </a:t>
+            </a:r>
+            <a:r>
+              <a:rPr lang="en-US" sz="1800" b="1" dirty="0" err="1">
+                <a:solidFill>
+                  <a:schemeClr val="bg1">
+                    <a:lumMod val="95000"/>
+                  </a:schemeClr>
+                </a:solidFill>
+                <a:effectLst/>
+                <a:latin typeface="Calibri" panose="020F0502020204030204" pitchFamily="34" charset="0"/>
+                <a:ea typeface="Calibri" panose="020F0502020204030204" pitchFamily="34" charset="0"/>
+                <a:cs typeface="Calibri" panose="020F0502020204030204" pitchFamily="34" charset="0"/>
+              </a:rPr>
+              <a:t>sách</a:t>
+            </a:r>
+            <a:r>
+              <a:rPr lang="en-US" sz="1800" b="1" dirty="0">
+                <a:solidFill>
+                  <a:schemeClr val="bg1">
+                    <a:lumMod val="95000"/>
+                  </a:schemeClr>
+                </a:solidFill>
+                <a:effectLst/>
+                <a:latin typeface="Calibri" panose="020F0502020204030204" pitchFamily="34" charset="0"/>
+                <a:ea typeface="Calibri" panose="020F0502020204030204" pitchFamily="34" charset="0"/>
+                <a:cs typeface="Calibri" panose="020F0502020204030204" pitchFamily="34" charset="0"/>
+              </a:rPr>
+              <a:t>:</a:t>
+            </a:r>
+            <a:r>
+              <a:rPr lang="en-US" sz="1800" dirty="0">
+                <a:solidFill>
+                  <a:schemeClr val="bg1">
+                    <a:lumMod val="95000"/>
+                  </a:schemeClr>
+                </a:solidFill>
+                <a:effectLst/>
+                <a:latin typeface="Calibri" panose="020F0502020204030204" pitchFamily="34" charset="0"/>
+                <a:ea typeface="Calibri" panose="020F0502020204030204" pitchFamily="34" charset="0"/>
+                <a:cs typeface="Calibri" panose="020F0502020204030204" pitchFamily="34" charset="0"/>
+              </a:rPr>
+              <a:t> 1500 USD</a:t>
+            </a:r>
+          </a:p>
+          <a:p>
+            <a:endParaRPr lang="en-US" sz="1800" dirty="0">
               <a:solidFill>
                 <a:schemeClr val="bg1">
                   <a:lumMod val="95000"/>
@@ -28799,7 +29667,7 @@
           </a:p>
           <a:p>
             <a:r>
-              <a:rPr lang="en-US" sz="1800" b="1">
+              <a:rPr lang="en-US" sz="1800" b="1" dirty="0" err="1">
                 <a:solidFill>
                   <a:schemeClr val="bg1">
                     <a:lumMod val="95000"/>
@@ -28810,25 +29678,24 @@
                 <a:ea typeface="Calibri" panose="020F0502020204030204" pitchFamily="34" charset="0"/>
                 <a:cs typeface="Calibri" panose="020F0502020204030204" pitchFamily="34" charset="0"/>
               </a:rPr>
-              <a:t>Mục tiêu dự án:</a:t>
-            </a:r>
-            <a:r>
-              <a:rPr lang="en-US" sz="1800" b="1">
+              <a:t>Mục</a:t>
+            </a:r>
+            <a:r>
+              <a:rPr lang="en-US" sz="1800" b="1" dirty="0">
                 <a:solidFill>
                   <a:schemeClr val="bg1">
                     <a:lumMod val="95000"/>
                   </a:schemeClr>
                 </a:solidFill>
+                <a:effectLst/>
                 <a:latin typeface="Calibri" panose="020F0502020204030204" pitchFamily="34" charset="0"/>
                 <a:ea typeface="Calibri" panose="020F0502020204030204" pitchFamily="34" charset="0"/>
                 <a:cs typeface="Calibri" panose="020F0502020204030204" pitchFamily="34" charset="0"/>
               </a:rPr>
               <a:t> </a:t>
             </a:r>
-          </a:p>
-          <a:p>
-            <a:r>
-              <a:rPr lang="en-US" sz="1800">
+            <a:r>
+              <a:rPr lang="en-US" sz="1800" b="1" dirty="0" err="1">
                 <a:solidFill>
                   <a:schemeClr val="bg1">
                     <a:lumMod val="95000"/>
@@ -28839,25 +29706,24 @@
                 <a:ea typeface="Calibri" panose="020F0502020204030204" pitchFamily="34" charset="0"/>
                 <a:cs typeface="Calibri" panose="020F0502020204030204" pitchFamily="34" charset="0"/>
               </a:rPr>
-              <a:t>1.	Ứng d</a:t>
-            </a:r>
-            <a:r>
-              <a:rPr lang="en-US" sz="1800">
+              <a:t>tiêu</a:t>
+            </a:r>
+            <a:r>
+              <a:rPr lang="en-US" sz="1800" b="1" dirty="0">
                 <a:solidFill>
                   <a:schemeClr val="bg1">
                     <a:lumMod val="95000"/>
                   </a:schemeClr>
                 </a:solidFill>
-                <a:latin typeface="Calibri" panose="020F0502020204030204" pitchFamily="34" charset="0"/>
-                <a:ea typeface="Calibri" panose="020F0502020204030204" pitchFamily="34" charset="0"/>
-                <a:cs typeface="Calibri" panose="020F0502020204030204" pitchFamily="34" charset="0"/>
-              </a:rPr>
-              <a:t>ụng công nghệ thông tin trong việc bán sản phẩm quần áo</a:t>
-            </a:r>
-          </a:p>
-          <a:p>
-            <a:r>
-              <a:rPr lang="en-US" sz="1800">
+                <a:effectLst/>
+                <a:latin typeface="Calibri" panose="020F0502020204030204" pitchFamily="34" charset="0"/>
+                <a:ea typeface="Calibri" panose="020F0502020204030204" pitchFamily="34" charset="0"/>
+                <a:cs typeface="Calibri" panose="020F0502020204030204" pitchFamily="34" charset="0"/>
+              </a:rPr>
+              <a:t> </a:t>
+            </a:r>
+            <a:r>
+              <a:rPr lang="en-US" sz="1800" b="1" dirty="0" err="1">
                 <a:solidFill>
                   <a:schemeClr val="bg1">
                     <a:lumMod val="95000"/>
@@ -28868,51 +29734,1053 @@
                 <a:ea typeface="Calibri" panose="020F0502020204030204" pitchFamily="34" charset="0"/>
                 <a:cs typeface="Calibri" panose="020F0502020204030204" pitchFamily="34" charset="0"/>
               </a:rPr>
-              <a:t>2.	Qu</a:t>
-            </a:r>
-            <a:r>
-              <a:rPr lang="en-US" sz="1800">
+              <a:t>dự</a:t>
+            </a:r>
+            <a:r>
+              <a:rPr lang="en-US" sz="1800" b="1" dirty="0">
                 <a:solidFill>
                   <a:schemeClr val="bg1">
                     <a:lumMod val="95000"/>
                   </a:schemeClr>
                 </a:solidFill>
-                <a:latin typeface="Calibri" panose="020F0502020204030204" pitchFamily="34" charset="0"/>
-                <a:ea typeface="Calibri" panose="020F0502020204030204" pitchFamily="34" charset="0"/>
-                <a:cs typeface="Calibri" panose="020F0502020204030204" pitchFamily="34" charset="0"/>
-              </a:rPr>
-              <a:t>ản lý thống kê doanh thu cửa hàng</a:t>
-            </a:r>
-          </a:p>
-          <a:p>
-            <a:r>
-              <a:rPr lang="en-US" sz="1800">
+                <a:effectLst/>
+                <a:latin typeface="Calibri" panose="020F0502020204030204" pitchFamily="34" charset="0"/>
+                <a:ea typeface="Calibri" panose="020F0502020204030204" pitchFamily="34" charset="0"/>
+                <a:cs typeface="Calibri" panose="020F0502020204030204" pitchFamily="34" charset="0"/>
+              </a:rPr>
+              <a:t> </a:t>
+            </a:r>
+            <a:r>
+              <a:rPr lang="en-US" sz="1800" b="1" dirty="0" err="1">
                 <a:solidFill>
                   <a:schemeClr val="bg1">
                     <a:lumMod val="95000"/>
                   </a:schemeClr>
                 </a:solidFill>
-                <a:latin typeface="Calibri" panose="020F0502020204030204" pitchFamily="34" charset="0"/>
-                <a:ea typeface="Calibri" panose="020F0502020204030204" pitchFamily="34" charset="0"/>
-                <a:cs typeface="Calibri" panose="020F0502020204030204" pitchFamily="34" charset="0"/>
-              </a:rPr>
-              <a:t>3.	Giao diện dễ dàng sử dụng, gần gũi</a:t>
-            </a:r>
-          </a:p>
-          <a:p>
-            <a:r>
-              <a:rPr lang="en-US" sz="1800">
+                <a:effectLst/>
+                <a:latin typeface="Calibri" panose="020F0502020204030204" pitchFamily="34" charset="0"/>
+                <a:ea typeface="Calibri" panose="020F0502020204030204" pitchFamily="34" charset="0"/>
+                <a:cs typeface="Calibri" panose="020F0502020204030204" pitchFamily="34" charset="0"/>
+              </a:rPr>
+              <a:t>án</a:t>
+            </a:r>
+            <a:r>
+              <a:rPr lang="en-US" sz="1800" b="1" dirty="0">
                 <a:solidFill>
                   <a:schemeClr val="bg1">
                     <a:lumMod val="95000"/>
                   </a:schemeClr>
                 </a:solidFill>
-                <a:latin typeface="Calibri" panose="020F0502020204030204" pitchFamily="34" charset="0"/>
-                <a:ea typeface="Calibri" panose="020F0502020204030204" pitchFamily="34" charset="0"/>
-                <a:cs typeface="Calibri" panose="020F0502020204030204" pitchFamily="34" charset="0"/>
-              </a:rPr>
-              <a:t>4.	Tạo sự thuận lợi trong việc mua sắm</a:t>
-            </a:r>
+                <a:effectLst/>
+                <a:latin typeface="Calibri" panose="020F0502020204030204" pitchFamily="34" charset="0"/>
+                <a:ea typeface="Calibri" panose="020F0502020204030204" pitchFamily="34" charset="0"/>
+                <a:cs typeface="Calibri" panose="020F0502020204030204" pitchFamily="34" charset="0"/>
+              </a:rPr>
+              <a:t>:</a:t>
+            </a:r>
+            <a:r>
+              <a:rPr lang="en-US" sz="1800" b="1" dirty="0">
+                <a:solidFill>
+                  <a:schemeClr val="bg1">
+                    <a:lumMod val="95000"/>
+                  </a:schemeClr>
+                </a:solidFill>
+                <a:latin typeface="Calibri" panose="020F0502020204030204" pitchFamily="34" charset="0"/>
+                <a:ea typeface="Calibri" panose="020F0502020204030204" pitchFamily="34" charset="0"/>
+                <a:cs typeface="Calibri" panose="020F0502020204030204" pitchFamily="34" charset="0"/>
+              </a:rPr>
+              <a:t> </a:t>
+            </a:r>
+          </a:p>
+          <a:p>
+            <a:r>
+              <a:rPr lang="en-US" sz="1800" dirty="0">
+                <a:solidFill>
+                  <a:schemeClr val="bg1">
+                    <a:lumMod val="95000"/>
+                  </a:schemeClr>
+                </a:solidFill>
+                <a:effectLst/>
+                <a:latin typeface="Calibri" panose="020F0502020204030204" pitchFamily="34" charset="0"/>
+                <a:ea typeface="Calibri" panose="020F0502020204030204" pitchFamily="34" charset="0"/>
+                <a:cs typeface="Calibri" panose="020F0502020204030204" pitchFamily="34" charset="0"/>
+              </a:rPr>
+              <a:t>1.	</a:t>
+            </a:r>
+            <a:r>
+              <a:rPr lang="en-US" sz="1800" dirty="0" err="1">
+                <a:solidFill>
+                  <a:schemeClr val="bg1">
+                    <a:lumMod val="95000"/>
+                  </a:schemeClr>
+                </a:solidFill>
+                <a:effectLst/>
+                <a:latin typeface="Calibri" panose="020F0502020204030204" pitchFamily="34" charset="0"/>
+                <a:ea typeface="Calibri" panose="020F0502020204030204" pitchFamily="34" charset="0"/>
+                <a:cs typeface="Calibri" panose="020F0502020204030204" pitchFamily="34" charset="0"/>
+              </a:rPr>
+              <a:t>Ứng</a:t>
+            </a:r>
+            <a:r>
+              <a:rPr lang="en-US" sz="1800" dirty="0">
+                <a:solidFill>
+                  <a:schemeClr val="bg1">
+                    <a:lumMod val="95000"/>
+                  </a:schemeClr>
+                </a:solidFill>
+                <a:effectLst/>
+                <a:latin typeface="Calibri" panose="020F0502020204030204" pitchFamily="34" charset="0"/>
+                <a:ea typeface="Calibri" panose="020F0502020204030204" pitchFamily="34" charset="0"/>
+                <a:cs typeface="Calibri" panose="020F0502020204030204" pitchFamily="34" charset="0"/>
+              </a:rPr>
+              <a:t> </a:t>
+            </a:r>
+            <a:r>
+              <a:rPr lang="en-US" sz="1800" dirty="0" err="1">
+                <a:solidFill>
+                  <a:schemeClr val="bg1">
+                    <a:lumMod val="95000"/>
+                  </a:schemeClr>
+                </a:solidFill>
+                <a:effectLst/>
+                <a:latin typeface="Calibri" panose="020F0502020204030204" pitchFamily="34" charset="0"/>
+                <a:ea typeface="Calibri" panose="020F0502020204030204" pitchFamily="34" charset="0"/>
+                <a:cs typeface="Calibri" panose="020F0502020204030204" pitchFamily="34" charset="0"/>
+              </a:rPr>
+              <a:t>d</a:t>
+            </a:r>
+            <a:r>
+              <a:rPr lang="en-US" sz="1800" dirty="0" err="1">
+                <a:solidFill>
+                  <a:schemeClr val="bg1">
+                    <a:lumMod val="95000"/>
+                  </a:schemeClr>
+                </a:solidFill>
+                <a:latin typeface="Calibri" panose="020F0502020204030204" pitchFamily="34" charset="0"/>
+                <a:ea typeface="Calibri" panose="020F0502020204030204" pitchFamily="34" charset="0"/>
+                <a:cs typeface="Calibri" panose="020F0502020204030204" pitchFamily="34" charset="0"/>
+              </a:rPr>
+              <a:t>ụng</a:t>
+            </a:r>
+            <a:r>
+              <a:rPr lang="en-US" sz="1800" dirty="0">
+                <a:solidFill>
+                  <a:schemeClr val="bg1">
+                    <a:lumMod val="95000"/>
+                  </a:schemeClr>
+                </a:solidFill>
+                <a:latin typeface="Calibri" panose="020F0502020204030204" pitchFamily="34" charset="0"/>
+                <a:ea typeface="Calibri" panose="020F0502020204030204" pitchFamily="34" charset="0"/>
+                <a:cs typeface="Calibri" panose="020F0502020204030204" pitchFamily="34" charset="0"/>
+              </a:rPr>
+              <a:t> </a:t>
+            </a:r>
+            <a:r>
+              <a:rPr lang="en-US" sz="1800" dirty="0" err="1">
+                <a:solidFill>
+                  <a:schemeClr val="bg1">
+                    <a:lumMod val="95000"/>
+                  </a:schemeClr>
+                </a:solidFill>
+                <a:latin typeface="Calibri" panose="020F0502020204030204" pitchFamily="34" charset="0"/>
+                <a:ea typeface="Calibri" panose="020F0502020204030204" pitchFamily="34" charset="0"/>
+                <a:cs typeface="Calibri" panose="020F0502020204030204" pitchFamily="34" charset="0"/>
+              </a:rPr>
+              <a:t>công</a:t>
+            </a:r>
+            <a:r>
+              <a:rPr lang="en-US" sz="1800" dirty="0">
+                <a:solidFill>
+                  <a:schemeClr val="bg1">
+                    <a:lumMod val="95000"/>
+                  </a:schemeClr>
+                </a:solidFill>
+                <a:latin typeface="Calibri" panose="020F0502020204030204" pitchFamily="34" charset="0"/>
+                <a:ea typeface="Calibri" panose="020F0502020204030204" pitchFamily="34" charset="0"/>
+                <a:cs typeface="Calibri" panose="020F0502020204030204" pitchFamily="34" charset="0"/>
+              </a:rPr>
+              <a:t> </a:t>
+            </a:r>
+            <a:r>
+              <a:rPr lang="en-US" sz="1800" dirty="0" err="1">
+                <a:solidFill>
+                  <a:schemeClr val="bg1">
+                    <a:lumMod val="95000"/>
+                  </a:schemeClr>
+                </a:solidFill>
+                <a:latin typeface="Calibri" panose="020F0502020204030204" pitchFamily="34" charset="0"/>
+                <a:ea typeface="Calibri" panose="020F0502020204030204" pitchFamily="34" charset="0"/>
+                <a:cs typeface="Calibri" panose="020F0502020204030204" pitchFamily="34" charset="0"/>
+              </a:rPr>
+              <a:t>nghệ</a:t>
+            </a:r>
+            <a:r>
+              <a:rPr lang="en-US" sz="1800" dirty="0">
+                <a:solidFill>
+                  <a:schemeClr val="bg1">
+                    <a:lumMod val="95000"/>
+                  </a:schemeClr>
+                </a:solidFill>
+                <a:latin typeface="Calibri" panose="020F0502020204030204" pitchFamily="34" charset="0"/>
+                <a:ea typeface="Calibri" panose="020F0502020204030204" pitchFamily="34" charset="0"/>
+                <a:cs typeface="Calibri" panose="020F0502020204030204" pitchFamily="34" charset="0"/>
+              </a:rPr>
+              <a:t> </a:t>
+            </a:r>
+            <a:r>
+              <a:rPr lang="en-US" sz="1800" dirty="0" err="1">
+                <a:solidFill>
+                  <a:schemeClr val="bg1">
+                    <a:lumMod val="95000"/>
+                  </a:schemeClr>
+                </a:solidFill>
+                <a:latin typeface="Calibri" panose="020F0502020204030204" pitchFamily="34" charset="0"/>
+                <a:ea typeface="Calibri" panose="020F0502020204030204" pitchFamily="34" charset="0"/>
+                <a:cs typeface="Calibri" panose="020F0502020204030204" pitchFamily="34" charset="0"/>
+              </a:rPr>
+              <a:t>thông</a:t>
+            </a:r>
+            <a:r>
+              <a:rPr lang="en-US" sz="1800" dirty="0">
+                <a:solidFill>
+                  <a:schemeClr val="bg1">
+                    <a:lumMod val="95000"/>
+                  </a:schemeClr>
+                </a:solidFill>
+                <a:latin typeface="Calibri" panose="020F0502020204030204" pitchFamily="34" charset="0"/>
+                <a:ea typeface="Calibri" panose="020F0502020204030204" pitchFamily="34" charset="0"/>
+                <a:cs typeface="Calibri" panose="020F0502020204030204" pitchFamily="34" charset="0"/>
+              </a:rPr>
+              <a:t> tin </a:t>
+            </a:r>
+            <a:r>
+              <a:rPr lang="en-US" sz="1800" dirty="0" err="1">
+                <a:solidFill>
+                  <a:schemeClr val="bg1">
+                    <a:lumMod val="95000"/>
+                  </a:schemeClr>
+                </a:solidFill>
+                <a:latin typeface="Calibri" panose="020F0502020204030204" pitchFamily="34" charset="0"/>
+                <a:ea typeface="Calibri" panose="020F0502020204030204" pitchFamily="34" charset="0"/>
+                <a:cs typeface="Calibri" panose="020F0502020204030204" pitchFamily="34" charset="0"/>
+              </a:rPr>
+              <a:t>trong</a:t>
+            </a:r>
+            <a:r>
+              <a:rPr lang="en-US" sz="1800" dirty="0">
+                <a:solidFill>
+                  <a:schemeClr val="bg1">
+                    <a:lumMod val="95000"/>
+                  </a:schemeClr>
+                </a:solidFill>
+                <a:latin typeface="Calibri" panose="020F0502020204030204" pitchFamily="34" charset="0"/>
+                <a:ea typeface="Calibri" panose="020F0502020204030204" pitchFamily="34" charset="0"/>
+                <a:cs typeface="Calibri" panose="020F0502020204030204" pitchFamily="34" charset="0"/>
+              </a:rPr>
+              <a:t> </a:t>
+            </a:r>
+            <a:r>
+              <a:rPr lang="en-US" sz="1800" dirty="0" err="1">
+                <a:solidFill>
+                  <a:schemeClr val="bg1">
+                    <a:lumMod val="95000"/>
+                  </a:schemeClr>
+                </a:solidFill>
+                <a:latin typeface="Calibri" panose="020F0502020204030204" pitchFamily="34" charset="0"/>
+                <a:ea typeface="Calibri" panose="020F0502020204030204" pitchFamily="34" charset="0"/>
+                <a:cs typeface="Calibri" panose="020F0502020204030204" pitchFamily="34" charset="0"/>
+              </a:rPr>
+              <a:t>việc</a:t>
+            </a:r>
+            <a:r>
+              <a:rPr lang="en-US" sz="1800" dirty="0">
+                <a:solidFill>
+                  <a:schemeClr val="bg1">
+                    <a:lumMod val="95000"/>
+                  </a:schemeClr>
+                </a:solidFill>
+                <a:latin typeface="Calibri" panose="020F0502020204030204" pitchFamily="34" charset="0"/>
+                <a:ea typeface="Calibri" panose="020F0502020204030204" pitchFamily="34" charset="0"/>
+                <a:cs typeface="Calibri" panose="020F0502020204030204" pitchFamily="34" charset="0"/>
+              </a:rPr>
+              <a:t> </a:t>
+            </a:r>
+            <a:r>
+              <a:rPr lang="en-US" sz="1800" dirty="0" err="1">
+                <a:solidFill>
+                  <a:schemeClr val="bg1">
+                    <a:lumMod val="95000"/>
+                  </a:schemeClr>
+                </a:solidFill>
+                <a:latin typeface="Calibri" panose="020F0502020204030204" pitchFamily="34" charset="0"/>
+                <a:ea typeface="Calibri" panose="020F0502020204030204" pitchFamily="34" charset="0"/>
+                <a:cs typeface="Calibri" panose="020F0502020204030204" pitchFamily="34" charset="0"/>
+              </a:rPr>
+              <a:t>bán</a:t>
+            </a:r>
+            <a:r>
+              <a:rPr lang="en-US" sz="1800" dirty="0">
+                <a:solidFill>
+                  <a:schemeClr val="bg1">
+                    <a:lumMod val="95000"/>
+                  </a:schemeClr>
+                </a:solidFill>
+                <a:latin typeface="Calibri" panose="020F0502020204030204" pitchFamily="34" charset="0"/>
+                <a:ea typeface="Calibri" panose="020F0502020204030204" pitchFamily="34" charset="0"/>
+                <a:cs typeface="Calibri" panose="020F0502020204030204" pitchFamily="34" charset="0"/>
+              </a:rPr>
+              <a:t> </a:t>
+            </a:r>
+            <a:r>
+              <a:rPr lang="en-US" sz="1800" dirty="0" err="1">
+                <a:solidFill>
+                  <a:schemeClr val="bg1">
+                    <a:lumMod val="95000"/>
+                  </a:schemeClr>
+                </a:solidFill>
+                <a:latin typeface="Calibri" panose="020F0502020204030204" pitchFamily="34" charset="0"/>
+                <a:ea typeface="Calibri" panose="020F0502020204030204" pitchFamily="34" charset="0"/>
+                <a:cs typeface="Calibri" panose="020F0502020204030204" pitchFamily="34" charset="0"/>
+              </a:rPr>
+              <a:t>sản</a:t>
+            </a:r>
+            <a:r>
+              <a:rPr lang="en-US" sz="1800" dirty="0">
+                <a:solidFill>
+                  <a:schemeClr val="bg1">
+                    <a:lumMod val="95000"/>
+                  </a:schemeClr>
+                </a:solidFill>
+                <a:latin typeface="Calibri" panose="020F0502020204030204" pitchFamily="34" charset="0"/>
+                <a:ea typeface="Calibri" panose="020F0502020204030204" pitchFamily="34" charset="0"/>
+                <a:cs typeface="Calibri" panose="020F0502020204030204" pitchFamily="34" charset="0"/>
+              </a:rPr>
+              <a:t> </a:t>
+            </a:r>
+            <a:r>
+              <a:rPr lang="en-US" sz="1800" dirty="0" err="1">
+                <a:solidFill>
+                  <a:schemeClr val="bg1">
+                    <a:lumMod val="95000"/>
+                  </a:schemeClr>
+                </a:solidFill>
+                <a:latin typeface="Calibri" panose="020F0502020204030204" pitchFamily="34" charset="0"/>
+                <a:ea typeface="Calibri" panose="020F0502020204030204" pitchFamily="34" charset="0"/>
+                <a:cs typeface="Calibri" panose="020F0502020204030204" pitchFamily="34" charset="0"/>
+              </a:rPr>
+              <a:t>phẩm</a:t>
+            </a:r>
+            <a:r>
+              <a:rPr lang="en-US" sz="1800" dirty="0">
+                <a:solidFill>
+                  <a:schemeClr val="bg1">
+                    <a:lumMod val="95000"/>
+                  </a:schemeClr>
+                </a:solidFill>
+                <a:latin typeface="Calibri" panose="020F0502020204030204" pitchFamily="34" charset="0"/>
+                <a:ea typeface="Calibri" panose="020F0502020204030204" pitchFamily="34" charset="0"/>
+                <a:cs typeface="Calibri" panose="020F0502020204030204" pitchFamily="34" charset="0"/>
+              </a:rPr>
+              <a:t> </a:t>
+            </a:r>
+            <a:r>
+              <a:rPr lang="en-US" sz="1800" dirty="0" err="1">
+                <a:solidFill>
+                  <a:schemeClr val="bg1">
+                    <a:lumMod val="95000"/>
+                  </a:schemeClr>
+                </a:solidFill>
+                <a:latin typeface="Calibri" panose="020F0502020204030204" pitchFamily="34" charset="0"/>
+                <a:ea typeface="Calibri" panose="020F0502020204030204" pitchFamily="34" charset="0"/>
+                <a:cs typeface="Calibri" panose="020F0502020204030204" pitchFamily="34" charset="0"/>
+              </a:rPr>
+              <a:t>quần</a:t>
+            </a:r>
+            <a:r>
+              <a:rPr lang="en-US" sz="1800" dirty="0">
+                <a:solidFill>
+                  <a:schemeClr val="bg1">
+                    <a:lumMod val="95000"/>
+                  </a:schemeClr>
+                </a:solidFill>
+                <a:latin typeface="Calibri" panose="020F0502020204030204" pitchFamily="34" charset="0"/>
+                <a:ea typeface="Calibri" panose="020F0502020204030204" pitchFamily="34" charset="0"/>
+                <a:cs typeface="Calibri" panose="020F0502020204030204" pitchFamily="34" charset="0"/>
+              </a:rPr>
+              <a:t> </a:t>
+            </a:r>
+            <a:r>
+              <a:rPr lang="en-US" sz="1800" dirty="0" err="1">
+                <a:solidFill>
+                  <a:schemeClr val="bg1">
+                    <a:lumMod val="95000"/>
+                  </a:schemeClr>
+                </a:solidFill>
+                <a:latin typeface="Calibri" panose="020F0502020204030204" pitchFamily="34" charset="0"/>
+                <a:ea typeface="Calibri" panose="020F0502020204030204" pitchFamily="34" charset="0"/>
+                <a:cs typeface="Calibri" panose="020F0502020204030204" pitchFamily="34" charset="0"/>
+              </a:rPr>
+              <a:t>áo</a:t>
+            </a:r>
+            <a:endParaRPr lang="en-US" sz="1800" dirty="0">
+              <a:solidFill>
+                <a:schemeClr val="bg1">
+                  <a:lumMod val="95000"/>
+                </a:schemeClr>
+              </a:solidFill>
+              <a:latin typeface="Calibri" panose="020F0502020204030204" pitchFamily="34" charset="0"/>
+              <a:ea typeface="Calibri" panose="020F0502020204030204" pitchFamily="34" charset="0"/>
+              <a:cs typeface="Calibri" panose="020F0502020204030204" pitchFamily="34" charset="0"/>
+            </a:endParaRPr>
+          </a:p>
+          <a:p>
+            <a:r>
+              <a:rPr lang="en-US" sz="1800" dirty="0">
+                <a:solidFill>
+                  <a:schemeClr val="bg1">
+                    <a:lumMod val="95000"/>
+                  </a:schemeClr>
+                </a:solidFill>
+                <a:effectLst/>
+                <a:latin typeface="Calibri" panose="020F0502020204030204" pitchFamily="34" charset="0"/>
+                <a:ea typeface="Calibri" panose="020F0502020204030204" pitchFamily="34" charset="0"/>
+                <a:cs typeface="Calibri" panose="020F0502020204030204" pitchFamily="34" charset="0"/>
+              </a:rPr>
+              <a:t>2.	</a:t>
+            </a:r>
+            <a:r>
+              <a:rPr lang="en-US" sz="1800" dirty="0" err="1">
+                <a:solidFill>
+                  <a:schemeClr val="bg1">
+                    <a:lumMod val="95000"/>
+                  </a:schemeClr>
+                </a:solidFill>
+                <a:effectLst/>
+                <a:latin typeface="Calibri" panose="020F0502020204030204" pitchFamily="34" charset="0"/>
+                <a:ea typeface="Calibri" panose="020F0502020204030204" pitchFamily="34" charset="0"/>
+                <a:cs typeface="Calibri" panose="020F0502020204030204" pitchFamily="34" charset="0"/>
+              </a:rPr>
+              <a:t>Qu</a:t>
+            </a:r>
+            <a:r>
+              <a:rPr lang="en-US" sz="1800" dirty="0" err="1">
+                <a:solidFill>
+                  <a:schemeClr val="bg1">
+                    <a:lumMod val="95000"/>
+                  </a:schemeClr>
+                </a:solidFill>
+                <a:latin typeface="Calibri" panose="020F0502020204030204" pitchFamily="34" charset="0"/>
+                <a:ea typeface="Calibri" panose="020F0502020204030204" pitchFamily="34" charset="0"/>
+                <a:cs typeface="Calibri" panose="020F0502020204030204" pitchFamily="34" charset="0"/>
+              </a:rPr>
+              <a:t>ản</a:t>
+            </a:r>
+            <a:r>
+              <a:rPr lang="en-US" sz="1800" dirty="0">
+                <a:solidFill>
+                  <a:schemeClr val="bg1">
+                    <a:lumMod val="95000"/>
+                  </a:schemeClr>
+                </a:solidFill>
+                <a:latin typeface="Calibri" panose="020F0502020204030204" pitchFamily="34" charset="0"/>
+                <a:ea typeface="Calibri" panose="020F0502020204030204" pitchFamily="34" charset="0"/>
+                <a:cs typeface="Calibri" panose="020F0502020204030204" pitchFamily="34" charset="0"/>
+              </a:rPr>
+              <a:t> </a:t>
+            </a:r>
+            <a:r>
+              <a:rPr lang="en-US" sz="1800" dirty="0" err="1">
+                <a:solidFill>
+                  <a:schemeClr val="bg1">
+                    <a:lumMod val="95000"/>
+                  </a:schemeClr>
+                </a:solidFill>
+                <a:latin typeface="Calibri" panose="020F0502020204030204" pitchFamily="34" charset="0"/>
+                <a:ea typeface="Calibri" panose="020F0502020204030204" pitchFamily="34" charset="0"/>
+                <a:cs typeface="Calibri" panose="020F0502020204030204" pitchFamily="34" charset="0"/>
+              </a:rPr>
+              <a:t>lý</a:t>
+            </a:r>
+            <a:r>
+              <a:rPr lang="en-US" sz="1800" dirty="0">
+                <a:solidFill>
+                  <a:schemeClr val="bg1">
+                    <a:lumMod val="95000"/>
+                  </a:schemeClr>
+                </a:solidFill>
+                <a:latin typeface="Calibri" panose="020F0502020204030204" pitchFamily="34" charset="0"/>
+                <a:ea typeface="Calibri" panose="020F0502020204030204" pitchFamily="34" charset="0"/>
+                <a:cs typeface="Calibri" panose="020F0502020204030204" pitchFamily="34" charset="0"/>
+              </a:rPr>
+              <a:t> </a:t>
+            </a:r>
+            <a:r>
+              <a:rPr lang="en-US" sz="1800" dirty="0" err="1">
+                <a:solidFill>
+                  <a:schemeClr val="bg1">
+                    <a:lumMod val="95000"/>
+                  </a:schemeClr>
+                </a:solidFill>
+                <a:latin typeface="Calibri" panose="020F0502020204030204" pitchFamily="34" charset="0"/>
+                <a:ea typeface="Calibri" panose="020F0502020204030204" pitchFamily="34" charset="0"/>
+                <a:cs typeface="Calibri" panose="020F0502020204030204" pitchFamily="34" charset="0"/>
+              </a:rPr>
+              <a:t>thống</a:t>
+            </a:r>
+            <a:r>
+              <a:rPr lang="en-US" sz="1800" dirty="0">
+                <a:solidFill>
+                  <a:schemeClr val="bg1">
+                    <a:lumMod val="95000"/>
+                  </a:schemeClr>
+                </a:solidFill>
+                <a:latin typeface="Calibri" panose="020F0502020204030204" pitchFamily="34" charset="0"/>
+                <a:ea typeface="Calibri" panose="020F0502020204030204" pitchFamily="34" charset="0"/>
+                <a:cs typeface="Calibri" panose="020F0502020204030204" pitchFamily="34" charset="0"/>
+              </a:rPr>
+              <a:t> </a:t>
+            </a:r>
+            <a:r>
+              <a:rPr lang="en-US" sz="1800" dirty="0" err="1">
+                <a:solidFill>
+                  <a:schemeClr val="bg1">
+                    <a:lumMod val="95000"/>
+                  </a:schemeClr>
+                </a:solidFill>
+                <a:latin typeface="Calibri" panose="020F0502020204030204" pitchFamily="34" charset="0"/>
+                <a:ea typeface="Calibri" panose="020F0502020204030204" pitchFamily="34" charset="0"/>
+                <a:cs typeface="Calibri" panose="020F0502020204030204" pitchFamily="34" charset="0"/>
+              </a:rPr>
+              <a:t>kê</a:t>
+            </a:r>
+            <a:r>
+              <a:rPr lang="en-US" sz="1800" dirty="0">
+                <a:solidFill>
+                  <a:schemeClr val="bg1">
+                    <a:lumMod val="95000"/>
+                  </a:schemeClr>
+                </a:solidFill>
+                <a:latin typeface="Calibri" panose="020F0502020204030204" pitchFamily="34" charset="0"/>
+                <a:ea typeface="Calibri" panose="020F0502020204030204" pitchFamily="34" charset="0"/>
+                <a:cs typeface="Calibri" panose="020F0502020204030204" pitchFamily="34" charset="0"/>
+              </a:rPr>
+              <a:t> </a:t>
+            </a:r>
+            <a:r>
+              <a:rPr lang="en-US" sz="1800" dirty="0" err="1">
+                <a:solidFill>
+                  <a:schemeClr val="bg1">
+                    <a:lumMod val="95000"/>
+                  </a:schemeClr>
+                </a:solidFill>
+                <a:latin typeface="Calibri" panose="020F0502020204030204" pitchFamily="34" charset="0"/>
+                <a:ea typeface="Calibri" panose="020F0502020204030204" pitchFamily="34" charset="0"/>
+                <a:cs typeface="Calibri" panose="020F0502020204030204" pitchFamily="34" charset="0"/>
+              </a:rPr>
+              <a:t>doanh</a:t>
+            </a:r>
+            <a:r>
+              <a:rPr lang="en-US" sz="1800" dirty="0">
+                <a:solidFill>
+                  <a:schemeClr val="bg1">
+                    <a:lumMod val="95000"/>
+                  </a:schemeClr>
+                </a:solidFill>
+                <a:latin typeface="Calibri" panose="020F0502020204030204" pitchFamily="34" charset="0"/>
+                <a:ea typeface="Calibri" panose="020F0502020204030204" pitchFamily="34" charset="0"/>
+                <a:cs typeface="Calibri" panose="020F0502020204030204" pitchFamily="34" charset="0"/>
+              </a:rPr>
+              <a:t> </a:t>
+            </a:r>
+            <a:r>
+              <a:rPr lang="en-US" sz="1800" dirty="0" err="1">
+                <a:solidFill>
+                  <a:schemeClr val="bg1">
+                    <a:lumMod val="95000"/>
+                  </a:schemeClr>
+                </a:solidFill>
+                <a:latin typeface="Calibri" panose="020F0502020204030204" pitchFamily="34" charset="0"/>
+                <a:ea typeface="Calibri" panose="020F0502020204030204" pitchFamily="34" charset="0"/>
+                <a:cs typeface="Calibri" panose="020F0502020204030204" pitchFamily="34" charset="0"/>
+              </a:rPr>
+              <a:t>thu</a:t>
+            </a:r>
+            <a:r>
+              <a:rPr lang="en-US" sz="1800" dirty="0">
+                <a:solidFill>
+                  <a:schemeClr val="bg1">
+                    <a:lumMod val="95000"/>
+                  </a:schemeClr>
+                </a:solidFill>
+                <a:latin typeface="Calibri" panose="020F0502020204030204" pitchFamily="34" charset="0"/>
+                <a:ea typeface="Calibri" panose="020F0502020204030204" pitchFamily="34" charset="0"/>
+                <a:cs typeface="Calibri" panose="020F0502020204030204" pitchFamily="34" charset="0"/>
+              </a:rPr>
+              <a:t> </a:t>
+            </a:r>
+            <a:r>
+              <a:rPr lang="en-US" sz="1800" dirty="0" err="1">
+                <a:solidFill>
+                  <a:schemeClr val="bg1">
+                    <a:lumMod val="95000"/>
+                  </a:schemeClr>
+                </a:solidFill>
+                <a:latin typeface="Calibri" panose="020F0502020204030204" pitchFamily="34" charset="0"/>
+                <a:ea typeface="Calibri" panose="020F0502020204030204" pitchFamily="34" charset="0"/>
+                <a:cs typeface="Calibri" panose="020F0502020204030204" pitchFamily="34" charset="0"/>
+              </a:rPr>
+              <a:t>cửa</a:t>
+            </a:r>
+            <a:r>
+              <a:rPr lang="en-US" sz="1800" dirty="0">
+                <a:solidFill>
+                  <a:schemeClr val="bg1">
+                    <a:lumMod val="95000"/>
+                  </a:schemeClr>
+                </a:solidFill>
+                <a:latin typeface="Calibri" panose="020F0502020204030204" pitchFamily="34" charset="0"/>
+                <a:ea typeface="Calibri" panose="020F0502020204030204" pitchFamily="34" charset="0"/>
+                <a:cs typeface="Calibri" panose="020F0502020204030204" pitchFamily="34" charset="0"/>
+              </a:rPr>
+              <a:t> </a:t>
+            </a:r>
+            <a:r>
+              <a:rPr lang="en-US" sz="1800" dirty="0" err="1">
+                <a:solidFill>
+                  <a:schemeClr val="bg1">
+                    <a:lumMod val="95000"/>
+                  </a:schemeClr>
+                </a:solidFill>
+                <a:latin typeface="Calibri" panose="020F0502020204030204" pitchFamily="34" charset="0"/>
+                <a:ea typeface="Calibri" panose="020F0502020204030204" pitchFamily="34" charset="0"/>
+                <a:cs typeface="Calibri" panose="020F0502020204030204" pitchFamily="34" charset="0"/>
+              </a:rPr>
+              <a:t>hàng</a:t>
+            </a:r>
+            <a:endParaRPr lang="en-US" sz="1800" dirty="0">
+              <a:solidFill>
+                <a:schemeClr val="bg1">
+                  <a:lumMod val="95000"/>
+                </a:schemeClr>
+              </a:solidFill>
+              <a:latin typeface="Calibri" panose="020F0502020204030204" pitchFamily="34" charset="0"/>
+              <a:ea typeface="Calibri" panose="020F0502020204030204" pitchFamily="34" charset="0"/>
+              <a:cs typeface="Calibri" panose="020F0502020204030204" pitchFamily="34" charset="0"/>
+            </a:endParaRPr>
+          </a:p>
+          <a:p>
+            <a:r>
+              <a:rPr lang="en-US" sz="1800" dirty="0">
+                <a:solidFill>
+                  <a:schemeClr val="bg1">
+                    <a:lumMod val="95000"/>
+                  </a:schemeClr>
+                </a:solidFill>
+                <a:latin typeface="Calibri" panose="020F0502020204030204" pitchFamily="34" charset="0"/>
+                <a:ea typeface="Calibri" panose="020F0502020204030204" pitchFamily="34" charset="0"/>
+                <a:cs typeface="Calibri" panose="020F0502020204030204" pitchFamily="34" charset="0"/>
+              </a:rPr>
+              <a:t>3.	Giao </a:t>
+            </a:r>
+            <a:r>
+              <a:rPr lang="en-US" sz="1800" dirty="0" err="1">
+                <a:solidFill>
+                  <a:schemeClr val="bg1">
+                    <a:lumMod val="95000"/>
+                  </a:schemeClr>
+                </a:solidFill>
+                <a:latin typeface="Calibri" panose="020F0502020204030204" pitchFamily="34" charset="0"/>
+                <a:ea typeface="Calibri" panose="020F0502020204030204" pitchFamily="34" charset="0"/>
+                <a:cs typeface="Calibri" panose="020F0502020204030204" pitchFamily="34" charset="0"/>
+              </a:rPr>
+              <a:t>diện</a:t>
+            </a:r>
+            <a:r>
+              <a:rPr lang="en-US" sz="1800" dirty="0">
+                <a:solidFill>
+                  <a:schemeClr val="bg1">
+                    <a:lumMod val="95000"/>
+                  </a:schemeClr>
+                </a:solidFill>
+                <a:latin typeface="Calibri" panose="020F0502020204030204" pitchFamily="34" charset="0"/>
+                <a:ea typeface="Calibri" panose="020F0502020204030204" pitchFamily="34" charset="0"/>
+                <a:cs typeface="Calibri" panose="020F0502020204030204" pitchFamily="34" charset="0"/>
+              </a:rPr>
+              <a:t> </a:t>
+            </a:r>
+            <a:r>
+              <a:rPr lang="en-US" sz="1800" dirty="0" err="1">
+                <a:solidFill>
+                  <a:schemeClr val="bg1">
+                    <a:lumMod val="95000"/>
+                  </a:schemeClr>
+                </a:solidFill>
+                <a:latin typeface="Calibri" panose="020F0502020204030204" pitchFamily="34" charset="0"/>
+                <a:ea typeface="Calibri" panose="020F0502020204030204" pitchFamily="34" charset="0"/>
+                <a:cs typeface="Calibri" panose="020F0502020204030204" pitchFamily="34" charset="0"/>
+              </a:rPr>
+              <a:t>dễ</a:t>
+            </a:r>
+            <a:r>
+              <a:rPr lang="en-US" sz="1800" dirty="0">
+                <a:solidFill>
+                  <a:schemeClr val="bg1">
+                    <a:lumMod val="95000"/>
+                  </a:schemeClr>
+                </a:solidFill>
+                <a:latin typeface="Calibri" panose="020F0502020204030204" pitchFamily="34" charset="0"/>
+                <a:ea typeface="Calibri" panose="020F0502020204030204" pitchFamily="34" charset="0"/>
+                <a:cs typeface="Calibri" panose="020F0502020204030204" pitchFamily="34" charset="0"/>
+              </a:rPr>
+              <a:t> </a:t>
+            </a:r>
+            <a:r>
+              <a:rPr lang="en-US" sz="1800" dirty="0" err="1">
+                <a:solidFill>
+                  <a:schemeClr val="bg1">
+                    <a:lumMod val="95000"/>
+                  </a:schemeClr>
+                </a:solidFill>
+                <a:latin typeface="Calibri" panose="020F0502020204030204" pitchFamily="34" charset="0"/>
+                <a:ea typeface="Calibri" panose="020F0502020204030204" pitchFamily="34" charset="0"/>
+                <a:cs typeface="Calibri" panose="020F0502020204030204" pitchFamily="34" charset="0"/>
+              </a:rPr>
+              <a:t>dàng</a:t>
+            </a:r>
+            <a:r>
+              <a:rPr lang="en-US" sz="1800" dirty="0">
+                <a:solidFill>
+                  <a:schemeClr val="bg1">
+                    <a:lumMod val="95000"/>
+                  </a:schemeClr>
+                </a:solidFill>
+                <a:latin typeface="Calibri" panose="020F0502020204030204" pitchFamily="34" charset="0"/>
+                <a:ea typeface="Calibri" panose="020F0502020204030204" pitchFamily="34" charset="0"/>
+                <a:cs typeface="Calibri" panose="020F0502020204030204" pitchFamily="34" charset="0"/>
+              </a:rPr>
+              <a:t> </a:t>
+            </a:r>
+            <a:r>
+              <a:rPr lang="en-US" sz="1800" dirty="0" err="1">
+                <a:solidFill>
+                  <a:schemeClr val="bg1">
+                    <a:lumMod val="95000"/>
+                  </a:schemeClr>
+                </a:solidFill>
+                <a:latin typeface="Calibri" panose="020F0502020204030204" pitchFamily="34" charset="0"/>
+                <a:ea typeface="Calibri" panose="020F0502020204030204" pitchFamily="34" charset="0"/>
+                <a:cs typeface="Calibri" panose="020F0502020204030204" pitchFamily="34" charset="0"/>
+              </a:rPr>
+              <a:t>sử</a:t>
+            </a:r>
+            <a:r>
+              <a:rPr lang="en-US" sz="1800" dirty="0">
+                <a:solidFill>
+                  <a:schemeClr val="bg1">
+                    <a:lumMod val="95000"/>
+                  </a:schemeClr>
+                </a:solidFill>
+                <a:latin typeface="Calibri" panose="020F0502020204030204" pitchFamily="34" charset="0"/>
+                <a:ea typeface="Calibri" panose="020F0502020204030204" pitchFamily="34" charset="0"/>
+                <a:cs typeface="Calibri" panose="020F0502020204030204" pitchFamily="34" charset="0"/>
+              </a:rPr>
+              <a:t> </a:t>
+            </a:r>
+            <a:r>
+              <a:rPr lang="en-US" sz="1800" dirty="0" err="1">
+                <a:solidFill>
+                  <a:schemeClr val="bg1">
+                    <a:lumMod val="95000"/>
+                  </a:schemeClr>
+                </a:solidFill>
+                <a:latin typeface="Calibri" panose="020F0502020204030204" pitchFamily="34" charset="0"/>
+                <a:ea typeface="Calibri" panose="020F0502020204030204" pitchFamily="34" charset="0"/>
+                <a:cs typeface="Calibri" panose="020F0502020204030204" pitchFamily="34" charset="0"/>
+              </a:rPr>
+              <a:t>dụng</a:t>
+            </a:r>
+            <a:r>
+              <a:rPr lang="en-US" sz="1800" dirty="0">
+                <a:solidFill>
+                  <a:schemeClr val="bg1">
+                    <a:lumMod val="95000"/>
+                  </a:schemeClr>
+                </a:solidFill>
+                <a:latin typeface="Calibri" panose="020F0502020204030204" pitchFamily="34" charset="0"/>
+                <a:ea typeface="Calibri" panose="020F0502020204030204" pitchFamily="34" charset="0"/>
+                <a:cs typeface="Calibri" panose="020F0502020204030204" pitchFamily="34" charset="0"/>
+              </a:rPr>
+              <a:t>, </a:t>
+            </a:r>
+            <a:r>
+              <a:rPr lang="en-US" sz="1800" dirty="0" err="1">
+                <a:solidFill>
+                  <a:schemeClr val="bg1">
+                    <a:lumMod val="95000"/>
+                  </a:schemeClr>
+                </a:solidFill>
+                <a:latin typeface="Calibri" panose="020F0502020204030204" pitchFamily="34" charset="0"/>
+                <a:ea typeface="Calibri" panose="020F0502020204030204" pitchFamily="34" charset="0"/>
+                <a:cs typeface="Calibri" panose="020F0502020204030204" pitchFamily="34" charset="0"/>
+              </a:rPr>
+              <a:t>gần</a:t>
+            </a:r>
+            <a:r>
+              <a:rPr lang="en-US" sz="1800" dirty="0">
+                <a:solidFill>
+                  <a:schemeClr val="bg1">
+                    <a:lumMod val="95000"/>
+                  </a:schemeClr>
+                </a:solidFill>
+                <a:latin typeface="Calibri" panose="020F0502020204030204" pitchFamily="34" charset="0"/>
+                <a:ea typeface="Calibri" panose="020F0502020204030204" pitchFamily="34" charset="0"/>
+                <a:cs typeface="Calibri" panose="020F0502020204030204" pitchFamily="34" charset="0"/>
+              </a:rPr>
+              <a:t> </a:t>
+            </a:r>
+            <a:r>
+              <a:rPr lang="en-US" sz="1800" dirty="0" err="1">
+                <a:solidFill>
+                  <a:schemeClr val="bg1">
+                    <a:lumMod val="95000"/>
+                  </a:schemeClr>
+                </a:solidFill>
+                <a:latin typeface="Calibri" panose="020F0502020204030204" pitchFamily="34" charset="0"/>
+                <a:ea typeface="Calibri" panose="020F0502020204030204" pitchFamily="34" charset="0"/>
+                <a:cs typeface="Calibri" panose="020F0502020204030204" pitchFamily="34" charset="0"/>
+              </a:rPr>
+              <a:t>gũi</a:t>
+            </a:r>
+            <a:endParaRPr lang="en-US" sz="1800" dirty="0">
+              <a:solidFill>
+                <a:schemeClr val="bg1">
+                  <a:lumMod val="95000"/>
+                </a:schemeClr>
+              </a:solidFill>
+              <a:latin typeface="Calibri" panose="020F0502020204030204" pitchFamily="34" charset="0"/>
+              <a:ea typeface="Calibri" panose="020F0502020204030204" pitchFamily="34" charset="0"/>
+              <a:cs typeface="Calibri" panose="020F0502020204030204" pitchFamily="34" charset="0"/>
+            </a:endParaRPr>
+          </a:p>
+          <a:p>
+            <a:r>
+              <a:rPr lang="en-US" sz="1800" dirty="0">
+                <a:solidFill>
+                  <a:schemeClr val="bg1">
+                    <a:lumMod val="95000"/>
+                  </a:schemeClr>
+                </a:solidFill>
+                <a:latin typeface="Calibri" panose="020F0502020204030204" pitchFamily="34" charset="0"/>
+                <a:ea typeface="Calibri" panose="020F0502020204030204" pitchFamily="34" charset="0"/>
+                <a:cs typeface="Calibri" panose="020F0502020204030204" pitchFamily="34" charset="0"/>
+              </a:rPr>
+              <a:t>4.	</a:t>
+            </a:r>
+            <a:r>
+              <a:rPr lang="en-US" sz="1800" dirty="0" err="1">
+                <a:solidFill>
+                  <a:schemeClr val="bg1">
+                    <a:lumMod val="95000"/>
+                  </a:schemeClr>
+                </a:solidFill>
+                <a:latin typeface="Calibri" panose="020F0502020204030204" pitchFamily="34" charset="0"/>
+                <a:ea typeface="Calibri" panose="020F0502020204030204" pitchFamily="34" charset="0"/>
+                <a:cs typeface="Calibri" panose="020F0502020204030204" pitchFamily="34" charset="0"/>
+              </a:rPr>
+              <a:t>Tạo</a:t>
+            </a:r>
+            <a:r>
+              <a:rPr lang="en-US" sz="1800" dirty="0">
+                <a:solidFill>
+                  <a:schemeClr val="bg1">
+                    <a:lumMod val="95000"/>
+                  </a:schemeClr>
+                </a:solidFill>
+                <a:latin typeface="Calibri" panose="020F0502020204030204" pitchFamily="34" charset="0"/>
+                <a:ea typeface="Calibri" panose="020F0502020204030204" pitchFamily="34" charset="0"/>
+                <a:cs typeface="Calibri" panose="020F0502020204030204" pitchFamily="34" charset="0"/>
+              </a:rPr>
+              <a:t> </a:t>
+            </a:r>
+            <a:r>
+              <a:rPr lang="en-US" sz="1800" dirty="0" err="1">
+                <a:solidFill>
+                  <a:schemeClr val="bg1">
+                    <a:lumMod val="95000"/>
+                  </a:schemeClr>
+                </a:solidFill>
+                <a:latin typeface="Calibri" panose="020F0502020204030204" pitchFamily="34" charset="0"/>
+                <a:ea typeface="Calibri" panose="020F0502020204030204" pitchFamily="34" charset="0"/>
+                <a:cs typeface="Calibri" panose="020F0502020204030204" pitchFamily="34" charset="0"/>
+              </a:rPr>
+              <a:t>sự</a:t>
+            </a:r>
+            <a:r>
+              <a:rPr lang="en-US" sz="1800" dirty="0">
+                <a:solidFill>
+                  <a:schemeClr val="bg1">
+                    <a:lumMod val="95000"/>
+                  </a:schemeClr>
+                </a:solidFill>
+                <a:latin typeface="Calibri" panose="020F0502020204030204" pitchFamily="34" charset="0"/>
+                <a:ea typeface="Calibri" panose="020F0502020204030204" pitchFamily="34" charset="0"/>
+                <a:cs typeface="Calibri" panose="020F0502020204030204" pitchFamily="34" charset="0"/>
+              </a:rPr>
+              <a:t> </a:t>
+            </a:r>
+            <a:r>
+              <a:rPr lang="en-US" sz="1800" dirty="0" err="1">
+                <a:solidFill>
+                  <a:schemeClr val="bg1">
+                    <a:lumMod val="95000"/>
+                  </a:schemeClr>
+                </a:solidFill>
+                <a:latin typeface="Calibri" panose="020F0502020204030204" pitchFamily="34" charset="0"/>
+                <a:ea typeface="Calibri" panose="020F0502020204030204" pitchFamily="34" charset="0"/>
+                <a:cs typeface="Calibri" panose="020F0502020204030204" pitchFamily="34" charset="0"/>
+              </a:rPr>
+              <a:t>thuận</a:t>
+            </a:r>
+            <a:r>
+              <a:rPr lang="en-US" sz="1800" dirty="0">
+                <a:solidFill>
+                  <a:schemeClr val="bg1">
+                    <a:lumMod val="95000"/>
+                  </a:schemeClr>
+                </a:solidFill>
+                <a:latin typeface="Calibri" panose="020F0502020204030204" pitchFamily="34" charset="0"/>
+                <a:ea typeface="Calibri" panose="020F0502020204030204" pitchFamily="34" charset="0"/>
+                <a:cs typeface="Calibri" panose="020F0502020204030204" pitchFamily="34" charset="0"/>
+              </a:rPr>
+              <a:t> </a:t>
+            </a:r>
+            <a:r>
+              <a:rPr lang="en-US" sz="1800" dirty="0" err="1">
+                <a:solidFill>
+                  <a:schemeClr val="bg1">
+                    <a:lumMod val="95000"/>
+                  </a:schemeClr>
+                </a:solidFill>
+                <a:latin typeface="Calibri" panose="020F0502020204030204" pitchFamily="34" charset="0"/>
+                <a:ea typeface="Calibri" panose="020F0502020204030204" pitchFamily="34" charset="0"/>
+                <a:cs typeface="Calibri" panose="020F0502020204030204" pitchFamily="34" charset="0"/>
+              </a:rPr>
+              <a:t>lợi</a:t>
+            </a:r>
+            <a:r>
+              <a:rPr lang="en-US" sz="1800" dirty="0">
+                <a:solidFill>
+                  <a:schemeClr val="bg1">
+                    <a:lumMod val="95000"/>
+                  </a:schemeClr>
+                </a:solidFill>
+                <a:latin typeface="Calibri" panose="020F0502020204030204" pitchFamily="34" charset="0"/>
+                <a:ea typeface="Calibri" panose="020F0502020204030204" pitchFamily="34" charset="0"/>
+                <a:cs typeface="Calibri" panose="020F0502020204030204" pitchFamily="34" charset="0"/>
+              </a:rPr>
+              <a:t> </a:t>
+            </a:r>
+            <a:r>
+              <a:rPr lang="en-US" sz="1800" dirty="0" err="1">
+                <a:solidFill>
+                  <a:schemeClr val="bg1">
+                    <a:lumMod val="95000"/>
+                  </a:schemeClr>
+                </a:solidFill>
+                <a:latin typeface="Calibri" panose="020F0502020204030204" pitchFamily="34" charset="0"/>
+                <a:ea typeface="Calibri" panose="020F0502020204030204" pitchFamily="34" charset="0"/>
+                <a:cs typeface="Calibri" panose="020F0502020204030204" pitchFamily="34" charset="0"/>
+              </a:rPr>
+              <a:t>trong</a:t>
+            </a:r>
+            <a:r>
+              <a:rPr lang="en-US" sz="1800" dirty="0">
+                <a:solidFill>
+                  <a:schemeClr val="bg1">
+                    <a:lumMod val="95000"/>
+                  </a:schemeClr>
+                </a:solidFill>
+                <a:latin typeface="Calibri" panose="020F0502020204030204" pitchFamily="34" charset="0"/>
+                <a:ea typeface="Calibri" panose="020F0502020204030204" pitchFamily="34" charset="0"/>
+                <a:cs typeface="Calibri" panose="020F0502020204030204" pitchFamily="34" charset="0"/>
+              </a:rPr>
+              <a:t> </a:t>
+            </a:r>
+            <a:r>
+              <a:rPr lang="en-US" sz="1800" dirty="0" err="1">
+                <a:solidFill>
+                  <a:schemeClr val="bg1">
+                    <a:lumMod val="95000"/>
+                  </a:schemeClr>
+                </a:solidFill>
+                <a:latin typeface="Calibri" panose="020F0502020204030204" pitchFamily="34" charset="0"/>
+                <a:ea typeface="Calibri" panose="020F0502020204030204" pitchFamily="34" charset="0"/>
+                <a:cs typeface="Calibri" panose="020F0502020204030204" pitchFamily="34" charset="0"/>
+              </a:rPr>
+              <a:t>việc</a:t>
+            </a:r>
+            <a:r>
+              <a:rPr lang="en-US" sz="1800" dirty="0">
+                <a:solidFill>
+                  <a:schemeClr val="bg1">
+                    <a:lumMod val="95000"/>
+                  </a:schemeClr>
+                </a:solidFill>
+                <a:latin typeface="Calibri" panose="020F0502020204030204" pitchFamily="34" charset="0"/>
+                <a:ea typeface="Calibri" panose="020F0502020204030204" pitchFamily="34" charset="0"/>
+                <a:cs typeface="Calibri" panose="020F0502020204030204" pitchFamily="34" charset="0"/>
+              </a:rPr>
+              <a:t> </a:t>
+            </a:r>
+            <a:r>
+              <a:rPr lang="en-US" sz="1800" dirty="0" err="1">
+                <a:solidFill>
+                  <a:schemeClr val="bg1">
+                    <a:lumMod val="95000"/>
+                  </a:schemeClr>
+                </a:solidFill>
+                <a:latin typeface="Calibri" panose="020F0502020204030204" pitchFamily="34" charset="0"/>
+                <a:ea typeface="Calibri" panose="020F0502020204030204" pitchFamily="34" charset="0"/>
+                <a:cs typeface="Calibri" panose="020F0502020204030204" pitchFamily="34" charset="0"/>
+              </a:rPr>
+              <a:t>mua</a:t>
+            </a:r>
+            <a:r>
+              <a:rPr lang="en-US" sz="1800" dirty="0">
+                <a:solidFill>
+                  <a:schemeClr val="bg1">
+                    <a:lumMod val="95000"/>
+                  </a:schemeClr>
+                </a:solidFill>
+                <a:latin typeface="Calibri" panose="020F0502020204030204" pitchFamily="34" charset="0"/>
+                <a:ea typeface="Calibri" panose="020F0502020204030204" pitchFamily="34" charset="0"/>
+                <a:cs typeface="Calibri" panose="020F0502020204030204" pitchFamily="34" charset="0"/>
+              </a:rPr>
+              <a:t> </a:t>
+            </a:r>
+            <a:r>
+              <a:rPr lang="en-US" sz="1800" dirty="0" err="1">
+                <a:solidFill>
+                  <a:schemeClr val="bg1">
+                    <a:lumMod val="95000"/>
+                  </a:schemeClr>
+                </a:solidFill>
+                <a:latin typeface="Calibri" panose="020F0502020204030204" pitchFamily="34" charset="0"/>
+                <a:ea typeface="Calibri" panose="020F0502020204030204" pitchFamily="34" charset="0"/>
+                <a:cs typeface="Calibri" panose="020F0502020204030204" pitchFamily="34" charset="0"/>
+              </a:rPr>
+              <a:t>sắm</a:t>
+            </a:r>
+            <a:endParaRPr lang="en-US" sz="1800" dirty="0">
+              <a:solidFill>
+                <a:schemeClr val="bg1">
+                  <a:lumMod val="95000"/>
+                </a:schemeClr>
+              </a:solidFill>
+              <a:latin typeface="Calibri" panose="020F0502020204030204" pitchFamily="34" charset="0"/>
+              <a:ea typeface="Calibri" panose="020F0502020204030204" pitchFamily="34" charset="0"/>
+              <a:cs typeface="Calibri" panose="020F0502020204030204" pitchFamily="34" charset="0"/>
+            </a:endParaRPr>
           </a:p>
         </p:txBody>
       </p:sp>
@@ -29790,14 +31658,14 @@
           <p:nvPr>
             <p:extLst>
               <p:ext uri="{D42A27DB-BD31-4B8C-83A1-F6EECF244321}">
-                <p14:modId xmlns:p14="http://schemas.microsoft.com/office/powerpoint/2010/main" val="1043773413"/>
+                <p14:modId xmlns:p14="http://schemas.microsoft.com/office/powerpoint/2010/main" val="2199904659"/>
               </p:ext>
             </p:extLst>
           </p:nvPr>
         </p:nvGraphicFramePr>
         <p:xfrm>
           <a:off x="752475" y="1942464"/>
-          <a:ext cx="5908676" cy="2756536"/>
+          <a:ext cx="4958226" cy="2756536"/>
         </p:xfrm>
         <a:graphic>
           <a:graphicData uri="http://schemas.openxmlformats.org/drawingml/2006/table">
@@ -29827,13 +31695,6 @@
                     </a:ext>
                   </a:extLst>
                 </a:gridCol>
-                <a:gridCol w="950450">
-                  <a:extLst>
-                    <a:ext uri="{9D8B030D-6E8A-4147-A177-3AD203B41FA5}">
-                      <a16:colId xmlns:a16="http://schemas.microsoft.com/office/drawing/2014/main" val="2643813412"/>
-                    </a:ext>
-                  </a:extLst>
-                </a:gridCol>
               </a:tblGrid>
               <a:tr h="299003">
                 <a:tc>
@@ -29853,15 +31714,33 @@
                         </a:spcAft>
                       </a:pPr>
                       <a:r>
-                        <a:rPr lang="en-US" sz="1100">
+                        <a:rPr lang="en-US" sz="1100" dirty="0" err="1">
                           <a:effectLst/>
                           <a:latin typeface="Calibri" panose="020F0502020204030204" pitchFamily="34" charset="0"/>
                           <a:ea typeface="Calibri" panose="020F0502020204030204" pitchFamily="34" charset="0"/>
                           <a:cs typeface="Calibri" panose="020F0502020204030204" pitchFamily="34" charset="0"/>
                         </a:rPr>
-                        <a:t>Vai trò</a:t>
+                        <a:t>Vai</a:t>
                       </a:r>
-                      <a:endParaRPr lang="en-US" sz="800">
+                      <a:r>
+                        <a:rPr lang="en-US" sz="1100" dirty="0">
+                          <a:effectLst/>
+                          <a:latin typeface="Calibri" panose="020F0502020204030204" pitchFamily="34" charset="0"/>
+                          <a:ea typeface="Calibri" panose="020F0502020204030204" pitchFamily="34" charset="0"/>
+                          <a:cs typeface="Calibri" panose="020F0502020204030204" pitchFamily="34" charset="0"/>
+                        </a:rPr>
+                        <a:t> </a:t>
+                      </a:r>
+                      <a:r>
+                        <a:rPr lang="en-US" sz="1100" dirty="0" err="1">
+                          <a:effectLst/>
+                          <a:latin typeface="Calibri" panose="020F0502020204030204" pitchFamily="34" charset="0"/>
+                          <a:ea typeface="Calibri" panose="020F0502020204030204" pitchFamily="34" charset="0"/>
+                          <a:cs typeface="Calibri" panose="020F0502020204030204" pitchFamily="34" charset="0"/>
+                        </a:rPr>
+                        <a:t>trò</a:t>
+                      </a:r>
+                      <a:endParaRPr lang="en-US" sz="800" dirty="0">
                         <a:effectLst/>
                         <a:latin typeface="Calibri" panose="020F0502020204030204" pitchFamily="34" charset="0"/>
                         <a:ea typeface="Calibri" panose="020F0502020204030204" pitchFamily="34" charset="0"/>
@@ -29923,50 +31802,51 @@
                         </a:spcAft>
                       </a:pPr>
                       <a:r>
-                        <a:rPr lang="en-US" sz="1100">
+                        <a:rPr lang="en-US" sz="1100" dirty="0" err="1">
                           <a:effectLst/>
                           <a:latin typeface="Calibri" panose="020F0502020204030204" pitchFamily="34" charset="0"/>
                           <a:ea typeface="Calibri" panose="020F0502020204030204" pitchFamily="34" charset="0"/>
                           <a:cs typeface="Calibri" panose="020F0502020204030204" pitchFamily="34" charset="0"/>
                         </a:rPr>
-                        <a:t>Thông tin liên hệ</a:t>
+                        <a:t>Thông</a:t>
                       </a:r>
-                      <a:endParaRPr lang="en-US" sz="800">
-                        <a:effectLst/>
-                        <a:latin typeface="Calibri" panose="020F0502020204030204" pitchFamily="34" charset="0"/>
-                        <a:ea typeface="Calibri" panose="020F0502020204030204" pitchFamily="34" charset="0"/>
-                        <a:cs typeface="Calibri" panose="020F0502020204030204" pitchFamily="34" charset="0"/>
-                      </a:endParaRPr>
-                    </a:p>
-                  </a:txBody>
-                  <a:tcPr marL="51821" marR="51821" marT="0" marB="0"/>
-                </a:tc>
-                <a:tc>
-                  <a:txBody>
-                    <a:bodyPr/>
-                    <a:lstStyle/>
-                    <a:p>
-                      <a:pPr algn="just">
-                        <a:lnSpc>
-                          <a:spcPct val="150000"/>
-                        </a:lnSpc>
-                        <a:spcBef>
-                          <a:spcPts val="400"/>
-                        </a:spcBef>
-                        <a:spcAft>
-                          <a:spcPts val="400"/>
-                        </a:spcAft>
-                      </a:pPr>
                       <a:r>
-                        <a:rPr lang="en-US" sz="1100">
+                        <a:rPr lang="en-US" sz="1100" dirty="0">
                           <a:effectLst/>
                           <a:latin typeface="Calibri" panose="020F0502020204030204" pitchFamily="34" charset="0"/>
                           <a:ea typeface="Calibri" panose="020F0502020204030204" pitchFamily="34" charset="0"/>
                           <a:cs typeface="Calibri" panose="020F0502020204030204" pitchFamily="34" charset="0"/>
                         </a:rPr>
-                        <a:t>Chữ ký</a:t>
+                        <a:t> tin </a:t>
                       </a:r>
-                      <a:endParaRPr lang="en-US" sz="800">
+                      <a:r>
+                        <a:rPr lang="en-US" sz="1100" dirty="0" err="1">
+                          <a:effectLst/>
+                          <a:latin typeface="Calibri" panose="020F0502020204030204" pitchFamily="34" charset="0"/>
+                          <a:ea typeface="Calibri" panose="020F0502020204030204" pitchFamily="34" charset="0"/>
+                          <a:cs typeface="Calibri" panose="020F0502020204030204" pitchFamily="34" charset="0"/>
+                        </a:rPr>
+                        <a:t>liên</a:t>
+                      </a:r>
+                      <a:r>
+                        <a:rPr lang="en-US" sz="1100" dirty="0">
+                          <a:effectLst/>
+                          <a:latin typeface="Calibri" panose="020F0502020204030204" pitchFamily="34" charset="0"/>
+                          <a:ea typeface="Calibri" panose="020F0502020204030204" pitchFamily="34" charset="0"/>
+                          <a:cs typeface="Calibri" panose="020F0502020204030204" pitchFamily="34" charset="0"/>
+                        </a:rPr>
+                        <a:t> </a:t>
+                      </a:r>
+                      <a:r>
+                        <a:rPr lang="en-US" sz="1100" dirty="0" err="1">
+                          <a:effectLst/>
+                          <a:latin typeface="Calibri" panose="020F0502020204030204" pitchFamily="34" charset="0"/>
+                          <a:ea typeface="Calibri" panose="020F0502020204030204" pitchFamily="34" charset="0"/>
+                          <a:cs typeface="Calibri" panose="020F0502020204030204" pitchFamily="34" charset="0"/>
+                        </a:rPr>
+                        <a:t>hệ</a:t>
+                      </a:r>
+                      <a:endParaRPr lang="en-US" sz="800" dirty="0">
                         <a:effectLst/>
                         <a:latin typeface="Calibri" panose="020F0502020204030204" pitchFamily="34" charset="0"/>
                         <a:ea typeface="Calibri" panose="020F0502020204030204" pitchFamily="34" charset="0"/>
@@ -30070,50 +31950,15 @@
                         </a:spcAft>
                       </a:pPr>
                       <a:r>
-                        <a:rPr lang="en-US" sz="1100">
+                        <a:rPr lang="en-US" sz="1100" dirty="0">
                           <a:effectLst/>
                           <a:latin typeface="Calibri" panose="020F0502020204030204" pitchFamily="34" charset="0"/>
                           <a:ea typeface="Calibri" panose="020F0502020204030204" pitchFamily="34" charset="0"/>
                           <a:cs typeface="Calibri" panose="020F0502020204030204" pitchFamily="34" charset="0"/>
                         </a:rPr>
-                        <a:t> </a:t>
+                        <a:t> Phạm Minh Quân</a:t>
                       </a:r>
-                      <a:endParaRPr lang="en-US" sz="800">
-                        <a:effectLst/>
-                        <a:latin typeface="Calibri" panose="020F0502020204030204" pitchFamily="34" charset="0"/>
-                        <a:ea typeface="Calibri" panose="020F0502020204030204" pitchFamily="34" charset="0"/>
-                        <a:cs typeface="Calibri" panose="020F0502020204030204" pitchFamily="34" charset="0"/>
-                      </a:endParaRPr>
-                    </a:p>
-                  </a:txBody>
-                  <a:tcPr marL="51821" marR="51821" marT="0" marB="0"/>
-                </a:tc>
-                <a:tc>
-                  <a:txBody>
-                    <a:bodyPr/>
-                    <a:lstStyle/>
-                    <a:p>
-                      <a:pPr algn="just">
-                        <a:lnSpc>
-                          <a:spcPct val="150000"/>
-                        </a:lnSpc>
-                        <a:spcBef>
-                          <a:spcPts val="400"/>
-                        </a:spcBef>
-                        <a:spcAft>
-                          <a:spcPts val="400"/>
-                        </a:spcAft>
-                      </a:pPr>
-                      <a:r>
-                        <a:rPr lang="en-US" sz="1100">
-                          <a:effectLst/>
-                          <a:latin typeface="Calibri" panose="020F0502020204030204" pitchFamily="34" charset="0"/>
-                          <a:ea typeface="Calibri" panose="020F0502020204030204" pitchFamily="34" charset="0"/>
-                          <a:cs typeface="Calibri" panose="020F0502020204030204" pitchFamily="34" charset="0"/>
-                        </a:rPr>
-                        <a:t> </a:t>
-                      </a:r>
-                      <a:endParaRPr lang="en-US" sz="800">
+                      <a:endParaRPr lang="en-US" sz="800" dirty="0">
                         <a:effectLst/>
                         <a:latin typeface="Calibri" panose="020F0502020204030204" pitchFamily="34" charset="0"/>
                         <a:ea typeface="Calibri" panose="020F0502020204030204" pitchFamily="34" charset="0"/>
@@ -30252,41 +32097,6 @@
                           <a:cs typeface="Calibri" panose="020F0502020204030204" pitchFamily="34" charset="0"/>
                         </a:rPr>
                         <a:t>Võ Đăng Quang</a:t>
-                      </a:r>
-                      <a:endParaRPr lang="en-US" sz="800">
-                        <a:effectLst/>
-                        <a:latin typeface="Calibri" panose="020F0502020204030204" pitchFamily="34" charset="0"/>
-                        <a:ea typeface="Calibri" panose="020F0502020204030204" pitchFamily="34" charset="0"/>
-                        <a:cs typeface="Calibri" panose="020F0502020204030204" pitchFamily="34" charset="0"/>
-                      </a:endParaRPr>
-                    </a:p>
-                  </a:txBody>
-                  <a:tcPr marL="51821" marR="51821" marT="0" marB="0"/>
-                </a:tc>
-                <a:tc>
-                  <a:txBody>
-                    <a:bodyPr/>
-                    <a:lstStyle/>
-                    <a:p>
-                      <a:pPr algn="just">
-                        <a:lnSpc>
-                          <a:spcPct val="150000"/>
-                        </a:lnSpc>
-                        <a:spcBef>
-                          <a:spcPts val="400"/>
-                        </a:spcBef>
-                        <a:spcAft>
-                          <a:spcPts val="400"/>
-                        </a:spcAft>
-                      </a:pPr>
-                      <a:r>
-                        <a:rPr lang="en-US" sz="1100">
-                          <a:effectLst/>
-                          <a:latin typeface="Calibri" panose="020F0502020204030204" pitchFamily="34" charset="0"/>
-                          <a:ea typeface="Calibri" panose="020F0502020204030204" pitchFamily="34" charset="0"/>
-                          <a:cs typeface="Calibri" panose="020F0502020204030204" pitchFamily="34" charset="0"/>
-                        </a:rPr>
-                        <a:t> </a:t>
                       </a:r>
                       <a:endParaRPr lang="en-US" sz="800">
                         <a:effectLst/>
@@ -30438,41 +32248,6 @@
                   </a:txBody>
                   <a:tcPr marL="51821" marR="51821" marT="0" marB="0"/>
                 </a:tc>
-                <a:tc>
-                  <a:txBody>
-                    <a:bodyPr/>
-                    <a:lstStyle/>
-                    <a:p>
-                      <a:pPr algn="just">
-                        <a:lnSpc>
-                          <a:spcPct val="150000"/>
-                        </a:lnSpc>
-                        <a:spcBef>
-                          <a:spcPts val="400"/>
-                        </a:spcBef>
-                        <a:spcAft>
-                          <a:spcPts val="400"/>
-                        </a:spcAft>
-                      </a:pPr>
-                      <a:r>
-                        <a:rPr lang="en-US" sz="1100">
-                          <a:effectLst/>
-                          <a:latin typeface="Calibri" panose="020F0502020204030204" pitchFamily="34" charset="0"/>
-                          <a:ea typeface="Calibri" panose="020F0502020204030204" pitchFamily="34" charset="0"/>
-                          <a:cs typeface="Calibri" panose="020F0502020204030204" pitchFamily="34" charset="0"/>
-                        </a:rPr>
-                        <a:t> </a:t>
-                      </a:r>
-                      <a:endParaRPr lang="en-US" sz="800">
-                        <a:effectLst/>
-                        <a:latin typeface="Calibri" panose="020F0502020204030204" pitchFamily="34" charset="0"/>
-                        <a:ea typeface="Calibri" panose="020F0502020204030204" pitchFamily="34" charset="0"/>
-                        <a:cs typeface="Calibri" panose="020F0502020204030204" pitchFamily="34" charset="0"/>
-                      </a:endParaRPr>
-                    </a:p>
-                  </a:txBody>
-                  <a:tcPr marL="51821" marR="51821" marT="0" marB="0"/>
-                </a:tc>
                 <a:extLst>
                   <a:ext uri="{0D108BD9-81ED-4DB2-BD59-A6C34878D82A}">
                     <a16:rowId xmlns:a16="http://schemas.microsoft.com/office/drawing/2014/main" val="1675914324"/>
@@ -30567,7 +32342,7 @@
                         </a:spcAft>
                       </a:pPr>
                       <a:r>
-                        <a:rPr lang="en-US" sz="1100">
+                        <a:rPr lang="en-US" sz="1100" dirty="0">
                           <a:effectLst/>
                           <a:latin typeface="Calibri" panose="020F0502020204030204" pitchFamily="34" charset="0"/>
                           <a:ea typeface="Calibri" panose="020F0502020204030204" pitchFamily="34" charset="0"/>
@@ -30575,7 +32350,7 @@
                         </a:rPr>
                         <a:t>Phạm Minh Quân,</a:t>
                       </a:r>
-                      <a:endParaRPr lang="en-US" sz="800">
+                      <a:endParaRPr lang="en-US" sz="800" dirty="0">
                         <a:effectLst/>
                         <a:latin typeface="Calibri" panose="020F0502020204030204" pitchFamily="34" charset="0"/>
                         <a:ea typeface="Calibri" panose="020F0502020204030204" pitchFamily="34" charset="0"/>
@@ -30595,50 +32370,24 @@
                         </a:spcAft>
                       </a:pPr>
                       <a:r>
-                        <a:rPr lang="en-US" sz="1100">
+                        <a:rPr lang="en-US" sz="1100" dirty="0" err="1">
                           <a:effectLst/>
                           <a:latin typeface="Calibri" panose="020F0502020204030204" pitchFamily="34" charset="0"/>
                           <a:ea typeface="Calibri" panose="020F0502020204030204" pitchFamily="34" charset="0"/>
                           <a:cs typeface="Calibri" panose="020F0502020204030204" pitchFamily="34" charset="0"/>
                         </a:rPr>
-                        <a:t>Huỳnh Minh Quân</a:t>
+                        <a:t>Huỳnh</a:t>
                       </a:r>
-                      <a:endParaRPr lang="en-US" sz="800">
-                        <a:effectLst/>
-                        <a:latin typeface="Calibri" panose="020F0502020204030204" pitchFamily="34" charset="0"/>
-                        <a:ea typeface="Calibri" panose="020F0502020204030204" pitchFamily="34" charset="0"/>
-                        <a:cs typeface="Calibri" panose="020F0502020204030204" pitchFamily="34" charset="0"/>
-                      </a:endParaRPr>
-                    </a:p>
-                  </a:txBody>
-                  <a:tcPr marL="51821" marR="51821" marT="0" marB="0"/>
-                </a:tc>
-                <a:tc>
-                  <a:txBody>
-                    <a:bodyPr/>
-                    <a:lstStyle/>
-                    <a:p>
-                      <a:pPr algn="just">
-                        <a:lnSpc>
-                          <a:spcPct val="150000"/>
-                        </a:lnSpc>
-                        <a:spcBef>
-                          <a:spcPts val="400"/>
-                        </a:spcBef>
-                        <a:spcAft>
-                          <a:spcPts val="400"/>
-                        </a:spcAft>
-                      </a:pPr>
                       <a:r>
-                        <a:rPr lang="en-US" sz="1100">
+                        <a:rPr lang="en-US" sz="1100" dirty="0">
                           <a:effectLst/>
                           <a:latin typeface="Calibri" panose="020F0502020204030204" pitchFamily="34" charset="0"/>
                           <a:ea typeface="Calibri" panose="020F0502020204030204" pitchFamily="34" charset="0"/>
                           <a:cs typeface="Calibri" panose="020F0502020204030204" pitchFamily="34" charset="0"/>
                         </a:rPr>
-                        <a:t> </a:t>
+                        <a:t> Minh Quân</a:t>
                       </a:r>
-                      <a:endParaRPr lang="en-US" sz="800">
+                      <a:endParaRPr lang="en-US" sz="800" dirty="0">
                         <a:effectLst/>
                         <a:latin typeface="Calibri" panose="020F0502020204030204" pitchFamily="34" charset="0"/>
                         <a:ea typeface="Calibri" panose="020F0502020204030204" pitchFamily="34" charset="0"/>
@@ -30975,7 +32724,7 @@
           </a:lstStyle>
           <a:p>
             <a:r>
-              <a:rPr lang="en-US" sz="2400" b="1">
+              <a:rPr lang="en-US" sz="2400" b="1" dirty="0" err="1">
                 <a:solidFill>
                   <a:schemeClr val="bg1">
                     <a:lumMod val="95000"/>
@@ -30986,12 +32735,10 @@
                 <a:ea typeface="Calibri" panose="020F0502020204030204" pitchFamily="34" charset="0"/>
                 <a:cs typeface="Calibri" panose="020F0502020204030204" pitchFamily="34" charset="0"/>
               </a:rPr>
-              <a:t>Hợp đồng nhóm</a:t>
-            </a:r>
-          </a:p>
-          <a:p>
-            <a:r>
-              <a:rPr lang="en-US" sz="1800">
+              <a:t>Hợp</a:t>
+            </a:r>
+            <a:r>
+              <a:rPr lang="en-US" sz="2400" b="1" dirty="0">
                 <a:solidFill>
                   <a:schemeClr val="bg1">
                     <a:lumMod val="95000"/>
@@ -31002,12 +32749,10 @@
                 <a:ea typeface="Calibri" panose="020F0502020204030204" pitchFamily="34" charset="0"/>
                 <a:cs typeface="Calibri" panose="020F0502020204030204" pitchFamily="34" charset="0"/>
               </a:rPr>
-              <a:t>1.	Quy tắc chung khi làm việc</a:t>
-            </a:r>
-          </a:p>
-          <a:p>
-            <a:r>
-              <a:rPr lang="en-US" sz="1800">
+              <a:t> </a:t>
+            </a:r>
+            <a:r>
+              <a:rPr lang="en-US" sz="2400" b="1" dirty="0" err="1">
                 <a:solidFill>
                   <a:schemeClr val="bg1">
                     <a:lumMod val="95000"/>
@@ -31018,12 +32763,10 @@
                 <a:ea typeface="Calibri" panose="020F0502020204030204" pitchFamily="34" charset="0"/>
                 <a:cs typeface="Calibri" panose="020F0502020204030204" pitchFamily="34" charset="0"/>
               </a:rPr>
-              <a:t>2.	Quyền và nghĩa vụ của các thành viên</a:t>
-            </a:r>
-          </a:p>
-          <a:p>
-            <a:r>
-              <a:rPr lang="en-US" sz="1800">
+              <a:t>đồng</a:t>
+            </a:r>
+            <a:r>
+              <a:rPr lang="en-US" sz="2400" b="1" dirty="0">
                 <a:solidFill>
                   <a:schemeClr val="bg1">
                     <a:lumMod val="95000"/>
@@ -31034,12 +32777,10 @@
                 <a:ea typeface="Calibri" panose="020F0502020204030204" pitchFamily="34" charset="0"/>
                 <a:cs typeface="Calibri" panose="020F0502020204030204" pitchFamily="34" charset="0"/>
               </a:rPr>
-              <a:t>3.	Việc giao tiếp trong nhóm</a:t>
-            </a:r>
-          </a:p>
-          <a:p>
-            <a:r>
-              <a:rPr lang="en-US" sz="1800">
+              <a:t> </a:t>
+            </a:r>
+            <a:r>
+              <a:rPr lang="en-US" sz="2400" b="1" dirty="0" err="1">
                 <a:solidFill>
                   <a:schemeClr val="bg1">
                     <a:lumMod val="95000"/>
@@ -31050,27 +32791,9 @@
                 <a:ea typeface="Calibri" panose="020F0502020204030204" pitchFamily="34" charset="0"/>
                 <a:cs typeface="Calibri" panose="020F0502020204030204" pitchFamily="34" charset="0"/>
               </a:rPr>
-              <a:t>4.	Giải quyết vấn đề </a:t>
-            </a:r>
-          </a:p>
-          <a:p>
-            <a:r>
-              <a:rPr lang="en-US" sz="1800">
-                <a:solidFill>
-                  <a:schemeClr val="bg1">
-                    <a:lumMod val="95000"/>
-                  </a:schemeClr>
-                </a:solidFill>
-                <a:effectLst/>
-                <a:latin typeface="Calibri" panose="020F0502020204030204" pitchFamily="34" charset="0"/>
-                <a:ea typeface="Calibri" panose="020F0502020204030204" pitchFamily="34" charset="0"/>
-                <a:cs typeface="Calibri" panose="020F0502020204030204" pitchFamily="34" charset="0"/>
-              </a:rPr>
-              <a:t>5.	Hội họp </a:t>
-            </a:r>
-          </a:p>
-          <a:p>
-            <a:endParaRPr lang="en-US" sz="2200" b="1">
+              <a:t>nhóm</a:t>
+            </a:r>
+            <a:endParaRPr lang="en-US" sz="2400" b="1" dirty="0">
               <a:solidFill>
                 <a:schemeClr val="bg1">
                   <a:lumMod val="95000"/>
@@ -31083,7 +32806,791 @@
             </a:endParaRPr>
           </a:p>
           <a:p>
-            <a:endParaRPr lang="en-US" sz="2200">
+            <a:r>
+              <a:rPr lang="en-US" sz="1800" dirty="0">
+                <a:solidFill>
+                  <a:schemeClr val="bg1">
+                    <a:lumMod val="95000"/>
+                  </a:schemeClr>
+                </a:solidFill>
+                <a:effectLst/>
+                <a:latin typeface="Calibri" panose="020F0502020204030204" pitchFamily="34" charset="0"/>
+                <a:ea typeface="Calibri" panose="020F0502020204030204" pitchFamily="34" charset="0"/>
+                <a:cs typeface="Calibri" panose="020F0502020204030204" pitchFamily="34" charset="0"/>
+              </a:rPr>
+              <a:t>1.	</a:t>
+            </a:r>
+            <a:r>
+              <a:rPr lang="en-US" sz="1800" dirty="0" err="1">
+                <a:solidFill>
+                  <a:schemeClr val="bg1">
+                    <a:lumMod val="95000"/>
+                  </a:schemeClr>
+                </a:solidFill>
+                <a:effectLst/>
+                <a:latin typeface="Calibri" panose="020F0502020204030204" pitchFamily="34" charset="0"/>
+                <a:ea typeface="Calibri" panose="020F0502020204030204" pitchFamily="34" charset="0"/>
+                <a:cs typeface="Calibri" panose="020F0502020204030204" pitchFamily="34" charset="0"/>
+              </a:rPr>
+              <a:t>Quy</a:t>
+            </a:r>
+            <a:r>
+              <a:rPr lang="en-US" sz="1800" dirty="0">
+                <a:solidFill>
+                  <a:schemeClr val="bg1">
+                    <a:lumMod val="95000"/>
+                  </a:schemeClr>
+                </a:solidFill>
+                <a:effectLst/>
+                <a:latin typeface="Calibri" panose="020F0502020204030204" pitchFamily="34" charset="0"/>
+                <a:ea typeface="Calibri" panose="020F0502020204030204" pitchFamily="34" charset="0"/>
+                <a:cs typeface="Calibri" panose="020F0502020204030204" pitchFamily="34" charset="0"/>
+              </a:rPr>
+              <a:t> </a:t>
+            </a:r>
+            <a:r>
+              <a:rPr lang="en-US" sz="1800" dirty="0" err="1">
+                <a:solidFill>
+                  <a:schemeClr val="bg1">
+                    <a:lumMod val="95000"/>
+                  </a:schemeClr>
+                </a:solidFill>
+                <a:effectLst/>
+                <a:latin typeface="Calibri" panose="020F0502020204030204" pitchFamily="34" charset="0"/>
+                <a:ea typeface="Calibri" panose="020F0502020204030204" pitchFamily="34" charset="0"/>
+                <a:cs typeface="Calibri" panose="020F0502020204030204" pitchFamily="34" charset="0"/>
+              </a:rPr>
+              <a:t>tắc</a:t>
+            </a:r>
+            <a:r>
+              <a:rPr lang="en-US" sz="1800" dirty="0">
+                <a:solidFill>
+                  <a:schemeClr val="bg1">
+                    <a:lumMod val="95000"/>
+                  </a:schemeClr>
+                </a:solidFill>
+                <a:effectLst/>
+                <a:latin typeface="Calibri" panose="020F0502020204030204" pitchFamily="34" charset="0"/>
+                <a:ea typeface="Calibri" panose="020F0502020204030204" pitchFamily="34" charset="0"/>
+                <a:cs typeface="Calibri" panose="020F0502020204030204" pitchFamily="34" charset="0"/>
+              </a:rPr>
+              <a:t> </a:t>
+            </a:r>
+            <a:r>
+              <a:rPr lang="en-US" sz="1800" dirty="0" err="1">
+                <a:solidFill>
+                  <a:schemeClr val="bg1">
+                    <a:lumMod val="95000"/>
+                  </a:schemeClr>
+                </a:solidFill>
+                <a:effectLst/>
+                <a:latin typeface="Calibri" panose="020F0502020204030204" pitchFamily="34" charset="0"/>
+                <a:ea typeface="Calibri" panose="020F0502020204030204" pitchFamily="34" charset="0"/>
+                <a:cs typeface="Calibri" panose="020F0502020204030204" pitchFamily="34" charset="0"/>
+              </a:rPr>
+              <a:t>chung</a:t>
+            </a:r>
+            <a:r>
+              <a:rPr lang="en-US" sz="1800" dirty="0">
+                <a:solidFill>
+                  <a:schemeClr val="bg1">
+                    <a:lumMod val="95000"/>
+                  </a:schemeClr>
+                </a:solidFill>
+                <a:effectLst/>
+                <a:latin typeface="Calibri" panose="020F0502020204030204" pitchFamily="34" charset="0"/>
+                <a:ea typeface="Calibri" panose="020F0502020204030204" pitchFamily="34" charset="0"/>
+                <a:cs typeface="Calibri" panose="020F0502020204030204" pitchFamily="34" charset="0"/>
+              </a:rPr>
+              <a:t> </a:t>
+            </a:r>
+            <a:r>
+              <a:rPr lang="en-US" sz="1800" dirty="0" err="1">
+                <a:solidFill>
+                  <a:schemeClr val="bg1">
+                    <a:lumMod val="95000"/>
+                  </a:schemeClr>
+                </a:solidFill>
+                <a:effectLst/>
+                <a:latin typeface="Calibri" panose="020F0502020204030204" pitchFamily="34" charset="0"/>
+                <a:ea typeface="Calibri" panose="020F0502020204030204" pitchFamily="34" charset="0"/>
+                <a:cs typeface="Calibri" panose="020F0502020204030204" pitchFamily="34" charset="0"/>
+              </a:rPr>
+              <a:t>khi</a:t>
+            </a:r>
+            <a:r>
+              <a:rPr lang="en-US" sz="1800" dirty="0">
+                <a:solidFill>
+                  <a:schemeClr val="bg1">
+                    <a:lumMod val="95000"/>
+                  </a:schemeClr>
+                </a:solidFill>
+                <a:effectLst/>
+                <a:latin typeface="Calibri" panose="020F0502020204030204" pitchFamily="34" charset="0"/>
+                <a:ea typeface="Calibri" panose="020F0502020204030204" pitchFamily="34" charset="0"/>
+                <a:cs typeface="Calibri" panose="020F0502020204030204" pitchFamily="34" charset="0"/>
+              </a:rPr>
+              <a:t> </a:t>
+            </a:r>
+            <a:r>
+              <a:rPr lang="en-US" sz="1800" dirty="0" err="1">
+                <a:solidFill>
+                  <a:schemeClr val="bg1">
+                    <a:lumMod val="95000"/>
+                  </a:schemeClr>
+                </a:solidFill>
+                <a:effectLst/>
+                <a:latin typeface="Calibri" panose="020F0502020204030204" pitchFamily="34" charset="0"/>
+                <a:ea typeface="Calibri" panose="020F0502020204030204" pitchFamily="34" charset="0"/>
+                <a:cs typeface="Calibri" panose="020F0502020204030204" pitchFamily="34" charset="0"/>
+              </a:rPr>
+              <a:t>làm</a:t>
+            </a:r>
+            <a:r>
+              <a:rPr lang="en-US" sz="1800" dirty="0">
+                <a:solidFill>
+                  <a:schemeClr val="bg1">
+                    <a:lumMod val="95000"/>
+                  </a:schemeClr>
+                </a:solidFill>
+                <a:effectLst/>
+                <a:latin typeface="Calibri" panose="020F0502020204030204" pitchFamily="34" charset="0"/>
+                <a:ea typeface="Calibri" panose="020F0502020204030204" pitchFamily="34" charset="0"/>
+                <a:cs typeface="Calibri" panose="020F0502020204030204" pitchFamily="34" charset="0"/>
+              </a:rPr>
+              <a:t> </a:t>
+            </a:r>
+            <a:r>
+              <a:rPr lang="en-US" sz="1800" dirty="0" err="1">
+                <a:solidFill>
+                  <a:schemeClr val="bg1">
+                    <a:lumMod val="95000"/>
+                  </a:schemeClr>
+                </a:solidFill>
+                <a:effectLst/>
+                <a:latin typeface="Calibri" panose="020F0502020204030204" pitchFamily="34" charset="0"/>
+                <a:ea typeface="Calibri" panose="020F0502020204030204" pitchFamily="34" charset="0"/>
+                <a:cs typeface="Calibri" panose="020F0502020204030204" pitchFamily="34" charset="0"/>
+              </a:rPr>
+              <a:t>việc</a:t>
+            </a:r>
+            <a:endParaRPr lang="en-US" sz="1800" dirty="0">
+              <a:solidFill>
+                <a:schemeClr val="bg1">
+                  <a:lumMod val="95000"/>
+                </a:schemeClr>
+              </a:solidFill>
+              <a:effectLst/>
+              <a:latin typeface="Calibri" panose="020F0502020204030204" pitchFamily="34" charset="0"/>
+              <a:ea typeface="Calibri" panose="020F0502020204030204" pitchFamily="34" charset="0"/>
+              <a:cs typeface="Calibri" panose="020F0502020204030204" pitchFamily="34" charset="0"/>
+            </a:endParaRPr>
+          </a:p>
+          <a:p>
+            <a:r>
+              <a:rPr lang="en-US" sz="1800" dirty="0">
+                <a:solidFill>
+                  <a:schemeClr val="bg1">
+                    <a:lumMod val="95000"/>
+                  </a:schemeClr>
+                </a:solidFill>
+                <a:effectLst/>
+                <a:latin typeface="Calibri" panose="020F0502020204030204" pitchFamily="34" charset="0"/>
+                <a:ea typeface="Calibri" panose="020F0502020204030204" pitchFamily="34" charset="0"/>
+                <a:cs typeface="Calibri" panose="020F0502020204030204" pitchFamily="34" charset="0"/>
+              </a:rPr>
+              <a:t>2.	</a:t>
+            </a:r>
+            <a:r>
+              <a:rPr lang="en-US" sz="1800" dirty="0" err="1">
+                <a:solidFill>
+                  <a:schemeClr val="bg1">
+                    <a:lumMod val="95000"/>
+                  </a:schemeClr>
+                </a:solidFill>
+                <a:effectLst/>
+                <a:latin typeface="Calibri" panose="020F0502020204030204" pitchFamily="34" charset="0"/>
+                <a:ea typeface="Calibri" panose="020F0502020204030204" pitchFamily="34" charset="0"/>
+                <a:cs typeface="Calibri" panose="020F0502020204030204" pitchFamily="34" charset="0"/>
+              </a:rPr>
+              <a:t>Quyền</a:t>
+            </a:r>
+            <a:r>
+              <a:rPr lang="en-US" sz="1800" dirty="0">
+                <a:solidFill>
+                  <a:schemeClr val="bg1">
+                    <a:lumMod val="95000"/>
+                  </a:schemeClr>
+                </a:solidFill>
+                <a:effectLst/>
+                <a:latin typeface="Calibri" panose="020F0502020204030204" pitchFamily="34" charset="0"/>
+                <a:ea typeface="Calibri" panose="020F0502020204030204" pitchFamily="34" charset="0"/>
+                <a:cs typeface="Calibri" panose="020F0502020204030204" pitchFamily="34" charset="0"/>
+              </a:rPr>
+              <a:t> </a:t>
+            </a:r>
+            <a:r>
+              <a:rPr lang="en-US" sz="1800" dirty="0" err="1">
+                <a:solidFill>
+                  <a:schemeClr val="bg1">
+                    <a:lumMod val="95000"/>
+                  </a:schemeClr>
+                </a:solidFill>
+                <a:effectLst/>
+                <a:latin typeface="Calibri" panose="020F0502020204030204" pitchFamily="34" charset="0"/>
+                <a:ea typeface="Calibri" panose="020F0502020204030204" pitchFamily="34" charset="0"/>
+                <a:cs typeface="Calibri" panose="020F0502020204030204" pitchFamily="34" charset="0"/>
+              </a:rPr>
+              <a:t>và</a:t>
+            </a:r>
+            <a:r>
+              <a:rPr lang="en-US" sz="1800" dirty="0">
+                <a:solidFill>
+                  <a:schemeClr val="bg1">
+                    <a:lumMod val="95000"/>
+                  </a:schemeClr>
+                </a:solidFill>
+                <a:effectLst/>
+                <a:latin typeface="Calibri" panose="020F0502020204030204" pitchFamily="34" charset="0"/>
+                <a:ea typeface="Calibri" panose="020F0502020204030204" pitchFamily="34" charset="0"/>
+                <a:cs typeface="Calibri" panose="020F0502020204030204" pitchFamily="34" charset="0"/>
+              </a:rPr>
+              <a:t> </a:t>
+            </a:r>
+            <a:r>
+              <a:rPr lang="en-US" sz="1800" dirty="0" err="1">
+                <a:solidFill>
+                  <a:schemeClr val="bg1">
+                    <a:lumMod val="95000"/>
+                  </a:schemeClr>
+                </a:solidFill>
+                <a:effectLst/>
+                <a:latin typeface="Calibri" panose="020F0502020204030204" pitchFamily="34" charset="0"/>
+                <a:ea typeface="Calibri" panose="020F0502020204030204" pitchFamily="34" charset="0"/>
+                <a:cs typeface="Calibri" panose="020F0502020204030204" pitchFamily="34" charset="0"/>
+              </a:rPr>
+              <a:t>nghĩa</a:t>
+            </a:r>
+            <a:r>
+              <a:rPr lang="en-US" sz="1800" dirty="0">
+                <a:solidFill>
+                  <a:schemeClr val="bg1">
+                    <a:lumMod val="95000"/>
+                  </a:schemeClr>
+                </a:solidFill>
+                <a:effectLst/>
+                <a:latin typeface="Calibri" panose="020F0502020204030204" pitchFamily="34" charset="0"/>
+                <a:ea typeface="Calibri" panose="020F0502020204030204" pitchFamily="34" charset="0"/>
+                <a:cs typeface="Calibri" panose="020F0502020204030204" pitchFamily="34" charset="0"/>
+              </a:rPr>
+              <a:t> </a:t>
+            </a:r>
+            <a:r>
+              <a:rPr lang="en-US" sz="1800" dirty="0" err="1">
+                <a:solidFill>
+                  <a:schemeClr val="bg1">
+                    <a:lumMod val="95000"/>
+                  </a:schemeClr>
+                </a:solidFill>
+                <a:effectLst/>
+                <a:latin typeface="Calibri" panose="020F0502020204030204" pitchFamily="34" charset="0"/>
+                <a:ea typeface="Calibri" panose="020F0502020204030204" pitchFamily="34" charset="0"/>
+                <a:cs typeface="Calibri" panose="020F0502020204030204" pitchFamily="34" charset="0"/>
+              </a:rPr>
+              <a:t>vụ</a:t>
+            </a:r>
+            <a:r>
+              <a:rPr lang="en-US" sz="1800" dirty="0">
+                <a:solidFill>
+                  <a:schemeClr val="bg1">
+                    <a:lumMod val="95000"/>
+                  </a:schemeClr>
+                </a:solidFill>
+                <a:effectLst/>
+                <a:latin typeface="Calibri" panose="020F0502020204030204" pitchFamily="34" charset="0"/>
+                <a:ea typeface="Calibri" panose="020F0502020204030204" pitchFamily="34" charset="0"/>
+                <a:cs typeface="Calibri" panose="020F0502020204030204" pitchFamily="34" charset="0"/>
+              </a:rPr>
+              <a:t> </a:t>
+            </a:r>
+            <a:r>
+              <a:rPr lang="en-US" sz="1800" dirty="0" err="1">
+                <a:solidFill>
+                  <a:schemeClr val="bg1">
+                    <a:lumMod val="95000"/>
+                  </a:schemeClr>
+                </a:solidFill>
+                <a:effectLst/>
+                <a:latin typeface="Calibri" panose="020F0502020204030204" pitchFamily="34" charset="0"/>
+                <a:ea typeface="Calibri" panose="020F0502020204030204" pitchFamily="34" charset="0"/>
+                <a:cs typeface="Calibri" panose="020F0502020204030204" pitchFamily="34" charset="0"/>
+              </a:rPr>
+              <a:t>của</a:t>
+            </a:r>
+            <a:r>
+              <a:rPr lang="en-US" sz="1800" dirty="0">
+                <a:solidFill>
+                  <a:schemeClr val="bg1">
+                    <a:lumMod val="95000"/>
+                  </a:schemeClr>
+                </a:solidFill>
+                <a:effectLst/>
+                <a:latin typeface="Calibri" panose="020F0502020204030204" pitchFamily="34" charset="0"/>
+                <a:ea typeface="Calibri" panose="020F0502020204030204" pitchFamily="34" charset="0"/>
+                <a:cs typeface="Calibri" panose="020F0502020204030204" pitchFamily="34" charset="0"/>
+              </a:rPr>
+              <a:t> </a:t>
+            </a:r>
+            <a:r>
+              <a:rPr lang="en-US" sz="1800" dirty="0" err="1">
+                <a:solidFill>
+                  <a:schemeClr val="bg1">
+                    <a:lumMod val="95000"/>
+                  </a:schemeClr>
+                </a:solidFill>
+                <a:effectLst/>
+                <a:latin typeface="Calibri" panose="020F0502020204030204" pitchFamily="34" charset="0"/>
+                <a:ea typeface="Calibri" panose="020F0502020204030204" pitchFamily="34" charset="0"/>
+                <a:cs typeface="Calibri" panose="020F0502020204030204" pitchFamily="34" charset="0"/>
+              </a:rPr>
+              <a:t>các</a:t>
+            </a:r>
+            <a:r>
+              <a:rPr lang="en-US" sz="1800" dirty="0">
+                <a:solidFill>
+                  <a:schemeClr val="bg1">
+                    <a:lumMod val="95000"/>
+                  </a:schemeClr>
+                </a:solidFill>
+                <a:effectLst/>
+                <a:latin typeface="Calibri" panose="020F0502020204030204" pitchFamily="34" charset="0"/>
+                <a:ea typeface="Calibri" panose="020F0502020204030204" pitchFamily="34" charset="0"/>
+                <a:cs typeface="Calibri" panose="020F0502020204030204" pitchFamily="34" charset="0"/>
+              </a:rPr>
+              <a:t> </a:t>
+            </a:r>
+            <a:r>
+              <a:rPr lang="en-US" sz="1800" dirty="0" err="1">
+                <a:solidFill>
+                  <a:schemeClr val="bg1">
+                    <a:lumMod val="95000"/>
+                  </a:schemeClr>
+                </a:solidFill>
+                <a:effectLst/>
+                <a:latin typeface="Calibri" panose="020F0502020204030204" pitchFamily="34" charset="0"/>
+                <a:ea typeface="Calibri" panose="020F0502020204030204" pitchFamily="34" charset="0"/>
+                <a:cs typeface="Calibri" panose="020F0502020204030204" pitchFamily="34" charset="0"/>
+              </a:rPr>
+              <a:t>thành</a:t>
+            </a:r>
+            <a:r>
+              <a:rPr lang="en-US" sz="1800" dirty="0">
+                <a:solidFill>
+                  <a:schemeClr val="bg1">
+                    <a:lumMod val="95000"/>
+                  </a:schemeClr>
+                </a:solidFill>
+                <a:effectLst/>
+                <a:latin typeface="Calibri" panose="020F0502020204030204" pitchFamily="34" charset="0"/>
+                <a:ea typeface="Calibri" panose="020F0502020204030204" pitchFamily="34" charset="0"/>
+                <a:cs typeface="Calibri" panose="020F0502020204030204" pitchFamily="34" charset="0"/>
+              </a:rPr>
+              <a:t> </a:t>
+            </a:r>
+            <a:r>
+              <a:rPr lang="en-US" sz="1800" dirty="0" err="1">
+                <a:solidFill>
+                  <a:schemeClr val="bg1">
+                    <a:lumMod val="95000"/>
+                  </a:schemeClr>
+                </a:solidFill>
+                <a:effectLst/>
+                <a:latin typeface="Calibri" panose="020F0502020204030204" pitchFamily="34" charset="0"/>
+                <a:ea typeface="Calibri" panose="020F0502020204030204" pitchFamily="34" charset="0"/>
+                <a:cs typeface="Calibri" panose="020F0502020204030204" pitchFamily="34" charset="0"/>
+              </a:rPr>
+              <a:t>viên</a:t>
+            </a:r>
+            <a:endParaRPr lang="en-US" sz="1800" dirty="0">
+              <a:solidFill>
+                <a:schemeClr val="bg1">
+                  <a:lumMod val="95000"/>
+                </a:schemeClr>
+              </a:solidFill>
+              <a:effectLst/>
+              <a:latin typeface="Calibri" panose="020F0502020204030204" pitchFamily="34" charset="0"/>
+              <a:ea typeface="Calibri" panose="020F0502020204030204" pitchFamily="34" charset="0"/>
+              <a:cs typeface="Calibri" panose="020F0502020204030204" pitchFamily="34" charset="0"/>
+            </a:endParaRPr>
+          </a:p>
+          <a:p>
+            <a:r>
+              <a:rPr lang="en-US" sz="1800" dirty="0">
+                <a:solidFill>
+                  <a:schemeClr val="bg1">
+                    <a:lumMod val="95000"/>
+                  </a:schemeClr>
+                </a:solidFill>
+                <a:effectLst/>
+                <a:latin typeface="Calibri" panose="020F0502020204030204" pitchFamily="34" charset="0"/>
+                <a:ea typeface="Calibri" panose="020F0502020204030204" pitchFamily="34" charset="0"/>
+                <a:cs typeface="Calibri" panose="020F0502020204030204" pitchFamily="34" charset="0"/>
+              </a:rPr>
+              <a:t>3.	</a:t>
+            </a:r>
+            <a:r>
+              <a:rPr lang="en-US" sz="1800" dirty="0" err="1">
+                <a:solidFill>
+                  <a:schemeClr val="bg1">
+                    <a:lumMod val="95000"/>
+                  </a:schemeClr>
+                </a:solidFill>
+                <a:effectLst/>
+                <a:latin typeface="Calibri" panose="020F0502020204030204" pitchFamily="34" charset="0"/>
+                <a:ea typeface="Calibri" panose="020F0502020204030204" pitchFamily="34" charset="0"/>
+                <a:cs typeface="Calibri" panose="020F0502020204030204" pitchFamily="34" charset="0"/>
+              </a:rPr>
+              <a:t>Việc</a:t>
+            </a:r>
+            <a:r>
+              <a:rPr lang="en-US" sz="1800" dirty="0">
+                <a:solidFill>
+                  <a:schemeClr val="bg1">
+                    <a:lumMod val="95000"/>
+                  </a:schemeClr>
+                </a:solidFill>
+                <a:effectLst/>
+                <a:latin typeface="Calibri" panose="020F0502020204030204" pitchFamily="34" charset="0"/>
+                <a:ea typeface="Calibri" panose="020F0502020204030204" pitchFamily="34" charset="0"/>
+                <a:cs typeface="Calibri" panose="020F0502020204030204" pitchFamily="34" charset="0"/>
+              </a:rPr>
+              <a:t> </a:t>
+            </a:r>
+            <a:r>
+              <a:rPr lang="en-US" sz="1800" dirty="0" err="1">
+                <a:solidFill>
+                  <a:schemeClr val="bg1">
+                    <a:lumMod val="95000"/>
+                  </a:schemeClr>
+                </a:solidFill>
+                <a:effectLst/>
+                <a:latin typeface="Calibri" panose="020F0502020204030204" pitchFamily="34" charset="0"/>
+                <a:ea typeface="Calibri" panose="020F0502020204030204" pitchFamily="34" charset="0"/>
+                <a:cs typeface="Calibri" panose="020F0502020204030204" pitchFamily="34" charset="0"/>
+              </a:rPr>
+              <a:t>giao</a:t>
+            </a:r>
+            <a:r>
+              <a:rPr lang="en-US" sz="1800" dirty="0">
+                <a:solidFill>
+                  <a:schemeClr val="bg1">
+                    <a:lumMod val="95000"/>
+                  </a:schemeClr>
+                </a:solidFill>
+                <a:effectLst/>
+                <a:latin typeface="Calibri" panose="020F0502020204030204" pitchFamily="34" charset="0"/>
+                <a:ea typeface="Calibri" panose="020F0502020204030204" pitchFamily="34" charset="0"/>
+                <a:cs typeface="Calibri" panose="020F0502020204030204" pitchFamily="34" charset="0"/>
+              </a:rPr>
+              <a:t> </a:t>
+            </a:r>
+            <a:r>
+              <a:rPr lang="en-US" sz="1800" dirty="0" err="1">
+                <a:solidFill>
+                  <a:schemeClr val="bg1">
+                    <a:lumMod val="95000"/>
+                  </a:schemeClr>
+                </a:solidFill>
+                <a:effectLst/>
+                <a:latin typeface="Calibri" panose="020F0502020204030204" pitchFamily="34" charset="0"/>
+                <a:ea typeface="Calibri" panose="020F0502020204030204" pitchFamily="34" charset="0"/>
+                <a:cs typeface="Calibri" panose="020F0502020204030204" pitchFamily="34" charset="0"/>
+              </a:rPr>
+              <a:t>tiếp</a:t>
+            </a:r>
+            <a:r>
+              <a:rPr lang="en-US" sz="1800" dirty="0">
+                <a:solidFill>
+                  <a:schemeClr val="bg1">
+                    <a:lumMod val="95000"/>
+                  </a:schemeClr>
+                </a:solidFill>
+                <a:effectLst/>
+                <a:latin typeface="Calibri" panose="020F0502020204030204" pitchFamily="34" charset="0"/>
+                <a:ea typeface="Calibri" panose="020F0502020204030204" pitchFamily="34" charset="0"/>
+                <a:cs typeface="Calibri" panose="020F0502020204030204" pitchFamily="34" charset="0"/>
+              </a:rPr>
+              <a:t> </a:t>
+            </a:r>
+            <a:r>
+              <a:rPr lang="en-US" sz="1800" dirty="0" err="1">
+                <a:solidFill>
+                  <a:schemeClr val="bg1">
+                    <a:lumMod val="95000"/>
+                  </a:schemeClr>
+                </a:solidFill>
+                <a:effectLst/>
+                <a:latin typeface="Calibri" panose="020F0502020204030204" pitchFamily="34" charset="0"/>
+                <a:ea typeface="Calibri" panose="020F0502020204030204" pitchFamily="34" charset="0"/>
+                <a:cs typeface="Calibri" panose="020F0502020204030204" pitchFamily="34" charset="0"/>
+              </a:rPr>
+              <a:t>trong</a:t>
+            </a:r>
+            <a:r>
+              <a:rPr lang="en-US" sz="1800" dirty="0">
+                <a:solidFill>
+                  <a:schemeClr val="bg1">
+                    <a:lumMod val="95000"/>
+                  </a:schemeClr>
+                </a:solidFill>
+                <a:effectLst/>
+                <a:latin typeface="Calibri" panose="020F0502020204030204" pitchFamily="34" charset="0"/>
+                <a:ea typeface="Calibri" panose="020F0502020204030204" pitchFamily="34" charset="0"/>
+                <a:cs typeface="Calibri" panose="020F0502020204030204" pitchFamily="34" charset="0"/>
+              </a:rPr>
+              <a:t> </a:t>
+            </a:r>
+            <a:r>
+              <a:rPr lang="en-US" sz="1800" dirty="0" err="1">
+                <a:solidFill>
+                  <a:schemeClr val="bg1">
+                    <a:lumMod val="95000"/>
+                  </a:schemeClr>
+                </a:solidFill>
+                <a:effectLst/>
+                <a:latin typeface="Calibri" panose="020F0502020204030204" pitchFamily="34" charset="0"/>
+                <a:ea typeface="Calibri" panose="020F0502020204030204" pitchFamily="34" charset="0"/>
+                <a:cs typeface="Calibri" panose="020F0502020204030204" pitchFamily="34" charset="0"/>
+              </a:rPr>
+              <a:t>nhóm</a:t>
+            </a:r>
+            <a:endParaRPr lang="en-US" sz="1800" dirty="0">
+              <a:solidFill>
+                <a:schemeClr val="bg1">
+                  <a:lumMod val="95000"/>
+                </a:schemeClr>
+              </a:solidFill>
+              <a:effectLst/>
+              <a:latin typeface="Calibri" panose="020F0502020204030204" pitchFamily="34" charset="0"/>
+              <a:ea typeface="Calibri" panose="020F0502020204030204" pitchFamily="34" charset="0"/>
+              <a:cs typeface="Calibri" panose="020F0502020204030204" pitchFamily="34" charset="0"/>
+            </a:endParaRPr>
+          </a:p>
+          <a:p>
+            <a:r>
+              <a:rPr lang="en-US" sz="1800" dirty="0">
+                <a:solidFill>
+                  <a:schemeClr val="bg1">
+                    <a:lumMod val="95000"/>
+                  </a:schemeClr>
+                </a:solidFill>
+                <a:effectLst/>
+                <a:latin typeface="Calibri" panose="020F0502020204030204" pitchFamily="34" charset="0"/>
+                <a:ea typeface="Calibri" panose="020F0502020204030204" pitchFamily="34" charset="0"/>
+                <a:cs typeface="Calibri" panose="020F0502020204030204" pitchFamily="34" charset="0"/>
+              </a:rPr>
+              <a:t>4.	</a:t>
+            </a:r>
+            <a:r>
+              <a:rPr lang="en-US" sz="1800" dirty="0" err="1">
+                <a:solidFill>
+                  <a:schemeClr val="bg1">
+                    <a:lumMod val="95000"/>
+                  </a:schemeClr>
+                </a:solidFill>
+                <a:effectLst/>
+                <a:latin typeface="Calibri" panose="020F0502020204030204" pitchFamily="34" charset="0"/>
+                <a:ea typeface="Calibri" panose="020F0502020204030204" pitchFamily="34" charset="0"/>
+                <a:cs typeface="Calibri" panose="020F0502020204030204" pitchFamily="34" charset="0"/>
+              </a:rPr>
+              <a:t>Giải</a:t>
+            </a:r>
+            <a:r>
+              <a:rPr lang="en-US" sz="1800" dirty="0">
+                <a:solidFill>
+                  <a:schemeClr val="bg1">
+                    <a:lumMod val="95000"/>
+                  </a:schemeClr>
+                </a:solidFill>
+                <a:effectLst/>
+                <a:latin typeface="Calibri" panose="020F0502020204030204" pitchFamily="34" charset="0"/>
+                <a:ea typeface="Calibri" panose="020F0502020204030204" pitchFamily="34" charset="0"/>
+                <a:cs typeface="Calibri" panose="020F0502020204030204" pitchFamily="34" charset="0"/>
+              </a:rPr>
+              <a:t> </a:t>
+            </a:r>
+            <a:r>
+              <a:rPr lang="en-US" sz="1800" dirty="0" err="1">
+                <a:solidFill>
+                  <a:schemeClr val="bg1">
+                    <a:lumMod val="95000"/>
+                  </a:schemeClr>
+                </a:solidFill>
+                <a:effectLst/>
+                <a:latin typeface="Calibri" panose="020F0502020204030204" pitchFamily="34" charset="0"/>
+                <a:ea typeface="Calibri" panose="020F0502020204030204" pitchFamily="34" charset="0"/>
+                <a:cs typeface="Calibri" panose="020F0502020204030204" pitchFamily="34" charset="0"/>
+              </a:rPr>
+              <a:t>quyết</a:t>
+            </a:r>
+            <a:r>
+              <a:rPr lang="en-US" sz="1800" dirty="0">
+                <a:solidFill>
+                  <a:schemeClr val="bg1">
+                    <a:lumMod val="95000"/>
+                  </a:schemeClr>
+                </a:solidFill>
+                <a:effectLst/>
+                <a:latin typeface="Calibri" panose="020F0502020204030204" pitchFamily="34" charset="0"/>
+                <a:ea typeface="Calibri" panose="020F0502020204030204" pitchFamily="34" charset="0"/>
+                <a:cs typeface="Calibri" panose="020F0502020204030204" pitchFamily="34" charset="0"/>
+              </a:rPr>
+              <a:t> </a:t>
+            </a:r>
+            <a:r>
+              <a:rPr lang="en-US" sz="1800" dirty="0" err="1">
+                <a:solidFill>
+                  <a:schemeClr val="bg1">
+                    <a:lumMod val="95000"/>
+                  </a:schemeClr>
+                </a:solidFill>
+                <a:effectLst/>
+                <a:latin typeface="Calibri" panose="020F0502020204030204" pitchFamily="34" charset="0"/>
+                <a:ea typeface="Calibri" panose="020F0502020204030204" pitchFamily="34" charset="0"/>
+                <a:cs typeface="Calibri" panose="020F0502020204030204" pitchFamily="34" charset="0"/>
+              </a:rPr>
+              <a:t>vấn</a:t>
+            </a:r>
+            <a:r>
+              <a:rPr lang="en-US" sz="1800" dirty="0">
+                <a:solidFill>
+                  <a:schemeClr val="bg1">
+                    <a:lumMod val="95000"/>
+                  </a:schemeClr>
+                </a:solidFill>
+                <a:effectLst/>
+                <a:latin typeface="Calibri" panose="020F0502020204030204" pitchFamily="34" charset="0"/>
+                <a:ea typeface="Calibri" panose="020F0502020204030204" pitchFamily="34" charset="0"/>
+                <a:cs typeface="Calibri" panose="020F0502020204030204" pitchFamily="34" charset="0"/>
+              </a:rPr>
+              <a:t> </a:t>
+            </a:r>
+            <a:r>
+              <a:rPr lang="en-US" sz="1800" dirty="0" err="1">
+                <a:solidFill>
+                  <a:schemeClr val="bg1">
+                    <a:lumMod val="95000"/>
+                  </a:schemeClr>
+                </a:solidFill>
+                <a:effectLst/>
+                <a:latin typeface="Calibri" panose="020F0502020204030204" pitchFamily="34" charset="0"/>
+                <a:ea typeface="Calibri" panose="020F0502020204030204" pitchFamily="34" charset="0"/>
+                <a:cs typeface="Calibri" panose="020F0502020204030204" pitchFamily="34" charset="0"/>
+              </a:rPr>
+              <a:t>đề</a:t>
+            </a:r>
+            <a:r>
+              <a:rPr lang="en-US" sz="1800" dirty="0">
+                <a:solidFill>
+                  <a:schemeClr val="bg1">
+                    <a:lumMod val="95000"/>
+                  </a:schemeClr>
+                </a:solidFill>
+                <a:effectLst/>
+                <a:latin typeface="Calibri" panose="020F0502020204030204" pitchFamily="34" charset="0"/>
+                <a:ea typeface="Calibri" panose="020F0502020204030204" pitchFamily="34" charset="0"/>
+                <a:cs typeface="Calibri" panose="020F0502020204030204" pitchFamily="34" charset="0"/>
+              </a:rPr>
+              <a:t> </a:t>
+            </a:r>
+          </a:p>
+          <a:p>
+            <a:r>
+              <a:rPr lang="en-US" sz="1800" dirty="0">
+                <a:solidFill>
+                  <a:schemeClr val="bg1">
+                    <a:lumMod val="95000"/>
+                  </a:schemeClr>
+                </a:solidFill>
+                <a:effectLst/>
+                <a:latin typeface="Calibri" panose="020F0502020204030204" pitchFamily="34" charset="0"/>
+                <a:ea typeface="Calibri" panose="020F0502020204030204" pitchFamily="34" charset="0"/>
+                <a:cs typeface="Calibri" panose="020F0502020204030204" pitchFamily="34" charset="0"/>
+              </a:rPr>
+              <a:t>5.	</a:t>
+            </a:r>
+            <a:r>
+              <a:rPr lang="en-US" sz="1800" dirty="0" err="1">
+                <a:solidFill>
+                  <a:schemeClr val="bg1">
+                    <a:lumMod val="95000"/>
+                  </a:schemeClr>
+                </a:solidFill>
+                <a:effectLst/>
+                <a:latin typeface="Calibri" panose="020F0502020204030204" pitchFamily="34" charset="0"/>
+                <a:ea typeface="Calibri" panose="020F0502020204030204" pitchFamily="34" charset="0"/>
+                <a:cs typeface="Calibri" panose="020F0502020204030204" pitchFamily="34" charset="0"/>
+              </a:rPr>
+              <a:t>Hội</a:t>
+            </a:r>
+            <a:r>
+              <a:rPr lang="en-US" sz="1800" dirty="0">
+                <a:solidFill>
+                  <a:schemeClr val="bg1">
+                    <a:lumMod val="95000"/>
+                  </a:schemeClr>
+                </a:solidFill>
+                <a:effectLst/>
+                <a:latin typeface="Calibri" panose="020F0502020204030204" pitchFamily="34" charset="0"/>
+                <a:ea typeface="Calibri" panose="020F0502020204030204" pitchFamily="34" charset="0"/>
+                <a:cs typeface="Calibri" panose="020F0502020204030204" pitchFamily="34" charset="0"/>
+              </a:rPr>
+              <a:t> </a:t>
+            </a:r>
+            <a:r>
+              <a:rPr lang="en-US" sz="1800" dirty="0" err="1">
+                <a:solidFill>
+                  <a:schemeClr val="bg1">
+                    <a:lumMod val="95000"/>
+                  </a:schemeClr>
+                </a:solidFill>
+                <a:effectLst/>
+                <a:latin typeface="Calibri" panose="020F0502020204030204" pitchFamily="34" charset="0"/>
+                <a:ea typeface="Calibri" panose="020F0502020204030204" pitchFamily="34" charset="0"/>
+                <a:cs typeface="Calibri" panose="020F0502020204030204" pitchFamily="34" charset="0"/>
+              </a:rPr>
+              <a:t>họp</a:t>
+            </a:r>
+            <a:r>
+              <a:rPr lang="en-US" sz="1800" dirty="0">
+                <a:solidFill>
+                  <a:schemeClr val="bg1">
+                    <a:lumMod val="95000"/>
+                  </a:schemeClr>
+                </a:solidFill>
+                <a:effectLst/>
+                <a:latin typeface="Calibri" panose="020F0502020204030204" pitchFamily="34" charset="0"/>
+                <a:ea typeface="Calibri" panose="020F0502020204030204" pitchFamily="34" charset="0"/>
+                <a:cs typeface="Calibri" panose="020F0502020204030204" pitchFamily="34" charset="0"/>
+              </a:rPr>
+              <a:t> </a:t>
+            </a:r>
+          </a:p>
+          <a:p>
+            <a:endParaRPr lang="en-US" sz="2200" b="1" dirty="0">
+              <a:solidFill>
+                <a:schemeClr val="bg1">
+                  <a:lumMod val="95000"/>
+                </a:schemeClr>
+              </a:solidFill>
+              <a:effectLst/>
+              <a:latin typeface="Calibri" panose="020F0502020204030204" pitchFamily="34" charset="0"/>
+              <a:ea typeface="Calibri" panose="020F0502020204030204" pitchFamily="34" charset="0"/>
+              <a:cs typeface="Calibri" panose="020F0502020204030204" pitchFamily="34" charset="0"/>
+            </a:endParaRPr>
+          </a:p>
+          <a:p>
+            <a:endParaRPr lang="en-US" sz="2200" dirty="0">
               <a:solidFill>
                 <a:schemeClr val="bg1">
                   <a:lumMod val="95000"/>
@@ -31413,7 +33920,7 @@
           </a:lstStyle>
           <a:p>
             <a:r>
-              <a:rPr lang="en-US" sz="2400" b="1">
+              <a:rPr lang="en-US" sz="2400" b="1" dirty="0" err="1">
                 <a:solidFill>
                   <a:schemeClr val="bg1">
                     <a:lumMod val="95000"/>
@@ -31424,123 +33931,320 @@
                 <a:ea typeface="Calibri" panose="020F0502020204030204" pitchFamily="34" charset="0"/>
                 <a:cs typeface="Calibri" panose="020F0502020204030204" pitchFamily="34" charset="0"/>
               </a:rPr>
-              <a:t>Tiêu chí đánh giá dự án</a:t>
-            </a:r>
-          </a:p>
-          <a:p>
-            <a:r>
-              <a:rPr lang="en-US" sz="1800">
+              <a:t>Tiêu</a:t>
+            </a:r>
+            <a:r>
+              <a:rPr lang="en-US" sz="2400" b="1" dirty="0">
                 <a:solidFill>
                   <a:schemeClr val="bg1">
                     <a:lumMod val="95000"/>
                   </a:schemeClr>
                 </a:solidFill>
-                <a:latin typeface="Calibri" panose="020F0502020204030204" pitchFamily="34" charset="0"/>
-                <a:ea typeface="Calibri" panose="020F0502020204030204" pitchFamily="34" charset="0"/>
-                <a:cs typeface="Calibri" panose="020F0502020204030204" pitchFamily="34" charset="0"/>
-              </a:rPr>
-              <a:t>1.	</a:t>
-            </a:r>
-            <a:r>
-              <a:rPr lang="vi-VN" sz="1800">
+                <a:effectLst/>
+                <a:latin typeface="Calibri" panose="020F0502020204030204" pitchFamily="34" charset="0"/>
+                <a:ea typeface="Calibri" panose="020F0502020204030204" pitchFamily="34" charset="0"/>
+                <a:cs typeface="Calibri" panose="020F0502020204030204" pitchFamily="34" charset="0"/>
+              </a:rPr>
+              <a:t> </a:t>
+            </a:r>
+            <a:r>
+              <a:rPr lang="en-US" sz="2400" b="1" dirty="0" err="1">
                 <a:solidFill>
                   <a:schemeClr val="bg1">
                     <a:lumMod val="95000"/>
                   </a:schemeClr>
                 </a:solidFill>
-                <a:latin typeface="Calibri" panose="020F0502020204030204" pitchFamily="34" charset="0"/>
-                <a:ea typeface="Calibri" panose="020F0502020204030204" pitchFamily="34" charset="0"/>
-                <a:cs typeface="Calibri" panose="020F0502020204030204" pitchFamily="34" charset="0"/>
-              </a:rPr>
-              <a:t>Tính thực tiễn</a:t>
-            </a:r>
-          </a:p>
-          <a:p>
-            <a:r>
-              <a:rPr lang="en-US" sz="1800">
+                <a:effectLst/>
+                <a:latin typeface="Calibri" panose="020F0502020204030204" pitchFamily="34" charset="0"/>
+                <a:ea typeface="Calibri" panose="020F0502020204030204" pitchFamily="34" charset="0"/>
+                <a:cs typeface="Calibri" panose="020F0502020204030204" pitchFamily="34" charset="0"/>
+              </a:rPr>
+              <a:t>chí</a:t>
+            </a:r>
+            <a:r>
+              <a:rPr lang="en-US" sz="2400" b="1" dirty="0">
                 <a:solidFill>
                   <a:schemeClr val="bg1">
                     <a:lumMod val="95000"/>
                   </a:schemeClr>
                 </a:solidFill>
-                <a:latin typeface="Calibri" panose="020F0502020204030204" pitchFamily="34" charset="0"/>
-                <a:ea typeface="Calibri" panose="020F0502020204030204" pitchFamily="34" charset="0"/>
-                <a:cs typeface="Calibri" panose="020F0502020204030204" pitchFamily="34" charset="0"/>
-              </a:rPr>
-              <a:t>2.	</a:t>
-            </a:r>
-            <a:r>
-              <a:rPr lang="vi-VN" sz="1800">
+                <a:effectLst/>
+                <a:latin typeface="Calibri" panose="020F0502020204030204" pitchFamily="34" charset="0"/>
+                <a:ea typeface="Calibri" panose="020F0502020204030204" pitchFamily="34" charset="0"/>
+                <a:cs typeface="Calibri" panose="020F0502020204030204" pitchFamily="34" charset="0"/>
+              </a:rPr>
+              <a:t> </a:t>
+            </a:r>
+            <a:r>
+              <a:rPr lang="en-US" sz="2400" b="1" dirty="0" err="1">
                 <a:solidFill>
                   <a:schemeClr val="bg1">
                     <a:lumMod val="95000"/>
                   </a:schemeClr>
                 </a:solidFill>
-                <a:latin typeface="Calibri" panose="020F0502020204030204" pitchFamily="34" charset="0"/>
-                <a:ea typeface="Calibri" panose="020F0502020204030204" pitchFamily="34" charset="0"/>
-                <a:cs typeface="Calibri" panose="020F0502020204030204" pitchFamily="34" charset="0"/>
-              </a:rPr>
-              <a:t>Tính tiện dụng</a:t>
-            </a:r>
-          </a:p>
-          <a:p>
-            <a:r>
-              <a:rPr lang="en-US" sz="1800">
+                <a:effectLst/>
+                <a:latin typeface="Calibri" panose="020F0502020204030204" pitchFamily="34" charset="0"/>
+                <a:ea typeface="Calibri" panose="020F0502020204030204" pitchFamily="34" charset="0"/>
+                <a:cs typeface="Calibri" panose="020F0502020204030204" pitchFamily="34" charset="0"/>
+              </a:rPr>
+              <a:t>đánh</a:t>
+            </a:r>
+            <a:r>
+              <a:rPr lang="en-US" sz="2400" b="1" dirty="0">
                 <a:solidFill>
                   <a:schemeClr val="bg1">
                     <a:lumMod val="95000"/>
                   </a:schemeClr>
                 </a:solidFill>
-                <a:latin typeface="Calibri" panose="020F0502020204030204" pitchFamily="34" charset="0"/>
-                <a:ea typeface="Calibri" panose="020F0502020204030204" pitchFamily="34" charset="0"/>
-                <a:cs typeface="Calibri" panose="020F0502020204030204" pitchFamily="34" charset="0"/>
-              </a:rPr>
-              <a:t>3.	</a:t>
-            </a:r>
-            <a:r>
-              <a:rPr lang="vi-VN" sz="1800">
+                <a:effectLst/>
+                <a:latin typeface="Calibri" panose="020F0502020204030204" pitchFamily="34" charset="0"/>
+                <a:ea typeface="Calibri" panose="020F0502020204030204" pitchFamily="34" charset="0"/>
+                <a:cs typeface="Calibri" panose="020F0502020204030204" pitchFamily="34" charset="0"/>
+              </a:rPr>
+              <a:t> </a:t>
+            </a:r>
+            <a:r>
+              <a:rPr lang="en-US" sz="2400" b="1" dirty="0" err="1">
                 <a:solidFill>
                   <a:schemeClr val="bg1">
                     <a:lumMod val="95000"/>
                   </a:schemeClr>
                 </a:solidFill>
-                <a:latin typeface="Calibri" panose="020F0502020204030204" pitchFamily="34" charset="0"/>
-                <a:ea typeface="Calibri" panose="020F0502020204030204" pitchFamily="34" charset="0"/>
-                <a:cs typeface="Calibri" panose="020F0502020204030204" pitchFamily="34" charset="0"/>
-              </a:rPr>
-              <a:t>Tính ổn định của chương tr.nh</a:t>
-            </a:r>
-          </a:p>
-          <a:p>
-            <a:r>
-              <a:rPr lang="en-US" sz="1800">
+                <a:effectLst/>
+                <a:latin typeface="Calibri" panose="020F0502020204030204" pitchFamily="34" charset="0"/>
+                <a:ea typeface="Calibri" panose="020F0502020204030204" pitchFamily="34" charset="0"/>
+                <a:cs typeface="Calibri" panose="020F0502020204030204" pitchFamily="34" charset="0"/>
+              </a:rPr>
+              <a:t>giá</a:t>
+            </a:r>
+            <a:r>
+              <a:rPr lang="en-US" sz="2400" b="1" dirty="0">
                 <a:solidFill>
                   <a:schemeClr val="bg1">
                     <a:lumMod val="95000"/>
                   </a:schemeClr>
                 </a:solidFill>
-                <a:latin typeface="Calibri" panose="020F0502020204030204" pitchFamily="34" charset="0"/>
-                <a:ea typeface="Calibri" panose="020F0502020204030204" pitchFamily="34" charset="0"/>
-                <a:cs typeface="Calibri" panose="020F0502020204030204" pitchFamily="34" charset="0"/>
-              </a:rPr>
-              <a:t>4.	</a:t>
-            </a:r>
-            <a:r>
-              <a:rPr lang="vi-VN" sz="1800">
+                <a:effectLst/>
+                <a:latin typeface="Calibri" panose="020F0502020204030204" pitchFamily="34" charset="0"/>
+                <a:ea typeface="Calibri" panose="020F0502020204030204" pitchFamily="34" charset="0"/>
+                <a:cs typeface="Calibri" panose="020F0502020204030204" pitchFamily="34" charset="0"/>
+              </a:rPr>
+              <a:t> </a:t>
+            </a:r>
+            <a:r>
+              <a:rPr lang="en-US" sz="2400" b="1" dirty="0" err="1">
                 <a:solidFill>
                   <a:schemeClr val="bg1">
                     <a:lumMod val="95000"/>
                   </a:schemeClr>
                 </a:solidFill>
-                <a:latin typeface="Calibri" panose="020F0502020204030204" pitchFamily="34" charset="0"/>
-                <a:ea typeface="Calibri" panose="020F0502020204030204" pitchFamily="34" charset="0"/>
-                <a:cs typeface="Calibri" panose="020F0502020204030204" pitchFamily="34" charset="0"/>
-              </a:rPr>
-              <a:t>Tiến độ thời gian không trễ quá 20</a:t>
-            </a:r>
+                <a:effectLst/>
+                <a:latin typeface="Calibri" panose="020F0502020204030204" pitchFamily="34" charset="0"/>
+                <a:ea typeface="Calibri" panose="020F0502020204030204" pitchFamily="34" charset="0"/>
+                <a:cs typeface="Calibri" panose="020F0502020204030204" pitchFamily="34" charset="0"/>
+              </a:rPr>
+              <a:t>dự</a:t>
+            </a:r>
+            <a:r>
+              <a:rPr lang="en-US" sz="2400" b="1" dirty="0">
+                <a:solidFill>
+                  <a:schemeClr val="bg1">
+                    <a:lumMod val="95000"/>
+                  </a:schemeClr>
+                </a:solidFill>
+                <a:effectLst/>
+                <a:latin typeface="Calibri" panose="020F0502020204030204" pitchFamily="34" charset="0"/>
+                <a:ea typeface="Calibri" panose="020F0502020204030204" pitchFamily="34" charset="0"/>
+                <a:cs typeface="Calibri" panose="020F0502020204030204" pitchFamily="34" charset="0"/>
+              </a:rPr>
+              <a:t> </a:t>
+            </a:r>
+            <a:r>
+              <a:rPr lang="en-US" sz="2400" b="1" dirty="0" err="1">
+                <a:solidFill>
+                  <a:schemeClr val="bg1">
+                    <a:lumMod val="95000"/>
+                  </a:schemeClr>
+                </a:solidFill>
+                <a:effectLst/>
+                <a:latin typeface="Calibri" panose="020F0502020204030204" pitchFamily="34" charset="0"/>
+                <a:ea typeface="Calibri" panose="020F0502020204030204" pitchFamily="34" charset="0"/>
+                <a:cs typeface="Calibri" panose="020F0502020204030204" pitchFamily="34" charset="0"/>
+              </a:rPr>
+              <a:t>án</a:t>
+            </a:r>
+            <a:endParaRPr lang="en-US" sz="2400" b="1" dirty="0">
+              <a:solidFill>
+                <a:schemeClr val="bg1">
+                  <a:lumMod val="95000"/>
+                </a:schemeClr>
+              </a:solidFill>
+              <a:effectLst/>
+              <a:latin typeface="Calibri" panose="020F0502020204030204" pitchFamily="34" charset="0"/>
+              <a:ea typeface="Calibri" panose="020F0502020204030204" pitchFamily="34" charset="0"/>
+              <a:cs typeface="Calibri" panose="020F0502020204030204" pitchFamily="34" charset="0"/>
+            </a:endParaRPr>
           </a:p>
           <a:p>
-            <a:endParaRPr lang="en-US" sz="2200">
+            <a:r>
+              <a:rPr lang="en-US" sz="1800" dirty="0">
+                <a:solidFill>
+                  <a:schemeClr val="bg1">
+                    <a:lumMod val="95000"/>
+                  </a:schemeClr>
+                </a:solidFill>
+                <a:latin typeface="Calibri" panose="020F0502020204030204" pitchFamily="34" charset="0"/>
+                <a:ea typeface="Calibri" panose="020F0502020204030204" pitchFamily="34" charset="0"/>
+                <a:cs typeface="Calibri" panose="020F0502020204030204" pitchFamily="34" charset="0"/>
+              </a:rPr>
+              <a:t>1.	</a:t>
+            </a:r>
+            <a:r>
+              <a:rPr lang="vi-VN" sz="1800" dirty="0">
+                <a:solidFill>
+                  <a:schemeClr val="bg1">
+                    <a:lumMod val="95000"/>
+                  </a:schemeClr>
+                </a:solidFill>
+                <a:latin typeface="Calibri" panose="020F0502020204030204" pitchFamily="34" charset="0"/>
+                <a:ea typeface="Calibri" panose="020F0502020204030204" pitchFamily="34" charset="0"/>
+                <a:cs typeface="Calibri" panose="020F0502020204030204" pitchFamily="34" charset="0"/>
+              </a:rPr>
+              <a:t>Tính thực tiễn</a:t>
+            </a:r>
+          </a:p>
+          <a:p>
+            <a:r>
+              <a:rPr lang="en-US" sz="1800" dirty="0">
+                <a:solidFill>
+                  <a:schemeClr val="bg1">
+                    <a:lumMod val="95000"/>
+                  </a:schemeClr>
+                </a:solidFill>
+                <a:latin typeface="Calibri" panose="020F0502020204030204" pitchFamily="34" charset="0"/>
+                <a:ea typeface="Calibri" panose="020F0502020204030204" pitchFamily="34" charset="0"/>
+                <a:cs typeface="Calibri" panose="020F0502020204030204" pitchFamily="34" charset="0"/>
+              </a:rPr>
+              <a:t>2.	</a:t>
+            </a:r>
+            <a:r>
+              <a:rPr lang="vi-VN" sz="1800" dirty="0">
+                <a:solidFill>
+                  <a:schemeClr val="bg1">
+                    <a:lumMod val="95000"/>
+                  </a:schemeClr>
+                </a:solidFill>
+                <a:latin typeface="Calibri" panose="020F0502020204030204" pitchFamily="34" charset="0"/>
+                <a:ea typeface="Calibri" panose="020F0502020204030204" pitchFamily="34" charset="0"/>
+                <a:cs typeface="Calibri" panose="020F0502020204030204" pitchFamily="34" charset="0"/>
+              </a:rPr>
+              <a:t>Tính tiện dụng</a:t>
+            </a:r>
+          </a:p>
+          <a:p>
+            <a:r>
+              <a:rPr lang="en-US" sz="1800" dirty="0">
+                <a:solidFill>
+                  <a:schemeClr val="bg1">
+                    <a:lumMod val="95000"/>
+                  </a:schemeClr>
+                </a:solidFill>
+                <a:latin typeface="Calibri" panose="020F0502020204030204" pitchFamily="34" charset="0"/>
+                <a:ea typeface="Calibri" panose="020F0502020204030204" pitchFamily="34" charset="0"/>
+                <a:cs typeface="Calibri" panose="020F0502020204030204" pitchFamily="34" charset="0"/>
+              </a:rPr>
+              <a:t>3.	</a:t>
+            </a:r>
+            <a:r>
+              <a:rPr lang="vi-VN" sz="1800" dirty="0">
+                <a:solidFill>
+                  <a:schemeClr val="bg1">
+                    <a:lumMod val="95000"/>
+                  </a:schemeClr>
+                </a:solidFill>
+                <a:latin typeface="Calibri" panose="020F0502020204030204" pitchFamily="34" charset="0"/>
+                <a:ea typeface="Calibri" panose="020F0502020204030204" pitchFamily="34" charset="0"/>
+                <a:cs typeface="Calibri" panose="020F0502020204030204" pitchFamily="34" charset="0"/>
+              </a:rPr>
+              <a:t>Tính ổn định của chương </a:t>
+            </a:r>
+            <a:r>
+              <a:rPr lang="en-US" sz="1800" dirty="0" err="1">
+                <a:solidFill>
+                  <a:schemeClr val="bg1">
+                    <a:lumMod val="95000"/>
+                  </a:schemeClr>
+                </a:solidFill>
+                <a:latin typeface="Calibri" panose="020F0502020204030204" pitchFamily="34" charset="0"/>
+                <a:ea typeface="Calibri" panose="020F0502020204030204" pitchFamily="34" charset="0"/>
+                <a:cs typeface="Calibri" panose="020F0502020204030204" pitchFamily="34" charset="0"/>
+              </a:rPr>
+              <a:t>trình</a:t>
+            </a:r>
+            <a:endParaRPr lang="vi-VN" sz="1800" dirty="0">
+              <a:solidFill>
+                <a:schemeClr val="bg1">
+                  <a:lumMod val="95000"/>
+                </a:schemeClr>
+              </a:solidFill>
+              <a:latin typeface="Calibri" panose="020F0502020204030204" pitchFamily="34" charset="0"/>
+              <a:ea typeface="Calibri" panose="020F0502020204030204" pitchFamily="34" charset="0"/>
+              <a:cs typeface="Calibri" panose="020F0502020204030204" pitchFamily="34" charset="0"/>
+            </a:endParaRPr>
+          </a:p>
+          <a:p>
+            <a:r>
+              <a:rPr lang="en-US" sz="1800" dirty="0">
+                <a:solidFill>
+                  <a:schemeClr val="bg1">
+                    <a:lumMod val="95000"/>
+                  </a:schemeClr>
+                </a:solidFill>
+                <a:latin typeface="Calibri" panose="020F0502020204030204" pitchFamily="34" charset="0"/>
+                <a:ea typeface="Calibri" panose="020F0502020204030204" pitchFamily="34" charset="0"/>
+                <a:cs typeface="Calibri" panose="020F0502020204030204" pitchFamily="34" charset="0"/>
+              </a:rPr>
+              <a:t>4.	</a:t>
+            </a:r>
+            <a:r>
+              <a:rPr lang="vi-VN" sz="1800" dirty="0">
+                <a:solidFill>
+                  <a:schemeClr val="bg1">
+                    <a:lumMod val="95000"/>
+                  </a:schemeClr>
+                </a:solidFill>
+                <a:latin typeface="Calibri" panose="020F0502020204030204" pitchFamily="34" charset="0"/>
+                <a:ea typeface="Calibri" panose="020F0502020204030204" pitchFamily="34" charset="0"/>
+                <a:cs typeface="Calibri" panose="020F0502020204030204" pitchFamily="34" charset="0"/>
+              </a:rPr>
+              <a:t>Tiến độ thời gian không trễ quá 20</a:t>
+            </a:r>
+            <a:r>
+              <a:rPr lang="en-US" sz="1800" dirty="0">
+                <a:solidFill>
+                  <a:schemeClr val="bg1">
+                    <a:lumMod val="95000"/>
+                  </a:schemeClr>
+                </a:solidFill>
+                <a:latin typeface="Calibri" panose="020F0502020204030204" pitchFamily="34" charset="0"/>
+                <a:ea typeface="Calibri" panose="020F0502020204030204" pitchFamily="34" charset="0"/>
+                <a:cs typeface="Calibri" panose="020F0502020204030204" pitchFamily="34" charset="0"/>
+              </a:rPr>
+              <a:t>%</a:t>
+            </a:r>
+            <a:endParaRPr lang="vi-VN" sz="1800" dirty="0">
+              <a:solidFill>
+                <a:schemeClr val="bg1">
+                  <a:lumMod val="95000"/>
+                </a:schemeClr>
+              </a:solidFill>
+              <a:latin typeface="Calibri" panose="020F0502020204030204" pitchFamily="34" charset="0"/>
+              <a:ea typeface="Calibri" panose="020F0502020204030204" pitchFamily="34" charset="0"/>
+              <a:cs typeface="Calibri" panose="020F0502020204030204" pitchFamily="34" charset="0"/>
+            </a:endParaRPr>
+          </a:p>
+          <a:p>
+            <a:endParaRPr lang="en-US" sz="2200" dirty="0">
               <a:solidFill>
                 <a:schemeClr val="bg1">
                   <a:lumMod val="95000"/>

--- a/Report/Nhom9_SingedShop_FinalUltimateVersion.pptx
+++ b/Report/Nhom9_SingedShop_FinalUltimateVersion.pptx
@@ -10620,8 +10620,8 @@
         </p:nvSpPr>
         <p:spPr>
           <a:xfrm>
-            <a:off x="1675575" y="3209549"/>
-            <a:ext cx="6342408" cy="819900"/>
+            <a:off x="1035424" y="3209549"/>
+            <a:ext cx="6982559" cy="819900"/>
           </a:xfrm>
           <a:prstGeom prst="rect">
             <a:avLst/>
@@ -10927,7 +10927,7 @@
                 <a:ea typeface="Calibri" panose="020F0502020204030204" pitchFamily="34" charset="0"/>
                 <a:cs typeface="Calibri" panose="020F0502020204030204" pitchFamily="34" charset="0"/>
               </a:rPr>
-              <a:t>: Website </a:t>
+              <a:t>: </a:t>
             </a:r>
             <a:r>
               <a:rPr lang="en-US" dirty="0" err="1">
@@ -10935,6 +10935,86 @@
                 <a:ea typeface="Calibri" panose="020F0502020204030204" pitchFamily="34" charset="0"/>
                 <a:cs typeface="Calibri" panose="020F0502020204030204" pitchFamily="34" charset="0"/>
               </a:rPr>
+              <a:t>Quản</a:t>
+            </a:r>
+            <a:r>
+              <a:rPr lang="en-US" dirty="0">
+                <a:latin typeface="Calibri" panose="020F0502020204030204" pitchFamily="34" charset="0"/>
+                <a:ea typeface="Calibri" panose="020F0502020204030204" pitchFamily="34" charset="0"/>
+                <a:cs typeface="Calibri" panose="020F0502020204030204" pitchFamily="34" charset="0"/>
+              </a:rPr>
+              <a:t> </a:t>
+            </a:r>
+            <a:r>
+              <a:rPr lang="en-US" dirty="0" err="1">
+                <a:latin typeface="Calibri" panose="020F0502020204030204" pitchFamily="34" charset="0"/>
+                <a:ea typeface="Calibri" panose="020F0502020204030204" pitchFamily="34" charset="0"/>
+                <a:cs typeface="Calibri" panose="020F0502020204030204" pitchFamily="34" charset="0"/>
+              </a:rPr>
+              <a:t>lý</a:t>
+            </a:r>
+            <a:r>
+              <a:rPr lang="en-US" dirty="0">
+                <a:latin typeface="Calibri" panose="020F0502020204030204" pitchFamily="34" charset="0"/>
+                <a:ea typeface="Calibri" panose="020F0502020204030204" pitchFamily="34" charset="0"/>
+                <a:cs typeface="Calibri" panose="020F0502020204030204" pitchFamily="34" charset="0"/>
+              </a:rPr>
+              <a:t> </a:t>
+            </a:r>
+            <a:r>
+              <a:rPr lang="en-US" dirty="0" err="1">
+                <a:latin typeface="Calibri" panose="020F0502020204030204" pitchFamily="34" charset="0"/>
+                <a:ea typeface="Calibri" panose="020F0502020204030204" pitchFamily="34" charset="0"/>
+                <a:cs typeface="Calibri" panose="020F0502020204030204" pitchFamily="34" charset="0"/>
+              </a:rPr>
+              <a:t>dự</a:t>
+            </a:r>
+            <a:r>
+              <a:rPr lang="en-US" dirty="0">
+                <a:latin typeface="Calibri" panose="020F0502020204030204" pitchFamily="34" charset="0"/>
+                <a:ea typeface="Calibri" panose="020F0502020204030204" pitchFamily="34" charset="0"/>
+                <a:cs typeface="Calibri" panose="020F0502020204030204" pitchFamily="34" charset="0"/>
+              </a:rPr>
+              <a:t> </a:t>
+            </a:r>
+            <a:r>
+              <a:rPr lang="en-US" dirty="0" err="1">
+                <a:latin typeface="Calibri" panose="020F0502020204030204" pitchFamily="34" charset="0"/>
+                <a:ea typeface="Calibri" panose="020F0502020204030204" pitchFamily="34" charset="0"/>
+                <a:cs typeface="Calibri" panose="020F0502020204030204" pitchFamily="34" charset="0"/>
+              </a:rPr>
+              <a:t>án</a:t>
+            </a:r>
+            <a:r>
+              <a:rPr lang="en-US" dirty="0">
+                <a:latin typeface="Calibri" panose="020F0502020204030204" pitchFamily="34" charset="0"/>
+                <a:ea typeface="Calibri" panose="020F0502020204030204" pitchFamily="34" charset="0"/>
+                <a:cs typeface="Calibri" panose="020F0502020204030204" pitchFamily="34" charset="0"/>
+              </a:rPr>
+              <a:t> </a:t>
+            </a:r>
+            <a:r>
+              <a:rPr lang="en-US" dirty="0" err="1">
+                <a:latin typeface="Calibri" panose="020F0502020204030204" pitchFamily="34" charset="0"/>
+                <a:ea typeface="Calibri" panose="020F0502020204030204" pitchFamily="34" charset="0"/>
+                <a:cs typeface="Calibri" panose="020F0502020204030204" pitchFamily="34" charset="0"/>
+              </a:rPr>
+              <a:t>làm</a:t>
+            </a:r>
+            <a:r>
+              <a:rPr lang="en-US" dirty="0">
+                <a:latin typeface="Calibri" panose="020F0502020204030204" pitchFamily="34" charset="0"/>
+                <a:ea typeface="Calibri" panose="020F0502020204030204" pitchFamily="34" charset="0"/>
+                <a:cs typeface="Calibri" panose="020F0502020204030204" pitchFamily="34" charset="0"/>
+              </a:rPr>
+              <a:t> Web </a:t>
+            </a:r>
+            <a:r>
+              <a:rPr lang="en-US" dirty="0" err="1">
+                <a:latin typeface="Calibri" panose="020F0502020204030204" pitchFamily="34" charset="0"/>
+                <a:ea typeface="Calibri" panose="020F0502020204030204" pitchFamily="34" charset="0"/>
+                <a:cs typeface="Calibri" panose="020F0502020204030204" pitchFamily="34" charset="0"/>
+              </a:rPr>
               <a:t>quần</a:t>
             </a:r>
             <a:r>
@@ -10969,14 +11049,11 @@
               </a:rPr>
               <a:t>nam</a:t>
             </a:r>
-            <a:r>
-              <a:rPr lang="en-US" dirty="0">
-                <a:latin typeface="Calibri" panose="020F0502020204030204" pitchFamily="34" charset="0"/>
-                <a:ea typeface="Calibri" panose="020F0502020204030204" pitchFamily="34" charset="0"/>
-                <a:cs typeface="Calibri" panose="020F0502020204030204" pitchFamily="34" charset="0"/>
-              </a:rPr>
-              <a:t> Singed Shop</a:t>
-            </a:r>
+            <a:endParaRPr lang="en-US" dirty="0">
+              <a:latin typeface="Calibri" panose="020F0502020204030204" pitchFamily="34" charset="0"/>
+              <a:ea typeface="Calibri" panose="020F0502020204030204" pitchFamily="34" charset="0"/>
+              <a:cs typeface="Calibri" panose="020F0502020204030204" pitchFamily="34" charset="0"/>
+            </a:endParaRPr>
           </a:p>
         </p:txBody>
       </p:sp>
@@ -12609,7 +12686,7 @@
               <a:t>1. </a:t>
             </a:r>
             <a:r>
-              <a:rPr lang="vi-VN" sz="1800" b="1" kern="0">
+              <a:rPr lang="vi-VN" sz="1800" b="1" kern="0" dirty="0">
                 <a:effectLst/>
                 <a:latin typeface="Calibri" panose="020F0502020204030204" pitchFamily="34" charset="0"/>
                 <a:ea typeface="Calibri" panose="020F0502020204030204" pitchFamily="34" charset="0"/>
@@ -16644,7 +16721,7 @@
                         </a:spcAft>
                       </a:pPr>
                       <a:r>
-                        <a:rPr lang="en-US" sz="1300">
+                        <a:rPr lang="en-US" sz="1300" dirty="0">
                           <a:effectLst/>
                           <a:latin typeface="Calibri" panose="020F0502020204030204" pitchFamily="34" charset="0"/>
                           <a:ea typeface="Calibri" panose="020F0502020204030204" pitchFamily="34" charset="0"/>
@@ -17918,7 +17995,7 @@
               <a:t> </a:t>
             </a:r>
             <a:r>
-              <a:rPr lang="en-US" sz="1600" err="1">
+              <a:rPr lang="en-US" sz="1600" dirty="0" err="1">
                 <a:latin typeface="Calibri" panose="020F0502020204030204" pitchFamily="34" charset="0"/>
                 <a:ea typeface="Calibri" panose="020F0502020204030204" pitchFamily="34" charset="0"/>
                 <a:cs typeface="Calibri" panose="020F0502020204030204" pitchFamily="34" charset="0"/>
@@ -17926,18 +18003,125 @@
               <a:t>như</a:t>
             </a:r>
             <a:r>
-              <a:rPr lang="en-US" sz="1600">
-                <a:latin typeface="Calibri" panose="020F0502020204030204" pitchFamily="34" charset="0"/>
-                <a:ea typeface="Calibri" panose="020F0502020204030204" pitchFamily="34" charset="0"/>
-                <a:cs typeface="Calibri" panose="020F0502020204030204" pitchFamily="34" charset="0"/>
-              </a:rPr>
-              <a:t> sau, lấy ví dụ dòng đầu tiên:</a:t>
-            </a:r>
-            <a:endParaRPr lang="en-US" sz="1600" dirty="0">
-              <a:latin typeface="Calibri" panose="020F0502020204030204" pitchFamily="34" charset="0"/>
-              <a:ea typeface="Calibri" panose="020F0502020204030204" pitchFamily="34" charset="0"/>
-              <a:cs typeface="Calibri" panose="020F0502020204030204" pitchFamily="34" charset="0"/>
-            </a:endParaRPr>
+              <a:rPr lang="en-US" sz="1600" dirty="0">
+                <a:latin typeface="Calibri" panose="020F0502020204030204" pitchFamily="34" charset="0"/>
+                <a:ea typeface="Calibri" panose="020F0502020204030204" pitchFamily="34" charset="0"/>
+                <a:cs typeface="Calibri" panose="020F0502020204030204" pitchFamily="34" charset="0"/>
+              </a:rPr>
+              <a:t> </a:t>
+            </a:r>
+            <a:r>
+              <a:rPr lang="en-US" sz="1600" dirty="0" err="1">
+                <a:latin typeface="Calibri" panose="020F0502020204030204" pitchFamily="34" charset="0"/>
+                <a:ea typeface="Calibri" panose="020F0502020204030204" pitchFamily="34" charset="0"/>
+                <a:cs typeface="Calibri" panose="020F0502020204030204" pitchFamily="34" charset="0"/>
+              </a:rPr>
+              <a:t>sau</a:t>
+            </a:r>
+            <a:r>
+              <a:rPr lang="en-US" sz="1600" dirty="0">
+                <a:latin typeface="Calibri" panose="020F0502020204030204" pitchFamily="34" charset="0"/>
+                <a:ea typeface="Calibri" panose="020F0502020204030204" pitchFamily="34" charset="0"/>
+                <a:cs typeface="Calibri" panose="020F0502020204030204" pitchFamily="34" charset="0"/>
+              </a:rPr>
+              <a:t>, </a:t>
+            </a:r>
+            <a:r>
+              <a:rPr lang="en-US" sz="1600" dirty="0" err="1">
+                <a:latin typeface="Calibri" panose="020F0502020204030204" pitchFamily="34" charset="0"/>
+                <a:ea typeface="Calibri" panose="020F0502020204030204" pitchFamily="34" charset="0"/>
+                <a:cs typeface="Calibri" panose="020F0502020204030204" pitchFamily="34" charset="0"/>
+              </a:rPr>
+              <a:t>lấy</a:t>
+            </a:r>
+            <a:r>
+              <a:rPr lang="en-US" sz="1600" dirty="0">
+                <a:latin typeface="Calibri" panose="020F0502020204030204" pitchFamily="34" charset="0"/>
+                <a:ea typeface="Calibri" panose="020F0502020204030204" pitchFamily="34" charset="0"/>
+                <a:cs typeface="Calibri" panose="020F0502020204030204" pitchFamily="34" charset="0"/>
+              </a:rPr>
+              <a:t> </a:t>
+            </a:r>
+            <a:r>
+              <a:rPr lang="en-US" sz="1600" dirty="0" err="1">
+                <a:latin typeface="Calibri" panose="020F0502020204030204" pitchFamily="34" charset="0"/>
+                <a:ea typeface="Calibri" panose="020F0502020204030204" pitchFamily="34" charset="0"/>
+                <a:cs typeface="Calibri" panose="020F0502020204030204" pitchFamily="34" charset="0"/>
+              </a:rPr>
+              <a:t>ví</a:t>
+            </a:r>
+            <a:r>
+              <a:rPr lang="en-US" sz="1600" dirty="0">
+                <a:latin typeface="Calibri" panose="020F0502020204030204" pitchFamily="34" charset="0"/>
+                <a:ea typeface="Calibri" panose="020F0502020204030204" pitchFamily="34" charset="0"/>
+                <a:cs typeface="Calibri" panose="020F0502020204030204" pitchFamily="34" charset="0"/>
+              </a:rPr>
+              <a:t> </a:t>
+            </a:r>
+            <a:r>
+              <a:rPr lang="en-US" sz="1600" dirty="0" err="1">
+                <a:latin typeface="Calibri" panose="020F0502020204030204" pitchFamily="34" charset="0"/>
+                <a:ea typeface="Calibri" panose="020F0502020204030204" pitchFamily="34" charset="0"/>
+                <a:cs typeface="Calibri" panose="020F0502020204030204" pitchFamily="34" charset="0"/>
+              </a:rPr>
+              <a:t>dụ</a:t>
+            </a:r>
+            <a:r>
+              <a:rPr lang="en-US" sz="1600" dirty="0">
+                <a:latin typeface="Calibri" panose="020F0502020204030204" pitchFamily="34" charset="0"/>
+                <a:ea typeface="Calibri" panose="020F0502020204030204" pitchFamily="34" charset="0"/>
+                <a:cs typeface="Calibri" panose="020F0502020204030204" pitchFamily="34" charset="0"/>
+              </a:rPr>
+              <a:t> </a:t>
+            </a:r>
+            <a:r>
+              <a:rPr lang="en-US" sz="1600" dirty="0" err="1">
+                <a:latin typeface="Calibri" panose="020F0502020204030204" pitchFamily="34" charset="0"/>
+                <a:ea typeface="Calibri" panose="020F0502020204030204" pitchFamily="34" charset="0"/>
+                <a:cs typeface="Calibri" panose="020F0502020204030204" pitchFamily="34" charset="0"/>
+              </a:rPr>
+              <a:t>dòng</a:t>
+            </a:r>
+            <a:r>
+              <a:rPr lang="en-US" sz="1600" dirty="0">
+                <a:latin typeface="Calibri" panose="020F0502020204030204" pitchFamily="34" charset="0"/>
+                <a:ea typeface="Calibri" panose="020F0502020204030204" pitchFamily="34" charset="0"/>
+                <a:cs typeface="Calibri" panose="020F0502020204030204" pitchFamily="34" charset="0"/>
+              </a:rPr>
+              <a:t> </a:t>
+            </a:r>
+            <a:r>
+              <a:rPr lang="en-US" sz="1600" dirty="0" err="1">
+                <a:latin typeface="Calibri" panose="020F0502020204030204" pitchFamily="34" charset="0"/>
+                <a:ea typeface="Calibri" panose="020F0502020204030204" pitchFamily="34" charset="0"/>
+                <a:cs typeface="Calibri" panose="020F0502020204030204" pitchFamily="34" charset="0"/>
+              </a:rPr>
+              <a:t>đầu</a:t>
+            </a:r>
+            <a:r>
+              <a:rPr lang="en-US" sz="1600" dirty="0">
+                <a:latin typeface="Calibri" panose="020F0502020204030204" pitchFamily="34" charset="0"/>
+                <a:ea typeface="Calibri" panose="020F0502020204030204" pitchFamily="34" charset="0"/>
+                <a:cs typeface="Calibri" panose="020F0502020204030204" pitchFamily="34" charset="0"/>
+              </a:rPr>
+              <a:t> </a:t>
+            </a:r>
+            <a:r>
+              <a:rPr lang="en-US" sz="1600" dirty="0" err="1">
+                <a:latin typeface="Calibri" panose="020F0502020204030204" pitchFamily="34" charset="0"/>
+                <a:ea typeface="Calibri" panose="020F0502020204030204" pitchFamily="34" charset="0"/>
+                <a:cs typeface="Calibri" panose="020F0502020204030204" pitchFamily="34" charset="0"/>
+              </a:rPr>
+              <a:t>tiên</a:t>
+            </a:r>
+            <a:r>
+              <a:rPr lang="en-US" sz="1600" dirty="0">
+                <a:latin typeface="Calibri" panose="020F0502020204030204" pitchFamily="34" charset="0"/>
+                <a:ea typeface="Calibri" panose="020F0502020204030204" pitchFamily="34" charset="0"/>
+                <a:cs typeface="Calibri" panose="020F0502020204030204" pitchFamily="34" charset="0"/>
+              </a:rPr>
+              <a:t>:</a:t>
+            </a:r>
           </a:p>
           <a:p>
             <a:pPr marL="0" marR="0" algn="just">
@@ -18015,25 +18199,16 @@
                 <a:ea typeface="Calibri" panose="020F0502020204030204" pitchFamily="34" charset="0"/>
                 <a:cs typeface="Calibri" panose="020F0502020204030204" pitchFamily="34" charset="0"/>
               </a:rPr>
-              <a:t>(Max2</a:t>
-            </a:r>
-            <a:r>
-              <a:rPr lang="vi-VN" sz="1600" kern="0">
+              <a:t>(Max2)</a:t>
+            </a:r>
+            <a:r>
+              <a:rPr lang="en-US" sz="1600" kern="0" dirty="0">
                 <a:effectLst/>
                 <a:latin typeface="Calibri" panose="020F0502020204030204" pitchFamily="34" charset="0"/>
                 <a:ea typeface="Calibri" panose="020F0502020204030204" pitchFamily="34" charset="0"/>
                 <a:cs typeface="Calibri" panose="020F0502020204030204" pitchFamily="34" charset="0"/>
               </a:rPr>
-              <a:t>)</a:t>
-            </a:r>
-            <a:r>
-              <a:rPr lang="en-US" sz="1600" kern="0">
-                <a:effectLst/>
-                <a:latin typeface="Calibri" panose="020F0502020204030204" pitchFamily="34" charset="0"/>
-                <a:ea typeface="Calibri" panose="020F0502020204030204" pitchFamily="34" charset="0"/>
-                <a:cs typeface="Calibri" panose="020F0502020204030204" pitchFamily="34" charset="0"/>
-              </a:rPr>
-              <a:t> ta biết </a:t>
+              <a:t> ta </a:t>
             </a:r>
             <a:r>
               <a:rPr lang="en-US" sz="1600" kern="0" dirty="0" err="1">
@@ -18042,7 +18217,7 @@
                 <a:ea typeface="Calibri" panose="020F0502020204030204" pitchFamily="34" charset="0"/>
                 <a:cs typeface="Calibri" panose="020F0502020204030204" pitchFamily="34" charset="0"/>
               </a:rPr>
-              <a:t>nó</a:t>
+              <a:t>biết</a:t>
             </a:r>
             <a:r>
               <a:rPr lang="en-US" sz="1600" kern="0" dirty="0">
@@ -18060,7 +18235,7 @@
                 <a:ea typeface="Calibri" panose="020F0502020204030204" pitchFamily="34" charset="0"/>
                 <a:cs typeface="Calibri" panose="020F0502020204030204" pitchFamily="34" charset="0"/>
               </a:rPr>
-              <a:t>được</a:t>
+              <a:t>nó</a:t>
             </a:r>
             <a:r>
               <a:rPr lang="en-US" sz="1600" kern="0" dirty="0">
@@ -18078,7 +18253,7 @@
                 <a:ea typeface="Calibri" panose="020F0502020204030204" pitchFamily="34" charset="0"/>
                 <a:cs typeface="Calibri" panose="020F0502020204030204" pitchFamily="34" charset="0"/>
               </a:rPr>
-              <a:t>phân</a:t>
+              <a:t>được</a:t>
             </a:r>
             <a:r>
               <a:rPr lang="en-US" sz="1600" kern="0" dirty="0">
@@ -18090,29 +18265,59 @@
               <a:t> </a:t>
             </a:r>
             <a:r>
-              <a:rPr lang="en-US" sz="1600" kern="0" err="1">
+              <a:rPr lang="en-US" sz="1600" kern="0" dirty="0" err="1">
                 <a:effectLst/>
                 <a:latin typeface="Calibri" panose="020F0502020204030204" pitchFamily="34" charset="0"/>
                 <a:ea typeface="Calibri" panose="020F0502020204030204" pitchFamily="34" charset="0"/>
                 <a:cs typeface="Calibri" panose="020F0502020204030204" pitchFamily="34" charset="0"/>
               </a:rPr>
+              <a:t>phân</a:t>
+            </a:r>
+            <a:r>
+              <a:rPr lang="en-US" sz="1600" kern="0" dirty="0">
+                <a:effectLst/>
+                <a:latin typeface="Calibri" panose="020F0502020204030204" pitchFamily="34" charset="0"/>
+                <a:ea typeface="Calibri" panose="020F0502020204030204" pitchFamily="34" charset="0"/>
+                <a:cs typeface="Calibri" panose="020F0502020204030204" pitchFamily="34" charset="0"/>
+              </a:rPr>
+              <a:t> </a:t>
+            </a:r>
+            <a:r>
+              <a:rPr lang="en-US" sz="1600" kern="0" dirty="0" err="1">
+                <a:effectLst/>
+                <a:latin typeface="Calibri" panose="020F0502020204030204" pitchFamily="34" charset="0"/>
+                <a:ea typeface="Calibri" panose="020F0502020204030204" pitchFamily="34" charset="0"/>
+                <a:cs typeface="Calibri" panose="020F0502020204030204" pitchFamily="34" charset="0"/>
+              </a:rPr>
               <a:t>công</a:t>
             </a:r>
             <a:r>
-              <a:rPr lang="en-US" sz="1600" kern="0">
+              <a:rPr lang="en-US" sz="1600" kern="0" dirty="0">
                 <a:effectLst/>
                 <a:latin typeface="Calibri" panose="020F0502020204030204" pitchFamily="34" charset="0"/>
                 <a:ea typeface="Calibri" panose="020F0502020204030204" pitchFamily="34" charset="0"/>
                 <a:cs typeface="Calibri" panose="020F0502020204030204" pitchFamily="34" charset="0"/>
               </a:rPr>
-              <a:t> cho PMQ</a:t>
-            </a:r>
-            <a:endParaRPr lang="en-US" sz="1600" kern="0" dirty="0">
-              <a:effectLst/>
-              <a:latin typeface="Calibri" panose="020F0502020204030204" pitchFamily="34" charset="0"/>
-              <a:ea typeface="Calibri" panose="020F0502020204030204" pitchFamily="34" charset="0"/>
-              <a:cs typeface="Calibri" panose="020F0502020204030204" pitchFamily="34" charset="0"/>
-            </a:endParaRPr>
+              <a:t> </a:t>
+            </a:r>
+            <a:r>
+              <a:rPr lang="en-US" sz="1600" kern="0" dirty="0" err="1">
+                <a:effectLst/>
+                <a:latin typeface="Calibri" panose="020F0502020204030204" pitchFamily="34" charset="0"/>
+                <a:ea typeface="Calibri" panose="020F0502020204030204" pitchFamily="34" charset="0"/>
+                <a:cs typeface="Calibri" panose="020F0502020204030204" pitchFamily="34" charset="0"/>
+              </a:rPr>
+              <a:t>cho</a:t>
+            </a:r>
+            <a:r>
+              <a:rPr lang="en-US" sz="1600" kern="0" dirty="0">
+                <a:effectLst/>
+                <a:latin typeface="Calibri" panose="020F0502020204030204" pitchFamily="34" charset="0"/>
+                <a:ea typeface="Calibri" panose="020F0502020204030204" pitchFamily="34" charset="0"/>
+                <a:cs typeface="Calibri" panose="020F0502020204030204" pitchFamily="34" charset="0"/>
+              </a:rPr>
+              <a:t> PMQ</a:t>
+            </a:r>
           </a:p>
           <a:p>
             <a:pPr marL="0" marR="0" algn="just">
@@ -18159,7 +18364,7 @@
               <a:t> </a:t>
             </a:r>
             <a:r>
-              <a:rPr lang="en-US" sz="1600" err="1">
+              <a:rPr lang="en-US" sz="1600" dirty="0" err="1">
                 <a:latin typeface="Calibri" panose="020F0502020204030204" pitchFamily="34" charset="0"/>
                 <a:ea typeface="Calibri" panose="020F0502020204030204" pitchFamily="34" charset="0"/>
                 <a:cs typeface="Calibri" panose="020F0502020204030204" pitchFamily="34" charset="0"/>
@@ -18167,12 +18372,12 @@
               <a:t>bảng</a:t>
             </a:r>
             <a:r>
-              <a:rPr lang="en-US" sz="1600">
-                <a:latin typeface="Calibri" panose="020F0502020204030204" pitchFamily="34" charset="0"/>
-                <a:ea typeface="Calibri" panose="020F0502020204030204" pitchFamily="34" charset="0"/>
-                <a:cs typeface="Calibri" panose="020F0502020204030204" pitchFamily="34" charset="0"/>
-              </a:rPr>
-              <a:t> Member capability thì </a:t>
+              <a:rPr lang="en-US" sz="1600" dirty="0">
+                <a:latin typeface="Calibri" panose="020F0502020204030204" pitchFamily="34" charset="0"/>
+                <a:ea typeface="Calibri" panose="020F0502020204030204" pitchFamily="34" charset="0"/>
+                <a:cs typeface="Calibri" panose="020F0502020204030204" pitchFamily="34" charset="0"/>
+              </a:rPr>
+              <a:t> Member capability </a:t>
             </a:r>
             <a:r>
               <a:rPr lang="en-US" sz="1600" dirty="0" err="1">
@@ -18180,6 +18385,22 @@
                 <a:ea typeface="Calibri" panose="020F0502020204030204" pitchFamily="34" charset="0"/>
                 <a:cs typeface="Calibri" panose="020F0502020204030204" pitchFamily="34" charset="0"/>
               </a:rPr>
+              <a:t>thì</a:t>
+            </a:r>
+            <a:r>
+              <a:rPr lang="en-US" sz="1600" dirty="0">
+                <a:latin typeface="Calibri" panose="020F0502020204030204" pitchFamily="34" charset="0"/>
+                <a:ea typeface="Calibri" panose="020F0502020204030204" pitchFamily="34" charset="0"/>
+                <a:cs typeface="Calibri" panose="020F0502020204030204" pitchFamily="34" charset="0"/>
+              </a:rPr>
+              <a:t> </a:t>
+            </a:r>
+            <a:r>
+              <a:rPr lang="en-US" sz="1600" dirty="0" err="1">
+                <a:latin typeface="Calibri" panose="020F0502020204030204" pitchFamily="34" charset="0"/>
+                <a:ea typeface="Calibri" panose="020F0502020204030204" pitchFamily="34" charset="0"/>
+                <a:cs typeface="Calibri" panose="020F0502020204030204" pitchFamily="34" charset="0"/>
+              </a:rPr>
               <a:t>thấy</a:t>
             </a:r>
             <a:r>
@@ -18231,7 +18452,7 @@
               <a:t>Fronend</a:t>
             </a:r>
             <a:r>
-              <a:rPr lang="en-US" sz="1600">
+              <a:rPr lang="en-US" sz="1600" dirty="0">
                 <a:latin typeface="Calibri" panose="020F0502020204030204" pitchFamily="34" charset="0"/>
                 <a:ea typeface="Calibri" panose="020F0502020204030204" pitchFamily="34" charset="0"/>
                 <a:cs typeface="Calibri" panose="020F0502020204030204" pitchFamily="34" charset="0"/>
@@ -18239,7 +18460,7 @@
               <a:t>, Backend, Database </a:t>
             </a:r>
             <a:r>
-              <a:rPr lang="en-US" sz="1600" err="1">
+              <a:rPr lang="en-US" sz="1600" dirty="0" err="1">
                 <a:latin typeface="Calibri" panose="020F0502020204030204" pitchFamily="34" charset="0"/>
                 <a:ea typeface="Calibri" panose="020F0502020204030204" pitchFamily="34" charset="0"/>
                 <a:cs typeface="Calibri" panose="020F0502020204030204" pitchFamily="34" charset="0"/>
@@ -18247,15 +18468,31 @@
               <a:t>của</a:t>
             </a:r>
             <a:r>
-              <a:rPr lang="en-US" sz="1600">
-                <a:latin typeface="Calibri" panose="020F0502020204030204" pitchFamily="34" charset="0"/>
-                <a:ea typeface="Calibri" panose="020F0502020204030204" pitchFamily="34" charset="0"/>
-                <a:cs typeface="Calibri" panose="020F0502020204030204" pitchFamily="34" charset="0"/>
-              </a:rPr>
-              <a:t> thành </a:t>
-            </a:r>
-            <a:r>
-              <a:rPr lang="en-US" sz="1600" err="1">
+              <a:rPr lang="en-US" sz="1600" dirty="0">
+                <a:latin typeface="Calibri" panose="020F0502020204030204" pitchFamily="34" charset="0"/>
+                <a:ea typeface="Calibri" panose="020F0502020204030204" pitchFamily="34" charset="0"/>
+                <a:cs typeface="Calibri" panose="020F0502020204030204" pitchFamily="34" charset="0"/>
+              </a:rPr>
+              <a:t> </a:t>
+            </a:r>
+            <a:r>
+              <a:rPr lang="en-US" sz="1600" dirty="0" err="1">
+                <a:latin typeface="Calibri" panose="020F0502020204030204" pitchFamily="34" charset="0"/>
+                <a:ea typeface="Calibri" panose="020F0502020204030204" pitchFamily="34" charset="0"/>
+                <a:cs typeface="Calibri" panose="020F0502020204030204" pitchFamily="34" charset="0"/>
+              </a:rPr>
+              <a:t>thành</a:t>
+            </a:r>
+            <a:r>
+              <a:rPr lang="en-US" sz="1600" dirty="0">
+                <a:latin typeface="Calibri" panose="020F0502020204030204" pitchFamily="34" charset="0"/>
+                <a:ea typeface="Calibri" panose="020F0502020204030204" pitchFamily="34" charset="0"/>
+                <a:cs typeface="Calibri" panose="020F0502020204030204" pitchFamily="34" charset="0"/>
+              </a:rPr>
+              <a:t> </a:t>
+            </a:r>
+            <a:r>
+              <a:rPr lang="en-US" sz="1600" dirty="0" err="1">
                 <a:latin typeface="Calibri" panose="020F0502020204030204" pitchFamily="34" charset="0"/>
                 <a:ea typeface="Calibri" panose="020F0502020204030204" pitchFamily="34" charset="0"/>
                 <a:cs typeface="Calibri" panose="020F0502020204030204" pitchFamily="34" charset="0"/>
@@ -18263,12 +18500,12 @@
               <a:t>viên</a:t>
             </a:r>
             <a:r>
-              <a:rPr lang="en-US" sz="1600">
-                <a:latin typeface="Calibri" panose="020F0502020204030204" pitchFamily="34" charset="0"/>
-                <a:ea typeface="Calibri" panose="020F0502020204030204" pitchFamily="34" charset="0"/>
-                <a:cs typeface="Calibri" panose="020F0502020204030204" pitchFamily="34" charset="0"/>
-              </a:rPr>
-              <a:t> PMQ và </a:t>
+              <a:rPr lang="en-US" sz="1600" dirty="0">
+                <a:latin typeface="Calibri" panose="020F0502020204030204" pitchFamily="34" charset="0"/>
+                <a:ea typeface="Calibri" panose="020F0502020204030204" pitchFamily="34" charset="0"/>
+                <a:cs typeface="Calibri" panose="020F0502020204030204" pitchFamily="34" charset="0"/>
+              </a:rPr>
+              <a:t> PMQ </a:t>
             </a:r>
             <a:r>
               <a:rPr lang="en-US" sz="1600" dirty="0" err="1">
@@ -18276,6 +18513,22 @@
                 <a:ea typeface="Calibri" panose="020F0502020204030204" pitchFamily="34" charset="0"/>
                 <a:cs typeface="Calibri" panose="020F0502020204030204" pitchFamily="34" charset="0"/>
               </a:rPr>
+              <a:t>và</a:t>
+            </a:r>
+            <a:r>
+              <a:rPr lang="en-US" sz="1600" dirty="0">
+                <a:latin typeface="Calibri" panose="020F0502020204030204" pitchFamily="34" charset="0"/>
+                <a:ea typeface="Calibri" panose="020F0502020204030204" pitchFamily="34" charset="0"/>
+                <a:cs typeface="Calibri" panose="020F0502020204030204" pitchFamily="34" charset="0"/>
+              </a:rPr>
+              <a:t> </a:t>
+            </a:r>
+            <a:r>
+              <a:rPr lang="en-US" sz="1600" dirty="0" err="1">
+                <a:latin typeface="Calibri" panose="020F0502020204030204" pitchFamily="34" charset="0"/>
+                <a:ea typeface="Calibri" panose="020F0502020204030204" pitchFamily="34" charset="0"/>
+                <a:cs typeface="Calibri" panose="020F0502020204030204" pitchFamily="34" charset="0"/>
+              </a:rPr>
               <a:t>cộng</a:t>
             </a:r>
             <a:r>
@@ -18319,7 +18572,7 @@
               <a:t> </a:t>
             </a:r>
             <a:r>
-              <a:rPr lang="en-US" sz="1600" err="1">
+              <a:rPr lang="en-US" sz="1600" dirty="0" err="1">
                 <a:latin typeface="Calibri" panose="020F0502020204030204" pitchFamily="34" charset="0"/>
                 <a:ea typeface="Calibri" panose="020F0502020204030204" pitchFamily="34" charset="0"/>
                 <a:cs typeface="Calibri" panose="020F0502020204030204" pitchFamily="34" charset="0"/>
@@ -18327,18 +18580,29 @@
               <a:t>phần</a:t>
             </a:r>
             <a:r>
-              <a:rPr lang="en-US" sz="1600">
-                <a:latin typeface="Calibri" panose="020F0502020204030204" pitchFamily="34" charset="0"/>
-                <a:ea typeface="Calibri" panose="020F0502020204030204" pitchFamily="34" charset="0"/>
-                <a:cs typeface="Calibri" panose="020F0502020204030204" pitchFamily="34" charset="0"/>
-              </a:rPr>
-              <a:t> là 2 + 2 + 2 </a:t>
-            </a:r>
-            <a:endParaRPr lang="en-US" sz="1600" dirty="0">
-              <a:latin typeface="Calibri" panose="020F0502020204030204" pitchFamily="34" charset="0"/>
-              <a:ea typeface="Calibri" panose="020F0502020204030204" pitchFamily="34" charset="0"/>
-              <a:cs typeface="Calibri" panose="020F0502020204030204" pitchFamily="34" charset="0"/>
-            </a:endParaRPr>
+              <a:rPr lang="en-US" sz="1600" dirty="0">
+                <a:latin typeface="Calibri" panose="020F0502020204030204" pitchFamily="34" charset="0"/>
+                <a:ea typeface="Calibri" panose="020F0502020204030204" pitchFamily="34" charset="0"/>
+                <a:cs typeface="Calibri" panose="020F0502020204030204" pitchFamily="34" charset="0"/>
+              </a:rPr>
+              <a:t> </a:t>
+            </a:r>
+            <a:r>
+              <a:rPr lang="en-US" sz="1600" dirty="0" err="1">
+                <a:latin typeface="Calibri" panose="020F0502020204030204" pitchFamily="34" charset="0"/>
+                <a:ea typeface="Calibri" panose="020F0502020204030204" pitchFamily="34" charset="0"/>
+                <a:cs typeface="Calibri" panose="020F0502020204030204" pitchFamily="34" charset="0"/>
+              </a:rPr>
+              <a:t>là</a:t>
+            </a:r>
+            <a:r>
+              <a:rPr lang="en-US" sz="1600" dirty="0">
+                <a:latin typeface="Calibri" panose="020F0502020204030204" pitchFamily="34" charset="0"/>
+                <a:ea typeface="Calibri" panose="020F0502020204030204" pitchFamily="34" charset="0"/>
+                <a:cs typeface="Calibri" panose="020F0502020204030204" pitchFamily="34" charset="0"/>
+              </a:rPr>
+              <a:t> 2 + 2 + 2 </a:t>
+            </a:r>
           </a:p>
         </p:txBody>
       </p:sp>
@@ -31658,7 +31922,7 @@
           <p:nvPr>
             <p:extLst>
               <p:ext uri="{D42A27DB-BD31-4B8C-83A1-F6EECF244321}">
-                <p14:modId xmlns:p14="http://schemas.microsoft.com/office/powerpoint/2010/main" val="2199904659"/>
+                <p14:modId xmlns:p14="http://schemas.microsoft.com/office/powerpoint/2010/main" val="2548114366"/>
               </p:ext>
             </p:extLst>
           </p:nvPr>
@@ -31880,7 +32144,7 @@
                         </a:spcAft>
                       </a:pPr>
                       <a:r>
-                        <a:rPr lang="en-US" sz="1100">
+                        <a:rPr lang="en-US" sz="1100" dirty="0">
                           <a:effectLst/>
                           <a:latin typeface="Calibri" panose="020F0502020204030204" pitchFamily="34" charset="0"/>
                           <a:ea typeface="Calibri" panose="020F0502020204030204" pitchFamily="34" charset="0"/>
@@ -31888,7 +32152,7 @@
                         </a:rPr>
                         <a:t>Customer</a:t>
                       </a:r>
-                      <a:endParaRPr lang="en-US" sz="800">
+                      <a:endParaRPr lang="en-US" sz="800" dirty="0">
                         <a:effectLst/>
                         <a:latin typeface="Calibri" panose="020F0502020204030204" pitchFamily="34" charset="0"/>
                         <a:ea typeface="Calibri" panose="020F0502020204030204" pitchFamily="34" charset="0"/>
@@ -31956,7 +32220,7 @@
                           <a:ea typeface="Calibri" panose="020F0502020204030204" pitchFamily="34" charset="0"/>
                           <a:cs typeface="Calibri" panose="020F0502020204030204" pitchFamily="34" charset="0"/>
                         </a:rPr>
-                        <a:t> Phạm Minh Quân</a:t>
+                        <a:t> </a:t>
                       </a:r>
                       <a:endParaRPr lang="en-US" sz="800" dirty="0">
                         <a:effectLst/>
